--- a/mkdocs/src/assets/images/iter8++images.pptx
+++ b/mkdocs/src/assets/images/iter8++images.pptx
@@ -5,7 +5,7 @@
     <p:sldMasterId id="2147483648" r:id="rId1"/>
   </p:sldMasterIdLst>
   <p:notesMasterIdLst>
-    <p:notesMasterId r:id="rId16"/>
+    <p:notesMasterId r:id="rId19"/>
   </p:notesMasterIdLst>
   <p:sldIdLst>
     <p:sldId id="263" r:id="rId2"/>
@@ -22,6 +22,9 @@
     <p:sldId id="303" r:id="rId13"/>
     <p:sldId id="304" r:id="rId14"/>
     <p:sldId id="305" r:id="rId15"/>
+    <p:sldId id="306" r:id="rId16"/>
+    <p:sldId id="307" r:id="rId17"/>
+    <p:sldId id="308" r:id="rId18"/>
   </p:sldIdLst>
   <p:sldSz cx="12192000" cy="6858000"/>
   <p:notesSz cx="6858000" cy="9144000"/>
@@ -552,6 +555,90 @@
     <p:extLst>
       <p:ext uri="{BB962C8B-B14F-4D97-AF65-F5344CB8AC3E}">
         <p14:creationId xmlns:p14="http://schemas.microsoft.com/office/powerpoint/2010/main" val="3610960310"/>
+      </p:ext>
+    </p:extLst>
+  </p:cSld>
+  <p:clrMapOvr>
+    <a:masterClrMapping/>
+  </p:clrMapOvr>
+</p:notes>
+</file>
+
+<file path=ppt/notesSlides/notesSlide2.xml><?xml version="1.0" encoding="utf-8"?>
+<p:notes xmlns:a="http://schemas.openxmlformats.org/drawingml/2006/main" xmlns:r="http://schemas.openxmlformats.org/officeDocument/2006/relationships" xmlns:p="http://schemas.openxmlformats.org/presentationml/2006/main">
+  <p:cSld>
+    <p:spTree>
+      <p:nvGrpSpPr>
+        <p:cNvPr id="1" name=""/>
+        <p:cNvGrpSpPr/>
+        <p:nvPr/>
+      </p:nvGrpSpPr>
+      <p:grpSpPr>
+        <a:xfrm>
+          <a:off x="0" y="0"/>
+          <a:ext cx="0" cy="0"/>
+          <a:chOff x="0" y="0"/>
+          <a:chExt cx="0" cy="0"/>
+        </a:xfrm>
+      </p:grpSpPr>
+      <p:sp>
+        <p:nvSpPr>
+          <p:cNvPr id="2" name="Slide Image Placeholder 1"/>
+          <p:cNvSpPr>
+            <a:spLocks noGrp="1" noRot="1" noChangeAspect="1"/>
+          </p:cNvSpPr>
+          <p:nvPr>
+            <p:ph type="sldImg"/>
+          </p:nvPr>
+        </p:nvSpPr>
+        <p:spPr/>
+      </p:sp>
+      <p:sp>
+        <p:nvSpPr>
+          <p:cNvPr id="3" name="Notes Placeholder 2"/>
+          <p:cNvSpPr>
+            <a:spLocks noGrp="1"/>
+          </p:cNvSpPr>
+          <p:nvPr>
+            <p:ph type="body" idx="1"/>
+          </p:nvPr>
+        </p:nvSpPr>
+        <p:spPr/>
+        <p:txBody>
+          <a:bodyPr/>
+          <a:lstStyle/>
+          <a:p>
+            <a:endParaRPr lang="en-US" dirty="0"/>
+          </a:p>
+        </p:txBody>
+      </p:sp>
+      <p:sp>
+        <p:nvSpPr>
+          <p:cNvPr id="4" name="Slide Number Placeholder 3"/>
+          <p:cNvSpPr>
+            <a:spLocks noGrp="1"/>
+          </p:cNvSpPr>
+          <p:nvPr>
+            <p:ph type="sldNum" sz="quarter" idx="5"/>
+          </p:nvPr>
+        </p:nvSpPr>
+        <p:spPr/>
+        <p:txBody>
+          <a:bodyPr/>
+          <a:lstStyle/>
+          <a:p>
+            <a:fld id="{38344E6D-279C-6147-976F-4BE3F315D9D6}" type="slidenum">
+              <a:rPr lang="en-US" smtClean="0"/>
+              <a:t>17</a:t>
+            </a:fld>
+            <a:endParaRPr lang="en-US"/>
+          </a:p>
+        </p:txBody>
+      </p:sp>
+    </p:spTree>
+    <p:extLst>
+      <p:ext uri="{BB962C8B-B14F-4D97-AF65-F5344CB8AC3E}">
+        <p14:creationId xmlns:p14="http://schemas.microsoft.com/office/powerpoint/2010/main" val="483617037"/>
       </p:ext>
     </p:extLst>
   </p:cSld>
@@ -14475,6 +14562,7534 @@
     <p:extLst>
       <p:ext uri="{BB962C8B-B14F-4D97-AF65-F5344CB8AC3E}">
         <p14:creationId xmlns:p14="http://schemas.microsoft.com/office/powerpoint/2010/main" val="533565767"/>
+      </p:ext>
+    </p:extLst>
+  </p:cSld>
+  <p:clrMapOvr>
+    <a:masterClrMapping/>
+  </p:clrMapOvr>
+</p:sld>
+</file>
+
+<file path=ppt/slides/slide15.xml><?xml version="1.0" encoding="utf-8"?>
+<p:sld xmlns:a="http://schemas.openxmlformats.org/drawingml/2006/main" xmlns:r="http://schemas.openxmlformats.org/officeDocument/2006/relationships" xmlns:p="http://schemas.openxmlformats.org/presentationml/2006/main">
+  <p:cSld>
+    <p:spTree>
+      <p:nvGrpSpPr>
+        <p:cNvPr id="1" name=""/>
+        <p:cNvGrpSpPr/>
+        <p:nvPr/>
+      </p:nvGrpSpPr>
+      <p:grpSpPr>
+        <a:xfrm>
+          <a:off x="0" y="0"/>
+          <a:ext cx="0" cy="0"/>
+          <a:chOff x="0" y="0"/>
+          <a:chExt cx="0" cy="0"/>
+        </a:xfrm>
+      </p:grpSpPr>
+      <p:sp>
+        <p:nvSpPr>
+          <p:cNvPr id="2" name="Title 1">
+            <a:extLst>
+              <a:ext uri="{FF2B5EF4-FFF2-40B4-BE49-F238E27FC236}">
+                <a16:creationId xmlns:a16="http://schemas.microsoft.com/office/drawing/2014/main" id="{6DB0E1C8-A4F5-7E45-847C-795C77854902}"/>
+              </a:ext>
+            </a:extLst>
+          </p:cNvPr>
+          <p:cNvSpPr>
+            <a:spLocks noGrp="1"/>
+          </p:cNvSpPr>
+          <p:nvPr>
+            <p:ph type="ctrTitle"/>
+          </p:nvPr>
+        </p:nvSpPr>
+        <p:spPr/>
+        <p:txBody>
+          <a:bodyPr/>
+          <a:lstStyle/>
+          <a:p>
+            <a:r>
+              <a:rPr lang="en-US" dirty="0"/>
+              <a:t>V0.3.0</a:t>
+            </a:r>
+          </a:p>
+        </p:txBody>
+      </p:sp>
+      <p:sp>
+        <p:nvSpPr>
+          <p:cNvPr id="3" name="Subtitle 2">
+            <a:extLst>
+              <a:ext uri="{FF2B5EF4-FFF2-40B4-BE49-F238E27FC236}">
+                <a16:creationId xmlns:a16="http://schemas.microsoft.com/office/drawing/2014/main" id="{6C558A4D-20CC-FB48-A99A-34A5839F52CF}"/>
+              </a:ext>
+            </a:extLst>
+          </p:cNvPr>
+          <p:cNvSpPr>
+            <a:spLocks noGrp="1"/>
+          </p:cNvSpPr>
+          <p:nvPr>
+            <p:ph type="subTitle" idx="1"/>
+          </p:nvPr>
+        </p:nvSpPr>
+        <p:spPr/>
+        <p:txBody>
+          <a:bodyPr/>
+          <a:lstStyle/>
+          <a:p>
+            <a:endParaRPr lang="en-US"/>
+          </a:p>
+        </p:txBody>
+      </p:sp>
+    </p:spTree>
+    <p:extLst>
+      <p:ext uri="{BB962C8B-B14F-4D97-AF65-F5344CB8AC3E}">
+        <p14:creationId xmlns:p14="http://schemas.microsoft.com/office/powerpoint/2010/main" val="629870089"/>
+      </p:ext>
+    </p:extLst>
+  </p:cSld>
+  <p:clrMapOvr>
+    <a:masterClrMapping/>
+  </p:clrMapOvr>
+</p:sld>
+</file>
+
+<file path=ppt/slides/slide16.xml><?xml version="1.0" encoding="utf-8"?>
+<p:sld xmlns:a="http://schemas.openxmlformats.org/drawingml/2006/main" xmlns:r="http://schemas.openxmlformats.org/officeDocument/2006/relationships" xmlns:p="http://schemas.openxmlformats.org/presentationml/2006/main">
+  <p:cSld>
+    <p:bg>
+      <p:bgPr>
+        <a:solidFill>
+          <a:schemeClr val="bg1"/>
+        </a:solidFill>
+        <a:effectLst/>
+      </p:bgPr>
+    </p:bg>
+    <p:spTree>
+      <p:nvGrpSpPr>
+        <p:cNvPr id="1" name=""/>
+        <p:cNvGrpSpPr/>
+        <p:nvPr/>
+      </p:nvGrpSpPr>
+      <p:grpSpPr>
+        <a:xfrm>
+          <a:off x="0" y="0"/>
+          <a:ext cx="0" cy="0"/>
+          <a:chOff x="0" y="0"/>
+          <a:chExt cx="0" cy="0"/>
+        </a:xfrm>
+      </p:grpSpPr>
+      <p:sp>
+        <p:nvSpPr>
+          <p:cNvPr id="11" name="Rectangle 10">
+            <a:extLst>
+              <a:ext uri="{FF2B5EF4-FFF2-40B4-BE49-F238E27FC236}">
+                <a16:creationId xmlns:a16="http://schemas.microsoft.com/office/drawing/2014/main" id="{65137B27-89CA-7447-8A02-1607A375D4DA}"/>
+              </a:ext>
+            </a:extLst>
+          </p:cNvPr>
+          <p:cNvSpPr/>
+          <p:nvPr/>
+        </p:nvSpPr>
+        <p:spPr>
+          <a:xfrm>
+            <a:off x="0" y="1086522"/>
+            <a:ext cx="12191999" cy="5077610"/>
+          </a:xfrm>
+          <a:prstGeom prst="rect">
+            <a:avLst/>
+          </a:prstGeom>
+          <a:solidFill>
+            <a:schemeClr val="bg1"/>
+          </a:solidFill>
+          <a:ln>
+            <a:solidFill>
+              <a:schemeClr val="bg1"/>
+            </a:solidFill>
+          </a:ln>
+        </p:spPr>
+        <p:style>
+          <a:lnRef idx="2">
+            <a:schemeClr val="accent1">
+              <a:shade val="50000"/>
+            </a:schemeClr>
+          </a:lnRef>
+          <a:fillRef idx="1">
+            <a:schemeClr val="accent1"/>
+          </a:fillRef>
+          <a:effectRef idx="0">
+            <a:schemeClr val="accent1"/>
+          </a:effectRef>
+          <a:fontRef idx="minor">
+            <a:schemeClr val="lt1"/>
+          </a:fontRef>
+        </p:style>
+        <p:txBody>
+          <a:bodyPr rtlCol="0" anchor="ctr"/>
+          <a:lstStyle/>
+          <a:p>
+            <a:pPr algn="ctr"/>
+            <a:endParaRPr lang="en-US"/>
+          </a:p>
+        </p:txBody>
+      </p:sp>
+      <p:sp>
+        <p:nvSpPr>
+          <p:cNvPr id="10" name="TextBox 9">
+            <a:extLst>
+              <a:ext uri="{FF2B5EF4-FFF2-40B4-BE49-F238E27FC236}">
+                <a16:creationId xmlns:a16="http://schemas.microsoft.com/office/drawing/2014/main" id="{AA0E52A5-8109-5744-8F63-4D4AE2E6294B}"/>
+              </a:ext>
+            </a:extLst>
+          </p:cNvPr>
+          <p:cNvSpPr txBox="1"/>
+          <p:nvPr/>
+        </p:nvSpPr>
+        <p:spPr>
+          <a:xfrm>
+            <a:off x="775252" y="89452"/>
+            <a:ext cx="184731" cy="369332"/>
+          </a:xfrm>
+          <a:prstGeom prst="rect">
+            <a:avLst/>
+          </a:prstGeom>
+          <a:noFill/>
+        </p:spPr>
+        <p:txBody>
+          <a:bodyPr wrap="none" rtlCol="0">
+            <a:spAutoFit/>
+          </a:bodyPr>
+          <a:lstStyle/>
+          <a:p>
+            <a:endParaRPr lang="en-US" dirty="0"/>
+          </a:p>
+        </p:txBody>
+      </p:sp>
+      <p:sp>
+        <p:nvSpPr>
+          <p:cNvPr id="100" name="Rounded Rectangle 99">
+            <a:extLst>
+              <a:ext uri="{FF2B5EF4-FFF2-40B4-BE49-F238E27FC236}">
+                <a16:creationId xmlns:a16="http://schemas.microsoft.com/office/drawing/2014/main" id="{B819D5F6-78E5-9845-9F41-90858B3A04DA}"/>
+              </a:ext>
+            </a:extLst>
+          </p:cNvPr>
+          <p:cNvSpPr/>
+          <p:nvPr/>
+        </p:nvSpPr>
+        <p:spPr>
+          <a:xfrm>
+            <a:off x="8384562" y="4026533"/>
+            <a:ext cx="1170215" cy="674914"/>
+          </a:xfrm>
+          <a:prstGeom prst="roundRect">
+            <a:avLst/>
+          </a:prstGeom>
+          <a:solidFill>
+            <a:schemeClr val="accent6">
+              <a:lumMod val="40000"/>
+              <a:lumOff val="60000"/>
+            </a:schemeClr>
+          </a:solidFill>
+          <a:ln w="19050">
+            <a:solidFill>
+              <a:schemeClr val="accent6">
+                <a:lumMod val="50000"/>
+              </a:schemeClr>
+            </a:solidFill>
+          </a:ln>
+        </p:spPr>
+        <p:style>
+          <a:lnRef idx="2">
+            <a:schemeClr val="accent1">
+              <a:shade val="50000"/>
+            </a:schemeClr>
+          </a:lnRef>
+          <a:fillRef idx="1">
+            <a:schemeClr val="accent1"/>
+          </a:fillRef>
+          <a:effectRef idx="0">
+            <a:schemeClr val="accent1"/>
+          </a:effectRef>
+          <a:fontRef idx="minor">
+            <a:schemeClr val="lt1"/>
+          </a:fontRef>
+        </p:style>
+        <p:txBody>
+          <a:bodyPr rtlCol="0" anchor="ctr"/>
+          <a:lstStyle/>
+          <a:p>
+            <a:pPr algn="ctr"/>
+            <a:endParaRPr lang="en-US" dirty="0">
+              <a:solidFill>
+                <a:schemeClr val="tx1"/>
+              </a:solidFill>
+            </a:endParaRPr>
+          </a:p>
+        </p:txBody>
+      </p:sp>
+      <p:sp>
+        <p:nvSpPr>
+          <p:cNvPr id="44" name="Rounded Rectangle 43">
+            <a:extLst>
+              <a:ext uri="{FF2B5EF4-FFF2-40B4-BE49-F238E27FC236}">
+                <a16:creationId xmlns:a16="http://schemas.microsoft.com/office/drawing/2014/main" id="{39941F14-A3FD-964D-BC7E-C6F3E4437826}"/>
+              </a:ext>
+            </a:extLst>
+          </p:cNvPr>
+          <p:cNvSpPr/>
+          <p:nvPr/>
+        </p:nvSpPr>
+        <p:spPr>
+          <a:xfrm>
+            <a:off x="5879085" y="4147864"/>
+            <a:ext cx="1170215" cy="674914"/>
+          </a:xfrm>
+          <a:prstGeom prst="roundRect">
+            <a:avLst/>
+          </a:prstGeom>
+          <a:solidFill>
+            <a:schemeClr val="accent6">
+              <a:lumMod val="60000"/>
+              <a:lumOff val="40000"/>
+            </a:schemeClr>
+          </a:solidFill>
+          <a:ln w="19050">
+            <a:solidFill>
+              <a:schemeClr val="accent6">
+                <a:lumMod val="50000"/>
+              </a:schemeClr>
+            </a:solidFill>
+          </a:ln>
+        </p:spPr>
+        <p:style>
+          <a:lnRef idx="2">
+            <a:schemeClr val="accent1">
+              <a:shade val="50000"/>
+            </a:schemeClr>
+          </a:lnRef>
+          <a:fillRef idx="1">
+            <a:schemeClr val="accent1"/>
+          </a:fillRef>
+          <a:effectRef idx="0">
+            <a:schemeClr val="accent1"/>
+          </a:effectRef>
+          <a:fontRef idx="minor">
+            <a:schemeClr val="lt1"/>
+          </a:fontRef>
+        </p:style>
+        <p:txBody>
+          <a:bodyPr rtlCol="0" anchor="ctr"/>
+          <a:lstStyle/>
+          <a:p>
+            <a:pPr algn="ctr"/>
+            <a:endParaRPr lang="en-US" dirty="0">
+              <a:solidFill>
+                <a:schemeClr val="tx1"/>
+              </a:solidFill>
+            </a:endParaRPr>
+          </a:p>
+        </p:txBody>
+      </p:sp>
+      <p:sp>
+        <p:nvSpPr>
+          <p:cNvPr id="49" name="Curved Up Arrow 48">
+            <a:extLst>
+              <a:ext uri="{FF2B5EF4-FFF2-40B4-BE49-F238E27FC236}">
+                <a16:creationId xmlns:a16="http://schemas.microsoft.com/office/drawing/2014/main" id="{9032B92A-EEF1-494C-8F0A-2105CC0E5CD2}"/>
+              </a:ext>
+            </a:extLst>
+          </p:cNvPr>
+          <p:cNvSpPr/>
+          <p:nvPr/>
+        </p:nvSpPr>
+        <p:spPr>
+          <a:xfrm>
+            <a:off x="4940251" y="2929053"/>
+            <a:ext cx="1271030" cy="397329"/>
+          </a:xfrm>
+          <a:prstGeom prst="curvedUpArrow">
+            <a:avLst>
+              <a:gd name="adj1" fmla="val 13236"/>
+              <a:gd name="adj2" fmla="val 50000"/>
+              <a:gd name="adj3" fmla="val 25000"/>
+            </a:avLst>
+          </a:prstGeom>
+          <a:solidFill>
+            <a:schemeClr val="accent1">
+              <a:lumMod val="75000"/>
+            </a:schemeClr>
+          </a:solidFill>
+          <a:ln>
+            <a:solidFill>
+              <a:schemeClr val="accent1">
+                <a:lumMod val="50000"/>
+              </a:schemeClr>
+            </a:solidFill>
+          </a:ln>
+        </p:spPr>
+        <p:style>
+          <a:lnRef idx="2">
+            <a:schemeClr val="accent1">
+              <a:shade val="50000"/>
+            </a:schemeClr>
+          </a:lnRef>
+          <a:fillRef idx="1">
+            <a:schemeClr val="accent1"/>
+          </a:fillRef>
+          <a:effectRef idx="0">
+            <a:schemeClr val="accent1"/>
+          </a:effectRef>
+          <a:fontRef idx="minor">
+            <a:schemeClr val="lt1"/>
+          </a:fontRef>
+        </p:style>
+        <p:txBody>
+          <a:bodyPr rtlCol="0" anchor="ctr"/>
+          <a:lstStyle/>
+          <a:p>
+            <a:pPr algn="ctr"/>
+            <a:endParaRPr lang="en-US">
+              <a:solidFill>
+                <a:schemeClr val="tx1"/>
+              </a:solidFill>
+            </a:endParaRPr>
+          </a:p>
+        </p:txBody>
+      </p:sp>
+      <p:sp>
+        <p:nvSpPr>
+          <p:cNvPr id="55" name="Curved Up Arrow 54">
+            <a:extLst>
+              <a:ext uri="{FF2B5EF4-FFF2-40B4-BE49-F238E27FC236}">
+                <a16:creationId xmlns:a16="http://schemas.microsoft.com/office/drawing/2014/main" id="{3C8F811C-1964-7345-9519-4A6D3BF0486E}"/>
+              </a:ext>
+            </a:extLst>
+          </p:cNvPr>
+          <p:cNvSpPr/>
+          <p:nvPr/>
+        </p:nvSpPr>
+        <p:spPr>
+          <a:xfrm flipV="1">
+            <a:off x="4998760" y="3426987"/>
+            <a:ext cx="1212521" cy="397329"/>
+          </a:xfrm>
+          <a:prstGeom prst="curvedUpArrow">
+            <a:avLst>
+              <a:gd name="adj1" fmla="val 13236"/>
+              <a:gd name="adj2" fmla="val 50000"/>
+              <a:gd name="adj3" fmla="val 25000"/>
+            </a:avLst>
+          </a:prstGeom>
+          <a:solidFill>
+            <a:schemeClr val="accent6">
+              <a:lumMod val="75000"/>
+            </a:schemeClr>
+          </a:solidFill>
+          <a:ln>
+            <a:solidFill>
+              <a:schemeClr val="accent6">
+                <a:lumMod val="50000"/>
+              </a:schemeClr>
+            </a:solidFill>
+          </a:ln>
+        </p:spPr>
+        <p:style>
+          <a:lnRef idx="2">
+            <a:schemeClr val="accent1">
+              <a:shade val="50000"/>
+            </a:schemeClr>
+          </a:lnRef>
+          <a:fillRef idx="1">
+            <a:schemeClr val="accent1"/>
+          </a:fillRef>
+          <a:effectRef idx="0">
+            <a:schemeClr val="accent1"/>
+          </a:effectRef>
+          <a:fontRef idx="minor">
+            <a:schemeClr val="lt1"/>
+          </a:fontRef>
+        </p:style>
+        <p:txBody>
+          <a:bodyPr rtlCol="0" anchor="ctr"/>
+          <a:lstStyle/>
+          <a:p>
+            <a:pPr algn="ctr"/>
+            <a:endParaRPr lang="en-US">
+              <a:solidFill>
+                <a:schemeClr val="tx1"/>
+              </a:solidFill>
+            </a:endParaRPr>
+          </a:p>
+        </p:txBody>
+      </p:sp>
+      <p:sp>
+        <p:nvSpPr>
+          <p:cNvPr id="25" name="Curved Up Arrow 24">
+            <a:extLst>
+              <a:ext uri="{FF2B5EF4-FFF2-40B4-BE49-F238E27FC236}">
+                <a16:creationId xmlns:a16="http://schemas.microsoft.com/office/drawing/2014/main" id="{1FF45074-0E5F-054D-85A5-7401CA561CAD}"/>
+              </a:ext>
+            </a:extLst>
+          </p:cNvPr>
+          <p:cNvSpPr/>
+          <p:nvPr/>
+        </p:nvSpPr>
+        <p:spPr>
+          <a:xfrm>
+            <a:off x="1553269" y="2929053"/>
+            <a:ext cx="2144485" cy="397329"/>
+          </a:xfrm>
+          <a:prstGeom prst="curvedUpArrow">
+            <a:avLst>
+              <a:gd name="adj1" fmla="val 13236"/>
+              <a:gd name="adj2" fmla="val 50000"/>
+              <a:gd name="adj3" fmla="val 25000"/>
+            </a:avLst>
+          </a:prstGeom>
+          <a:solidFill>
+            <a:schemeClr val="accent1">
+              <a:lumMod val="75000"/>
+            </a:schemeClr>
+          </a:solidFill>
+          <a:ln>
+            <a:solidFill>
+              <a:schemeClr val="accent1">
+                <a:lumMod val="50000"/>
+              </a:schemeClr>
+            </a:solidFill>
+          </a:ln>
+        </p:spPr>
+        <p:style>
+          <a:lnRef idx="2">
+            <a:schemeClr val="accent1">
+              <a:shade val="50000"/>
+            </a:schemeClr>
+          </a:lnRef>
+          <a:fillRef idx="1">
+            <a:schemeClr val="accent1"/>
+          </a:fillRef>
+          <a:effectRef idx="0">
+            <a:schemeClr val="accent1"/>
+          </a:effectRef>
+          <a:fontRef idx="minor">
+            <a:schemeClr val="lt1"/>
+          </a:fontRef>
+        </p:style>
+        <p:txBody>
+          <a:bodyPr rtlCol="0" anchor="ctr"/>
+          <a:lstStyle/>
+          <a:p>
+            <a:pPr algn="ctr"/>
+            <a:endParaRPr lang="en-US">
+              <a:solidFill>
+                <a:schemeClr val="tx1"/>
+              </a:solidFill>
+            </a:endParaRPr>
+          </a:p>
+        </p:txBody>
+      </p:sp>
+      <p:sp>
+        <p:nvSpPr>
+          <p:cNvPr id="5" name="TextBox 4">
+            <a:extLst>
+              <a:ext uri="{FF2B5EF4-FFF2-40B4-BE49-F238E27FC236}">
+                <a16:creationId xmlns:a16="http://schemas.microsoft.com/office/drawing/2014/main" id="{2129025F-2A6A-8748-B81D-BDF446C06291}"/>
+              </a:ext>
+            </a:extLst>
+          </p:cNvPr>
+          <p:cNvSpPr txBox="1"/>
+          <p:nvPr/>
+        </p:nvSpPr>
+        <p:spPr>
+          <a:xfrm>
+            <a:off x="1825570" y="3761433"/>
+            <a:ext cx="1605504" cy="369332"/>
+          </a:xfrm>
+          <a:prstGeom prst="rect">
+            <a:avLst/>
+          </a:prstGeom>
+          <a:noFill/>
+        </p:spPr>
+        <p:txBody>
+          <a:bodyPr wrap="none" rtlCol="0">
+            <a:spAutoFit/>
+          </a:bodyPr>
+          <a:lstStyle/>
+          <a:p>
+            <a:r>
+              <a:rPr lang="en-US" dirty="0" err="1"/>
+              <a:t>Knative</a:t>
+            </a:r>
+            <a:r>
+              <a:rPr lang="en-US" dirty="0"/>
+              <a:t> Service</a:t>
+            </a:r>
+          </a:p>
+        </p:txBody>
+      </p:sp>
+      <p:sp>
+        <p:nvSpPr>
+          <p:cNvPr id="6" name="Rounded Rectangle 5">
+            <a:extLst>
+              <a:ext uri="{FF2B5EF4-FFF2-40B4-BE49-F238E27FC236}">
+                <a16:creationId xmlns:a16="http://schemas.microsoft.com/office/drawing/2014/main" id="{A6531ED6-9FBB-9A47-9045-884CC2A5A852}"/>
+              </a:ext>
+            </a:extLst>
+          </p:cNvPr>
+          <p:cNvSpPr/>
+          <p:nvPr/>
+        </p:nvSpPr>
+        <p:spPr>
+          <a:xfrm>
+            <a:off x="3533272" y="1811027"/>
+            <a:ext cx="1170215" cy="674914"/>
+          </a:xfrm>
+          <a:prstGeom prst="roundRect">
+            <a:avLst/>
+          </a:prstGeom>
+          <a:solidFill>
+            <a:schemeClr val="accent1">
+              <a:lumMod val="40000"/>
+              <a:lumOff val="60000"/>
+            </a:schemeClr>
+          </a:solidFill>
+          <a:ln w="19050">
+            <a:solidFill>
+              <a:schemeClr val="accent1">
+                <a:lumMod val="50000"/>
+              </a:schemeClr>
+            </a:solidFill>
+          </a:ln>
+        </p:spPr>
+        <p:style>
+          <a:lnRef idx="2">
+            <a:schemeClr val="accent1">
+              <a:shade val="50000"/>
+            </a:schemeClr>
+          </a:lnRef>
+          <a:fillRef idx="1">
+            <a:schemeClr val="accent1"/>
+          </a:fillRef>
+          <a:effectRef idx="0">
+            <a:schemeClr val="accent1"/>
+          </a:effectRef>
+          <a:fontRef idx="minor">
+            <a:schemeClr val="lt1"/>
+          </a:fontRef>
+        </p:style>
+        <p:txBody>
+          <a:bodyPr rtlCol="0" anchor="ctr"/>
+          <a:lstStyle/>
+          <a:p>
+            <a:pPr algn="ctr"/>
+            <a:endParaRPr lang="en-US" dirty="0">
+              <a:solidFill>
+                <a:schemeClr val="tx1"/>
+              </a:solidFill>
+            </a:endParaRPr>
+          </a:p>
+        </p:txBody>
+      </p:sp>
+      <p:sp>
+        <p:nvSpPr>
+          <p:cNvPr id="7" name="Rounded Rectangle 6">
+            <a:extLst>
+              <a:ext uri="{FF2B5EF4-FFF2-40B4-BE49-F238E27FC236}">
+                <a16:creationId xmlns:a16="http://schemas.microsoft.com/office/drawing/2014/main" id="{E3B559FF-1D1E-EC49-B212-E5F962D13F43}"/>
+              </a:ext>
+            </a:extLst>
+          </p:cNvPr>
+          <p:cNvSpPr/>
+          <p:nvPr/>
+        </p:nvSpPr>
+        <p:spPr>
+          <a:xfrm>
+            <a:off x="3391758" y="1925327"/>
+            <a:ext cx="1170215" cy="674914"/>
+          </a:xfrm>
+          <a:prstGeom prst="roundRect">
+            <a:avLst/>
+          </a:prstGeom>
+          <a:solidFill>
+            <a:schemeClr val="accent1">
+              <a:lumMod val="60000"/>
+              <a:lumOff val="40000"/>
+            </a:schemeClr>
+          </a:solidFill>
+          <a:ln w="19050">
+            <a:solidFill>
+              <a:schemeClr val="accent1">
+                <a:lumMod val="50000"/>
+              </a:schemeClr>
+            </a:solidFill>
+          </a:ln>
+        </p:spPr>
+        <p:style>
+          <a:lnRef idx="2">
+            <a:schemeClr val="accent1">
+              <a:shade val="50000"/>
+            </a:schemeClr>
+          </a:lnRef>
+          <a:fillRef idx="1">
+            <a:schemeClr val="accent1"/>
+          </a:fillRef>
+          <a:effectRef idx="0">
+            <a:schemeClr val="accent1"/>
+          </a:effectRef>
+          <a:fontRef idx="minor">
+            <a:schemeClr val="lt1"/>
+          </a:fontRef>
+        </p:style>
+        <p:txBody>
+          <a:bodyPr rtlCol="0" anchor="ctr"/>
+          <a:lstStyle/>
+          <a:p>
+            <a:pPr algn="ctr"/>
+            <a:endParaRPr lang="en-US" dirty="0">
+              <a:solidFill>
+                <a:schemeClr val="tx1"/>
+              </a:solidFill>
+            </a:endParaRPr>
+          </a:p>
+        </p:txBody>
+      </p:sp>
+      <p:sp>
+        <p:nvSpPr>
+          <p:cNvPr id="8" name="Rounded Rectangle 7">
+            <a:extLst>
+              <a:ext uri="{FF2B5EF4-FFF2-40B4-BE49-F238E27FC236}">
+                <a16:creationId xmlns:a16="http://schemas.microsoft.com/office/drawing/2014/main" id="{369AC178-BF9D-4745-90F0-6149144DD9BF}"/>
+              </a:ext>
+            </a:extLst>
+          </p:cNvPr>
+          <p:cNvSpPr/>
+          <p:nvPr/>
+        </p:nvSpPr>
+        <p:spPr>
+          <a:xfrm>
+            <a:off x="3255737" y="2061399"/>
+            <a:ext cx="1170215" cy="674914"/>
+          </a:xfrm>
+          <a:prstGeom prst="roundRect">
+            <a:avLst/>
+          </a:prstGeom>
+          <a:solidFill>
+            <a:schemeClr val="accent1">
+              <a:lumMod val="75000"/>
+            </a:schemeClr>
+          </a:solidFill>
+          <a:ln w="19050">
+            <a:solidFill>
+              <a:schemeClr val="accent1">
+                <a:lumMod val="50000"/>
+              </a:schemeClr>
+            </a:solidFill>
+          </a:ln>
+        </p:spPr>
+        <p:style>
+          <a:lnRef idx="2">
+            <a:schemeClr val="accent1">
+              <a:shade val="50000"/>
+            </a:schemeClr>
+          </a:lnRef>
+          <a:fillRef idx="1">
+            <a:schemeClr val="accent1"/>
+          </a:fillRef>
+          <a:effectRef idx="0">
+            <a:schemeClr val="accent1"/>
+          </a:effectRef>
+          <a:fontRef idx="minor">
+            <a:schemeClr val="lt1"/>
+          </a:fontRef>
+        </p:style>
+        <p:txBody>
+          <a:bodyPr rtlCol="0" anchor="ctr"/>
+          <a:lstStyle/>
+          <a:p>
+            <a:pPr algn="ctr"/>
+            <a:r>
+              <a:rPr lang="en-US" dirty="0">
+                <a:solidFill>
+                  <a:schemeClr val="bg1"/>
+                </a:solidFill>
+              </a:rPr>
+              <a:t>v1.0</a:t>
+            </a:r>
+          </a:p>
+        </p:txBody>
+      </p:sp>
+      <p:sp>
+        <p:nvSpPr>
+          <p:cNvPr id="18" name="Rounded Rectangle 17">
+            <a:extLst>
+              <a:ext uri="{FF2B5EF4-FFF2-40B4-BE49-F238E27FC236}">
+                <a16:creationId xmlns:a16="http://schemas.microsoft.com/office/drawing/2014/main" id="{44650791-EEEC-2549-BC4D-1C04E4010439}"/>
+              </a:ext>
+            </a:extLst>
+          </p:cNvPr>
+          <p:cNvSpPr/>
+          <p:nvPr/>
+        </p:nvSpPr>
+        <p:spPr>
+          <a:xfrm>
+            <a:off x="3255737" y="4272676"/>
+            <a:ext cx="1170215" cy="674914"/>
+          </a:xfrm>
+          <a:prstGeom prst="roundRect">
+            <a:avLst/>
+          </a:prstGeom>
+          <a:solidFill>
+            <a:schemeClr val="accent6">
+              <a:lumMod val="75000"/>
+            </a:schemeClr>
+          </a:solidFill>
+          <a:ln w="19050">
+            <a:solidFill>
+              <a:schemeClr val="accent6">
+                <a:lumMod val="50000"/>
+              </a:schemeClr>
+            </a:solidFill>
+          </a:ln>
+        </p:spPr>
+        <p:style>
+          <a:lnRef idx="2">
+            <a:schemeClr val="accent1">
+              <a:shade val="50000"/>
+            </a:schemeClr>
+          </a:lnRef>
+          <a:fillRef idx="1">
+            <a:schemeClr val="accent1"/>
+          </a:fillRef>
+          <a:effectRef idx="0">
+            <a:schemeClr val="accent1"/>
+          </a:effectRef>
+          <a:fontRef idx="minor">
+            <a:schemeClr val="lt1"/>
+          </a:fontRef>
+        </p:style>
+        <p:txBody>
+          <a:bodyPr rtlCol="0" anchor="ctr"/>
+          <a:lstStyle/>
+          <a:p>
+            <a:pPr algn="ctr"/>
+            <a:r>
+              <a:rPr lang="en-US" dirty="0">
+                <a:solidFill>
+                  <a:schemeClr val="bg1"/>
+                </a:solidFill>
+              </a:rPr>
+              <a:t>v2.0</a:t>
+            </a:r>
+          </a:p>
+        </p:txBody>
+      </p:sp>
+      <p:sp>
+        <p:nvSpPr>
+          <p:cNvPr id="28" name="Curved Up Arrow 27">
+            <a:extLst>
+              <a:ext uri="{FF2B5EF4-FFF2-40B4-BE49-F238E27FC236}">
+                <a16:creationId xmlns:a16="http://schemas.microsoft.com/office/drawing/2014/main" id="{04AB6087-18E6-F547-AF2D-FEDBFF2E48AB}"/>
+              </a:ext>
+            </a:extLst>
+          </p:cNvPr>
+          <p:cNvSpPr/>
+          <p:nvPr/>
+        </p:nvSpPr>
+        <p:spPr>
+          <a:xfrm flipV="1">
+            <a:off x="1553269" y="3426988"/>
+            <a:ext cx="2144485" cy="397329"/>
+          </a:xfrm>
+          <a:prstGeom prst="curvedUpArrow">
+            <a:avLst>
+              <a:gd name="adj1" fmla="val 13236"/>
+              <a:gd name="adj2" fmla="val 50000"/>
+              <a:gd name="adj3" fmla="val 25000"/>
+            </a:avLst>
+          </a:prstGeom>
+          <a:solidFill>
+            <a:schemeClr val="accent6">
+              <a:lumMod val="75000"/>
+            </a:schemeClr>
+          </a:solidFill>
+          <a:ln>
+            <a:solidFill>
+              <a:schemeClr val="accent6">
+                <a:lumMod val="50000"/>
+              </a:schemeClr>
+            </a:solidFill>
+          </a:ln>
+        </p:spPr>
+        <p:style>
+          <a:lnRef idx="2">
+            <a:schemeClr val="accent1">
+              <a:shade val="50000"/>
+            </a:schemeClr>
+          </a:lnRef>
+          <a:fillRef idx="1">
+            <a:schemeClr val="accent1"/>
+          </a:fillRef>
+          <a:effectRef idx="0">
+            <a:schemeClr val="accent1"/>
+          </a:effectRef>
+          <a:fontRef idx="minor">
+            <a:schemeClr val="lt1"/>
+          </a:fontRef>
+        </p:style>
+        <p:txBody>
+          <a:bodyPr rtlCol="0" anchor="ctr"/>
+          <a:lstStyle/>
+          <a:p>
+            <a:pPr algn="ctr"/>
+            <a:endParaRPr lang="en-US">
+              <a:solidFill>
+                <a:schemeClr val="tx1"/>
+              </a:solidFill>
+            </a:endParaRPr>
+          </a:p>
+        </p:txBody>
+      </p:sp>
+      <p:sp>
+        <p:nvSpPr>
+          <p:cNvPr id="29" name="Rounded Rectangle 28">
+            <a:extLst>
+              <a:ext uri="{FF2B5EF4-FFF2-40B4-BE49-F238E27FC236}">
+                <a16:creationId xmlns:a16="http://schemas.microsoft.com/office/drawing/2014/main" id="{268C8C7B-9178-D948-AD10-9E84F02C0139}"/>
+              </a:ext>
+            </a:extLst>
+          </p:cNvPr>
+          <p:cNvSpPr/>
+          <p:nvPr/>
+        </p:nvSpPr>
+        <p:spPr>
+          <a:xfrm>
+            <a:off x="2272511" y="3091099"/>
+            <a:ext cx="689886" cy="618939"/>
+          </a:xfrm>
+          <a:prstGeom prst="roundRect">
+            <a:avLst/>
+          </a:prstGeom>
+          <a:solidFill>
+            <a:schemeClr val="bg1"/>
+          </a:solidFill>
+          <a:ln>
+            <a:solidFill>
+              <a:schemeClr val="bg1"/>
+            </a:solidFill>
+          </a:ln>
+        </p:spPr>
+        <p:style>
+          <a:lnRef idx="2">
+            <a:schemeClr val="accent1">
+              <a:shade val="50000"/>
+            </a:schemeClr>
+          </a:lnRef>
+          <a:fillRef idx="1">
+            <a:schemeClr val="accent1"/>
+          </a:fillRef>
+          <a:effectRef idx="0">
+            <a:schemeClr val="accent1"/>
+          </a:effectRef>
+          <a:fontRef idx="minor">
+            <a:schemeClr val="lt1"/>
+          </a:fontRef>
+        </p:style>
+        <p:txBody>
+          <a:bodyPr rtlCol="0" anchor="ctr"/>
+          <a:lstStyle/>
+          <a:p>
+            <a:pPr algn="ctr"/>
+            <a:endParaRPr lang="en-US"/>
+          </a:p>
+        </p:txBody>
+      </p:sp>
+      <p:pic>
+        <p:nvPicPr>
+          <p:cNvPr id="31" name="Graphic 30" descr="School boy">
+            <a:extLst>
+              <a:ext uri="{FF2B5EF4-FFF2-40B4-BE49-F238E27FC236}">
+                <a16:creationId xmlns:a16="http://schemas.microsoft.com/office/drawing/2014/main" id="{23C14CCA-0229-0945-AD1D-3EA26AB7C249}"/>
+              </a:ext>
+            </a:extLst>
+          </p:cNvPr>
+          <p:cNvPicPr>
+            <a:picLocks noChangeAspect="1"/>
+          </p:cNvPicPr>
+          <p:nvPr/>
+        </p:nvPicPr>
+        <p:blipFill>
+          <a:blip r:embed="rId2">
+            <a:extLst>
+              <a:ext uri="{96DAC541-7B7A-43D3-8B79-37D633B846F1}">
+                <asvg:svgBlip xmlns:asvg="http://schemas.microsoft.com/office/drawing/2016/SVG/main" r:embed="rId3"/>
+              </a:ext>
+            </a:extLst>
+          </a:blip>
+          <a:stretch>
+            <a:fillRect/>
+          </a:stretch>
+        </p:blipFill>
+        <p:spPr>
+          <a:xfrm>
+            <a:off x="686244" y="1968817"/>
+            <a:ext cx="548640" cy="548640"/>
+          </a:xfrm>
+          <a:prstGeom prst="rect">
+            <a:avLst/>
+          </a:prstGeom>
+        </p:spPr>
+      </p:pic>
+      <p:pic>
+        <p:nvPicPr>
+          <p:cNvPr id="32" name="Graphic 31" descr="Female Profile">
+            <a:extLst>
+              <a:ext uri="{FF2B5EF4-FFF2-40B4-BE49-F238E27FC236}">
+                <a16:creationId xmlns:a16="http://schemas.microsoft.com/office/drawing/2014/main" id="{FB0AD0DD-5F7D-7542-96A5-78D8D8B5C0C9}"/>
+              </a:ext>
+            </a:extLst>
+          </p:cNvPr>
+          <p:cNvPicPr>
+            <a:picLocks noChangeAspect="1"/>
+          </p:cNvPicPr>
+          <p:nvPr/>
+        </p:nvPicPr>
+        <p:blipFill>
+          <a:blip r:embed="rId4">
+            <a:extLst>
+              <a:ext uri="{96DAC541-7B7A-43D3-8B79-37D633B846F1}">
+                <asvg:svgBlip xmlns:asvg="http://schemas.microsoft.com/office/drawing/2016/SVG/main" r:embed="rId5"/>
+              </a:ext>
+            </a:extLst>
+          </a:blip>
+          <a:stretch>
+            <a:fillRect/>
+          </a:stretch>
+        </p:blipFill>
+        <p:spPr>
+          <a:xfrm>
+            <a:off x="162689" y="2795857"/>
+            <a:ext cx="548640" cy="548640"/>
+          </a:xfrm>
+          <a:prstGeom prst="rect">
+            <a:avLst/>
+          </a:prstGeom>
+        </p:spPr>
+      </p:pic>
+      <p:pic>
+        <p:nvPicPr>
+          <p:cNvPr id="33" name="Graphic 32" descr="School boy">
+            <a:extLst>
+              <a:ext uri="{FF2B5EF4-FFF2-40B4-BE49-F238E27FC236}">
+                <a16:creationId xmlns:a16="http://schemas.microsoft.com/office/drawing/2014/main" id="{DB43DC05-529E-D441-A524-D0B30D5D4E06}"/>
+              </a:ext>
+            </a:extLst>
+          </p:cNvPr>
+          <p:cNvPicPr>
+            <a:picLocks noChangeAspect="1"/>
+          </p:cNvPicPr>
+          <p:nvPr/>
+        </p:nvPicPr>
+        <p:blipFill>
+          <a:blip r:embed="rId6">
+            <a:extLst>
+              <a:ext uri="{96DAC541-7B7A-43D3-8B79-37D633B846F1}">
+                <asvg:svgBlip xmlns:asvg="http://schemas.microsoft.com/office/drawing/2016/SVG/main" r:embed="rId7"/>
+              </a:ext>
+            </a:extLst>
+          </a:blip>
+          <a:stretch>
+            <a:fillRect/>
+          </a:stretch>
+        </p:blipFill>
+        <p:spPr>
+          <a:xfrm>
+            <a:off x="625309" y="2453742"/>
+            <a:ext cx="548640" cy="548640"/>
+          </a:xfrm>
+          <a:prstGeom prst="rect">
+            <a:avLst/>
+          </a:prstGeom>
+        </p:spPr>
+      </p:pic>
+      <p:pic>
+        <p:nvPicPr>
+          <p:cNvPr id="34" name="Graphic 33" descr="Female Profile">
+            <a:extLst>
+              <a:ext uri="{FF2B5EF4-FFF2-40B4-BE49-F238E27FC236}">
+                <a16:creationId xmlns:a16="http://schemas.microsoft.com/office/drawing/2014/main" id="{44118B0F-5F5C-104D-89F1-FF4F0677B581}"/>
+              </a:ext>
+            </a:extLst>
+          </p:cNvPr>
+          <p:cNvPicPr>
+            <a:picLocks noChangeAspect="1"/>
+          </p:cNvPicPr>
+          <p:nvPr/>
+        </p:nvPicPr>
+        <p:blipFill>
+          <a:blip r:embed="rId8">
+            <a:extLst>
+              <a:ext uri="{96DAC541-7B7A-43D3-8B79-37D633B846F1}">
+                <asvg:svgBlip xmlns:asvg="http://schemas.microsoft.com/office/drawing/2016/SVG/main" r:embed="rId9"/>
+              </a:ext>
+            </a:extLst>
+          </a:blip>
+          <a:stretch>
+            <a:fillRect/>
+          </a:stretch>
+        </p:blipFill>
+        <p:spPr>
+          <a:xfrm>
+            <a:off x="149603" y="3428773"/>
+            <a:ext cx="548640" cy="548640"/>
+          </a:xfrm>
+          <a:prstGeom prst="rect">
+            <a:avLst/>
+          </a:prstGeom>
+        </p:spPr>
+      </p:pic>
+      <p:pic>
+        <p:nvPicPr>
+          <p:cNvPr id="35" name="Graphic 34" descr="School girl">
+            <a:extLst>
+              <a:ext uri="{FF2B5EF4-FFF2-40B4-BE49-F238E27FC236}">
+                <a16:creationId xmlns:a16="http://schemas.microsoft.com/office/drawing/2014/main" id="{38748C23-E12A-E34D-8964-5C6C40FF9564}"/>
+              </a:ext>
+            </a:extLst>
+          </p:cNvPr>
+          <p:cNvPicPr>
+            <a:picLocks noChangeAspect="1"/>
+          </p:cNvPicPr>
+          <p:nvPr/>
+        </p:nvPicPr>
+        <p:blipFill>
+          <a:blip r:embed="rId10">
+            <a:extLst>
+              <a:ext uri="{96DAC541-7B7A-43D3-8B79-37D633B846F1}">
+                <asvg:svgBlip xmlns:asvg="http://schemas.microsoft.com/office/drawing/2016/SVG/main" r:embed="rId11"/>
+              </a:ext>
+            </a:extLst>
+          </a:blip>
+          <a:stretch>
+            <a:fillRect/>
+          </a:stretch>
+        </p:blipFill>
+        <p:spPr>
+          <a:xfrm>
+            <a:off x="284313" y="2282941"/>
+            <a:ext cx="548640" cy="548640"/>
+          </a:xfrm>
+          <a:prstGeom prst="rect">
+            <a:avLst/>
+          </a:prstGeom>
+        </p:spPr>
+      </p:pic>
+      <p:pic>
+        <p:nvPicPr>
+          <p:cNvPr id="36" name="Graphic 35" descr="School girl">
+            <a:extLst>
+              <a:ext uri="{FF2B5EF4-FFF2-40B4-BE49-F238E27FC236}">
+                <a16:creationId xmlns:a16="http://schemas.microsoft.com/office/drawing/2014/main" id="{C2C55299-2E10-C44A-BC63-4DFDA1A799E2}"/>
+              </a:ext>
+            </a:extLst>
+          </p:cNvPr>
+          <p:cNvPicPr>
+            <a:picLocks noChangeAspect="1"/>
+          </p:cNvPicPr>
+          <p:nvPr/>
+        </p:nvPicPr>
+        <p:blipFill>
+          <a:blip r:embed="rId12">
+            <a:extLst>
+              <a:ext uri="{96DAC541-7B7A-43D3-8B79-37D633B846F1}">
+                <asvg:svgBlip xmlns:asvg="http://schemas.microsoft.com/office/drawing/2016/SVG/main" r:embed="rId13"/>
+              </a:ext>
+            </a:extLst>
+          </a:blip>
+          <a:stretch>
+            <a:fillRect/>
+          </a:stretch>
+        </p:blipFill>
+        <p:spPr>
+          <a:xfrm>
+            <a:off x="625309" y="3026741"/>
+            <a:ext cx="548640" cy="548640"/>
+          </a:xfrm>
+          <a:prstGeom prst="rect">
+            <a:avLst/>
+          </a:prstGeom>
+        </p:spPr>
+      </p:pic>
+      <p:pic>
+        <p:nvPicPr>
+          <p:cNvPr id="37" name="Graphic 36" descr="User">
+            <a:extLst>
+              <a:ext uri="{FF2B5EF4-FFF2-40B4-BE49-F238E27FC236}">
+                <a16:creationId xmlns:a16="http://schemas.microsoft.com/office/drawing/2014/main" id="{6FA18981-96F5-2C4E-9FD2-0E3D37F43798}"/>
+              </a:ext>
+            </a:extLst>
+          </p:cNvPr>
+          <p:cNvPicPr>
+            <a:picLocks noChangeAspect="1"/>
+          </p:cNvPicPr>
+          <p:nvPr/>
+        </p:nvPicPr>
+        <p:blipFill>
+          <a:blip r:embed="rId14">
+            <a:extLst>
+              <a:ext uri="{96DAC541-7B7A-43D3-8B79-37D633B846F1}">
+                <asvg:svgBlip xmlns:asvg="http://schemas.microsoft.com/office/drawing/2016/SVG/main" r:embed="rId15"/>
+              </a:ext>
+            </a:extLst>
+          </a:blip>
+          <a:stretch>
+            <a:fillRect/>
+          </a:stretch>
+        </p:blipFill>
+        <p:spPr>
+          <a:xfrm>
+            <a:off x="997771" y="3852601"/>
+            <a:ext cx="548640" cy="548640"/>
+          </a:xfrm>
+          <a:prstGeom prst="rect">
+            <a:avLst/>
+          </a:prstGeom>
+        </p:spPr>
+      </p:pic>
+      <p:pic>
+        <p:nvPicPr>
+          <p:cNvPr id="39" name="Graphic 38" descr="Male profile">
+            <a:extLst>
+              <a:ext uri="{FF2B5EF4-FFF2-40B4-BE49-F238E27FC236}">
+                <a16:creationId xmlns:a16="http://schemas.microsoft.com/office/drawing/2014/main" id="{C31BA2FA-0346-AF4E-9947-474BCEEA1E1A}"/>
+              </a:ext>
+            </a:extLst>
+          </p:cNvPr>
+          <p:cNvPicPr>
+            <a:picLocks noChangeAspect="1"/>
+          </p:cNvPicPr>
+          <p:nvPr/>
+        </p:nvPicPr>
+        <p:blipFill>
+          <a:blip r:embed="rId16">
+            <a:extLst>
+              <a:ext uri="{96DAC541-7B7A-43D3-8B79-37D633B846F1}">
+                <asvg:svgBlip xmlns:asvg="http://schemas.microsoft.com/office/drawing/2016/SVG/main" r:embed="rId17"/>
+              </a:ext>
+            </a:extLst>
+          </a:blip>
+          <a:stretch>
+            <a:fillRect/>
+          </a:stretch>
+        </p:blipFill>
+        <p:spPr>
+          <a:xfrm>
+            <a:off x="260342" y="3984682"/>
+            <a:ext cx="548640" cy="548640"/>
+          </a:xfrm>
+          <a:prstGeom prst="rect">
+            <a:avLst/>
+          </a:prstGeom>
+        </p:spPr>
+      </p:pic>
+      <p:pic>
+        <p:nvPicPr>
+          <p:cNvPr id="40" name="Graphic 39" descr="Male profile">
+            <a:extLst>
+              <a:ext uri="{FF2B5EF4-FFF2-40B4-BE49-F238E27FC236}">
+                <a16:creationId xmlns:a16="http://schemas.microsoft.com/office/drawing/2014/main" id="{31F7B851-1FE9-0041-8F10-EFAE91321223}"/>
+              </a:ext>
+            </a:extLst>
+          </p:cNvPr>
+          <p:cNvPicPr>
+            <a:picLocks noChangeAspect="1"/>
+          </p:cNvPicPr>
+          <p:nvPr/>
+        </p:nvPicPr>
+        <p:blipFill>
+          <a:blip r:embed="rId18">
+            <a:extLst>
+              <a:ext uri="{96DAC541-7B7A-43D3-8B79-37D633B846F1}">
+                <asvg:svgBlip xmlns:asvg="http://schemas.microsoft.com/office/drawing/2016/SVG/main" r:embed="rId19"/>
+              </a:ext>
+            </a:extLst>
+          </a:blip>
+          <a:stretch>
+            <a:fillRect/>
+          </a:stretch>
+        </p:blipFill>
+        <p:spPr>
+          <a:xfrm>
+            <a:off x="1105342" y="2310241"/>
+            <a:ext cx="548640" cy="548640"/>
+          </a:xfrm>
+          <a:prstGeom prst="rect">
+            <a:avLst/>
+          </a:prstGeom>
+        </p:spPr>
+      </p:pic>
+      <p:pic>
+        <p:nvPicPr>
+          <p:cNvPr id="41" name="Graphic 40" descr="User">
+            <a:extLst>
+              <a:ext uri="{FF2B5EF4-FFF2-40B4-BE49-F238E27FC236}">
+                <a16:creationId xmlns:a16="http://schemas.microsoft.com/office/drawing/2014/main" id="{E040F2A3-AFAF-D148-A107-32FE22473B6E}"/>
+              </a:ext>
+            </a:extLst>
+          </p:cNvPr>
+          <p:cNvPicPr>
+            <a:picLocks noChangeAspect="1"/>
+          </p:cNvPicPr>
+          <p:nvPr/>
+        </p:nvPicPr>
+        <p:blipFill>
+          <a:blip r:embed="rId20">
+            <a:extLst>
+              <a:ext uri="{96DAC541-7B7A-43D3-8B79-37D633B846F1}">
+                <asvg:svgBlip xmlns:asvg="http://schemas.microsoft.com/office/drawing/2016/SVG/main" r:embed="rId21"/>
+              </a:ext>
+            </a:extLst>
+          </a:blip>
+          <a:stretch>
+            <a:fillRect/>
+          </a:stretch>
+        </p:blipFill>
+        <p:spPr>
+          <a:xfrm>
+            <a:off x="1096337" y="2834032"/>
+            <a:ext cx="548640" cy="548640"/>
+          </a:xfrm>
+          <a:prstGeom prst="rect">
+            <a:avLst/>
+          </a:prstGeom>
+        </p:spPr>
+      </p:pic>
+      <p:pic>
+        <p:nvPicPr>
+          <p:cNvPr id="42" name="Graphic 41" descr="School girl">
+            <a:extLst>
+              <a:ext uri="{FF2B5EF4-FFF2-40B4-BE49-F238E27FC236}">
+                <a16:creationId xmlns:a16="http://schemas.microsoft.com/office/drawing/2014/main" id="{3F63AF07-EE5F-CF47-A082-F91C131F360C}"/>
+              </a:ext>
+            </a:extLst>
+          </p:cNvPr>
+          <p:cNvPicPr>
+            <a:picLocks noChangeAspect="1"/>
+          </p:cNvPicPr>
+          <p:nvPr/>
+        </p:nvPicPr>
+        <p:blipFill>
+          <a:blip r:embed="rId10">
+            <a:extLst>
+              <a:ext uri="{96DAC541-7B7A-43D3-8B79-37D633B846F1}">
+                <asvg:svgBlip xmlns:asvg="http://schemas.microsoft.com/office/drawing/2016/SVG/main" r:embed="rId11"/>
+              </a:ext>
+            </a:extLst>
+          </a:blip>
+          <a:stretch>
+            <a:fillRect/>
+          </a:stretch>
+        </p:blipFill>
+        <p:spPr>
+          <a:xfrm>
+            <a:off x="1096337" y="3310225"/>
+            <a:ext cx="548640" cy="548640"/>
+          </a:xfrm>
+          <a:prstGeom prst="rect">
+            <a:avLst/>
+          </a:prstGeom>
+        </p:spPr>
+      </p:pic>
+      <p:pic>
+        <p:nvPicPr>
+          <p:cNvPr id="43" name="Graphic 42" descr="Female Profile">
+            <a:extLst>
+              <a:ext uri="{FF2B5EF4-FFF2-40B4-BE49-F238E27FC236}">
+                <a16:creationId xmlns:a16="http://schemas.microsoft.com/office/drawing/2014/main" id="{2627CD7E-A53B-F24A-B1B8-3F6E79640393}"/>
+              </a:ext>
+            </a:extLst>
+          </p:cNvPr>
+          <p:cNvPicPr>
+            <a:picLocks noChangeAspect="1"/>
+          </p:cNvPicPr>
+          <p:nvPr/>
+        </p:nvPicPr>
+        <p:blipFill>
+          <a:blip r:embed="rId4">
+            <a:extLst>
+              <a:ext uri="{96DAC541-7B7A-43D3-8B79-37D633B846F1}">
+                <asvg:svgBlip xmlns:asvg="http://schemas.microsoft.com/office/drawing/2016/SVG/main" r:embed="rId5"/>
+              </a:ext>
+            </a:extLst>
+          </a:blip>
+          <a:stretch>
+            <a:fillRect/>
+          </a:stretch>
+        </p:blipFill>
+        <p:spPr>
+          <a:xfrm>
+            <a:off x="573002" y="3569117"/>
+            <a:ext cx="548640" cy="548640"/>
+          </a:xfrm>
+          <a:prstGeom prst="rect">
+            <a:avLst/>
+          </a:prstGeom>
+        </p:spPr>
+      </p:pic>
+      <p:sp>
+        <p:nvSpPr>
+          <p:cNvPr id="45" name="TextBox 44">
+            <a:extLst>
+              <a:ext uri="{FF2B5EF4-FFF2-40B4-BE49-F238E27FC236}">
+                <a16:creationId xmlns:a16="http://schemas.microsoft.com/office/drawing/2014/main" id="{1D400ADD-3BC0-4445-B1C6-E95A6E4EF991}"/>
+              </a:ext>
+            </a:extLst>
+          </p:cNvPr>
+          <p:cNvSpPr txBox="1"/>
+          <p:nvPr/>
+        </p:nvSpPr>
+        <p:spPr>
+          <a:xfrm>
+            <a:off x="3670821" y="2718076"/>
+            <a:ext cx="583814" cy="369332"/>
+          </a:xfrm>
+          <a:prstGeom prst="rect">
+            <a:avLst/>
+          </a:prstGeom>
+          <a:noFill/>
+        </p:spPr>
+        <p:txBody>
+          <a:bodyPr wrap="none" rtlCol="0">
+            <a:spAutoFit/>
+          </a:bodyPr>
+          <a:lstStyle/>
+          <a:p>
+            <a:r>
+              <a:rPr lang="en-US" dirty="0"/>
+              <a:t>95%</a:t>
+            </a:r>
+          </a:p>
+        </p:txBody>
+      </p:sp>
+      <p:sp>
+        <p:nvSpPr>
+          <p:cNvPr id="46" name="TextBox 45">
+            <a:extLst>
+              <a:ext uri="{FF2B5EF4-FFF2-40B4-BE49-F238E27FC236}">
+                <a16:creationId xmlns:a16="http://schemas.microsoft.com/office/drawing/2014/main" id="{E4554A69-8A88-AC48-93B6-EB6CAA239FE0}"/>
+              </a:ext>
+            </a:extLst>
+          </p:cNvPr>
+          <p:cNvSpPr txBox="1"/>
+          <p:nvPr/>
+        </p:nvSpPr>
+        <p:spPr>
+          <a:xfrm>
+            <a:off x="3729331" y="3636825"/>
+            <a:ext cx="466794" cy="369332"/>
+          </a:xfrm>
+          <a:prstGeom prst="rect">
+            <a:avLst/>
+          </a:prstGeom>
+          <a:noFill/>
+        </p:spPr>
+        <p:txBody>
+          <a:bodyPr wrap="none" rtlCol="0">
+            <a:spAutoFit/>
+          </a:bodyPr>
+          <a:lstStyle/>
+          <a:p>
+            <a:r>
+              <a:rPr lang="en-US" dirty="0"/>
+              <a:t>5%</a:t>
+            </a:r>
+          </a:p>
+        </p:txBody>
+      </p:sp>
+      <p:sp>
+        <p:nvSpPr>
+          <p:cNvPr id="52" name="Rounded Rectangle 51">
+            <a:extLst>
+              <a:ext uri="{FF2B5EF4-FFF2-40B4-BE49-F238E27FC236}">
+                <a16:creationId xmlns:a16="http://schemas.microsoft.com/office/drawing/2014/main" id="{679284B6-69AC-1545-BE16-018888117D47}"/>
+              </a:ext>
+            </a:extLst>
+          </p:cNvPr>
+          <p:cNvSpPr/>
+          <p:nvPr/>
+        </p:nvSpPr>
+        <p:spPr>
+          <a:xfrm>
+            <a:off x="5905285" y="1925327"/>
+            <a:ext cx="1170215" cy="674914"/>
+          </a:xfrm>
+          <a:prstGeom prst="roundRect">
+            <a:avLst/>
+          </a:prstGeom>
+          <a:solidFill>
+            <a:schemeClr val="accent1">
+              <a:lumMod val="60000"/>
+              <a:lumOff val="40000"/>
+            </a:schemeClr>
+          </a:solidFill>
+          <a:ln w="19050">
+            <a:solidFill>
+              <a:schemeClr val="accent1">
+                <a:lumMod val="50000"/>
+              </a:schemeClr>
+            </a:solidFill>
+          </a:ln>
+        </p:spPr>
+        <p:style>
+          <a:lnRef idx="2">
+            <a:schemeClr val="accent1">
+              <a:shade val="50000"/>
+            </a:schemeClr>
+          </a:lnRef>
+          <a:fillRef idx="1">
+            <a:schemeClr val="accent1"/>
+          </a:fillRef>
+          <a:effectRef idx="0">
+            <a:schemeClr val="accent1"/>
+          </a:effectRef>
+          <a:fontRef idx="minor">
+            <a:schemeClr val="lt1"/>
+          </a:fontRef>
+        </p:style>
+        <p:txBody>
+          <a:bodyPr rtlCol="0" anchor="ctr"/>
+          <a:lstStyle/>
+          <a:p>
+            <a:pPr algn="ctr"/>
+            <a:endParaRPr lang="en-US" dirty="0">
+              <a:solidFill>
+                <a:schemeClr val="tx1"/>
+              </a:solidFill>
+            </a:endParaRPr>
+          </a:p>
+        </p:txBody>
+      </p:sp>
+      <p:sp>
+        <p:nvSpPr>
+          <p:cNvPr id="53" name="Rounded Rectangle 52">
+            <a:extLst>
+              <a:ext uri="{FF2B5EF4-FFF2-40B4-BE49-F238E27FC236}">
+                <a16:creationId xmlns:a16="http://schemas.microsoft.com/office/drawing/2014/main" id="{7BD1F8B5-1F8A-D543-8BDC-C30167A00E6A}"/>
+              </a:ext>
+            </a:extLst>
+          </p:cNvPr>
+          <p:cNvSpPr/>
+          <p:nvPr/>
+        </p:nvSpPr>
+        <p:spPr>
+          <a:xfrm>
+            <a:off x="5774655" y="2061399"/>
+            <a:ext cx="1170215" cy="674914"/>
+          </a:xfrm>
+          <a:prstGeom prst="roundRect">
+            <a:avLst/>
+          </a:prstGeom>
+          <a:solidFill>
+            <a:schemeClr val="accent1">
+              <a:lumMod val="75000"/>
+            </a:schemeClr>
+          </a:solidFill>
+          <a:ln w="19050">
+            <a:solidFill>
+              <a:schemeClr val="accent1">
+                <a:lumMod val="50000"/>
+              </a:schemeClr>
+            </a:solidFill>
+          </a:ln>
+        </p:spPr>
+        <p:style>
+          <a:lnRef idx="2">
+            <a:schemeClr val="accent1">
+              <a:shade val="50000"/>
+            </a:schemeClr>
+          </a:lnRef>
+          <a:fillRef idx="1">
+            <a:schemeClr val="accent1"/>
+          </a:fillRef>
+          <a:effectRef idx="0">
+            <a:schemeClr val="accent1"/>
+          </a:effectRef>
+          <a:fontRef idx="minor">
+            <a:schemeClr val="lt1"/>
+          </a:fontRef>
+        </p:style>
+        <p:txBody>
+          <a:bodyPr rtlCol="0" anchor="ctr"/>
+          <a:lstStyle/>
+          <a:p>
+            <a:pPr algn="ctr"/>
+            <a:r>
+              <a:rPr lang="en-US" dirty="0">
+                <a:solidFill>
+                  <a:schemeClr val="bg1"/>
+                </a:solidFill>
+              </a:rPr>
+              <a:t>v1.0</a:t>
+            </a:r>
+          </a:p>
+        </p:txBody>
+      </p:sp>
+      <p:sp>
+        <p:nvSpPr>
+          <p:cNvPr id="54" name="Rounded Rectangle 53">
+            <a:extLst>
+              <a:ext uri="{FF2B5EF4-FFF2-40B4-BE49-F238E27FC236}">
+                <a16:creationId xmlns:a16="http://schemas.microsoft.com/office/drawing/2014/main" id="{C6EFCFA5-008A-E54A-9504-84FEF0E7F2F0}"/>
+              </a:ext>
+            </a:extLst>
+          </p:cNvPr>
+          <p:cNvSpPr/>
+          <p:nvPr/>
+        </p:nvSpPr>
+        <p:spPr>
+          <a:xfrm>
+            <a:off x="5774655" y="4272676"/>
+            <a:ext cx="1170215" cy="674914"/>
+          </a:xfrm>
+          <a:prstGeom prst="roundRect">
+            <a:avLst/>
+          </a:prstGeom>
+          <a:solidFill>
+            <a:schemeClr val="accent6">
+              <a:lumMod val="75000"/>
+            </a:schemeClr>
+          </a:solidFill>
+          <a:ln w="19050">
+            <a:solidFill>
+              <a:schemeClr val="accent6">
+                <a:lumMod val="50000"/>
+              </a:schemeClr>
+            </a:solidFill>
+          </a:ln>
+        </p:spPr>
+        <p:style>
+          <a:lnRef idx="2">
+            <a:schemeClr val="accent1">
+              <a:shade val="50000"/>
+            </a:schemeClr>
+          </a:lnRef>
+          <a:fillRef idx="1">
+            <a:schemeClr val="accent1"/>
+          </a:fillRef>
+          <a:effectRef idx="0">
+            <a:schemeClr val="accent1"/>
+          </a:effectRef>
+          <a:fontRef idx="minor">
+            <a:schemeClr val="lt1"/>
+          </a:fontRef>
+        </p:style>
+        <p:txBody>
+          <a:bodyPr rtlCol="0" anchor="ctr"/>
+          <a:lstStyle/>
+          <a:p>
+            <a:pPr algn="ctr"/>
+            <a:r>
+              <a:rPr lang="en-US" dirty="0">
+                <a:solidFill>
+                  <a:schemeClr val="bg1"/>
+                </a:solidFill>
+              </a:rPr>
+              <a:t>v2.0</a:t>
+            </a:r>
+          </a:p>
+        </p:txBody>
+      </p:sp>
+      <p:sp>
+        <p:nvSpPr>
+          <p:cNvPr id="56" name="Rounded Rectangle 55">
+            <a:extLst>
+              <a:ext uri="{FF2B5EF4-FFF2-40B4-BE49-F238E27FC236}">
+                <a16:creationId xmlns:a16="http://schemas.microsoft.com/office/drawing/2014/main" id="{055D8326-B9BB-8D40-AB91-9DBD2DB840A9}"/>
+              </a:ext>
+            </a:extLst>
+          </p:cNvPr>
+          <p:cNvSpPr/>
+          <p:nvPr/>
+        </p:nvSpPr>
+        <p:spPr>
+          <a:xfrm>
+            <a:off x="4781170" y="3116049"/>
+            <a:ext cx="689886" cy="618939"/>
+          </a:xfrm>
+          <a:prstGeom prst="roundRect">
+            <a:avLst/>
+          </a:prstGeom>
+          <a:solidFill>
+            <a:schemeClr val="bg1"/>
+          </a:solidFill>
+          <a:ln>
+            <a:solidFill>
+              <a:schemeClr val="bg1"/>
+            </a:solidFill>
+          </a:ln>
+        </p:spPr>
+        <p:style>
+          <a:lnRef idx="2">
+            <a:schemeClr val="accent1">
+              <a:shade val="50000"/>
+            </a:schemeClr>
+          </a:lnRef>
+          <a:fillRef idx="1">
+            <a:schemeClr val="accent1"/>
+          </a:fillRef>
+          <a:effectRef idx="0">
+            <a:schemeClr val="accent1"/>
+          </a:effectRef>
+          <a:fontRef idx="minor">
+            <a:schemeClr val="lt1"/>
+          </a:fontRef>
+        </p:style>
+        <p:txBody>
+          <a:bodyPr rtlCol="0" anchor="ctr"/>
+          <a:lstStyle/>
+          <a:p>
+            <a:pPr algn="ctr"/>
+            <a:endParaRPr lang="en-US"/>
+          </a:p>
+        </p:txBody>
+      </p:sp>
+      <p:sp>
+        <p:nvSpPr>
+          <p:cNvPr id="58" name="TextBox 57">
+            <a:extLst>
+              <a:ext uri="{FF2B5EF4-FFF2-40B4-BE49-F238E27FC236}">
+                <a16:creationId xmlns:a16="http://schemas.microsoft.com/office/drawing/2014/main" id="{0E823160-F618-A645-BF05-BFAACBA9E781}"/>
+              </a:ext>
+            </a:extLst>
+          </p:cNvPr>
+          <p:cNvSpPr txBox="1"/>
+          <p:nvPr/>
+        </p:nvSpPr>
+        <p:spPr>
+          <a:xfrm>
+            <a:off x="6164197" y="2718076"/>
+            <a:ext cx="583814" cy="369332"/>
+          </a:xfrm>
+          <a:prstGeom prst="rect">
+            <a:avLst/>
+          </a:prstGeom>
+          <a:noFill/>
+        </p:spPr>
+        <p:txBody>
+          <a:bodyPr wrap="none" rtlCol="0">
+            <a:spAutoFit/>
+          </a:bodyPr>
+          <a:lstStyle/>
+          <a:p>
+            <a:r>
+              <a:rPr lang="en-US" dirty="0"/>
+              <a:t>50%</a:t>
+            </a:r>
+          </a:p>
+        </p:txBody>
+      </p:sp>
+      <p:sp>
+        <p:nvSpPr>
+          <p:cNvPr id="59" name="TextBox 58">
+            <a:extLst>
+              <a:ext uri="{FF2B5EF4-FFF2-40B4-BE49-F238E27FC236}">
+                <a16:creationId xmlns:a16="http://schemas.microsoft.com/office/drawing/2014/main" id="{F6480A71-F901-A844-AF92-41E3F121C0E8}"/>
+              </a:ext>
+            </a:extLst>
+          </p:cNvPr>
+          <p:cNvSpPr txBox="1"/>
+          <p:nvPr/>
+        </p:nvSpPr>
+        <p:spPr>
+          <a:xfrm>
+            <a:off x="6164197" y="3636825"/>
+            <a:ext cx="583814" cy="369332"/>
+          </a:xfrm>
+          <a:prstGeom prst="rect">
+            <a:avLst/>
+          </a:prstGeom>
+          <a:noFill/>
+        </p:spPr>
+        <p:txBody>
+          <a:bodyPr wrap="none" rtlCol="0">
+            <a:spAutoFit/>
+          </a:bodyPr>
+          <a:lstStyle/>
+          <a:p>
+            <a:r>
+              <a:rPr lang="en-US" dirty="0"/>
+              <a:t>50%</a:t>
+            </a:r>
+          </a:p>
+        </p:txBody>
+      </p:sp>
+      <p:sp>
+        <p:nvSpPr>
+          <p:cNvPr id="73" name="Rounded Rectangle 72">
+            <a:extLst>
+              <a:ext uri="{FF2B5EF4-FFF2-40B4-BE49-F238E27FC236}">
+                <a16:creationId xmlns:a16="http://schemas.microsoft.com/office/drawing/2014/main" id="{E71FD733-5596-9147-92A5-95EF2ED71511}"/>
+              </a:ext>
+            </a:extLst>
+          </p:cNvPr>
+          <p:cNvSpPr/>
+          <p:nvPr/>
+        </p:nvSpPr>
+        <p:spPr>
+          <a:xfrm>
+            <a:off x="4676841" y="2858881"/>
+            <a:ext cx="816445" cy="1041636"/>
+          </a:xfrm>
+          <a:prstGeom prst="roundRect">
+            <a:avLst/>
+          </a:prstGeom>
+          <a:solidFill>
+            <a:schemeClr val="bg1"/>
+          </a:solidFill>
+          <a:ln>
+            <a:solidFill>
+              <a:schemeClr val="bg1"/>
+            </a:solidFill>
+          </a:ln>
+        </p:spPr>
+        <p:style>
+          <a:lnRef idx="2">
+            <a:schemeClr val="accent1">
+              <a:shade val="50000"/>
+            </a:schemeClr>
+          </a:lnRef>
+          <a:fillRef idx="1">
+            <a:schemeClr val="accent1"/>
+          </a:fillRef>
+          <a:effectRef idx="0">
+            <a:schemeClr val="accent1"/>
+          </a:effectRef>
+          <a:fontRef idx="minor">
+            <a:schemeClr val="lt1"/>
+          </a:fontRef>
+        </p:style>
+        <p:txBody>
+          <a:bodyPr rtlCol="0" anchor="ctr"/>
+          <a:lstStyle/>
+          <a:p>
+            <a:pPr algn="ctr"/>
+            <a:endParaRPr lang="en-US"/>
+          </a:p>
+        </p:txBody>
+      </p:sp>
+      <p:pic>
+        <p:nvPicPr>
+          <p:cNvPr id="72" name="Graphic 71" descr="Server">
+            <a:extLst>
+              <a:ext uri="{FF2B5EF4-FFF2-40B4-BE49-F238E27FC236}">
+                <a16:creationId xmlns:a16="http://schemas.microsoft.com/office/drawing/2014/main" id="{55EEA0B0-993C-C64E-9A52-07B2BC96EB02}"/>
+              </a:ext>
+            </a:extLst>
+          </p:cNvPr>
+          <p:cNvPicPr>
+            <a:picLocks noChangeAspect="1"/>
+          </p:cNvPicPr>
+          <p:nvPr/>
+        </p:nvPicPr>
+        <p:blipFill>
+          <a:blip r:embed="rId22">
+            <a:extLst>
+              <a:ext uri="{96DAC541-7B7A-43D3-8B79-37D633B846F1}">
+                <asvg:svgBlip xmlns:asvg="http://schemas.microsoft.com/office/drawing/2016/SVG/main" r:embed="rId23"/>
+              </a:ext>
+            </a:extLst>
+          </a:blip>
+          <a:stretch>
+            <a:fillRect/>
+          </a:stretch>
+        </p:blipFill>
+        <p:spPr>
+          <a:xfrm>
+            <a:off x="2168312" y="3005254"/>
+            <a:ext cx="914400" cy="914400"/>
+          </a:xfrm>
+          <a:prstGeom prst="rect">
+            <a:avLst/>
+          </a:prstGeom>
+        </p:spPr>
+      </p:pic>
+      <p:pic>
+        <p:nvPicPr>
+          <p:cNvPr id="57" name="Graphic 56" descr="Server">
+            <a:extLst>
+              <a:ext uri="{FF2B5EF4-FFF2-40B4-BE49-F238E27FC236}">
+                <a16:creationId xmlns:a16="http://schemas.microsoft.com/office/drawing/2014/main" id="{1377B7FF-9024-EE45-8EA2-E4370E391F91}"/>
+              </a:ext>
+            </a:extLst>
+          </p:cNvPr>
+          <p:cNvPicPr>
+            <a:picLocks noChangeAspect="1"/>
+          </p:cNvPicPr>
+          <p:nvPr/>
+        </p:nvPicPr>
+        <p:blipFill>
+          <a:blip r:embed="rId22">
+            <a:extLst>
+              <a:ext uri="{96DAC541-7B7A-43D3-8B79-37D633B846F1}">
+                <asvg:svgBlip xmlns:asvg="http://schemas.microsoft.com/office/drawing/2016/SVG/main" r:embed="rId23"/>
+              </a:ext>
+            </a:extLst>
+          </a:blip>
+          <a:stretch>
+            <a:fillRect/>
+          </a:stretch>
+        </p:blipFill>
+        <p:spPr>
+          <a:xfrm>
+            <a:off x="4681839" y="3005254"/>
+            <a:ext cx="914400" cy="914400"/>
+          </a:xfrm>
+          <a:prstGeom prst="rect">
+            <a:avLst/>
+          </a:prstGeom>
+        </p:spPr>
+      </p:pic>
+      <p:sp>
+        <p:nvSpPr>
+          <p:cNvPr id="70" name="Rounded Rectangle 69">
+            <a:extLst>
+              <a:ext uri="{FF2B5EF4-FFF2-40B4-BE49-F238E27FC236}">
+                <a16:creationId xmlns:a16="http://schemas.microsoft.com/office/drawing/2014/main" id="{A81DBC97-4326-7A42-BAFD-7AA34B39351F}"/>
+              </a:ext>
+            </a:extLst>
+          </p:cNvPr>
+          <p:cNvSpPr/>
+          <p:nvPr/>
+        </p:nvSpPr>
+        <p:spPr>
+          <a:xfrm>
+            <a:off x="8263722" y="4147864"/>
+            <a:ext cx="1170215" cy="674914"/>
+          </a:xfrm>
+          <a:prstGeom prst="roundRect">
+            <a:avLst/>
+          </a:prstGeom>
+          <a:solidFill>
+            <a:schemeClr val="accent6">
+              <a:lumMod val="60000"/>
+              <a:lumOff val="40000"/>
+            </a:schemeClr>
+          </a:solidFill>
+          <a:ln w="19050">
+            <a:solidFill>
+              <a:schemeClr val="accent6">
+                <a:lumMod val="50000"/>
+              </a:schemeClr>
+            </a:solidFill>
+          </a:ln>
+        </p:spPr>
+        <p:style>
+          <a:lnRef idx="2">
+            <a:schemeClr val="accent1">
+              <a:shade val="50000"/>
+            </a:schemeClr>
+          </a:lnRef>
+          <a:fillRef idx="1">
+            <a:schemeClr val="accent1"/>
+          </a:fillRef>
+          <a:effectRef idx="0">
+            <a:schemeClr val="accent1"/>
+          </a:effectRef>
+          <a:fontRef idx="minor">
+            <a:schemeClr val="lt1"/>
+          </a:fontRef>
+        </p:style>
+        <p:txBody>
+          <a:bodyPr rtlCol="0" anchor="ctr"/>
+          <a:lstStyle/>
+          <a:p>
+            <a:pPr algn="ctr"/>
+            <a:endParaRPr lang="en-US" dirty="0">
+              <a:solidFill>
+                <a:schemeClr val="tx1"/>
+              </a:solidFill>
+            </a:endParaRPr>
+          </a:p>
+        </p:txBody>
+      </p:sp>
+      <p:sp>
+        <p:nvSpPr>
+          <p:cNvPr id="71" name="Curved Up Arrow 70">
+            <a:extLst>
+              <a:ext uri="{FF2B5EF4-FFF2-40B4-BE49-F238E27FC236}">
+                <a16:creationId xmlns:a16="http://schemas.microsoft.com/office/drawing/2014/main" id="{6A8FC5E4-D3C7-3046-B1AB-FAD880964032}"/>
+              </a:ext>
+            </a:extLst>
+          </p:cNvPr>
+          <p:cNvSpPr/>
+          <p:nvPr/>
+        </p:nvSpPr>
+        <p:spPr>
+          <a:xfrm>
+            <a:off x="7324888" y="2929053"/>
+            <a:ext cx="1271030" cy="397329"/>
+          </a:xfrm>
+          <a:prstGeom prst="curvedUpArrow">
+            <a:avLst>
+              <a:gd name="adj1" fmla="val 13236"/>
+              <a:gd name="adj2" fmla="val 50000"/>
+              <a:gd name="adj3" fmla="val 25000"/>
+            </a:avLst>
+          </a:prstGeom>
+          <a:solidFill>
+            <a:schemeClr val="accent1">
+              <a:lumMod val="75000"/>
+            </a:schemeClr>
+          </a:solidFill>
+          <a:ln>
+            <a:solidFill>
+              <a:schemeClr val="accent1">
+                <a:lumMod val="50000"/>
+              </a:schemeClr>
+            </a:solidFill>
+          </a:ln>
+        </p:spPr>
+        <p:style>
+          <a:lnRef idx="2">
+            <a:schemeClr val="accent1">
+              <a:shade val="50000"/>
+            </a:schemeClr>
+          </a:lnRef>
+          <a:fillRef idx="1">
+            <a:schemeClr val="accent1"/>
+          </a:fillRef>
+          <a:effectRef idx="0">
+            <a:schemeClr val="accent1"/>
+          </a:effectRef>
+          <a:fontRef idx="minor">
+            <a:schemeClr val="lt1"/>
+          </a:fontRef>
+        </p:style>
+        <p:txBody>
+          <a:bodyPr rtlCol="0" anchor="ctr"/>
+          <a:lstStyle/>
+          <a:p>
+            <a:pPr algn="ctr"/>
+            <a:endParaRPr lang="en-US">
+              <a:solidFill>
+                <a:schemeClr val="tx1"/>
+              </a:solidFill>
+            </a:endParaRPr>
+          </a:p>
+        </p:txBody>
+      </p:sp>
+      <p:sp>
+        <p:nvSpPr>
+          <p:cNvPr id="74" name="Curved Up Arrow 73">
+            <a:extLst>
+              <a:ext uri="{FF2B5EF4-FFF2-40B4-BE49-F238E27FC236}">
+                <a16:creationId xmlns:a16="http://schemas.microsoft.com/office/drawing/2014/main" id="{8CA19FD9-0AEB-DB48-BAC6-08DD092434DE}"/>
+              </a:ext>
+            </a:extLst>
+          </p:cNvPr>
+          <p:cNvSpPr/>
+          <p:nvPr/>
+        </p:nvSpPr>
+        <p:spPr>
+          <a:xfrm flipV="1">
+            <a:off x="7383397" y="3426987"/>
+            <a:ext cx="1212521" cy="397329"/>
+          </a:xfrm>
+          <a:prstGeom prst="curvedUpArrow">
+            <a:avLst>
+              <a:gd name="adj1" fmla="val 13236"/>
+              <a:gd name="adj2" fmla="val 50000"/>
+              <a:gd name="adj3" fmla="val 25000"/>
+            </a:avLst>
+          </a:prstGeom>
+          <a:solidFill>
+            <a:schemeClr val="accent6">
+              <a:lumMod val="75000"/>
+            </a:schemeClr>
+          </a:solidFill>
+          <a:ln>
+            <a:solidFill>
+              <a:schemeClr val="accent6">
+                <a:lumMod val="50000"/>
+              </a:schemeClr>
+            </a:solidFill>
+          </a:ln>
+        </p:spPr>
+        <p:style>
+          <a:lnRef idx="2">
+            <a:schemeClr val="accent1">
+              <a:shade val="50000"/>
+            </a:schemeClr>
+          </a:lnRef>
+          <a:fillRef idx="1">
+            <a:schemeClr val="accent1"/>
+          </a:fillRef>
+          <a:effectRef idx="0">
+            <a:schemeClr val="accent1"/>
+          </a:effectRef>
+          <a:fontRef idx="minor">
+            <a:schemeClr val="lt1"/>
+          </a:fontRef>
+        </p:style>
+        <p:txBody>
+          <a:bodyPr rtlCol="0" anchor="ctr"/>
+          <a:lstStyle/>
+          <a:p>
+            <a:pPr algn="ctr"/>
+            <a:endParaRPr lang="en-US">
+              <a:solidFill>
+                <a:schemeClr val="tx1"/>
+              </a:solidFill>
+            </a:endParaRPr>
+          </a:p>
+        </p:txBody>
+      </p:sp>
+      <p:sp>
+        <p:nvSpPr>
+          <p:cNvPr id="76" name="Rounded Rectangle 75">
+            <a:extLst>
+              <a:ext uri="{FF2B5EF4-FFF2-40B4-BE49-F238E27FC236}">
+                <a16:creationId xmlns:a16="http://schemas.microsoft.com/office/drawing/2014/main" id="{17597C80-A437-9C40-BC16-CBECB19E11C1}"/>
+              </a:ext>
+            </a:extLst>
+          </p:cNvPr>
+          <p:cNvSpPr/>
+          <p:nvPr/>
+        </p:nvSpPr>
+        <p:spPr>
+          <a:xfrm>
+            <a:off x="8159292" y="2061399"/>
+            <a:ext cx="1170215" cy="674914"/>
+          </a:xfrm>
+          <a:prstGeom prst="roundRect">
+            <a:avLst/>
+          </a:prstGeom>
+          <a:solidFill>
+            <a:schemeClr val="accent1">
+              <a:lumMod val="75000"/>
+            </a:schemeClr>
+          </a:solidFill>
+          <a:ln w="19050">
+            <a:solidFill>
+              <a:schemeClr val="accent1">
+                <a:lumMod val="50000"/>
+              </a:schemeClr>
+            </a:solidFill>
+          </a:ln>
+        </p:spPr>
+        <p:style>
+          <a:lnRef idx="2">
+            <a:schemeClr val="accent1">
+              <a:shade val="50000"/>
+            </a:schemeClr>
+          </a:lnRef>
+          <a:fillRef idx="1">
+            <a:schemeClr val="accent1"/>
+          </a:fillRef>
+          <a:effectRef idx="0">
+            <a:schemeClr val="accent1"/>
+          </a:effectRef>
+          <a:fontRef idx="minor">
+            <a:schemeClr val="lt1"/>
+          </a:fontRef>
+        </p:style>
+        <p:txBody>
+          <a:bodyPr rtlCol="0" anchor="ctr"/>
+          <a:lstStyle/>
+          <a:p>
+            <a:pPr algn="ctr"/>
+            <a:r>
+              <a:rPr lang="en-US" dirty="0">
+                <a:solidFill>
+                  <a:schemeClr val="bg1"/>
+                </a:solidFill>
+              </a:rPr>
+              <a:t>v1.0</a:t>
+            </a:r>
+          </a:p>
+        </p:txBody>
+      </p:sp>
+      <p:sp>
+        <p:nvSpPr>
+          <p:cNvPr id="77" name="Rounded Rectangle 76">
+            <a:extLst>
+              <a:ext uri="{FF2B5EF4-FFF2-40B4-BE49-F238E27FC236}">
+                <a16:creationId xmlns:a16="http://schemas.microsoft.com/office/drawing/2014/main" id="{CE070102-5BA5-1B44-9287-39DC0017C162}"/>
+              </a:ext>
+            </a:extLst>
+          </p:cNvPr>
+          <p:cNvSpPr/>
+          <p:nvPr/>
+        </p:nvSpPr>
+        <p:spPr>
+          <a:xfrm>
+            <a:off x="8159292" y="4272676"/>
+            <a:ext cx="1170215" cy="674914"/>
+          </a:xfrm>
+          <a:prstGeom prst="roundRect">
+            <a:avLst/>
+          </a:prstGeom>
+          <a:solidFill>
+            <a:schemeClr val="accent6">
+              <a:lumMod val="75000"/>
+            </a:schemeClr>
+          </a:solidFill>
+          <a:ln w="19050">
+            <a:solidFill>
+              <a:schemeClr val="accent6">
+                <a:lumMod val="50000"/>
+              </a:schemeClr>
+            </a:solidFill>
+          </a:ln>
+        </p:spPr>
+        <p:style>
+          <a:lnRef idx="2">
+            <a:schemeClr val="accent1">
+              <a:shade val="50000"/>
+            </a:schemeClr>
+          </a:lnRef>
+          <a:fillRef idx="1">
+            <a:schemeClr val="accent1"/>
+          </a:fillRef>
+          <a:effectRef idx="0">
+            <a:schemeClr val="accent1"/>
+          </a:effectRef>
+          <a:fontRef idx="minor">
+            <a:schemeClr val="lt1"/>
+          </a:fontRef>
+        </p:style>
+        <p:txBody>
+          <a:bodyPr rtlCol="0" anchor="ctr"/>
+          <a:lstStyle/>
+          <a:p>
+            <a:pPr algn="ctr"/>
+            <a:r>
+              <a:rPr lang="en-US" dirty="0">
+                <a:solidFill>
+                  <a:schemeClr val="bg1"/>
+                </a:solidFill>
+              </a:rPr>
+              <a:t>v2.0</a:t>
+            </a:r>
+          </a:p>
+        </p:txBody>
+      </p:sp>
+      <p:sp>
+        <p:nvSpPr>
+          <p:cNvPr id="79" name="TextBox 78">
+            <a:extLst>
+              <a:ext uri="{FF2B5EF4-FFF2-40B4-BE49-F238E27FC236}">
+                <a16:creationId xmlns:a16="http://schemas.microsoft.com/office/drawing/2014/main" id="{366040A5-57BA-4B4F-B936-D45AAEB02C90}"/>
+              </a:ext>
+            </a:extLst>
+          </p:cNvPr>
+          <p:cNvSpPr txBox="1"/>
+          <p:nvPr/>
+        </p:nvSpPr>
+        <p:spPr>
+          <a:xfrm>
+            <a:off x="8607136" y="2718076"/>
+            <a:ext cx="466794" cy="369332"/>
+          </a:xfrm>
+          <a:prstGeom prst="rect">
+            <a:avLst/>
+          </a:prstGeom>
+          <a:noFill/>
+        </p:spPr>
+        <p:txBody>
+          <a:bodyPr wrap="none" rtlCol="0">
+            <a:spAutoFit/>
+          </a:bodyPr>
+          <a:lstStyle/>
+          <a:p>
+            <a:r>
+              <a:rPr lang="en-US" dirty="0"/>
+              <a:t>5%</a:t>
+            </a:r>
+          </a:p>
+        </p:txBody>
+      </p:sp>
+      <p:sp>
+        <p:nvSpPr>
+          <p:cNvPr id="80" name="TextBox 79">
+            <a:extLst>
+              <a:ext uri="{FF2B5EF4-FFF2-40B4-BE49-F238E27FC236}">
+                <a16:creationId xmlns:a16="http://schemas.microsoft.com/office/drawing/2014/main" id="{EB9DB672-B65D-614C-B586-65BF8B27B273}"/>
+              </a:ext>
+            </a:extLst>
+          </p:cNvPr>
+          <p:cNvSpPr txBox="1"/>
+          <p:nvPr/>
+        </p:nvSpPr>
+        <p:spPr>
+          <a:xfrm>
+            <a:off x="8548626" y="3636825"/>
+            <a:ext cx="583814" cy="369332"/>
+          </a:xfrm>
+          <a:prstGeom prst="rect">
+            <a:avLst/>
+          </a:prstGeom>
+          <a:noFill/>
+        </p:spPr>
+        <p:txBody>
+          <a:bodyPr wrap="none" rtlCol="0">
+            <a:spAutoFit/>
+          </a:bodyPr>
+          <a:lstStyle/>
+          <a:p>
+            <a:r>
+              <a:rPr lang="en-US" dirty="0"/>
+              <a:t>95%</a:t>
+            </a:r>
+          </a:p>
+        </p:txBody>
+      </p:sp>
+      <p:sp>
+        <p:nvSpPr>
+          <p:cNvPr id="83" name="Rounded Rectangle 82">
+            <a:extLst>
+              <a:ext uri="{FF2B5EF4-FFF2-40B4-BE49-F238E27FC236}">
+                <a16:creationId xmlns:a16="http://schemas.microsoft.com/office/drawing/2014/main" id="{6656F4DF-FFBE-EE4C-993B-99617CD58386}"/>
+              </a:ext>
+            </a:extLst>
+          </p:cNvPr>
+          <p:cNvSpPr/>
+          <p:nvPr/>
+        </p:nvSpPr>
+        <p:spPr>
+          <a:xfrm>
+            <a:off x="7180185" y="2848628"/>
+            <a:ext cx="816445" cy="1041636"/>
+          </a:xfrm>
+          <a:prstGeom prst="roundRect">
+            <a:avLst/>
+          </a:prstGeom>
+          <a:solidFill>
+            <a:schemeClr val="bg1"/>
+          </a:solidFill>
+          <a:ln>
+            <a:solidFill>
+              <a:schemeClr val="bg1"/>
+            </a:solidFill>
+          </a:ln>
+        </p:spPr>
+        <p:style>
+          <a:lnRef idx="2">
+            <a:schemeClr val="accent1">
+              <a:shade val="50000"/>
+            </a:schemeClr>
+          </a:lnRef>
+          <a:fillRef idx="1">
+            <a:schemeClr val="accent1"/>
+          </a:fillRef>
+          <a:effectRef idx="0">
+            <a:schemeClr val="accent1"/>
+          </a:effectRef>
+          <a:fontRef idx="minor">
+            <a:schemeClr val="lt1"/>
+          </a:fontRef>
+        </p:style>
+        <p:txBody>
+          <a:bodyPr rtlCol="0" anchor="ctr"/>
+          <a:lstStyle/>
+          <a:p>
+            <a:pPr algn="ctr"/>
+            <a:endParaRPr lang="en-US"/>
+          </a:p>
+        </p:txBody>
+      </p:sp>
+      <p:pic>
+        <p:nvPicPr>
+          <p:cNvPr id="84" name="Graphic 83" descr="Server">
+            <a:extLst>
+              <a:ext uri="{FF2B5EF4-FFF2-40B4-BE49-F238E27FC236}">
+                <a16:creationId xmlns:a16="http://schemas.microsoft.com/office/drawing/2014/main" id="{95494DAB-1ECB-1844-857E-C71519E2842C}"/>
+              </a:ext>
+            </a:extLst>
+          </p:cNvPr>
+          <p:cNvPicPr>
+            <a:picLocks noChangeAspect="1"/>
+          </p:cNvPicPr>
+          <p:nvPr/>
+        </p:nvPicPr>
+        <p:blipFill>
+          <a:blip r:embed="rId22">
+            <a:extLst>
+              <a:ext uri="{96DAC541-7B7A-43D3-8B79-37D633B846F1}">
+                <asvg:svgBlip xmlns:asvg="http://schemas.microsoft.com/office/drawing/2016/SVG/main" r:embed="rId23"/>
+              </a:ext>
+            </a:extLst>
+          </a:blip>
+          <a:stretch>
+            <a:fillRect/>
+          </a:stretch>
+        </p:blipFill>
+        <p:spPr>
+          <a:xfrm>
+            <a:off x="7194808" y="2975864"/>
+            <a:ext cx="914400" cy="914400"/>
+          </a:xfrm>
+          <a:prstGeom prst="rect">
+            <a:avLst/>
+          </a:prstGeom>
+        </p:spPr>
+      </p:pic>
+      <p:sp>
+        <p:nvSpPr>
+          <p:cNvPr id="86" name="Rounded Rectangle 85">
+            <a:extLst>
+              <a:ext uri="{FF2B5EF4-FFF2-40B4-BE49-F238E27FC236}">
+                <a16:creationId xmlns:a16="http://schemas.microsoft.com/office/drawing/2014/main" id="{108FF632-71A4-BE48-B037-49620092C270}"/>
+              </a:ext>
+            </a:extLst>
+          </p:cNvPr>
+          <p:cNvSpPr/>
+          <p:nvPr/>
+        </p:nvSpPr>
+        <p:spPr>
+          <a:xfrm>
+            <a:off x="10738909" y="4026533"/>
+            <a:ext cx="1170215" cy="674914"/>
+          </a:xfrm>
+          <a:prstGeom prst="roundRect">
+            <a:avLst/>
+          </a:prstGeom>
+          <a:solidFill>
+            <a:schemeClr val="accent6">
+              <a:lumMod val="40000"/>
+              <a:lumOff val="60000"/>
+            </a:schemeClr>
+          </a:solidFill>
+          <a:ln w="19050">
+            <a:solidFill>
+              <a:schemeClr val="accent6">
+                <a:lumMod val="50000"/>
+              </a:schemeClr>
+            </a:solidFill>
+          </a:ln>
+        </p:spPr>
+        <p:style>
+          <a:lnRef idx="2">
+            <a:schemeClr val="accent1">
+              <a:shade val="50000"/>
+            </a:schemeClr>
+          </a:lnRef>
+          <a:fillRef idx="1">
+            <a:schemeClr val="accent1"/>
+          </a:fillRef>
+          <a:effectRef idx="0">
+            <a:schemeClr val="accent1"/>
+          </a:effectRef>
+          <a:fontRef idx="minor">
+            <a:schemeClr val="lt1"/>
+          </a:fontRef>
+        </p:style>
+        <p:txBody>
+          <a:bodyPr rtlCol="0" anchor="ctr"/>
+          <a:lstStyle/>
+          <a:p>
+            <a:pPr algn="ctr"/>
+            <a:endParaRPr lang="en-US" dirty="0">
+              <a:solidFill>
+                <a:schemeClr val="tx1"/>
+              </a:solidFill>
+            </a:endParaRPr>
+          </a:p>
+        </p:txBody>
+      </p:sp>
+      <p:sp>
+        <p:nvSpPr>
+          <p:cNvPr id="87" name="Rounded Rectangle 86">
+            <a:extLst>
+              <a:ext uri="{FF2B5EF4-FFF2-40B4-BE49-F238E27FC236}">
+                <a16:creationId xmlns:a16="http://schemas.microsoft.com/office/drawing/2014/main" id="{970EA12E-AC9F-AF41-9168-2444020C900B}"/>
+              </a:ext>
+            </a:extLst>
+          </p:cNvPr>
+          <p:cNvSpPr/>
+          <p:nvPr/>
+        </p:nvSpPr>
+        <p:spPr>
+          <a:xfrm>
+            <a:off x="10597395" y="4136604"/>
+            <a:ext cx="1170215" cy="674914"/>
+          </a:xfrm>
+          <a:prstGeom prst="roundRect">
+            <a:avLst/>
+          </a:prstGeom>
+          <a:solidFill>
+            <a:schemeClr val="accent6">
+              <a:lumMod val="60000"/>
+              <a:lumOff val="40000"/>
+            </a:schemeClr>
+          </a:solidFill>
+          <a:ln w="19050">
+            <a:solidFill>
+              <a:schemeClr val="accent6">
+                <a:lumMod val="50000"/>
+              </a:schemeClr>
+            </a:solidFill>
+          </a:ln>
+        </p:spPr>
+        <p:style>
+          <a:lnRef idx="2">
+            <a:schemeClr val="accent1">
+              <a:shade val="50000"/>
+            </a:schemeClr>
+          </a:lnRef>
+          <a:fillRef idx="1">
+            <a:schemeClr val="accent1"/>
+          </a:fillRef>
+          <a:effectRef idx="0">
+            <a:schemeClr val="accent1"/>
+          </a:effectRef>
+          <a:fontRef idx="minor">
+            <a:schemeClr val="lt1"/>
+          </a:fontRef>
+        </p:style>
+        <p:txBody>
+          <a:bodyPr rtlCol="0" anchor="ctr"/>
+          <a:lstStyle/>
+          <a:p>
+            <a:pPr algn="ctr"/>
+            <a:endParaRPr lang="en-US" dirty="0">
+              <a:solidFill>
+                <a:schemeClr val="tx1"/>
+              </a:solidFill>
+            </a:endParaRPr>
+          </a:p>
+        </p:txBody>
+      </p:sp>
+      <p:sp>
+        <p:nvSpPr>
+          <p:cNvPr id="88" name="Rounded Rectangle 87">
+            <a:extLst>
+              <a:ext uri="{FF2B5EF4-FFF2-40B4-BE49-F238E27FC236}">
+                <a16:creationId xmlns:a16="http://schemas.microsoft.com/office/drawing/2014/main" id="{FE39CC48-3E68-FA4A-AA40-B3D6C290C042}"/>
+              </a:ext>
+            </a:extLst>
+          </p:cNvPr>
+          <p:cNvSpPr/>
+          <p:nvPr/>
+        </p:nvSpPr>
+        <p:spPr>
+          <a:xfrm>
+            <a:off x="10466766" y="4272676"/>
+            <a:ext cx="1170215" cy="674914"/>
+          </a:xfrm>
+          <a:prstGeom prst="roundRect">
+            <a:avLst/>
+          </a:prstGeom>
+          <a:solidFill>
+            <a:schemeClr val="accent6">
+              <a:lumMod val="75000"/>
+            </a:schemeClr>
+          </a:solidFill>
+          <a:ln w="19050">
+            <a:solidFill>
+              <a:schemeClr val="accent6">
+                <a:lumMod val="50000"/>
+              </a:schemeClr>
+            </a:solidFill>
+          </a:ln>
+        </p:spPr>
+        <p:style>
+          <a:lnRef idx="2">
+            <a:schemeClr val="accent1">
+              <a:shade val="50000"/>
+            </a:schemeClr>
+          </a:lnRef>
+          <a:fillRef idx="1">
+            <a:schemeClr val="accent1"/>
+          </a:fillRef>
+          <a:effectRef idx="0">
+            <a:schemeClr val="accent1"/>
+          </a:effectRef>
+          <a:fontRef idx="minor">
+            <a:schemeClr val="lt1"/>
+          </a:fontRef>
+        </p:style>
+        <p:txBody>
+          <a:bodyPr rtlCol="0" anchor="ctr"/>
+          <a:lstStyle/>
+          <a:p>
+            <a:pPr algn="ctr"/>
+            <a:r>
+              <a:rPr lang="en-US" dirty="0">
+                <a:solidFill>
+                  <a:schemeClr val="bg1"/>
+                </a:solidFill>
+              </a:rPr>
+              <a:t>v2.0</a:t>
+            </a:r>
+          </a:p>
+        </p:txBody>
+      </p:sp>
+      <p:sp>
+        <p:nvSpPr>
+          <p:cNvPr id="90" name="Curved Up Arrow 89">
+            <a:extLst>
+              <a:ext uri="{FF2B5EF4-FFF2-40B4-BE49-F238E27FC236}">
+                <a16:creationId xmlns:a16="http://schemas.microsoft.com/office/drawing/2014/main" id="{BC1EF30E-0F6A-5148-A3F7-C3E251FF7F39}"/>
+              </a:ext>
+            </a:extLst>
+          </p:cNvPr>
+          <p:cNvSpPr/>
+          <p:nvPr/>
+        </p:nvSpPr>
+        <p:spPr>
+          <a:xfrm flipV="1">
+            <a:off x="9733003" y="3440213"/>
+            <a:ext cx="1212521" cy="397329"/>
+          </a:xfrm>
+          <a:prstGeom prst="curvedUpArrow">
+            <a:avLst>
+              <a:gd name="adj1" fmla="val 13236"/>
+              <a:gd name="adj2" fmla="val 50000"/>
+              <a:gd name="adj3" fmla="val 25000"/>
+            </a:avLst>
+          </a:prstGeom>
+          <a:solidFill>
+            <a:schemeClr val="accent6">
+              <a:lumMod val="75000"/>
+            </a:schemeClr>
+          </a:solidFill>
+          <a:ln>
+            <a:solidFill>
+              <a:schemeClr val="accent6">
+                <a:lumMod val="50000"/>
+              </a:schemeClr>
+            </a:solidFill>
+          </a:ln>
+        </p:spPr>
+        <p:style>
+          <a:lnRef idx="2">
+            <a:schemeClr val="accent1">
+              <a:shade val="50000"/>
+            </a:schemeClr>
+          </a:lnRef>
+          <a:fillRef idx="1">
+            <a:schemeClr val="accent1"/>
+          </a:fillRef>
+          <a:effectRef idx="0">
+            <a:schemeClr val="accent1"/>
+          </a:effectRef>
+          <a:fontRef idx="minor">
+            <a:schemeClr val="lt1"/>
+          </a:fontRef>
+        </p:style>
+        <p:txBody>
+          <a:bodyPr rtlCol="0" anchor="ctr"/>
+          <a:lstStyle/>
+          <a:p>
+            <a:pPr algn="ctr"/>
+            <a:endParaRPr lang="en-US">
+              <a:solidFill>
+                <a:schemeClr val="tx1"/>
+              </a:solidFill>
+            </a:endParaRPr>
+          </a:p>
+        </p:txBody>
+      </p:sp>
+      <p:sp>
+        <p:nvSpPr>
+          <p:cNvPr id="91" name="Rounded Rectangle 90">
+            <a:extLst>
+              <a:ext uri="{FF2B5EF4-FFF2-40B4-BE49-F238E27FC236}">
+                <a16:creationId xmlns:a16="http://schemas.microsoft.com/office/drawing/2014/main" id="{8ED85D70-8E1C-F14D-B23D-4077C7959F05}"/>
+              </a:ext>
+            </a:extLst>
+          </p:cNvPr>
+          <p:cNvSpPr/>
+          <p:nvPr/>
+        </p:nvSpPr>
+        <p:spPr>
+          <a:xfrm>
+            <a:off x="9571831" y="2861854"/>
+            <a:ext cx="816445" cy="1041636"/>
+          </a:xfrm>
+          <a:prstGeom prst="roundRect">
+            <a:avLst/>
+          </a:prstGeom>
+          <a:solidFill>
+            <a:schemeClr val="bg1"/>
+          </a:solidFill>
+          <a:ln>
+            <a:solidFill>
+              <a:schemeClr val="bg1"/>
+            </a:solidFill>
+          </a:ln>
+        </p:spPr>
+        <p:style>
+          <a:lnRef idx="2">
+            <a:schemeClr val="accent1">
+              <a:shade val="50000"/>
+            </a:schemeClr>
+          </a:lnRef>
+          <a:fillRef idx="1">
+            <a:schemeClr val="accent1"/>
+          </a:fillRef>
+          <a:effectRef idx="0">
+            <a:schemeClr val="accent1"/>
+          </a:effectRef>
+          <a:fontRef idx="minor">
+            <a:schemeClr val="lt1"/>
+          </a:fontRef>
+        </p:style>
+        <p:txBody>
+          <a:bodyPr rtlCol="0" anchor="ctr"/>
+          <a:lstStyle/>
+          <a:p>
+            <a:pPr algn="ctr"/>
+            <a:endParaRPr lang="en-US"/>
+          </a:p>
+        </p:txBody>
+      </p:sp>
+      <p:pic>
+        <p:nvPicPr>
+          <p:cNvPr id="92" name="Graphic 91" descr="Server">
+            <a:extLst>
+              <a:ext uri="{FF2B5EF4-FFF2-40B4-BE49-F238E27FC236}">
+                <a16:creationId xmlns:a16="http://schemas.microsoft.com/office/drawing/2014/main" id="{E11714EC-118E-8641-B007-EA9048181641}"/>
+              </a:ext>
+            </a:extLst>
+          </p:cNvPr>
+          <p:cNvPicPr>
+            <a:picLocks noChangeAspect="1"/>
+          </p:cNvPicPr>
+          <p:nvPr/>
+        </p:nvPicPr>
+        <p:blipFill>
+          <a:blip r:embed="rId22">
+            <a:extLst>
+              <a:ext uri="{96DAC541-7B7A-43D3-8B79-37D633B846F1}">
+                <asvg:svgBlip xmlns:asvg="http://schemas.microsoft.com/office/drawing/2016/SVG/main" r:embed="rId23"/>
+              </a:ext>
+            </a:extLst>
+          </a:blip>
+          <a:stretch>
+            <a:fillRect/>
+          </a:stretch>
+        </p:blipFill>
+        <p:spPr>
+          <a:xfrm>
+            <a:off x="9586454" y="2989090"/>
+            <a:ext cx="914400" cy="914400"/>
+          </a:xfrm>
+          <a:prstGeom prst="rect">
+            <a:avLst/>
+          </a:prstGeom>
+        </p:spPr>
+      </p:pic>
+      <p:sp>
+        <p:nvSpPr>
+          <p:cNvPr id="93" name="TextBox 92">
+            <a:extLst>
+              <a:ext uri="{FF2B5EF4-FFF2-40B4-BE49-F238E27FC236}">
+                <a16:creationId xmlns:a16="http://schemas.microsoft.com/office/drawing/2014/main" id="{CCC3F356-F758-8A46-855C-1C55E96C8528}"/>
+              </a:ext>
+            </a:extLst>
+          </p:cNvPr>
+          <p:cNvSpPr txBox="1"/>
+          <p:nvPr/>
+        </p:nvSpPr>
+        <p:spPr>
+          <a:xfrm>
+            <a:off x="10844159" y="3636825"/>
+            <a:ext cx="700833" cy="369332"/>
+          </a:xfrm>
+          <a:prstGeom prst="rect">
+            <a:avLst/>
+          </a:prstGeom>
+          <a:noFill/>
+        </p:spPr>
+        <p:txBody>
+          <a:bodyPr wrap="none" rtlCol="0">
+            <a:spAutoFit/>
+          </a:bodyPr>
+          <a:lstStyle/>
+          <a:p>
+            <a:r>
+              <a:rPr lang="en-US" dirty="0"/>
+              <a:t>100%</a:t>
+            </a:r>
+          </a:p>
+        </p:txBody>
+      </p:sp>
+      <p:sp>
+        <p:nvSpPr>
+          <p:cNvPr id="2" name="TextBox 1">
+            <a:extLst>
+              <a:ext uri="{FF2B5EF4-FFF2-40B4-BE49-F238E27FC236}">
+                <a16:creationId xmlns:a16="http://schemas.microsoft.com/office/drawing/2014/main" id="{256ACC65-D800-EE43-92BD-5F6C167DE49B}"/>
+              </a:ext>
+            </a:extLst>
+          </p:cNvPr>
+          <p:cNvSpPr txBox="1"/>
+          <p:nvPr/>
+        </p:nvSpPr>
+        <p:spPr>
+          <a:xfrm>
+            <a:off x="3273125" y="4895800"/>
+            <a:ext cx="1135439" cy="369332"/>
+          </a:xfrm>
+          <a:prstGeom prst="rect">
+            <a:avLst/>
+          </a:prstGeom>
+          <a:noFill/>
+        </p:spPr>
+        <p:txBody>
+          <a:bodyPr wrap="none" rtlCol="0">
+            <a:spAutoFit/>
+          </a:bodyPr>
+          <a:lstStyle/>
+          <a:p>
+            <a:r>
+              <a:rPr lang="en-US" dirty="0"/>
+              <a:t>Candidate</a:t>
+            </a:r>
+          </a:p>
+        </p:txBody>
+      </p:sp>
+      <p:sp>
+        <p:nvSpPr>
+          <p:cNvPr id="94" name="TextBox 93">
+            <a:extLst>
+              <a:ext uri="{FF2B5EF4-FFF2-40B4-BE49-F238E27FC236}">
+                <a16:creationId xmlns:a16="http://schemas.microsoft.com/office/drawing/2014/main" id="{E77C64BC-DEDC-3540-B9A1-0DC71AAF69FB}"/>
+              </a:ext>
+            </a:extLst>
+          </p:cNvPr>
+          <p:cNvSpPr txBox="1"/>
+          <p:nvPr/>
+        </p:nvSpPr>
+        <p:spPr>
+          <a:xfrm>
+            <a:off x="5792043" y="4892977"/>
+            <a:ext cx="1135439" cy="369332"/>
+          </a:xfrm>
+          <a:prstGeom prst="rect">
+            <a:avLst/>
+          </a:prstGeom>
+          <a:noFill/>
+        </p:spPr>
+        <p:txBody>
+          <a:bodyPr wrap="none" rtlCol="0">
+            <a:spAutoFit/>
+          </a:bodyPr>
+          <a:lstStyle/>
+          <a:p>
+            <a:r>
+              <a:rPr lang="en-US" dirty="0"/>
+              <a:t>Candidate</a:t>
+            </a:r>
+          </a:p>
+        </p:txBody>
+      </p:sp>
+      <p:sp>
+        <p:nvSpPr>
+          <p:cNvPr id="95" name="TextBox 94">
+            <a:extLst>
+              <a:ext uri="{FF2B5EF4-FFF2-40B4-BE49-F238E27FC236}">
+                <a16:creationId xmlns:a16="http://schemas.microsoft.com/office/drawing/2014/main" id="{1802A98C-D307-3346-9DFC-72C395DE5958}"/>
+              </a:ext>
+            </a:extLst>
+          </p:cNvPr>
+          <p:cNvSpPr txBox="1"/>
+          <p:nvPr/>
+        </p:nvSpPr>
+        <p:spPr>
+          <a:xfrm>
+            <a:off x="8176680" y="4892977"/>
+            <a:ext cx="1135439" cy="369332"/>
+          </a:xfrm>
+          <a:prstGeom prst="rect">
+            <a:avLst/>
+          </a:prstGeom>
+          <a:noFill/>
+        </p:spPr>
+        <p:txBody>
+          <a:bodyPr wrap="none" rtlCol="0">
+            <a:spAutoFit/>
+          </a:bodyPr>
+          <a:lstStyle/>
+          <a:p>
+            <a:r>
+              <a:rPr lang="en-US" dirty="0"/>
+              <a:t>Candidate</a:t>
+            </a:r>
+          </a:p>
+        </p:txBody>
+      </p:sp>
+      <p:sp>
+        <p:nvSpPr>
+          <p:cNvPr id="96" name="TextBox 95">
+            <a:extLst>
+              <a:ext uri="{FF2B5EF4-FFF2-40B4-BE49-F238E27FC236}">
+                <a16:creationId xmlns:a16="http://schemas.microsoft.com/office/drawing/2014/main" id="{8788DEFE-568A-6A4E-8676-9124A5A98669}"/>
+              </a:ext>
+            </a:extLst>
+          </p:cNvPr>
+          <p:cNvSpPr txBox="1"/>
+          <p:nvPr/>
+        </p:nvSpPr>
+        <p:spPr>
+          <a:xfrm>
+            <a:off x="10567605" y="4892977"/>
+            <a:ext cx="968535" cy="369332"/>
+          </a:xfrm>
+          <a:prstGeom prst="rect">
+            <a:avLst/>
+          </a:prstGeom>
+          <a:noFill/>
+        </p:spPr>
+        <p:txBody>
+          <a:bodyPr wrap="none" rtlCol="0">
+            <a:spAutoFit/>
+          </a:bodyPr>
+          <a:lstStyle/>
+          <a:p>
+            <a:r>
+              <a:rPr lang="en-US" dirty="0"/>
+              <a:t>Baseline</a:t>
+            </a:r>
+          </a:p>
+        </p:txBody>
+      </p:sp>
+      <p:sp>
+        <p:nvSpPr>
+          <p:cNvPr id="97" name="TextBox 96">
+            <a:extLst>
+              <a:ext uri="{FF2B5EF4-FFF2-40B4-BE49-F238E27FC236}">
+                <a16:creationId xmlns:a16="http://schemas.microsoft.com/office/drawing/2014/main" id="{A8C9323F-2645-0646-BB99-F0FDBEE8FE1A}"/>
+              </a:ext>
+            </a:extLst>
+          </p:cNvPr>
+          <p:cNvSpPr txBox="1"/>
+          <p:nvPr/>
+        </p:nvSpPr>
+        <p:spPr>
+          <a:xfrm>
+            <a:off x="3356577" y="1466858"/>
+            <a:ext cx="968535" cy="369332"/>
+          </a:xfrm>
+          <a:prstGeom prst="rect">
+            <a:avLst/>
+          </a:prstGeom>
+          <a:noFill/>
+        </p:spPr>
+        <p:txBody>
+          <a:bodyPr wrap="none" rtlCol="0">
+            <a:spAutoFit/>
+          </a:bodyPr>
+          <a:lstStyle/>
+          <a:p>
+            <a:r>
+              <a:rPr lang="en-US" dirty="0"/>
+              <a:t>Baseline</a:t>
+            </a:r>
+          </a:p>
+        </p:txBody>
+      </p:sp>
+      <p:sp>
+        <p:nvSpPr>
+          <p:cNvPr id="98" name="TextBox 97">
+            <a:extLst>
+              <a:ext uri="{FF2B5EF4-FFF2-40B4-BE49-F238E27FC236}">
+                <a16:creationId xmlns:a16="http://schemas.microsoft.com/office/drawing/2014/main" id="{56DDCB9D-5C63-884B-8FA2-2A25950BE9B4}"/>
+              </a:ext>
+            </a:extLst>
+          </p:cNvPr>
+          <p:cNvSpPr txBox="1"/>
+          <p:nvPr/>
+        </p:nvSpPr>
+        <p:spPr>
+          <a:xfrm>
+            <a:off x="5875495" y="1466858"/>
+            <a:ext cx="968535" cy="369332"/>
+          </a:xfrm>
+          <a:prstGeom prst="rect">
+            <a:avLst/>
+          </a:prstGeom>
+          <a:noFill/>
+        </p:spPr>
+        <p:txBody>
+          <a:bodyPr wrap="none" rtlCol="0">
+            <a:spAutoFit/>
+          </a:bodyPr>
+          <a:lstStyle/>
+          <a:p>
+            <a:r>
+              <a:rPr lang="en-US" dirty="0"/>
+              <a:t>Baseline</a:t>
+            </a:r>
+          </a:p>
+        </p:txBody>
+      </p:sp>
+      <p:sp>
+        <p:nvSpPr>
+          <p:cNvPr id="99" name="TextBox 98">
+            <a:extLst>
+              <a:ext uri="{FF2B5EF4-FFF2-40B4-BE49-F238E27FC236}">
+                <a16:creationId xmlns:a16="http://schemas.microsoft.com/office/drawing/2014/main" id="{8C1C7D81-D375-684E-B677-BF842660FA7E}"/>
+              </a:ext>
+            </a:extLst>
+          </p:cNvPr>
+          <p:cNvSpPr txBox="1"/>
+          <p:nvPr/>
+        </p:nvSpPr>
+        <p:spPr>
+          <a:xfrm>
+            <a:off x="8260132" y="1466858"/>
+            <a:ext cx="968535" cy="369332"/>
+          </a:xfrm>
+          <a:prstGeom prst="rect">
+            <a:avLst/>
+          </a:prstGeom>
+          <a:noFill/>
+        </p:spPr>
+        <p:txBody>
+          <a:bodyPr wrap="none" rtlCol="0">
+            <a:spAutoFit/>
+          </a:bodyPr>
+          <a:lstStyle/>
+          <a:p>
+            <a:r>
+              <a:rPr lang="en-US" dirty="0"/>
+              <a:t>Baseline</a:t>
+            </a:r>
+          </a:p>
+        </p:txBody>
+      </p:sp>
+      <p:cxnSp>
+        <p:nvCxnSpPr>
+          <p:cNvPr id="4" name="Straight Arrow Connector 3">
+            <a:extLst>
+              <a:ext uri="{FF2B5EF4-FFF2-40B4-BE49-F238E27FC236}">
+                <a16:creationId xmlns:a16="http://schemas.microsoft.com/office/drawing/2014/main" id="{DE918658-3B3F-B842-847E-006E8D51EB99}"/>
+              </a:ext>
+            </a:extLst>
+          </p:cNvPr>
+          <p:cNvCxnSpPr>
+            <a:cxnSpLocks/>
+          </p:cNvCxnSpPr>
+          <p:nvPr/>
+        </p:nvCxnSpPr>
+        <p:spPr>
+          <a:xfrm>
+            <a:off x="284313" y="5468471"/>
+            <a:ext cx="11683045" cy="1"/>
+          </a:xfrm>
+          <a:prstGeom prst="straightConnector1">
+            <a:avLst/>
+          </a:prstGeom>
+          <a:ln w="28575">
+            <a:solidFill>
+              <a:schemeClr val="accent2">
+                <a:lumMod val="75000"/>
+              </a:schemeClr>
+            </a:solidFill>
+            <a:tailEnd type="stealth" w="lg" len="lg"/>
+          </a:ln>
+        </p:spPr>
+        <p:style>
+          <a:lnRef idx="1">
+            <a:schemeClr val="accent1"/>
+          </a:lnRef>
+          <a:fillRef idx="0">
+            <a:schemeClr val="accent1"/>
+          </a:fillRef>
+          <a:effectRef idx="0">
+            <a:schemeClr val="accent1"/>
+          </a:effectRef>
+          <a:fontRef idx="minor">
+            <a:schemeClr val="tx1"/>
+          </a:fontRef>
+        </p:style>
+      </p:cxnSp>
+      <p:sp>
+        <p:nvSpPr>
+          <p:cNvPr id="9" name="TextBox 8">
+            <a:extLst>
+              <a:ext uri="{FF2B5EF4-FFF2-40B4-BE49-F238E27FC236}">
+                <a16:creationId xmlns:a16="http://schemas.microsoft.com/office/drawing/2014/main" id="{47FDE54F-34FE-C140-A79C-0AE201BD6C97}"/>
+              </a:ext>
+            </a:extLst>
+          </p:cNvPr>
+          <p:cNvSpPr txBox="1"/>
+          <p:nvPr/>
+        </p:nvSpPr>
+        <p:spPr>
+          <a:xfrm>
+            <a:off x="5830865" y="5538941"/>
+            <a:ext cx="649537" cy="369332"/>
+          </a:xfrm>
+          <a:prstGeom prst="rect">
+            <a:avLst/>
+          </a:prstGeom>
+          <a:noFill/>
+        </p:spPr>
+        <p:txBody>
+          <a:bodyPr wrap="none" rtlCol="0">
+            <a:spAutoFit/>
+          </a:bodyPr>
+          <a:lstStyle/>
+          <a:p>
+            <a:r>
+              <a:rPr lang="en-US" dirty="0"/>
+              <a:t>Time</a:t>
+            </a:r>
+          </a:p>
+        </p:txBody>
+      </p:sp>
+      <p:pic>
+        <p:nvPicPr>
+          <p:cNvPr id="75" name="Graphic 74" descr="Ribbon">
+            <a:extLst>
+              <a:ext uri="{FF2B5EF4-FFF2-40B4-BE49-F238E27FC236}">
+                <a16:creationId xmlns:a16="http://schemas.microsoft.com/office/drawing/2014/main" id="{5E24A435-A2F4-AB46-AE14-A7D22A538D1D}"/>
+              </a:ext>
+            </a:extLst>
+          </p:cNvPr>
+          <p:cNvPicPr>
+            <a:picLocks noChangeAspect="1"/>
+          </p:cNvPicPr>
+          <p:nvPr/>
+        </p:nvPicPr>
+        <p:blipFill>
+          <a:blip r:embed="rId24">
+            <a:extLst>
+              <a:ext uri="{96DAC541-7B7A-43D3-8B79-37D633B846F1}">
+                <asvg:svgBlip xmlns:asvg="http://schemas.microsoft.com/office/drawing/2016/SVG/main" r:embed="rId25"/>
+              </a:ext>
+            </a:extLst>
+          </a:blip>
+          <a:stretch>
+            <a:fillRect/>
+          </a:stretch>
+        </p:blipFill>
+        <p:spPr>
+          <a:xfrm>
+            <a:off x="9887531" y="4324650"/>
+            <a:ext cx="570967" cy="570967"/>
+          </a:xfrm>
+          <a:prstGeom prst="rect">
+            <a:avLst/>
+          </a:prstGeom>
+        </p:spPr>
+      </p:pic>
+      <p:sp>
+        <p:nvSpPr>
+          <p:cNvPr id="78" name="TextBox 77">
+            <a:extLst>
+              <a:ext uri="{FF2B5EF4-FFF2-40B4-BE49-F238E27FC236}">
+                <a16:creationId xmlns:a16="http://schemas.microsoft.com/office/drawing/2014/main" id="{1E9698AE-BF42-2840-A538-EB7E852E91D1}"/>
+              </a:ext>
+            </a:extLst>
+          </p:cNvPr>
+          <p:cNvSpPr txBox="1"/>
+          <p:nvPr/>
+        </p:nvSpPr>
+        <p:spPr>
+          <a:xfrm>
+            <a:off x="10416177" y="2300125"/>
+            <a:ext cx="875561" cy="369332"/>
+          </a:xfrm>
+          <a:prstGeom prst="rect">
+            <a:avLst/>
+          </a:prstGeom>
+          <a:noFill/>
+        </p:spPr>
+        <p:txBody>
+          <a:bodyPr wrap="none" rtlCol="0">
+            <a:spAutoFit/>
+          </a:bodyPr>
+          <a:lstStyle/>
+          <a:p>
+            <a:r>
+              <a:rPr lang="en-US" dirty="0"/>
+              <a:t>Criteria</a:t>
+            </a:r>
+          </a:p>
+        </p:txBody>
+      </p:sp>
+      <p:pic>
+        <p:nvPicPr>
+          <p:cNvPr id="82" name="Graphic 81" descr="Checkbox Checked">
+            <a:extLst>
+              <a:ext uri="{FF2B5EF4-FFF2-40B4-BE49-F238E27FC236}">
+                <a16:creationId xmlns:a16="http://schemas.microsoft.com/office/drawing/2014/main" id="{50D779AB-8353-EF44-A07A-8533C36BA3FC}"/>
+              </a:ext>
+            </a:extLst>
+          </p:cNvPr>
+          <p:cNvPicPr>
+            <a:picLocks noChangeAspect="1"/>
+          </p:cNvPicPr>
+          <p:nvPr/>
+        </p:nvPicPr>
+        <p:blipFill>
+          <a:blip r:embed="rId26">
+            <a:extLst>
+              <a:ext uri="{96DAC541-7B7A-43D3-8B79-37D633B846F1}">
+                <asvg:svgBlip xmlns:asvg="http://schemas.microsoft.com/office/drawing/2016/SVG/main" r:embed="rId27"/>
+              </a:ext>
+            </a:extLst>
+          </a:blip>
+          <a:stretch>
+            <a:fillRect/>
+          </a:stretch>
+        </p:blipFill>
+        <p:spPr>
+          <a:xfrm>
+            <a:off x="9906110" y="2217887"/>
+            <a:ext cx="533808" cy="533808"/>
+          </a:xfrm>
+          <a:prstGeom prst="rect">
+            <a:avLst/>
+          </a:prstGeom>
+        </p:spPr>
+      </p:pic>
+      <p:cxnSp>
+        <p:nvCxnSpPr>
+          <p:cNvPr id="85" name="Straight Connector 84">
+            <a:extLst>
+              <a:ext uri="{FF2B5EF4-FFF2-40B4-BE49-F238E27FC236}">
+                <a16:creationId xmlns:a16="http://schemas.microsoft.com/office/drawing/2014/main" id="{9392F636-B4FA-5F45-A60C-12DB975C7A9A}"/>
+              </a:ext>
+            </a:extLst>
+          </p:cNvPr>
+          <p:cNvCxnSpPr/>
+          <p:nvPr/>
+        </p:nvCxnSpPr>
+        <p:spPr>
+          <a:xfrm>
+            <a:off x="4762297" y="1790760"/>
+            <a:ext cx="0" cy="3157373"/>
+          </a:xfrm>
+          <a:prstGeom prst="line">
+            <a:avLst/>
+          </a:prstGeom>
+        </p:spPr>
+        <p:style>
+          <a:lnRef idx="1">
+            <a:schemeClr val="accent1"/>
+          </a:lnRef>
+          <a:fillRef idx="0">
+            <a:schemeClr val="accent1"/>
+          </a:fillRef>
+          <a:effectRef idx="0">
+            <a:schemeClr val="accent1"/>
+          </a:effectRef>
+          <a:fontRef idx="minor">
+            <a:schemeClr val="tx1"/>
+          </a:fontRef>
+        </p:style>
+      </p:cxnSp>
+      <p:cxnSp>
+        <p:nvCxnSpPr>
+          <p:cNvPr id="89" name="Straight Connector 88">
+            <a:extLst>
+              <a:ext uri="{FF2B5EF4-FFF2-40B4-BE49-F238E27FC236}">
+                <a16:creationId xmlns:a16="http://schemas.microsoft.com/office/drawing/2014/main" id="{25E707CB-1235-E84B-A699-49B38DBC70AA}"/>
+              </a:ext>
+            </a:extLst>
+          </p:cNvPr>
+          <p:cNvCxnSpPr/>
+          <p:nvPr/>
+        </p:nvCxnSpPr>
+        <p:spPr>
+          <a:xfrm>
+            <a:off x="7275880" y="1836190"/>
+            <a:ext cx="0" cy="3157373"/>
+          </a:xfrm>
+          <a:prstGeom prst="line">
+            <a:avLst/>
+          </a:prstGeom>
+        </p:spPr>
+        <p:style>
+          <a:lnRef idx="1">
+            <a:schemeClr val="accent1"/>
+          </a:lnRef>
+          <a:fillRef idx="0">
+            <a:schemeClr val="accent1"/>
+          </a:fillRef>
+          <a:effectRef idx="0">
+            <a:schemeClr val="accent1"/>
+          </a:effectRef>
+          <a:fontRef idx="minor">
+            <a:schemeClr val="tx1"/>
+          </a:fontRef>
+        </p:style>
+      </p:cxnSp>
+      <p:cxnSp>
+        <p:nvCxnSpPr>
+          <p:cNvPr id="101" name="Straight Connector 100">
+            <a:extLst>
+              <a:ext uri="{FF2B5EF4-FFF2-40B4-BE49-F238E27FC236}">
+                <a16:creationId xmlns:a16="http://schemas.microsoft.com/office/drawing/2014/main" id="{CBD1A39E-041B-6641-A0C4-02AE4B974A27}"/>
+              </a:ext>
+            </a:extLst>
+          </p:cNvPr>
+          <p:cNvCxnSpPr/>
+          <p:nvPr/>
+        </p:nvCxnSpPr>
+        <p:spPr>
+          <a:xfrm>
+            <a:off x="9675052" y="1836190"/>
+            <a:ext cx="0" cy="3157373"/>
+          </a:xfrm>
+          <a:prstGeom prst="line">
+            <a:avLst/>
+          </a:prstGeom>
+        </p:spPr>
+        <p:style>
+          <a:lnRef idx="1">
+            <a:schemeClr val="accent1"/>
+          </a:lnRef>
+          <a:fillRef idx="0">
+            <a:schemeClr val="accent1"/>
+          </a:fillRef>
+          <a:effectRef idx="0">
+            <a:schemeClr val="accent1"/>
+          </a:effectRef>
+          <a:fontRef idx="minor">
+            <a:schemeClr val="tx1"/>
+          </a:fontRef>
+        </p:style>
+      </p:cxnSp>
+      <p:sp>
+        <p:nvSpPr>
+          <p:cNvPr id="69" name="TextBox 68">
+            <a:extLst>
+              <a:ext uri="{FF2B5EF4-FFF2-40B4-BE49-F238E27FC236}">
+                <a16:creationId xmlns:a16="http://schemas.microsoft.com/office/drawing/2014/main" id="{2F4A43E7-9873-8946-940E-AAB88C18E03A}"/>
+              </a:ext>
+            </a:extLst>
+          </p:cNvPr>
+          <p:cNvSpPr txBox="1"/>
+          <p:nvPr/>
+        </p:nvSpPr>
+        <p:spPr>
+          <a:xfrm>
+            <a:off x="10349907" y="3110109"/>
+            <a:ext cx="1692066" cy="338554"/>
+          </a:xfrm>
+          <a:prstGeom prst="rect">
+            <a:avLst/>
+          </a:prstGeom>
+          <a:noFill/>
+        </p:spPr>
+        <p:txBody>
+          <a:bodyPr wrap="none" rtlCol="0">
+            <a:spAutoFit/>
+          </a:bodyPr>
+          <a:lstStyle/>
+          <a:p>
+            <a:r>
+              <a:rPr lang="en-US" sz="1600" dirty="0" err="1">
+                <a:solidFill>
+                  <a:srgbClr val="C00000"/>
+                </a:solidFill>
+              </a:rPr>
+              <a:t>kubectl</a:t>
+            </a:r>
+            <a:r>
+              <a:rPr lang="en-US" sz="1600" dirty="0">
+                <a:solidFill>
+                  <a:srgbClr val="C00000"/>
+                </a:solidFill>
+              </a:rPr>
+              <a:t> apply –f …</a:t>
+            </a:r>
+          </a:p>
+        </p:txBody>
+      </p:sp>
+    </p:spTree>
+    <p:extLst>
+      <p:ext uri="{BB962C8B-B14F-4D97-AF65-F5344CB8AC3E}">
+        <p14:creationId xmlns:p14="http://schemas.microsoft.com/office/powerpoint/2010/main" val="3165856894"/>
+      </p:ext>
+    </p:extLst>
+  </p:cSld>
+  <p:clrMapOvr>
+    <a:masterClrMapping/>
+  </p:clrMapOvr>
+</p:sld>
+</file>
+
+<file path=ppt/slides/slide17.xml><?xml version="1.0" encoding="utf-8"?>
+<p:sld xmlns:a="http://schemas.openxmlformats.org/drawingml/2006/main" xmlns:r="http://schemas.openxmlformats.org/officeDocument/2006/relationships" xmlns:p="http://schemas.openxmlformats.org/presentationml/2006/main">
+  <p:cSld>
+    <p:spTree>
+      <p:nvGrpSpPr>
+        <p:cNvPr id="1" name=""/>
+        <p:cNvGrpSpPr/>
+        <p:nvPr/>
+      </p:nvGrpSpPr>
+      <p:grpSpPr>
+        <a:xfrm>
+          <a:off x="0" y="0"/>
+          <a:ext cx="0" cy="0"/>
+          <a:chOff x="0" y="0"/>
+          <a:chExt cx="0" cy="0"/>
+        </a:xfrm>
+      </p:grpSpPr>
+      <p:sp>
+        <p:nvSpPr>
+          <p:cNvPr id="11" name="Rectangle 10">
+            <a:extLst>
+              <a:ext uri="{FF2B5EF4-FFF2-40B4-BE49-F238E27FC236}">
+                <a16:creationId xmlns:a16="http://schemas.microsoft.com/office/drawing/2014/main" id="{612EE75B-AFE8-9A4F-9C11-EF8CB86C7D23}"/>
+              </a:ext>
+            </a:extLst>
+          </p:cNvPr>
+          <p:cNvSpPr/>
+          <p:nvPr/>
+        </p:nvSpPr>
+        <p:spPr>
+          <a:xfrm>
+            <a:off x="1" y="0"/>
+            <a:ext cx="12192000" cy="6500793"/>
+          </a:xfrm>
+          <a:prstGeom prst="rect">
+            <a:avLst/>
+          </a:prstGeom>
+          <a:solidFill>
+            <a:schemeClr val="bg1"/>
+          </a:solidFill>
+          <a:ln>
+            <a:noFill/>
+          </a:ln>
+        </p:spPr>
+        <p:style>
+          <a:lnRef idx="2">
+            <a:schemeClr val="accent1">
+              <a:shade val="50000"/>
+            </a:schemeClr>
+          </a:lnRef>
+          <a:fillRef idx="1">
+            <a:schemeClr val="accent1"/>
+          </a:fillRef>
+          <a:effectRef idx="0">
+            <a:schemeClr val="accent1"/>
+          </a:effectRef>
+          <a:fontRef idx="minor">
+            <a:schemeClr val="lt1"/>
+          </a:fontRef>
+        </p:style>
+        <p:txBody>
+          <a:bodyPr rtlCol="0" anchor="ctr"/>
+          <a:lstStyle/>
+          <a:p>
+            <a:pPr algn="ctr"/>
+            <a:endParaRPr lang="en-US"/>
+          </a:p>
+        </p:txBody>
+      </p:sp>
+      <p:sp>
+        <p:nvSpPr>
+          <p:cNvPr id="2" name="Rounded Rectangle 1">
+            <a:extLst>
+              <a:ext uri="{FF2B5EF4-FFF2-40B4-BE49-F238E27FC236}">
+                <a16:creationId xmlns:a16="http://schemas.microsoft.com/office/drawing/2014/main" id="{61BADD04-DC58-054B-816F-30C896E955C2}"/>
+              </a:ext>
+            </a:extLst>
+          </p:cNvPr>
+          <p:cNvSpPr/>
+          <p:nvPr/>
+        </p:nvSpPr>
+        <p:spPr>
+          <a:xfrm>
+            <a:off x="528917" y="917251"/>
+            <a:ext cx="1434353" cy="600635"/>
+          </a:xfrm>
+          <a:prstGeom prst="roundRect">
+            <a:avLst/>
+          </a:prstGeom>
+          <a:solidFill>
+            <a:schemeClr val="accent4">
+              <a:lumMod val="20000"/>
+              <a:lumOff val="80000"/>
+            </a:schemeClr>
+          </a:solidFill>
+        </p:spPr>
+        <p:style>
+          <a:lnRef idx="2">
+            <a:schemeClr val="accent1">
+              <a:shade val="50000"/>
+            </a:schemeClr>
+          </a:lnRef>
+          <a:fillRef idx="1">
+            <a:schemeClr val="accent1"/>
+          </a:fillRef>
+          <a:effectRef idx="0">
+            <a:schemeClr val="accent1"/>
+          </a:effectRef>
+          <a:fontRef idx="minor">
+            <a:schemeClr val="lt1"/>
+          </a:fontRef>
+        </p:style>
+        <p:txBody>
+          <a:bodyPr rtlCol="0" anchor="ctr"/>
+          <a:lstStyle/>
+          <a:p>
+            <a:pPr algn="ctr"/>
+            <a:r>
+              <a:rPr lang="en-US" b="1" dirty="0">
+                <a:solidFill>
+                  <a:schemeClr val="tx1"/>
+                </a:solidFill>
+              </a:rPr>
+              <a:t>app / model versions</a:t>
+            </a:r>
+          </a:p>
+        </p:txBody>
+      </p:sp>
+      <p:sp>
+        <p:nvSpPr>
+          <p:cNvPr id="3" name="Rounded Rectangle 2">
+            <a:extLst>
+              <a:ext uri="{FF2B5EF4-FFF2-40B4-BE49-F238E27FC236}">
+                <a16:creationId xmlns:a16="http://schemas.microsoft.com/office/drawing/2014/main" id="{B1394DB7-4E43-F74E-8145-855B9B3852E9}"/>
+              </a:ext>
+            </a:extLst>
+          </p:cNvPr>
+          <p:cNvSpPr/>
+          <p:nvPr/>
+        </p:nvSpPr>
+        <p:spPr>
+          <a:xfrm>
+            <a:off x="2420468" y="917251"/>
+            <a:ext cx="1434353" cy="600635"/>
+          </a:xfrm>
+          <a:prstGeom prst="roundRect">
+            <a:avLst/>
+          </a:prstGeom>
+          <a:solidFill>
+            <a:schemeClr val="accent4">
+              <a:lumMod val="20000"/>
+              <a:lumOff val="80000"/>
+            </a:schemeClr>
+          </a:solidFill>
+        </p:spPr>
+        <p:style>
+          <a:lnRef idx="2">
+            <a:schemeClr val="accent1">
+              <a:shade val="50000"/>
+            </a:schemeClr>
+          </a:lnRef>
+          <a:fillRef idx="1">
+            <a:schemeClr val="accent1"/>
+          </a:fillRef>
+          <a:effectRef idx="0">
+            <a:schemeClr val="accent1"/>
+          </a:effectRef>
+          <a:fontRef idx="minor">
+            <a:schemeClr val="lt1"/>
+          </a:fontRef>
+        </p:style>
+        <p:txBody>
+          <a:bodyPr rtlCol="0" anchor="ctr"/>
+          <a:lstStyle/>
+          <a:p>
+            <a:pPr algn="ctr"/>
+            <a:r>
+              <a:rPr lang="en-US" b="1" dirty="0">
+                <a:solidFill>
+                  <a:schemeClr val="tx1"/>
+                </a:solidFill>
+              </a:rPr>
+              <a:t>experiment resource</a:t>
+            </a:r>
+          </a:p>
+        </p:txBody>
+      </p:sp>
+      <p:sp>
+        <p:nvSpPr>
+          <p:cNvPr id="4" name="Rounded Rectangle 3">
+            <a:extLst>
+              <a:ext uri="{FF2B5EF4-FFF2-40B4-BE49-F238E27FC236}">
+                <a16:creationId xmlns:a16="http://schemas.microsoft.com/office/drawing/2014/main" id="{81FEC770-A3D0-AB47-95FF-8E1D2C1C3D9A}"/>
+              </a:ext>
+            </a:extLst>
+          </p:cNvPr>
+          <p:cNvSpPr/>
+          <p:nvPr/>
+        </p:nvSpPr>
+        <p:spPr>
+          <a:xfrm>
+            <a:off x="4312019" y="917251"/>
+            <a:ext cx="1434353" cy="600635"/>
+          </a:xfrm>
+          <a:prstGeom prst="roundRect">
+            <a:avLst/>
+          </a:prstGeom>
+          <a:solidFill>
+            <a:schemeClr val="accent4">
+              <a:lumMod val="20000"/>
+              <a:lumOff val="80000"/>
+            </a:schemeClr>
+          </a:solidFill>
+        </p:spPr>
+        <p:style>
+          <a:lnRef idx="2">
+            <a:schemeClr val="accent1">
+              <a:shade val="50000"/>
+            </a:schemeClr>
+          </a:lnRef>
+          <a:fillRef idx="1">
+            <a:schemeClr val="accent1"/>
+          </a:fillRef>
+          <a:effectRef idx="0">
+            <a:schemeClr val="accent1"/>
+          </a:effectRef>
+          <a:fontRef idx="minor">
+            <a:schemeClr val="lt1"/>
+          </a:fontRef>
+        </p:style>
+        <p:txBody>
+          <a:bodyPr rtlCol="0" anchor="ctr"/>
+          <a:lstStyle/>
+          <a:p>
+            <a:pPr algn="ctr"/>
+            <a:r>
+              <a:rPr lang="en-US" b="1" dirty="0">
+                <a:solidFill>
+                  <a:schemeClr val="tx1"/>
+                </a:solidFill>
+              </a:rPr>
+              <a:t>etc3 controller</a:t>
+            </a:r>
+          </a:p>
+        </p:txBody>
+      </p:sp>
+      <p:sp>
+        <p:nvSpPr>
+          <p:cNvPr id="5" name="Rounded Rectangle 4">
+            <a:extLst>
+              <a:ext uri="{FF2B5EF4-FFF2-40B4-BE49-F238E27FC236}">
+                <a16:creationId xmlns:a16="http://schemas.microsoft.com/office/drawing/2014/main" id="{61DF3056-DC05-C345-B73D-1511FE1A9CA9}"/>
+              </a:ext>
+            </a:extLst>
+          </p:cNvPr>
+          <p:cNvSpPr/>
+          <p:nvPr/>
+        </p:nvSpPr>
+        <p:spPr>
+          <a:xfrm>
+            <a:off x="8481200" y="926214"/>
+            <a:ext cx="1615115" cy="600635"/>
+          </a:xfrm>
+          <a:prstGeom prst="roundRect">
+            <a:avLst/>
+          </a:prstGeom>
+          <a:solidFill>
+            <a:schemeClr val="accent4">
+              <a:lumMod val="20000"/>
+              <a:lumOff val="80000"/>
+            </a:schemeClr>
+          </a:solidFill>
+        </p:spPr>
+        <p:style>
+          <a:lnRef idx="2">
+            <a:schemeClr val="accent1">
+              <a:shade val="50000"/>
+            </a:schemeClr>
+          </a:lnRef>
+          <a:fillRef idx="1">
+            <a:schemeClr val="accent1"/>
+          </a:fillRef>
+          <a:effectRef idx="0">
+            <a:schemeClr val="accent1"/>
+          </a:effectRef>
+          <a:fontRef idx="minor">
+            <a:schemeClr val="lt1"/>
+          </a:fontRef>
+        </p:style>
+        <p:txBody>
+          <a:bodyPr rtlCol="0" anchor="ctr"/>
+          <a:lstStyle/>
+          <a:p>
+            <a:pPr algn="ctr"/>
+            <a:r>
+              <a:rPr lang="en-US" b="1" dirty="0">
+                <a:solidFill>
+                  <a:schemeClr val="tx1"/>
+                </a:solidFill>
+              </a:rPr>
+              <a:t>start action in experiment</a:t>
+            </a:r>
+          </a:p>
+        </p:txBody>
+      </p:sp>
+      <p:sp>
+        <p:nvSpPr>
+          <p:cNvPr id="6" name="Rounded Rectangle 5">
+            <a:extLst>
+              <a:ext uri="{FF2B5EF4-FFF2-40B4-BE49-F238E27FC236}">
+                <a16:creationId xmlns:a16="http://schemas.microsoft.com/office/drawing/2014/main" id="{BF4AE91F-F0A2-5C4C-9078-C1ABA584D83E}"/>
+              </a:ext>
+            </a:extLst>
+          </p:cNvPr>
+          <p:cNvSpPr/>
+          <p:nvPr/>
+        </p:nvSpPr>
+        <p:spPr>
+          <a:xfrm>
+            <a:off x="6535083" y="917249"/>
+            <a:ext cx="1434353" cy="600635"/>
+          </a:xfrm>
+          <a:prstGeom prst="roundRect">
+            <a:avLst/>
+          </a:prstGeom>
+          <a:solidFill>
+            <a:schemeClr val="accent4">
+              <a:lumMod val="20000"/>
+              <a:lumOff val="80000"/>
+            </a:schemeClr>
+          </a:solidFill>
+        </p:spPr>
+        <p:style>
+          <a:lnRef idx="2">
+            <a:schemeClr val="accent1">
+              <a:shade val="50000"/>
+            </a:schemeClr>
+          </a:lnRef>
+          <a:fillRef idx="1">
+            <a:schemeClr val="accent1"/>
+          </a:fillRef>
+          <a:effectRef idx="0">
+            <a:schemeClr val="accent1"/>
+          </a:effectRef>
+          <a:fontRef idx="minor">
+            <a:schemeClr val="lt1"/>
+          </a:fontRef>
+        </p:style>
+        <p:txBody>
+          <a:bodyPr rtlCol="0" anchor="ctr"/>
+          <a:lstStyle/>
+          <a:p>
+            <a:pPr algn="ctr"/>
+            <a:r>
+              <a:rPr lang="en-US" b="1" dirty="0">
+                <a:solidFill>
+                  <a:schemeClr val="tx1"/>
+                </a:solidFill>
+              </a:rPr>
+              <a:t>analytics service</a:t>
+            </a:r>
+          </a:p>
+        </p:txBody>
+      </p:sp>
+      <p:sp>
+        <p:nvSpPr>
+          <p:cNvPr id="7" name="Rounded Rectangle 6">
+            <a:extLst>
+              <a:ext uri="{FF2B5EF4-FFF2-40B4-BE49-F238E27FC236}">
+                <a16:creationId xmlns:a16="http://schemas.microsoft.com/office/drawing/2014/main" id="{0FD8606B-C544-0F48-A6DA-F4ABFA348D5C}"/>
+              </a:ext>
+            </a:extLst>
+          </p:cNvPr>
+          <p:cNvSpPr/>
+          <p:nvPr/>
+        </p:nvSpPr>
+        <p:spPr>
+          <a:xfrm>
+            <a:off x="10372752" y="935179"/>
+            <a:ext cx="1615115" cy="600635"/>
+          </a:xfrm>
+          <a:prstGeom prst="roundRect">
+            <a:avLst/>
+          </a:prstGeom>
+          <a:solidFill>
+            <a:schemeClr val="accent4">
+              <a:lumMod val="20000"/>
+              <a:lumOff val="80000"/>
+            </a:schemeClr>
+          </a:solidFill>
+        </p:spPr>
+        <p:style>
+          <a:lnRef idx="2">
+            <a:schemeClr val="accent1">
+              <a:shade val="50000"/>
+            </a:schemeClr>
+          </a:lnRef>
+          <a:fillRef idx="1">
+            <a:schemeClr val="accent1"/>
+          </a:fillRef>
+          <a:effectRef idx="0">
+            <a:schemeClr val="accent1"/>
+          </a:effectRef>
+          <a:fontRef idx="minor">
+            <a:schemeClr val="lt1"/>
+          </a:fontRef>
+        </p:style>
+        <p:txBody>
+          <a:bodyPr rtlCol="0" anchor="ctr"/>
+          <a:lstStyle/>
+          <a:p>
+            <a:pPr algn="ctr"/>
+            <a:r>
+              <a:rPr lang="en-US" b="1" dirty="0">
+                <a:solidFill>
+                  <a:schemeClr val="tx1"/>
+                </a:solidFill>
+              </a:rPr>
+              <a:t>finish action in experiment</a:t>
+            </a:r>
+          </a:p>
+        </p:txBody>
+      </p:sp>
+      <p:pic>
+        <p:nvPicPr>
+          <p:cNvPr id="13" name="Picture 4" descr="iter8-tools · GitHub">
+            <a:extLst>
+              <a:ext uri="{FF2B5EF4-FFF2-40B4-BE49-F238E27FC236}">
+                <a16:creationId xmlns:a16="http://schemas.microsoft.com/office/drawing/2014/main" id="{057EAE3B-2560-9D47-BC98-C905E1A98FDC}"/>
+              </a:ext>
+            </a:extLst>
+          </p:cNvPr>
+          <p:cNvPicPr>
+            <a:picLocks noChangeAspect="1" noChangeArrowheads="1"/>
+          </p:cNvPicPr>
+          <p:nvPr/>
+        </p:nvPicPr>
+        <p:blipFill>
+          <a:blip r:embed="rId3">
+            <a:extLst>
+              <a:ext uri="{28A0092B-C50C-407E-A947-70E740481C1C}">
+                <a14:useLocalDpi xmlns:a14="http://schemas.microsoft.com/office/drawing/2010/main" val="0"/>
+              </a:ext>
+            </a:extLst>
+          </a:blip>
+          <a:srcRect/>
+          <a:stretch>
+            <a:fillRect/>
+          </a:stretch>
+        </p:blipFill>
+        <p:spPr bwMode="auto">
+          <a:xfrm>
+            <a:off x="8811553" y="433139"/>
+            <a:ext cx="347306" cy="347306"/>
+          </a:xfrm>
+          <a:prstGeom prst="rect">
+            <a:avLst/>
+          </a:prstGeom>
+          <a:noFill/>
+          <a:extLst>
+            <a:ext uri="{909E8E84-426E-40DD-AFC4-6F175D3DCCD1}">
+              <a14:hiddenFill xmlns:a14="http://schemas.microsoft.com/office/drawing/2010/main">
+                <a:solidFill>
+                  <a:srgbClr val="FFFFFF"/>
+                </a:solidFill>
+              </a14:hiddenFill>
+            </a:ext>
+          </a:extLst>
+        </p:spPr>
+      </p:pic>
+      <p:sp>
+        <p:nvSpPr>
+          <p:cNvPr id="9" name="Round Diagonal Corner Rectangle 8">
+            <a:extLst>
+              <a:ext uri="{FF2B5EF4-FFF2-40B4-BE49-F238E27FC236}">
+                <a16:creationId xmlns:a16="http://schemas.microsoft.com/office/drawing/2014/main" id="{AEA2A0B7-8430-734E-B733-C471A6C15B6B}"/>
+              </a:ext>
+            </a:extLst>
+          </p:cNvPr>
+          <p:cNvSpPr/>
+          <p:nvPr/>
+        </p:nvSpPr>
+        <p:spPr>
+          <a:xfrm>
+            <a:off x="8481201" y="366172"/>
+            <a:ext cx="1008010" cy="499171"/>
+          </a:xfrm>
+          <a:prstGeom prst="round2DiagRect">
+            <a:avLst/>
+          </a:prstGeom>
+          <a:noFill/>
+        </p:spPr>
+        <p:style>
+          <a:lnRef idx="2">
+            <a:schemeClr val="accent1">
+              <a:shade val="50000"/>
+            </a:schemeClr>
+          </a:lnRef>
+          <a:fillRef idx="1">
+            <a:schemeClr val="accent1"/>
+          </a:fillRef>
+          <a:effectRef idx="0">
+            <a:schemeClr val="accent1"/>
+          </a:effectRef>
+          <a:fontRef idx="minor">
+            <a:schemeClr val="lt1"/>
+          </a:fontRef>
+        </p:style>
+        <p:txBody>
+          <a:bodyPr rtlCol="0" anchor="ctr"/>
+          <a:lstStyle/>
+          <a:p>
+            <a:pPr algn="ctr"/>
+            <a:endParaRPr lang="en-US" dirty="0"/>
+          </a:p>
+        </p:txBody>
+      </p:sp>
+      <p:sp>
+        <p:nvSpPr>
+          <p:cNvPr id="16" name="Snip Single Corner Rectangle 15">
+            <a:extLst>
+              <a:ext uri="{FF2B5EF4-FFF2-40B4-BE49-F238E27FC236}">
+                <a16:creationId xmlns:a16="http://schemas.microsoft.com/office/drawing/2014/main" id="{306B2B38-764D-F44B-847E-C75A552F623D}"/>
+              </a:ext>
+            </a:extLst>
+          </p:cNvPr>
+          <p:cNvSpPr/>
+          <p:nvPr/>
+        </p:nvSpPr>
+        <p:spPr>
+          <a:xfrm>
+            <a:off x="8742192" y="43621"/>
+            <a:ext cx="1434353" cy="347306"/>
+          </a:xfrm>
+          <a:custGeom>
+            <a:avLst/>
+            <a:gdLst>
+              <a:gd name="connsiteX0" fmla="*/ 0 w 1434353"/>
+              <a:gd name="connsiteY0" fmla="*/ 0 h 347306"/>
+              <a:gd name="connsiteX1" fmla="*/ 472587 w 1434353"/>
+              <a:gd name="connsiteY1" fmla="*/ 0 h 347306"/>
+              <a:gd name="connsiteX2" fmla="*/ 958939 w 1434353"/>
+              <a:gd name="connsiteY2" fmla="*/ 0 h 347306"/>
+              <a:gd name="connsiteX3" fmla="*/ 1376468 w 1434353"/>
+              <a:gd name="connsiteY3" fmla="*/ 0 h 347306"/>
+              <a:gd name="connsiteX4" fmla="*/ 1434353 w 1434353"/>
+              <a:gd name="connsiteY4" fmla="*/ 57885 h 347306"/>
+              <a:gd name="connsiteX5" fmla="*/ 1434353 w 1434353"/>
+              <a:gd name="connsiteY5" fmla="*/ 347306 h 347306"/>
+              <a:gd name="connsiteX6" fmla="*/ 941892 w 1434353"/>
+              <a:gd name="connsiteY6" fmla="*/ 347306 h 347306"/>
+              <a:gd name="connsiteX7" fmla="*/ 492461 w 1434353"/>
+              <a:gd name="connsiteY7" fmla="*/ 347306 h 347306"/>
+              <a:gd name="connsiteX8" fmla="*/ 0 w 1434353"/>
+              <a:gd name="connsiteY8" fmla="*/ 347306 h 347306"/>
+              <a:gd name="connsiteX9" fmla="*/ 0 w 1434353"/>
+              <a:gd name="connsiteY9" fmla="*/ 0 h 347306"/>
+            </a:gdLst>
+            <a:ahLst/>
+            <a:cxnLst>
+              <a:cxn ang="0">
+                <a:pos x="connsiteX0" y="connsiteY0"/>
+              </a:cxn>
+              <a:cxn ang="0">
+                <a:pos x="connsiteX1" y="connsiteY1"/>
+              </a:cxn>
+              <a:cxn ang="0">
+                <a:pos x="connsiteX2" y="connsiteY2"/>
+              </a:cxn>
+              <a:cxn ang="0">
+                <a:pos x="connsiteX3" y="connsiteY3"/>
+              </a:cxn>
+              <a:cxn ang="0">
+                <a:pos x="connsiteX4" y="connsiteY4"/>
+              </a:cxn>
+              <a:cxn ang="0">
+                <a:pos x="connsiteX5" y="connsiteY5"/>
+              </a:cxn>
+              <a:cxn ang="0">
+                <a:pos x="connsiteX6" y="connsiteY6"/>
+              </a:cxn>
+              <a:cxn ang="0">
+                <a:pos x="connsiteX7" y="connsiteY7"/>
+              </a:cxn>
+              <a:cxn ang="0">
+                <a:pos x="connsiteX8" y="connsiteY8"/>
+              </a:cxn>
+              <a:cxn ang="0">
+                <a:pos x="connsiteX9" y="connsiteY9"/>
+              </a:cxn>
+            </a:cxnLst>
+            <a:rect l="l" t="t" r="r" b="b"/>
+            <a:pathLst>
+              <a:path w="1434353" h="347306" fill="none" extrusionOk="0">
+                <a:moveTo>
+                  <a:pt x="0" y="0"/>
+                </a:moveTo>
+                <a:cubicBezTo>
+                  <a:pt x="200995" y="-1007"/>
+                  <a:pt x="362816" y="23958"/>
+                  <a:pt x="472587" y="0"/>
+                </a:cubicBezTo>
+                <a:cubicBezTo>
+                  <a:pt x="582358" y="-23958"/>
+                  <a:pt x="823162" y="19280"/>
+                  <a:pt x="958939" y="0"/>
+                </a:cubicBezTo>
+                <a:cubicBezTo>
+                  <a:pt x="1094716" y="-19280"/>
+                  <a:pt x="1250182" y="36754"/>
+                  <a:pt x="1376468" y="0"/>
+                </a:cubicBezTo>
+                <a:cubicBezTo>
+                  <a:pt x="1402408" y="13392"/>
+                  <a:pt x="1409870" y="37293"/>
+                  <a:pt x="1434353" y="57885"/>
+                </a:cubicBezTo>
+                <a:cubicBezTo>
+                  <a:pt x="1448767" y="157763"/>
+                  <a:pt x="1417497" y="207287"/>
+                  <a:pt x="1434353" y="347306"/>
+                </a:cubicBezTo>
+                <a:cubicBezTo>
+                  <a:pt x="1265978" y="397232"/>
+                  <a:pt x="1124691" y="292825"/>
+                  <a:pt x="941892" y="347306"/>
+                </a:cubicBezTo>
+                <a:cubicBezTo>
+                  <a:pt x="759093" y="401787"/>
+                  <a:pt x="664135" y="342517"/>
+                  <a:pt x="492461" y="347306"/>
+                </a:cubicBezTo>
+                <a:cubicBezTo>
+                  <a:pt x="320787" y="352095"/>
+                  <a:pt x="123755" y="296831"/>
+                  <a:pt x="0" y="347306"/>
+                </a:cubicBezTo>
+                <a:cubicBezTo>
+                  <a:pt x="-21744" y="174701"/>
+                  <a:pt x="19908" y="148996"/>
+                  <a:pt x="0" y="0"/>
+                </a:cubicBezTo>
+                <a:close/>
+              </a:path>
+              <a:path w="1434353" h="347306" stroke="0" extrusionOk="0">
+                <a:moveTo>
+                  <a:pt x="0" y="0"/>
+                </a:moveTo>
+                <a:cubicBezTo>
+                  <a:pt x="108209" y="-22942"/>
+                  <a:pt x="325533" y="50366"/>
+                  <a:pt x="445058" y="0"/>
+                </a:cubicBezTo>
+                <a:cubicBezTo>
+                  <a:pt x="564583" y="-50366"/>
+                  <a:pt x="756251" y="13106"/>
+                  <a:pt x="862587" y="0"/>
+                </a:cubicBezTo>
+                <a:cubicBezTo>
+                  <a:pt x="968923" y="-13106"/>
+                  <a:pt x="1127664" y="15872"/>
+                  <a:pt x="1376468" y="0"/>
+                </a:cubicBezTo>
+                <a:cubicBezTo>
+                  <a:pt x="1398434" y="10821"/>
+                  <a:pt x="1416208" y="51176"/>
+                  <a:pt x="1434353" y="57885"/>
+                </a:cubicBezTo>
+                <a:cubicBezTo>
+                  <a:pt x="1454737" y="194265"/>
+                  <a:pt x="1403380" y="288540"/>
+                  <a:pt x="1434353" y="347306"/>
+                </a:cubicBezTo>
+                <a:cubicBezTo>
+                  <a:pt x="1238643" y="386889"/>
+                  <a:pt x="1029624" y="288834"/>
+                  <a:pt x="927548" y="347306"/>
+                </a:cubicBezTo>
+                <a:cubicBezTo>
+                  <a:pt x="825472" y="405778"/>
+                  <a:pt x="597715" y="301783"/>
+                  <a:pt x="420744" y="347306"/>
+                </a:cubicBezTo>
+                <a:cubicBezTo>
+                  <a:pt x="243773" y="392829"/>
+                  <a:pt x="102236" y="341959"/>
+                  <a:pt x="0" y="347306"/>
+                </a:cubicBezTo>
+                <a:cubicBezTo>
+                  <a:pt x="-21393" y="262562"/>
+                  <a:pt x="19565" y="131335"/>
+                  <a:pt x="0" y="0"/>
+                </a:cubicBezTo>
+                <a:close/>
+              </a:path>
+            </a:pathLst>
+          </a:custGeom>
+          <a:solidFill>
+            <a:schemeClr val="bg2"/>
+          </a:solidFill>
+          <a:ln>
+            <a:solidFill>
+              <a:schemeClr val="accent1">
+                <a:shade val="50000"/>
+              </a:schemeClr>
+            </a:solidFill>
+            <a:extLst>
+              <a:ext uri="{C807C97D-BFC1-408E-A445-0C87EB9F89A2}">
+                <ask:lineSketchStyleProps xmlns:ask="http://schemas.microsoft.com/office/drawing/2018/sketchyshapes" sd="1219033472">
+                  <a:prstGeom prst="snip1Rect">
+                    <a:avLst/>
+                  </a:prstGeom>
+                  <ask:type>
+                    <ask:lineSketchScribble/>
+                  </ask:type>
+                </ask:lineSketchStyleProps>
+              </a:ext>
+            </a:extLst>
+          </a:ln>
+        </p:spPr>
+        <p:style>
+          <a:lnRef idx="2">
+            <a:schemeClr val="accent1">
+              <a:shade val="50000"/>
+            </a:schemeClr>
+          </a:lnRef>
+          <a:fillRef idx="1">
+            <a:schemeClr val="accent1"/>
+          </a:fillRef>
+          <a:effectRef idx="0">
+            <a:schemeClr val="accent1"/>
+          </a:effectRef>
+          <a:fontRef idx="minor">
+            <a:schemeClr val="lt1"/>
+          </a:fontRef>
+        </p:style>
+        <p:txBody>
+          <a:bodyPr rtlCol="0" anchor="ctr"/>
+          <a:lstStyle/>
+          <a:p>
+            <a:pPr algn="ctr"/>
+            <a:r>
+              <a:rPr lang="en-US" sz="1600" dirty="0">
+                <a:solidFill>
+                  <a:srgbClr val="C00000"/>
+                </a:solidFill>
+              </a:rPr>
+              <a:t>iter8</a:t>
+            </a:r>
+          </a:p>
+        </p:txBody>
+      </p:sp>
+      <p:pic>
+        <p:nvPicPr>
+          <p:cNvPr id="18" name="Picture 4" descr="iter8-tools · GitHub">
+            <a:extLst>
+              <a:ext uri="{FF2B5EF4-FFF2-40B4-BE49-F238E27FC236}">
+                <a16:creationId xmlns:a16="http://schemas.microsoft.com/office/drawing/2014/main" id="{6C7CFBEA-11CA-1948-A067-C359097F98C3}"/>
+              </a:ext>
+            </a:extLst>
+          </p:cNvPr>
+          <p:cNvPicPr>
+            <a:picLocks noChangeAspect="1" noChangeArrowheads="1"/>
+          </p:cNvPicPr>
+          <p:nvPr/>
+        </p:nvPicPr>
+        <p:blipFill>
+          <a:blip r:embed="rId3">
+            <a:extLst>
+              <a:ext uri="{28A0092B-C50C-407E-A947-70E740481C1C}">
+                <a14:useLocalDpi xmlns:a14="http://schemas.microsoft.com/office/drawing/2010/main" val="0"/>
+              </a:ext>
+            </a:extLst>
+          </a:blip>
+          <a:srcRect/>
+          <a:stretch>
+            <a:fillRect/>
+          </a:stretch>
+        </p:blipFill>
+        <p:spPr bwMode="auto">
+          <a:xfrm>
+            <a:off x="10732323" y="434888"/>
+            <a:ext cx="347306" cy="347306"/>
+          </a:xfrm>
+          <a:prstGeom prst="rect">
+            <a:avLst/>
+          </a:prstGeom>
+          <a:noFill/>
+          <a:extLst>
+            <a:ext uri="{909E8E84-426E-40DD-AFC4-6F175D3DCCD1}">
+              <a14:hiddenFill xmlns:a14="http://schemas.microsoft.com/office/drawing/2010/main">
+                <a:solidFill>
+                  <a:srgbClr val="FFFFFF"/>
+                </a:solidFill>
+              </a14:hiddenFill>
+            </a:ext>
+          </a:extLst>
+        </p:spPr>
+      </p:pic>
+      <p:sp>
+        <p:nvSpPr>
+          <p:cNvPr id="19" name="Round Diagonal Corner Rectangle 18">
+            <a:extLst>
+              <a:ext uri="{FF2B5EF4-FFF2-40B4-BE49-F238E27FC236}">
+                <a16:creationId xmlns:a16="http://schemas.microsoft.com/office/drawing/2014/main" id="{D8666AF8-159F-FF4D-868C-FAA2B233B098}"/>
+              </a:ext>
+            </a:extLst>
+          </p:cNvPr>
+          <p:cNvSpPr/>
+          <p:nvPr/>
+        </p:nvSpPr>
+        <p:spPr>
+          <a:xfrm>
+            <a:off x="10372752" y="366172"/>
+            <a:ext cx="1023805" cy="499171"/>
+          </a:xfrm>
+          <a:prstGeom prst="round2DiagRect">
+            <a:avLst/>
+          </a:prstGeom>
+          <a:noFill/>
+        </p:spPr>
+        <p:style>
+          <a:lnRef idx="2">
+            <a:schemeClr val="accent1">
+              <a:shade val="50000"/>
+            </a:schemeClr>
+          </a:lnRef>
+          <a:fillRef idx="1">
+            <a:schemeClr val="accent1"/>
+          </a:fillRef>
+          <a:effectRef idx="0">
+            <a:schemeClr val="accent1"/>
+          </a:effectRef>
+          <a:fontRef idx="minor">
+            <a:schemeClr val="lt1"/>
+          </a:fontRef>
+        </p:style>
+        <p:txBody>
+          <a:bodyPr rtlCol="0" anchor="ctr"/>
+          <a:lstStyle/>
+          <a:p>
+            <a:pPr algn="ctr"/>
+            <a:endParaRPr lang="en-US" dirty="0"/>
+          </a:p>
+        </p:txBody>
+      </p:sp>
+      <p:sp>
+        <p:nvSpPr>
+          <p:cNvPr id="20" name="Snip Single Corner Rectangle 19">
+            <a:extLst>
+              <a:ext uri="{FF2B5EF4-FFF2-40B4-BE49-F238E27FC236}">
+                <a16:creationId xmlns:a16="http://schemas.microsoft.com/office/drawing/2014/main" id="{34BD022A-C5E5-3948-BB61-33BD5D51694B}"/>
+              </a:ext>
+            </a:extLst>
+          </p:cNvPr>
+          <p:cNvSpPr/>
+          <p:nvPr/>
+        </p:nvSpPr>
+        <p:spPr>
+          <a:xfrm>
+            <a:off x="10649539" y="43621"/>
+            <a:ext cx="1434353" cy="347306"/>
+          </a:xfrm>
+          <a:custGeom>
+            <a:avLst/>
+            <a:gdLst>
+              <a:gd name="connsiteX0" fmla="*/ 0 w 1434353"/>
+              <a:gd name="connsiteY0" fmla="*/ 0 h 347306"/>
+              <a:gd name="connsiteX1" fmla="*/ 472587 w 1434353"/>
+              <a:gd name="connsiteY1" fmla="*/ 0 h 347306"/>
+              <a:gd name="connsiteX2" fmla="*/ 958939 w 1434353"/>
+              <a:gd name="connsiteY2" fmla="*/ 0 h 347306"/>
+              <a:gd name="connsiteX3" fmla="*/ 1376468 w 1434353"/>
+              <a:gd name="connsiteY3" fmla="*/ 0 h 347306"/>
+              <a:gd name="connsiteX4" fmla="*/ 1434353 w 1434353"/>
+              <a:gd name="connsiteY4" fmla="*/ 57885 h 347306"/>
+              <a:gd name="connsiteX5" fmla="*/ 1434353 w 1434353"/>
+              <a:gd name="connsiteY5" fmla="*/ 347306 h 347306"/>
+              <a:gd name="connsiteX6" fmla="*/ 941892 w 1434353"/>
+              <a:gd name="connsiteY6" fmla="*/ 347306 h 347306"/>
+              <a:gd name="connsiteX7" fmla="*/ 492461 w 1434353"/>
+              <a:gd name="connsiteY7" fmla="*/ 347306 h 347306"/>
+              <a:gd name="connsiteX8" fmla="*/ 0 w 1434353"/>
+              <a:gd name="connsiteY8" fmla="*/ 347306 h 347306"/>
+              <a:gd name="connsiteX9" fmla="*/ 0 w 1434353"/>
+              <a:gd name="connsiteY9" fmla="*/ 0 h 347306"/>
+            </a:gdLst>
+            <a:ahLst/>
+            <a:cxnLst>
+              <a:cxn ang="0">
+                <a:pos x="connsiteX0" y="connsiteY0"/>
+              </a:cxn>
+              <a:cxn ang="0">
+                <a:pos x="connsiteX1" y="connsiteY1"/>
+              </a:cxn>
+              <a:cxn ang="0">
+                <a:pos x="connsiteX2" y="connsiteY2"/>
+              </a:cxn>
+              <a:cxn ang="0">
+                <a:pos x="connsiteX3" y="connsiteY3"/>
+              </a:cxn>
+              <a:cxn ang="0">
+                <a:pos x="connsiteX4" y="connsiteY4"/>
+              </a:cxn>
+              <a:cxn ang="0">
+                <a:pos x="connsiteX5" y="connsiteY5"/>
+              </a:cxn>
+              <a:cxn ang="0">
+                <a:pos x="connsiteX6" y="connsiteY6"/>
+              </a:cxn>
+              <a:cxn ang="0">
+                <a:pos x="connsiteX7" y="connsiteY7"/>
+              </a:cxn>
+              <a:cxn ang="0">
+                <a:pos x="connsiteX8" y="connsiteY8"/>
+              </a:cxn>
+              <a:cxn ang="0">
+                <a:pos x="connsiteX9" y="connsiteY9"/>
+              </a:cxn>
+            </a:cxnLst>
+            <a:rect l="l" t="t" r="r" b="b"/>
+            <a:pathLst>
+              <a:path w="1434353" h="347306" fill="none" extrusionOk="0">
+                <a:moveTo>
+                  <a:pt x="0" y="0"/>
+                </a:moveTo>
+                <a:cubicBezTo>
+                  <a:pt x="200995" y="-1007"/>
+                  <a:pt x="362816" y="23958"/>
+                  <a:pt x="472587" y="0"/>
+                </a:cubicBezTo>
+                <a:cubicBezTo>
+                  <a:pt x="582358" y="-23958"/>
+                  <a:pt x="823162" y="19280"/>
+                  <a:pt x="958939" y="0"/>
+                </a:cubicBezTo>
+                <a:cubicBezTo>
+                  <a:pt x="1094716" y="-19280"/>
+                  <a:pt x="1250182" y="36754"/>
+                  <a:pt x="1376468" y="0"/>
+                </a:cubicBezTo>
+                <a:cubicBezTo>
+                  <a:pt x="1402408" y="13392"/>
+                  <a:pt x="1409870" y="37293"/>
+                  <a:pt x="1434353" y="57885"/>
+                </a:cubicBezTo>
+                <a:cubicBezTo>
+                  <a:pt x="1448767" y="157763"/>
+                  <a:pt x="1417497" y="207287"/>
+                  <a:pt x="1434353" y="347306"/>
+                </a:cubicBezTo>
+                <a:cubicBezTo>
+                  <a:pt x="1265978" y="397232"/>
+                  <a:pt x="1124691" y="292825"/>
+                  <a:pt x="941892" y="347306"/>
+                </a:cubicBezTo>
+                <a:cubicBezTo>
+                  <a:pt x="759093" y="401787"/>
+                  <a:pt x="664135" y="342517"/>
+                  <a:pt x="492461" y="347306"/>
+                </a:cubicBezTo>
+                <a:cubicBezTo>
+                  <a:pt x="320787" y="352095"/>
+                  <a:pt x="123755" y="296831"/>
+                  <a:pt x="0" y="347306"/>
+                </a:cubicBezTo>
+                <a:cubicBezTo>
+                  <a:pt x="-21744" y="174701"/>
+                  <a:pt x="19908" y="148996"/>
+                  <a:pt x="0" y="0"/>
+                </a:cubicBezTo>
+                <a:close/>
+              </a:path>
+              <a:path w="1434353" h="347306" stroke="0" extrusionOk="0">
+                <a:moveTo>
+                  <a:pt x="0" y="0"/>
+                </a:moveTo>
+                <a:cubicBezTo>
+                  <a:pt x="108209" y="-22942"/>
+                  <a:pt x="325533" y="50366"/>
+                  <a:pt x="445058" y="0"/>
+                </a:cubicBezTo>
+                <a:cubicBezTo>
+                  <a:pt x="564583" y="-50366"/>
+                  <a:pt x="756251" y="13106"/>
+                  <a:pt x="862587" y="0"/>
+                </a:cubicBezTo>
+                <a:cubicBezTo>
+                  <a:pt x="968923" y="-13106"/>
+                  <a:pt x="1127664" y="15872"/>
+                  <a:pt x="1376468" y="0"/>
+                </a:cubicBezTo>
+                <a:cubicBezTo>
+                  <a:pt x="1398434" y="10821"/>
+                  <a:pt x="1416208" y="51176"/>
+                  <a:pt x="1434353" y="57885"/>
+                </a:cubicBezTo>
+                <a:cubicBezTo>
+                  <a:pt x="1454737" y="194265"/>
+                  <a:pt x="1403380" y="288540"/>
+                  <a:pt x="1434353" y="347306"/>
+                </a:cubicBezTo>
+                <a:cubicBezTo>
+                  <a:pt x="1238643" y="386889"/>
+                  <a:pt x="1029624" y="288834"/>
+                  <a:pt x="927548" y="347306"/>
+                </a:cubicBezTo>
+                <a:cubicBezTo>
+                  <a:pt x="825472" y="405778"/>
+                  <a:pt x="597715" y="301783"/>
+                  <a:pt x="420744" y="347306"/>
+                </a:cubicBezTo>
+                <a:cubicBezTo>
+                  <a:pt x="243773" y="392829"/>
+                  <a:pt x="102236" y="341959"/>
+                  <a:pt x="0" y="347306"/>
+                </a:cubicBezTo>
+                <a:cubicBezTo>
+                  <a:pt x="-21393" y="262562"/>
+                  <a:pt x="19565" y="131335"/>
+                  <a:pt x="0" y="0"/>
+                </a:cubicBezTo>
+                <a:close/>
+              </a:path>
+            </a:pathLst>
+          </a:custGeom>
+          <a:solidFill>
+            <a:schemeClr val="bg2"/>
+          </a:solidFill>
+          <a:ln>
+            <a:solidFill>
+              <a:schemeClr val="accent1">
+                <a:shade val="50000"/>
+              </a:schemeClr>
+            </a:solidFill>
+            <a:extLst>
+              <a:ext uri="{C807C97D-BFC1-408E-A445-0C87EB9F89A2}">
+                <ask:lineSketchStyleProps xmlns:ask="http://schemas.microsoft.com/office/drawing/2018/sketchyshapes" sd="1219033472">
+                  <a:prstGeom prst="snip1Rect">
+                    <a:avLst/>
+                  </a:prstGeom>
+                  <ask:type>
+                    <ask:lineSketchScribble/>
+                  </ask:type>
+                </ask:lineSketchStyleProps>
+              </a:ext>
+            </a:extLst>
+          </a:ln>
+        </p:spPr>
+        <p:style>
+          <a:lnRef idx="2">
+            <a:schemeClr val="accent1">
+              <a:shade val="50000"/>
+            </a:schemeClr>
+          </a:lnRef>
+          <a:fillRef idx="1">
+            <a:schemeClr val="accent1"/>
+          </a:fillRef>
+          <a:effectRef idx="0">
+            <a:schemeClr val="accent1"/>
+          </a:effectRef>
+          <a:fontRef idx="minor">
+            <a:schemeClr val="lt1"/>
+          </a:fontRef>
+        </p:style>
+        <p:txBody>
+          <a:bodyPr rtlCol="0" anchor="ctr"/>
+          <a:lstStyle/>
+          <a:p>
+            <a:pPr algn="ctr"/>
+            <a:r>
+              <a:rPr lang="en-US" sz="1600" dirty="0">
+                <a:solidFill>
+                  <a:srgbClr val="C00000"/>
+                </a:solidFill>
+              </a:rPr>
+              <a:t>iter8</a:t>
+            </a:r>
+          </a:p>
+        </p:txBody>
+      </p:sp>
+      <p:sp>
+        <p:nvSpPr>
+          <p:cNvPr id="22" name="Round Diagonal Corner Rectangle 21">
+            <a:extLst>
+              <a:ext uri="{FF2B5EF4-FFF2-40B4-BE49-F238E27FC236}">
+                <a16:creationId xmlns:a16="http://schemas.microsoft.com/office/drawing/2014/main" id="{B64AE698-904C-4F47-B3FF-C71137A4623C}"/>
+              </a:ext>
+            </a:extLst>
+          </p:cNvPr>
+          <p:cNvSpPr/>
+          <p:nvPr/>
+        </p:nvSpPr>
+        <p:spPr>
+          <a:xfrm>
+            <a:off x="528917" y="366172"/>
+            <a:ext cx="1029083" cy="499171"/>
+          </a:xfrm>
+          <a:prstGeom prst="round2DiagRect">
+            <a:avLst/>
+          </a:prstGeom>
+          <a:noFill/>
+        </p:spPr>
+        <p:style>
+          <a:lnRef idx="2">
+            <a:schemeClr val="accent1">
+              <a:shade val="50000"/>
+            </a:schemeClr>
+          </a:lnRef>
+          <a:fillRef idx="1">
+            <a:schemeClr val="accent1"/>
+          </a:fillRef>
+          <a:effectRef idx="0">
+            <a:schemeClr val="accent1"/>
+          </a:effectRef>
+          <a:fontRef idx="minor">
+            <a:schemeClr val="lt1"/>
+          </a:fontRef>
+        </p:style>
+        <p:txBody>
+          <a:bodyPr rtlCol="0" anchor="ctr"/>
+          <a:lstStyle/>
+          <a:p>
+            <a:pPr algn="ctr"/>
+            <a:endParaRPr lang="en-US" dirty="0"/>
+          </a:p>
+        </p:txBody>
+      </p:sp>
+      <p:sp>
+        <p:nvSpPr>
+          <p:cNvPr id="23" name="Snip Single Corner Rectangle 22">
+            <a:extLst>
+              <a:ext uri="{FF2B5EF4-FFF2-40B4-BE49-F238E27FC236}">
+                <a16:creationId xmlns:a16="http://schemas.microsoft.com/office/drawing/2014/main" id="{2CBBC147-F20A-704F-99A9-73F0CCF4DA43}"/>
+              </a:ext>
+            </a:extLst>
+          </p:cNvPr>
+          <p:cNvSpPr/>
+          <p:nvPr/>
+        </p:nvSpPr>
+        <p:spPr>
+          <a:xfrm>
+            <a:off x="161173" y="43621"/>
+            <a:ext cx="1891551" cy="347306"/>
+          </a:xfrm>
+          <a:custGeom>
+            <a:avLst/>
+            <a:gdLst>
+              <a:gd name="connsiteX0" fmla="*/ 0 w 1891551"/>
+              <a:gd name="connsiteY0" fmla="*/ 0 h 347306"/>
+              <a:gd name="connsiteX1" fmla="*/ 458417 w 1891551"/>
+              <a:gd name="connsiteY1" fmla="*/ 0 h 347306"/>
+              <a:gd name="connsiteX2" fmla="*/ 880160 w 1891551"/>
+              <a:gd name="connsiteY2" fmla="*/ 0 h 347306"/>
+              <a:gd name="connsiteX3" fmla="*/ 1338576 w 1891551"/>
+              <a:gd name="connsiteY3" fmla="*/ 0 h 347306"/>
+              <a:gd name="connsiteX4" fmla="*/ 1833666 w 1891551"/>
+              <a:gd name="connsiteY4" fmla="*/ 0 h 347306"/>
+              <a:gd name="connsiteX5" fmla="*/ 1891551 w 1891551"/>
+              <a:gd name="connsiteY5" fmla="*/ 57885 h 347306"/>
+              <a:gd name="connsiteX6" fmla="*/ 1891551 w 1891551"/>
+              <a:gd name="connsiteY6" fmla="*/ 347306 h 347306"/>
+              <a:gd name="connsiteX7" fmla="*/ 1399748 w 1891551"/>
+              <a:gd name="connsiteY7" fmla="*/ 347306 h 347306"/>
+              <a:gd name="connsiteX8" fmla="*/ 964691 w 1891551"/>
+              <a:gd name="connsiteY8" fmla="*/ 347306 h 347306"/>
+              <a:gd name="connsiteX9" fmla="*/ 491803 w 1891551"/>
+              <a:gd name="connsiteY9" fmla="*/ 347306 h 347306"/>
+              <a:gd name="connsiteX10" fmla="*/ 0 w 1891551"/>
+              <a:gd name="connsiteY10" fmla="*/ 347306 h 347306"/>
+              <a:gd name="connsiteX11" fmla="*/ 0 w 1891551"/>
+              <a:gd name="connsiteY11" fmla="*/ 0 h 347306"/>
+            </a:gdLst>
+            <a:ahLst/>
+            <a:cxnLst>
+              <a:cxn ang="0">
+                <a:pos x="connsiteX0" y="connsiteY0"/>
+              </a:cxn>
+              <a:cxn ang="0">
+                <a:pos x="connsiteX1" y="connsiteY1"/>
+              </a:cxn>
+              <a:cxn ang="0">
+                <a:pos x="connsiteX2" y="connsiteY2"/>
+              </a:cxn>
+              <a:cxn ang="0">
+                <a:pos x="connsiteX3" y="connsiteY3"/>
+              </a:cxn>
+              <a:cxn ang="0">
+                <a:pos x="connsiteX4" y="connsiteY4"/>
+              </a:cxn>
+              <a:cxn ang="0">
+                <a:pos x="connsiteX5" y="connsiteY5"/>
+              </a:cxn>
+              <a:cxn ang="0">
+                <a:pos x="connsiteX6" y="connsiteY6"/>
+              </a:cxn>
+              <a:cxn ang="0">
+                <a:pos x="connsiteX7" y="connsiteY7"/>
+              </a:cxn>
+              <a:cxn ang="0">
+                <a:pos x="connsiteX8" y="connsiteY8"/>
+              </a:cxn>
+              <a:cxn ang="0">
+                <a:pos x="connsiteX9" y="connsiteY9"/>
+              </a:cxn>
+              <a:cxn ang="0">
+                <a:pos x="connsiteX10" y="connsiteY10"/>
+              </a:cxn>
+              <a:cxn ang="0">
+                <a:pos x="connsiteX11" y="connsiteY11"/>
+              </a:cxn>
+            </a:cxnLst>
+            <a:rect l="l" t="t" r="r" b="b"/>
+            <a:pathLst>
+              <a:path w="1891551" h="347306" fill="none" extrusionOk="0">
+                <a:moveTo>
+                  <a:pt x="0" y="0"/>
+                </a:moveTo>
+                <a:cubicBezTo>
+                  <a:pt x="195728" y="-52686"/>
+                  <a:pt x="349638" y="33309"/>
+                  <a:pt x="458417" y="0"/>
+                </a:cubicBezTo>
+                <a:cubicBezTo>
+                  <a:pt x="567196" y="-33309"/>
+                  <a:pt x="775423" y="11207"/>
+                  <a:pt x="880160" y="0"/>
+                </a:cubicBezTo>
+                <a:cubicBezTo>
+                  <a:pt x="984897" y="-11207"/>
+                  <a:pt x="1164476" y="22407"/>
+                  <a:pt x="1338576" y="0"/>
+                </a:cubicBezTo>
+                <a:cubicBezTo>
+                  <a:pt x="1512676" y="-22407"/>
+                  <a:pt x="1674589" y="53595"/>
+                  <a:pt x="1833666" y="0"/>
+                </a:cubicBezTo>
+                <a:cubicBezTo>
+                  <a:pt x="1864511" y="17937"/>
+                  <a:pt x="1873216" y="41285"/>
+                  <a:pt x="1891551" y="57885"/>
+                </a:cubicBezTo>
+                <a:cubicBezTo>
+                  <a:pt x="1914242" y="163812"/>
+                  <a:pt x="1865559" y="268703"/>
+                  <a:pt x="1891551" y="347306"/>
+                </a:cubicBezTo>
+                <a:cubicBezTo>
+                  <a:pt x="1722640" y="380763"/>
+                  <a:pt x="1543650" y="299952"/>
+                  <a:pt x="1399748" y="347306"/>
+                </a:cubicBezTo>
+                <a:cubicBezTo>
+                  <a:pt x="1255846" y="394660"/>
+                  <a:pt x="1123859" y="297998"/>
+                  <a:pt x="964691" y="347306"/>
+                </a:cubicBezTo>
+                <a:cubicBezTo>
+                  <a:pt x="805523" y="396614"/>
+                  <a:pt x="690207" y="342161"/>
+                  <a:pt x="491803" y="347306"/>
+                </a:cubicBezTo>
+                <a:cubicBezTo>
+                  <a:pt x="293399" y="352451"/>
+                  <a:pt x="159981" y="309731"/>
+                  <a:pt x="0" y="347306"/>
+                </a:cubicBezTo>
+                <a:cubicBezTo>
+                  <a:pt x="-12344" y="259120"/>
+                  <a:pt x="8349" y="129969"/>
+                  <a:pt x="0" y="0"/>
+                </a:cubicBezTo>
+                <a:close/>
+              </a:path>
+              <a:path w="1891551" h="347306" stroke="0" extrusionOk="0">
+                <a:moveTo>
+                  <a:pt x="0" y="0"/>
+                </a:moveTo>
+                <a:cubicBezTo>
+                  <a:pt x="200411" y="-10851"/>
+                  <a:pt x="335627" y="41517"/>
+                  <a:pt x="440080" y="0"/>
+                </a:cubicBezTo>
+                <a:cubicBezTo>
+                  <a:pt x="544533" y="-41517"/>
+                  <a:pt x="694312" y="41179"/>
+                  <a:pt x="843486" y="0"/>
+                </a:cubicBezTo>
+                <a:cubicBezTo>
+                  <a:pt x="992660" y="-41179"/>
+                  <a:pt x="1225391" y="49077"/>
+                  <a:pt x="1338576" y="0"/>
+                </a:cubicBezTo>
+                <a:cubicBezTo>
+                  <a:pt x="1451761" y="-49077"/>
+                  <a:pt x="1597474" y="55280"/>
+                  <a:pt x="1833666" y="0"/>
+                </a:cubicBezTo>
+                <a:cubicBezTo>
+                  <a:pt x="1860864" y="24987"/>
+                  <a:pt x="1866903" y="43158"/>
+                  <a:pt x="1891551" y="57885"/>
+                </a:cubicBezTo>
+                <a:cubicBezTo>
+                  <a:pt x="1917785" y="134230"/>
+                  <a:pt x="1864867" y="278240"/>
+                  <a:pt x="1891551" y="347306"/>
+                </a:cubicBezTo>
+                <a:cubicBezTo>
+                  <a:pt x="1723967" y="371129"/>
+                  <a:pt x="1620407" y="330960"/>
+                  <a:pt x="1456494" y="347306"/>
+                </a:cubicBezTo>
+                <a:cubicBezTo>
+                  <a:pt x="1292581" y="363652"/>
+                  <a:pt x="1201540" y="297681"/>
+                  <a:pt x="983607" y="347306"/>
+                </a:cubicBezTo>
+                <a:cubicBezTo>
+                  <a:pt x="765674" y="396931"/>
+                  <a:pt x="578770" y="291251"/>
+                  <a:pt x="472888" y="347306"/>
+                </a:cubicBezTo>
+                <a:cubicBezTo>
+                  <a:pt x="367006" y="403361"/>
+                  <a:pt x="144441" y="329932"/>
+                  <a:pt x="0" y="347306"/>
+                </a:cubicBezTo>
+                <a:cubicBezTo>
+                  <a:pt x="-400" y="260536"/>
+                  <a:pt x="34911" y="86982"/>
+                  <a:pt x="0" y="0"/>
+                </a:cubicBezTo>
+                <a:close/>
+              </a:path>
+            </a:pathLst>
+          </a:custGeom>
+          <a:solidFill>
+            <a:schemeClr val="bg2"/>
+          </a:solidFill>
+          <a:ln>
+            <a:solidFill>
+              <a:schemeClr val="accent1">
+                <a:shade val="50000"/>
+              </a:schemeClr>
+            </a:solidFill>
+            <a:extLst>
+              <a:ext uri="{C807C97D-BFC1-408E-A445-0C87EB9F89A2}">
+                <ask:lineSketchStyleProps xmlns:ask="http://schemas.microsoft.com/office/drawing/2018/sketchyshapes" sd="1219033472">
+                  <a:prstGeom prst="snip1Rect">
+                    <a:avLst/>
+                  </a:prstGeom>
+                  <ask:type>
+                    <ask:lineSketchScribble/>
+                  </ask:type>
+                </ask:lineSketchStyleProps>
+              </a:ext>
+            </a:extLst>
+          </a:ln>
+        </p:spPr>
+        <p:style>
+          <a:lnRef idx="2">
+            <a:schemeClr val="accent1">
+              <a:shade val="50000"/>
+            </a:schemeClr>
+          </a:lnRef>
+          <a:fillRef idx="1">
+            <a:schemeClr val="accent1"/>
+          </a:fillRef>
+          <a:effectRef idx="0">
+            <a:schemeClr val="accent1"/>
+          </a:effectRef>
+          <a:fontRef idx="minor">
+            <a:schemeClr val="lt1"/>
+          </a:fontRef>
+        </p:style>
+        <p:txBody>
+          <a:bodyPr rtlCol="0" anchor="ctr"/>
+          <a:lstStyle/>
+          <a:p>
+            <a:pPr algn="ctr"/>
+            <a:r>
+              <a:rPr lang="en-US" sz="1600" dirty="0">
+                <a:solidFill>
+                  <a:srgbClr val="C00000"/>
+                </a:solidFill>
+              </a:rPr>
+              <a:t>K8s/</a:t>
+            </a:r>
+            <a:r>
+              <a:rPr lang="en-US" sz="1600" dirty="0" err="1">
+                <a:solidFill>
+                  <a:srgbClr val="C00000"/>
+                </a:solidFill>
+              </a:rPr>
+              <a:t>Openshift</a:t>
+            </a:r>
+            <a:r>
+              <a:rPr lang="en-US" sz="1600" dirty="0">
+                <a:solidFill>
+                  <a:srgbClr val="C00000"/>
+                </a:solidFill>
+              </a:rPr>
+              <a:t> stack</a:t>
+            </a:r>
+          </a:p>
+        </p:txBody>
+      </p:sp>
+      <p:sp>
+        <p:nvSpPr>
+          <p:cNvPr id="25" name="Round Diagonal Corner Rectangle 24">
+            <a:extLst>
+              <a:ext uri="{FF2B5EF4-FFF2-40B4-BE49-F238E27FC236}">
+                <a16:creationId xmlns:a16="http://schemas.microsoft.com/office/drawing/2014/main" id="{5A0830E2-7C69-0246-BF1F-380B4AA0B950}"/>
+              </a:ext>
+            </a:extLst>
+          </p:cNvPr>
+          <p:cNvSpPr/>
+          <p:nvPr/>
+        </p:nvSpPr>
+        <p:spPr>
+          <a:xfrm>
+            <a:off x="2420468" y="366172"/>
+            <a:ext cx="1008010" cy="499171"/>
+          </a:xfrm>
+          <a:prstGeom prst="round2DiagRect">
+            <a:avLst/>
+          </a:prstGeom>
+          <a:solidFill>
+            <a:schemeClr val="bg1"/>
+          </a:solidFill>
+        </p:spPr>
+        <p:style>
+          <a:lnRef idx="2">
+            <a:schemeClr val="accent1">
+              <a:shade val="50000"/>
+            </a:schemeClr>
+          </a:lnRef>
+          <a:fillRef idx="1">
+            <a:schemeClr val="accent1"/>
+          </a:fillRef>
+          <a:effectRef idx="0">
+            <a:schemeClr val="accent1"/>
+          </a:effectRef>
+          <a:fontRef idx="minor">
+            <a:schemeClr val="lt1"/>
+          </a:fontRef>
+        </p:style>
+        <p:txBody>
+          <a:bodyPr rtlCol="0" anchor="ctr"/>
+          <a:lstStyle/>
+          <a:p>
+            <a:pPr algn="ctr"/>
+            <a:endParaRPr lang="en-US" dirty="0"/>
+          </a:p>
+        </p:txBody>
+      </p:sp>
+      <p:sp>
+        <p:nvSpPr>
+          <p:cNvPr id="26" name="Snip Single Corner Rectangle 25">
+            <a:extLst>
+              <a:ext uri="{FF2B5EF4-FFF2-40B4-BE49-F238E27FC236}">
+                <a16:creationId xmlns:a16="http://schemas.microsoft.com/office/drawing/2014/main" id="{115EEDFE-D684-914C-93FE-2090D730FB29}"/>
+              </a:ext>
+            </a:extLst>
+          </p:cNvPr>
+          <p:cNvSpPr/>
+          <p:nvPr/>
+        </p:nvSpPr>
+        <p:spPr>
+          <a:xfrm>
+            <a:off x="2681459" y="43621"/>
+            <a:ext cx="1434353" cy="347306"/>
+          </a:xfrm>
+          <a:custGeom>
+            <a:avLst/>
+            <a:gdLst>
+              <a:gd name="connsiteX0" fmla="*/ 0 w 1434353"/>
+              <a:gd name="connsiteY0" fmla="*/ 0 h 347306"/>
+              <a:gd name="connsiteX1" fmla="*/ 472587 w 1434353"/>
+              <a:gd name="connsiteY1" fmla="*/ 0 h 347306"/>
+              <a:gd name="connsiteX2" fmla="*/ 958939 w 1434353"/>
+              <a:gd name="connsiteY2" fmla="*/ 0 h 347306"/>
+              <a:gd name="connsiteX3" fmla="*/ 1376468 w 1434353"/>
+              <a:gd name="connsiteY3" fmla="*/ 0 h 347306"/>
+              <a:gd name="connsiteX4" fmla="*/ 1434353 w 1434353"/>
+              <a:gd name="connsiteY4" fmla="*/ 57885 h 347306"/>
+              <a:gd name="connsiteX5" fmla="*/ 1434353 w 1434353"/>
+              <a:gd name="connsiteY5" fmla="*/ 347306 h 347306"/>
+              <a:gd name="connsiteX6" fmla="*/ 941892 w 1434353"/>
+              <a:gd name="connsiteY6" fmla="*/ 347306 h 347306"/>
+              <a:gd name="connsiteX7" fmla="*/ 492461 w 1434353"/>
+              <a:gd name="connsiteY7" fmla="*/ 347306 h 347306"/>
+              <a:gd name="connsiteX8" fmla="*/ 0 w 1434353"/>
+              <a:gd name="connsiteY8" fmla="*/ 347306 h 347306"/>
+              <a:gd name="connsiteX9" fmla="*/ 0 w 1434353"/>
+              <a:gd name="connsiteY9" fmla="*/ 0 h 347306"/>
+            </a:gdLst>
+            <a:ahLst/>
+            <a:cxnLst>
+              <a:cxn ang="0">
+                <a:pos x="connsiteX0" y="connsiteY0"/>
+              </a:cxn>
+              <a:cxn ang="0">
+                <a:pos x="connsiteX1" y="connsiteY1"/>
+              </a:cxn>
+              <a:cxn ang="0">
+                <a:pos x="connsiteX2" y="connsiteY2"/>
+              </a:cxn>
+              <a:cxn ang="0">
+                <a:pos x="connsiteX3" y="connsiteY3"/>
+              </a:cxn>
+              <a:cxn ang="0">
+                <a:pos x="connsiteX4" y="connsiteY4"/>
+              </a:cxn>
+              <a:cxn ang="0">
+                <a:pos x="connsiteX5" y="connsiteY5"/>
+              </a:cxn>
+              <a:cxn ang="0">
+                <a:pos x="connsiteX6" y="connsiteY6"/>
+              </a:cxn>
+              <a:cxn ang="0">
+                <a:pos x="connsiteX7" y="connsiteY7"/>
+              </a:cxn>
+              <a:cxn ang="0">
+                <a:pos x="connsiteX8" y="connsiteY8"/>
+              </a:cxn>
+              <a:cxn ang="0">
+                <a:pos x="connsiteX9" y="connsiteY9"/>
+              </a:cxn>
+            </a:cxnLst>
+            <a:rect l="l" t="t" r="r" b="b"/>
+            <a:pathLst>
+              <a:path w="1434353" h="347306" fill="none" extrusionOk="0">
+                <a:moveTo>
+                  <a:pt x="0" y="0"/>
+                </a:moveTo>
+                <a:cubicBezTo>
+                  <a:pt x="200995" y="-1007"/>
+                  <a:pt x="362816" y="23958"/>
+                  <a:pt x="472587" y="0"/>
+                </a:cubicBezTo>
+                <a:cubicBezTo>
+                  <a:pt x="582358" y="-23958"/>
+                  <a:pt x="823162" y="19280"/>
+                  <a:pt x="958939" y="0"/>
+                </a:cubicBezTo>
+                <a:cubicBezTo>
+                  <a:pt x="1094716" y="-19280"/>
+                  <a:pt x="1250182" y="36754"/>
+                  <a:pt x="1376468" y="0"/>
+                </a:cubicBezTo>
+                <a:cubicBezTo>
+                  <a:pt x="1402408" y="13392"/>
+                  <a:pt x="1409870" y="37293"/>
+                  <a:pt x="1434353" y="57885"/>
+                </a:cubicBezTo>
+                <a:cubicBezTo>
+                  <a:pt x="1448767" y="157763"/>
+                  <a:pt x="1417497" y="207287"/>
+                  <a:pt x="1434353" y="347306"/>
+                </a:cubicBezTo>
+                <a:cubicBezTo>
+                  <a:pt x="1265978" y="397232"/>
+                  <a:pt x="1124691" y="292825"/>
+                  <a:pt x="941892" y="347306"/>
+                </a:cubicBezTo>
+                <a:cubicBezTo>
+                  <a:pt x="759093" y="401787"/>
+                  <a:pt x="664135" y="342517"/>
+                  <a:pt x="492461" y="347306"/>
+                </a:cubicBezTo>
+                <a:cubicBezTo>
+                  <a:pt x="320787" y="352095"/>
+                  <a:pt x="123755" y="296831"/>
+                  <a:pt x="0" y="347306"/>
+                </a:cubicBezTo>
+                <a:cubicBezTo>
+                  <a:pt x="-21744" y="174701"/>
+                  <a:pt x="19908" y="148996"/>
+                  <a:pt x="0" y="0"/>
+                </a:cubicBezTo>
+                <a:close/>
+              </a:path>
+              <a:path w="1434353" h="347306" stroke="0" extrusionOk="0">
+                <a:moveTo>
+                  <a:pt x="0" y="0"/>
+                </a:moveTo>
+                <a:cubicBezTo>
+                  <a:pt x="108209" y="-22942"/>
+                  <a:pt x="325533" y="50366"/>
+                  <a:pt x="445058" y="0"/>
+                </a:cubicBezTo>
+                <a:cubicBezTo>
+                  <a:pt x="564583" y="-50366"/>
+                  <a:pt x="756251" y="13106"/>
+                  <a:pt x="862587" y="0"/>
+                </a:cubicBezTo>
+                <a:cubicBezTo>
+                  <a:pt x="968923" y="-13106"/>
+                  <a:pt x="1127664" y="15872"/>
+                  <a:pt x="1376468" y="0"/>
+                </a:cubicBezTo>
+                <a:cubicBezTo>
+                  <a:pt x="1398434" y="10821"/>
+                  <a:pt x="1416208" y="51176"/>
+                  <a:pt x="1434353" y="57885"/>
+                </a:cubicBezTo>
+                <a:cubicBezTo>
+                  <a:pt x="1454737" y="194265"/>
+                  <a:pt x="1403380" y="288540"/>
+                  <a:pt x="1434353" y="347306"/>
+                </a:cubicBezTo>
+                <a:cubicBezTo>
+                  <a:pt x="1238643" y="386889"/>
+                  <a:pt x="1029624" y="288834"/>
+                  <a:pt x="927548" y="347306"/>
+                </a:cubicBezTo>
+                <a:cubicBezTo>
+                  <a:pt x="825472" y="405778"/>
+                  <a:pt x="597715" y="301783"/>
+                  <a:pt x="420744" y="347306"/>
+                </a:cubicBezTo>
+                <a:cubicBezTo>
+                  <a:pt x="243773" y="392829"/>
+                  <a:pt x="102236" y="341959"/>
+                  <a:pt x="0" y="347306"/>
+                </a:cubicBezTo>
+                <a:cubicBezTo>
+                  <a:pt x="-21393" y="262562"/>
+                  <a:pt x="19565" y="131335"/>
+                  <a:pt x="0" y="0"/>
+                </a:cubicBezTo>
+                <a:close/>
+              </a:path>
+            </a:pathLst>
+          </a:custGeom>
+          <a:solidFill>
+            <a:schemeClr val="bg2"/>
+          </a:solidFill>
+          <a:ln>
+            <a:solidFill>
+              <a:schemeClr val="accent1">
+                <a:shade val="50000"/>
+              </a:schemeClr>
+            </a:solidFill>
+            <a:extLst>
+              <a:ext uri="{C807C97D-BFC1-408E-A445-0C87EB9F89A2}">
+                <ask:lineSketchStyleProps xmlns:ask="http://schemas.microsoft.com/office/drawing/2018/sketchyshapes" sd="1219033472">
+                  <a:prstGeom prst="snip1Rect">
+                    <a:avLst/>
+                  </a:prstGeom>
+                  <ask:type>
+                    <ask:lineSketchScribble/>
+                  </ask:type>
+                </ask:lineSketchStyleProps>
+              </a:ext>
+            </a:extLst>
+          </a:ln>
+        </p:spPr>
+        <p:style>
+          <a:lnRef idx="2">
+            <a:schemeClr val="accent1">
+              <a:shade val="50000"/>
+            </a:schemeClr>
+          </a:lnRef>
+          <a:fillRef idx="1">
+            <a:schemeClr val="accent1"/>
+          </a:fillRef>
+          <a:effectRef idx="0">
+            <a:schemeClr val="accent1"/>
+          </a:effectRef>
+          <a:fontRef idx="minor">
+            <a:schemeClr val="lt1"/>
+          </a:fontRef>
+        </p:style>
+        <p:txBody>
+          <a:bodyPr rtlCol="0" anchor="ctr"/>
+          <a:lstStyle/>
+          <a:p>
+            <a:pPr algn="ctr"/>
+            <a:r>
+              <a:rPr lang="en-US" sz="1600" dirty="0">
+                <a:solidFill>
+                  <a:srgbClr val="C00000"/>
+                </a:solidFill>
+              </a:rPr>
+              <a:t>iter8</a:t>
+            </a:r>
+          </a:p>
+        </p:txBody>
+      </p:sp>
+      <p:pic>
+        <p:nvPicPr>
+          <p:cNvPr id="28" name="Picture 4" descr="iter8-tools · GitHub">
+            <a:extLst>
+              <a:ext uri="{FF2B5EF4-FFF2-40B4-BE49-F238E27FC236}">
+                <a16:creationId xmlns:a16="http://schemas.microsoft.com/office/drawing/2014/main" id="{C09E6275-494C-F24A-A108-845B4FE6C42A}"/>
+              </a:ext>
+            </a:extLst>
+          </p:cNvPr>
+          <p:cNvPicPr>
+            <a:picLocks noChangeAspect="1" noChangeArrowheads="1"/>
+          </p:cNvPicPr>
+          <p:nvPr/>
+        </p:nvPicPr>
+        <p:blipFill>
+          <a:blip r:embed="rId3">
+            <a:extLst>
+              <a:ext uri="{28A0092B-C50C-407E-A947-70E740481C1C}">
+                <a14:useLocalDpi xmlns:a14="http://schemas.microsoft.com/office/drawing/2010/main" val="0"/>
+              </a:ext>
+            </a:extLst>
+          </a:blip>
+          <a:srcRect/>
+          <a:stretch>
+            <a:fillRect/>
+          </a:stretch>
+        </p:blipFill>
+        <p:spPr bwMode="auto">
+          <a:xfrm>
+            <a:off x="2750820" y="442104"/>
+            <a:ext cx="347306" cy="347306"/>
+          </a:xfrm>
+          <a:prstGeom prst="rect">
+            <a:avLst/>
+          </a:prstGeom>
+          <a:noFill/>
+          <a:extLst>
+            <a:ext uri="{909E8E84-426E-40DD-AFC4-6F175D3DCCD1}">
+              <a14:hiddenFill xmlns:a14="http://schemas.microsoft.com/office/drawing/2010/main">
+                <a:solidFill>
+                  <a:srgbClr val="FFFFFF"/>
+                </a:solidFill>
+              </a14:hiddenFill>
+            </a:ext>
+          </a:extLst>
+        </p:spPr>
+      </p:pic>
+      <p:sp>
+        <p:nvSpPr>
+          <p:cNvPr id="30" name="Round Diagonal Corner Rectangle 29">
+            <a:extLst>
+              <a:ext uri="{FF2B5EF4-FFF2-40B4-BE49-F238E27FC236}">
+                <a16:creationId xmlns:a16="http://schemas.microsoft.com/office/drawing/2014/main" id="{F440526F-9C13-CF4B-8648-2643071BC8D0}"/>
+              </a:ext>
+            </a:extLst>
+          </p:cNvPr>
+          <p:cNvSpPr/>
+          <p:nvPr/>
+        </p:nvSpPr>
+        <p:spPr>
+          <a:xfrm>
+            <a:off x="4315398" y="366172"/>
+            <a:ext cx="1008010" cy="499171"/>
+          </a:xfrm>
+          <a:prstGeom prst="round2DiagRect">
+            <a:avLst/>
+          </a:prstGeom>
+          <a:solidFill>
+            <a:schemeClr val="bg1"/>
+          </a:solidFill>
+        </p:spPr>
+        <p:style>
+          <a:lnRef idx="2">
+            <a:schemeClr val="accent1">
+              <a:shade val="50000"/>
+            </a:schemeClr>
+          </a:lnRef>
+          <a:fillRef idx="1">
+            <a:schemeClr val="accent1"/>
+          </a:fillRef>
+          <a:effectRef idx="0">
+            <a:schemeClr val="accent1"/>
+          </a:effectRef>
+          <a:fontRef idx="minor">
+            <a:schemeClr val="lt1"/>
+          </a:fontRef>
+        </p:style>
+        <p:txBody>
+          <a:bodyPr rtlCol="0" anchor="ctr"/>
+          <a:lstStyle/>
+          <a:p>
+            <a:pPr algn="ctr"/>
+            <a:endParaRPr lang="en-US" dirty="0"/>
+          </a:p>
+        </p:txBody>
+      </p:sp>
+      <p:sp>
+        <p:nvSpPr>
+          <p:cNvPr id="31" name="Snip Single Corner Rectangle 30">
+            <a:extLst>
+              <a:ext uri="{FF2B5EF4-FFF2-40B4-BE49-F238E27FC236}">
+                <a16:creationId xmlns:a16="http://schemas.microsoft.com/office/drawing/2014/main" id="{9577960F-9128-FF48-BF3E-97654659D7B4}"/>
+              </a:ext>
+            </a:extLst>
+          </p:cNvPr>
+          <p:cNvSpPr/>
+          <p:nvPr/>
+        </p:nvSpPr>
+        <p:spPr>
+          <a:xfrm>
+            <a:off x="4576389" y="43621"/>
+            <a:ext cx="1434353" cy="347306"/>
+          </a:xfrm>
+          <a:custGeom>
+            <a:avLst/>
+            <a:gdLst>
+              <a:gd name="connsiteX0" fmla="*/ 0 w 1434353"/>
+              <a:gd name="connsiteY0" fmla="*/ 0 h 347306"/>
+              <a:gd name="connsiteX1" fmla="*/ 472587 w 1434353"/>
+              <a:gd name="connsiteY1" fmla="*/ 0 h 347306"/>
+              <a:gd name="connsiteX2" fmla="*/ 958939 w 1434353"/>
+              <a:gd name="connsiteY2" fmla="*/ 0 h 347306"/>
+              <a:gd name="connsiteX3" fmla="*/ 1376468 w 1434353"/>
+              <a:gd name="connsiteY3" fmla="*/ 0 h 347306"/>
+              <a:gd name="connsiteX4" fmla="*/ 1434353 w 1434353"/>
+              <a:gd name="connsiteY4" fmla="*/ 57885 h 347306"/>
+              <a:gd name="connsiteX5" fmla="*/ 1434353 w 1434353"/>
+              <a:gd name="connsiteY5" fmla="*/ 347306 h 347306"/>
+              <a:gd name="connsiteX6" fmla="*/ 941892 w 1434353"/>
+              <a:gd name="connsiteY6" fmla="*/ 347306 h 347306"/>
+              <a:gd name="connsiteX7" fmla="*/ 492461 w 1434353"/>
+              <a:gd name="connsiteY7" fmla="*/ 347306 h 347306"/>
+              <a:gd name="connsiteX8" fmla="*/ 0 w 1434353"/>
+              <a:gd name="connsiteY8" fmla="*/ 347306 h 347306"/>
+              <a:gd name="connsiteX9" fmla="*/ 0 w 1434353"/>
+              <a:gd name="connsiteY9" fmla="*/ 0 h 347306"/>
+            </a:gdLst>
+            <a:ahLst/>
+            <a:cxnLst>
+              <a:cxn ang="0">
+                <a:pos x="connsiteX0" y="connsiteY0"/>
+              </a:cxn>
+              <a:cxn ang="0">
+                <a:pos x="connsiteX1" y="connsiteY1"/>
+              </a:cxn>
+              <a:cxn ang="0">
+                <a:pos x="connsiteX2" y="connsiteY2"/>
+              </a:cxn>
+              <a:cxn ang="0">
+                <a:pos x="connsiteX3" y="connsiteY3"/>
+              </a:cxn>
+              <a:cxn ang="0">
+                <a:pos x="connsiteX4" y="connsiteY4"/>
+              </a:cxn>
+              <a:cxn ang="0">
+                <a:pos x="connsiteX5" y="connsiteY5"/>
+              </a:cxn>
+              <a:cxn ang="0">
+                <a:pos x="connsiteX6" y="connsiteY6"/>
+              </a:cxn>
+              <a:cxn ang="0">
+                <a:pos x="connsiteX7" y="connsiteY7"/>
+              </a:cxn>
+              <a:cxn ang="0">
+                <a:pos x="connsiteX8" y="connsiteY8"/>
+              </a:cxn>
+              <a:cxn ang="0">
+                <a:pos x="connsiteX9" y="connsiteY9"/>
+              </a:cxn>
+            </a:cxnLst>
+            <a:rect l="l" t="t" r="r" b="b"/>
+            <a:pathLst>
+              <a:path w="1434353" h="347306" fill="none" extrusionOk="0">
+                <a:moveTo>
+                  <a:pt x="0" y="0"/>
+                </a:moveTo>
+                <a:cubicBezTo>
+                  <a:pt x="200995" y="-1007"/>
+                  <a:pt x="362816" y="23958"/>
+                  <a:pt x="472587" y="0"/>
+                </a:cubicBezTo>
+                <a:cubicBezTo>
+                  <a:pt x="582358" y="-23958"/>
+                  <a:pt x="823162" y="19280"/>
+                  <a:pt x="958939" y="0"/>
+                </a:cubicBezTo>
+                <a:cubicBezTo>
+                  <a:pt x="1094716" y="-19280"/>
+                  <a:pt x="1250182" y="36754"/>
+                  <a:pt x="1376468" y="0"/>
+                </a:cubicBezTo>
+                <a:cubicBezTo>
+                  <a:pt x="1402408" y="13392"/>
+                  <a:pt x="1409870" y="37293"/>
+                  <a:pt x="1434353" y="57885"/>
+                </a:cubicBezTo>
+                <a:cubicBezTo>
+                  <a:pt x="1448767" y="157763"/>
+                  <a:pt x="1417497" y="207287"/>
+                  <a:pt x="1434353" y="347306"/>
+                </a:cubicBezTo>
+                <a:cubicBezTo>
+                  <a:pt x="1265978" y="397232"/>
+                  <a:pt x="1124691" y="292825"/>
+                  <a:pt x="941892" y="347306"/>
+                </a:cubicBezTo>
+                <a:cubicBezTo>
+                  <a:pt x="759093" y="401787"/>
+                  <a:pt x="664135" y="342517"/>
+                  <a:pt x="492461" y="347306"/>
+                </a:cubicBezTo>
+                <a:cubicBezTo>
+                  <a:pt x="320787" y="352095"/>
+                  <a:pt x="123755" y="296831"/>
+                  <a:pt x="0" y="347306"/>
+                </a:cubicBezTo>
+                <a:cubicBezTo>
+                  <a:pt x="-21744" y="174701"/>
+                  <a:pt x="19908" y="148996"/>
+                  <a:pt x="0" y="0"/>
+                </a:cubicBezTo>
+                <a:close/>
+              </a:path>
+              <a:path w="1434353" h="347306" stroke="0" extrusionOk="0">
+                <a:moveTo>
+                  <a:pt x="0" y="0"/>
+                </a:moveTo>
+                <a:cubicBezTo>
+                  <a:pt x="108209" y="-22942"/>
+                  <a:pt x="325533" y="50366"/>
+                  <a:pt x="445058" y="0"/>
+                </a:cubicBezTo>
+                <a:cubicBezTo>
+                  <a:pt x="564583" y="-50366"/>
+                  <a:pt x="756251" y="13106"/>
+                  <a:pt x="862587" y="0"/>
+                </a:cubicBezTo>
+                <a:cubicBezTo>
+                  <a:pt x="968923" y="-13106"/>
+                  <a:pt x="1127664" y="15872"/>
+                  <a:pt x="1376468" y="0"/>
+                </a:cubicBezTo>
+                <a:cubicBezTo>
+                  <a:pt x="1398434" y="10821"/>
+                  <a:pt x="1416208" y="51176"/>
+                  <a:pt x="1434353" y="57885"/>
+                </a:cubicBezTo>
+                <a:cubicBezTo>
+                  <a:pt x="1454737" y="194265"/>
+                  <a:pt x="1403380" y="288540"/>
+                  <a:pt x="1434353" y="347306"/>
+                </a:cubicBezTo>
+                <a:cubicBezTo>
+                  <a:pt x="1238643" y="386889"/>
+                  <a:pt x="1029624" y="288834"/>
+                  <a:pt x="927548" y="347306"/>
+                </a:cubicBezTo>
+                <a:cubicBezTo>
+                  <a:pt x="825472" y="405778"/>
+                  <a:pt x="597715" y="301783"/>
+                  <a:pt x="420744" y="347306"/>
+                </a:cubicBezTo>
+                <a:cubicBezTo>
+                  <a:pt x="243773" y="392829"/>
+                  <a:pt x="102236" y="341959"/>
+                  <a:pt x="0" y="347306"/>
+                </a:cubicBezTo>
+                <a:cubicBezTo>
+                  <a:pt x="-21393" y="262562"/>
+                  <a:pt x="19565" y="131335"/>
+                  <a:pt x="0" y="0"/>
+                </a:cubicBezTo>
+                <a:close/>
+              </a:path>
+            </a:pathLst>
+          </a:custGeom>
+          <a:solidFill>
+            <a:schemeClr val="bg2"/>
+          </a:solidFill>
+          <a:ln>
+            <a:solidFill>
+              <a:schemeClr val="accent1">
+                <a:shade val="50000"/>
+              </a:schemeClr>
+            </a:solidFill>
+            <a:extLst>
+              <a:ext uri="{C807C97D-BFC1-408E-A445-0C87EB9F89A2}">
+                <ask:lineSketchStyleProps xmlns:ask="http://schemas.microsoft.com/office/drawing/2018/sketchyshapes" sd="1219033472">
+                  <a:prstGeom prst="snip1Rect">
+                    <a:avLst/>
+                  </a:prstGeom>
+                  <ask:type>
+                    <ask:lineSketchScribble/>
+                  </ask:type>
+                </ask:lineSketchStyleProps>
+              </a:ext>
+            </a:extLst>
+          </a:ln>
+        </p:spPr>
+        <p:style>
+          <a:lnRef idx="2">
+            <a:schemeClr val="accent1">
+              <a:shade val="50000"/>
+            </a:schemeClr>
+          </a:lnRef>
+          <a:fillRef idx="1">
+            <a:schemeClr val="accent1"/>
+          </a:fillRef>
+          <a:effectRef idx="0">
+            <a:schemeClr val="accent1"/>
+          </a:effectRef>
+          <a:fontRef idx="minor">
+            <a:schemeClr val="lt1"/>
+          </a:fontRef>
+        </p:style>
+        <p:txBody>
+          <a:bodyPr rtlCol="0" anchor="ctr"/>
+          <a:lstStyle/>
+          <a:p>
+            <a:pPr algn="ctr"/>
+            <a:r>
+              <a:rPr lang="en-US" sz="1600" dirty="0">
+                <a:solidFill>
+                  <a:srgbClr val="C00000"/>
+                </a:solidFill>
+              </a:rPr>
+              <a:t>iter8</a:t>
+            </a:r>
+          </a:p>
+        </p:txBody>
+      </p:sp>
+      <p:pic>
+        <p:nvPicPr>
+          <p:cNvPr id="32" name="Picture 4" descr="iter8-tools · GitHub">
+            <a:extLst>
+              <a:ext uri="{FF2B5EF4-FFF2-40B4-BE49-F238E27FC236}">
+                <a16:creationId xmlns:a16="http://schemas.microsoft.com/office/drawing/2014/main" id="{A9692EBE-05CA-7944-BDDE-ADEF242E7450}"/>
+              </a:ext>
+            </a:extLst>
+          </p:cNvPr>
+          <p:cNvPicPr>
+            <a:picLocks noChangeAspect="1" noChangeArrowheads="1"/>
+          </p:cNvPicPr>
+          <p:nvPr/>
+        </p:nvPicPr>
+        <p:blipFill>
+          <a:blip r:embed="rId3">
+            <a:extLst>
+              <a:ext uri="{28A0092B-C50C-407E-A947-70E740481C1C}">
+                <a14:useLocalDpi xmlns:a14="http://schemas.microsoft.com/office/drawing/2010/main" val="0"/>
+              </a:ext>
+            </a:extLst>
+          </a:blip>
+          <a:srcRect/>
+          <a:stretch>
+            <a:fillRect/>
+          </a:stretch>
+        </p:blipFill>
+        <p:spPr bwMode="auto">
+          <a:xfrm>
+            <a:off x="4645750" y="442104"/>
+            <a:ext cx="347306" cy="347306"/>
+          </a:xfrm>
+          <a:prstGeom prst="rect">
+            <a:avLst/>
+          </a:prstGeom>
+          <a:noFill/>
+          <a:extLst>
+            <a:ext uri="{909E8E84-426E-40DD-AFC4-6F175D3DCCD1}">
+              <a14:hiddenFill xmlns:a14="http://schemas.microsoft.com/office/drawing/2010/main">
+                <a:solidFill>
+                  <a:srgbClr val="FFFFFF"/>
+                </a:solidFill>
+              </a14:hiddenFill>
+            </a:ext>
+          </a:extLst>
+        </p:spPr>
+      </p:pic>
+      <p:sp>
+        <p:nvSpPr>
+          <p:cNvPr id="33" name="Round Diagonal Corner Rectangle 32">
+            <a:extLst>
+              <a:ext uri="{FF2B5EF4-FFF2-40B4-BE49-F238E27FC236}">
+                <a16:creationId xmlns:a16="http://schemas.microsoft.com/office/drawing/2014/main" id="{07A5C0BD-714E-BC4B-AC8C-B18273CCF0F6}"/>
+              </a:ext>
+            </a:extLst>
+          </p:cNvPr>
+          <p:cNvSpPr/>
+          <p:nvPr/>
+        </p:nvSpPr>
+        <p:spPr>
+          <a:xfrm>
+            <a:off x="6532066" y="357207"/>
+            <a:ext cx="1008010" cy="499171"/>
+          </a:xfrm>
+          <a:prstGeom prst="round2DiagRect">
+            <a:avLst/>
+          </a:prstGeom>
+          <a:solidFill>
+            <a:schemeClr val="bg1"/>
+          </a:solidFill>
+        </p:spPr>
+        <p:style>
+          <a:lnRef idx="2">
+            <a:schemeClr val="accent1">
+              <a:shade val="50000"/>
+            </a:schemeClr>
+          </a:lnRef>
+          <a:fillRef idx="1">
+            <a:schemeClr val="accent1"/>
+          </a:fillRef>
+          <a:effectRef idx="0">
+            <a:schemeClr val="accent1"/>
+          </a:effectRef>
+          <a:fontRef idx="minor">
+            <a:schemeClr val="lt1"/>
+          </a:fontRef>
+        </p:style>
+        <p:txBody>
+          <a:bodyPr rtlCol="0" anchor="ctr"/>
+          <a:lstStyle/>
+          <a:p>
+            <a:pPr algn="ctr"/>
+            <a:endParaRPr lang="en-US" dirty="0"/>
+          </a:p>
+        </p:txBody>
+      </p:sp>
+      <p:sp>
+        <p:nvSpPr>
+          <p:cNvPr id="34" name="Snip Single Corner Rectangle 33">
+            <a:extLst>
+              <a:ext uri="{FF2B5EF4-FFF2-40B4-BE49-F238E27FC236}">
+                <a16:creationId xmlns:a16="http://schemas.microsoft.com/office/drawing/2014/main" id="{4C46BDEB-62E5-9A4D-AE18-B3189470BF72}"/>
+              </a:ext>
+            </a:extLst>
+          </p:cNvPr>
+          <p:cNvSpPr/>
+          <p:nvPr/>
+        </p:nvSpPr>
+        <p:spPr>
+          <a:xfrm>
+            <a:off x="6793057" y="34656"/>
+            <a:ext cx="1434353" cy="347306"/>
+          </a:xfrm>
+          <a:custGeom>
+            <a:avLst/>
+            <a:gdLst>
+              <a:gd name="connsiteX0" fmla="*/ 0 w 1434353"/>
+              <a:gd name="connsiteY0" fmla="*/ 0 h 347306"/>
+              <a:gd name="connsiteX1" fmla="*/ 472587 w 1434353"/>
+              <a:gd name="connsiteY1" fmla="*/ 0 h 347306"/>
+              <a:gd name="connsiteX2" fmla="*/ 958939 w 1434353"/>
+              <a:gd name="connsiteY2" fmla="*/ 0 h 347306"/>
+              <a:gd name="connsiteX3" fmla="*/ 1376468 w 1434353"/>
+              <a:gd name="connsiteY3" fmla="*/ 0 h 347306"/>
+              <a:gd name="connsiteX4" fmla="*/ 1434353 w 1434353"/>
+              <a:gd name="connsiteY4" fmla="*/ 57885 h 347306"/>
+              <a:gd name="connsiteX5" fmla="*/ 1434353 w 1434353"/>
+              <a:gd name="connsiteY5" fmla="*/ 347306 h 347306"/>
+              <a:gd name="connsiteX6" fmla="*/ 941892 w 1434353"/>
+              <a:gd name="connsiteY6" fmla="*/ 347306 h 347306"/>
+              <a:gd name="connsiteX7" fmla="*/ 492461 w 1434353"/>
+              <a:gd name="connsiteY7" fmla="*/ 347306 h 347306"/>
+              <a:gd name="connsiteX8" fmla="*/ 0 w 1434353"/>
+              <a:gd name="connsiteY8" fmla="*/ 347306 h 347306"/>
+              <a:gd name="connsiteX9" fmla="*/ 0 w 1434353"/>
+              <a:gd name="connsiteY9" fmla="*/ 0 h 347306"/>
+            </a:gdLst>
+            <a:ahLst/>
+            <a:cxnLst>
+              <a:cxn ang="0">
+                <a:pos x="connsiteX0" y="connsiteY0"/>
+              </a:cxn>
+              <a:cxn ang="0">
+                <a:pos x="connsiteX1" y="connsiteY1"/>
+              </a:cxn>
+              <a:cxn ang="0">
+                <a:pos x="connsiteX2" y="connsiteY2"/>
+              </a:cxn>
+              <a:cxn ang="0">
+                <a:pos x="connsiteX3" y="connsiteY3"/>
+              </a:cxn>
+              <a:cxn ang="0">
+                <a:pos x="connsiteX4" y="connsiteY4"/>
+              </a:cxn>
+              <a:cxn ang="0">
+                <a:pos x="connsiteX5" y="connsiteY5"/>
+              </a:cxn>
+              <a:cxn ang="0">
+                <a:pos x="connsiteX6" y="connsiteY6"/>
+              </a:cxn>
+              <a:cxn ang="0">
+                <a:pos x="connsiteX7" y="connsiteY7"/>
+              </a:cxn>
+              <a:cxn ang="0">
+                <a:pos x="connsiteX8" y="connsiteY8"/>
+              </a:cxn>
+              <a:cxn ang="0">
+                <a:pos x="connsiteX9" y="connsiteY9"/>
+              </a:cxn>
+            </a:cxnLst>
+            <a:rect l="l" t="t" r="r" b="b"/>
+            <a:pathLst>
+              <a:path w="1434353" h="347306" fill="none" extrusionOk="0">
+                <a:moveTo>
+                  <a:pt x="0" y="0"/>
+                </a:moveTo>
+                <a:cubicBezTo>
+                  <a:pt x="200995" y="-1007"/>
+                  <a:pt x="362816" y="23958"/>
+                  <a:pt x="472587" y="0"/>
+                </a:cubicBezTo>
+                <a:cubicBezTo>
+                  <a:pt x="582358" y="-23958"/>
+                  <a:pt x="823162" y="19280"/>
+                  <a:pt x="958939" y="0"/>
+                </a:cubicBezTo>
+                <a:cubicBezTo>
+                  <a:pt x="1094716" y="-19280"/>
+                  <a:pt x="1250182" y="36754"/>
+                  <a:pt x="1376468" y="0"/>
+                </a:cubicBezTo>
+                <a:cubicBezTo>
+                  <a:pt x="1402408" y="13392"/>
+                  <a:pt x="1409870" y="37293"/>
+                  <a:pt x="1434353" y="57885"/>
+                </a:cubicBezTo>
+                <a:cubicBezTo>
+                  <a:pt x="1448767" y="157763"/>
+                  <a:pt x="1417497" y="207287"/>
+                  <a:pt x="1434353" y="347306"/>
+                </a:cubicBezTo>
+                <a:cubicBezTo>
+                  <a:pt x="1265978" y="397232"/>
+                  <a:pt x="1124691" y="292825"/>
+                  <a:pt x="941892" y="347306"/>
+                </a:cubicBezTo>
+                <a:cubicBezTo>
+                  <a:pt x="759093" y="401787"/>
+                  <a:pt x="664135" y="342517"/>
+                  <a:pt x="492461" y="347306"/>
+                </a:cubicBezTo>
+                <a:cubicBezTo>
+                  <a:pt x="320787" y="352095"/>
+                  <a:pt x="123755" y="296831"/>
+                  <a:pt x="0" y="347306"/>
+                </a:cubicBezTo>
+                <a:cubicBezTo>
+                  <a:pt x="-21744" y="174701"/>
+                  <a:pt x="19908" y="148996"/>
+                  <a:pt x="0" y="0"/>
+                </a:cubicBezTo>
+                <a:close/>
+              </a:path>
+              <a:path w="1434353" h="347306" stroke="0" extrusionOk="0">
+                <a:moveTo>
+                  <a:pt x="0" y="0"/>
+                </a:moveTo>
+                <a:cubicBezTo>
+                  <a:pt x="108209" y="-22942"/>
+                  <a:pt x="325533" y="50366"/>
+                  <a:pt x="445058" y="0"/>
+                </a:cubicBezTo>
+                <a:cubicBezTo>
+                  <a:pt x="564583" y="-50366"/>
+                  <a:pt x="756251" y="13106"/>
+                  <a:pt x="862587" y="0"/>
+                </a:cubicBezTo>
+                <a:cubicBezTo>
+                  <a:pt x="968923" y="-13106"/>
+                  <a:pt x="1127664" y="15872"/>
+                  <a:pt x="1376468" y="0"/>
+                </a:cubicBezTo>
+                <a:cubicBezTo>
+                  <a:pt x="1398434" y="10821"/>
+                  <a:pt x="1416208" y="51176"/>
+                  <a:pt x="1434353" y="57885"/>
+                </a:cubicBezTo>
+                <a:cubicBezTo>
+                  <a:pt x="1454737" y="194265"/>
+                  <a:pt x="1403380" y="288540"/>
+                  <a:pt x="1434353" y="347306"/>
+                </a:cubicBezTo>
+                <a:cubicBezTo>
+                  <a:pt x="1238643" y="386889"/>
+                  <a:pt x="1029624" y="288834"/>
+                  <a:pt x="927548" y="347306"/>
+                </a:cubicBezTo>
+                <a:cubicBezTo>
+                  <a:pt x="825472" y="405778"/>
+                  <a:pt x="597715" y="301783"/>
+                  <a:pt x="420744" y="347306"/>
+                </a:cubicBezTo>
+                <a:cubicBezTo>
+                  <a:pt x="243773" y="392829"/>
+                  <a:pt x="102236" y="341959"/>
+                  <a:pt x="0" y="347306"/>
+                </a:cubicBezTo>
+                <a:cubicBezTo>
+                  <a:pt x="-21393" y="262562"/>
+                  <a:pt x="19565" y="131335"/>
+                  <a:pt x="0" y="0"/>
+                </a:cubicBezTo>
+                <a:close/>
+              </a:path>
+            </a:pathLst>
+          </a:custGeom>
+          <a:solidFill>
+            <a:schemeClr val="bg2"/>
+          </a:solidFill>
+          <a:ln>
+            <a:solidFill>
+              <a:schemeClr val="accent1">
+                <a:shade val="50000"/>
+              </a:schemeClr>
+            </a:solidFill>
+            <a:extLst>
+              <a:ext uri="{C807C97D-BFC1-408E-A445-0C87EB9F89A2}">
+                <ask:lineSketchStyleProps xmlns:ask="http://schemas.microsoft.com/office/drawing/2018/sketchyshapes" sd="1219033472">
+                  <a:prstGeom prst="snip1Rect">
+                    <a:avLst/>
+                  </a:prstGeom>
+                  <ask:type>
+                    <ask:lineSketchScribble/>
+                  </ask:type>
+                </ask:lineSketchStyleProps>
+              </a:ext>
+            </a:extLst>
+          </a:ln>
+        </p:spPr>
+        <p:style>
+          <a:lnRef idx="2">
+            <a:schemeClr val="accent1">
+              <a:shade val="50000"/>
+            </a:schemeClr>
+          </a:lnRef>
+          <a:fillRef idx="1">
+            <a:schemeClr val="accent1"/>
+          </a:fillRef>
+          <a:effectRef idx="0">
+            <a:schemeClr val="accent1"/>
+          </a:effectRef>
+          <a:fontRef idx="minor">
+            <a:schemeClr val="lt1"/>
+          </a:fontRef>
+        </p:style>
+        <p:txBody>
+          <a:bodyPr rtlCol="0" anchor="ctr"/>
+          <a:lstStyle/>
+          <a:p>
+            <a:pPr algn="ctr"/>
+            <a:r>
+              <a:rPr lang="en-US" sz="1600" dirty="0">
+                <a:solidFill>
+                  <a:srgbClr val="C00000"/>
+                </a:solidFill>
+              </a:rPr>
+              <a:t>iter8</a:t>
+            </a:r>
+          </a:p>
+        </p:txBody>
+      </p:sp>
+      <p:pic>
+        <p:nvPicPr>
+          <p:cNvPr id="35" name="Picture 4" descr="iter8-tools · GitHub">
+            <a:extLst>
+              <a:ext uri="{FF2B5EF4-FFF2-40B4-BE49-F238E27FC236}">
+                <a16:creationId xmlns:a16="http://schemas.microsoft.com/office/drawing/2014/main" id="{B7B4C944-EB76-D446-9652-1428C2FD2D9D}"/>
+              </a:ext>
+            </a:extLst>
+          </p:cNvPr>
+          <p:cNvPicPr>
+            <a:picLocks noChangeAspect="1" noChangeArrowheads="1"/>
+          </p:cNvPicPr>
+          <p:nvPr/>
+        </p:nvPicPr>
+        <p:blipFill>
+          <a:blip r:embed="rId3">
+            <a:extLst>
+              <a:ext uri="{28A0092B-C50C-407E-A947-70E740481C1C}">
+                <a14:useLocalDpi xmlns:a14="http://schemas.microsoft.com/office/drawing/2010/main" val="0"/>
+              </a:ext>
+            </a:extLst>
+          </a:blip>
+          <a:srcRect/>
+          <a:stretch>
+            <a:fillRect/>
+          </a:stretch>
+        </p:blipFill>
+        <p:spPr bwMode="auto">
+          <a:xfrm>
+            <a:off x="6862418" y="433139"/>
+            <a:ext cx="347306" cy="347306"/>
+          </a:xfrm>
+          <a:prstGeom prst="rect">
+            <a:avLst/>
+          </a:prstGeom>
+          <a:noFill/>
+          <a:extLst>
+            <a:ext uri="{909E8E84-426E-40DD-AFC4-6F175D3DCCD1}">
+              <a14:hiddenFill xmlns:a14="http://schemas.microsoft.com/office/drawing/2010/main">
+                <a:solidFill>
+                  <a:srgbClr val="FFFFFF"/>
+                </a:solidFill>
+              </a14:hiddenFill>
+            </a:ext>
+          </a:extLst>
+        </p:spPr>
+      </p:pic>
+      <p:cxnSp>
+        <p:nvCxnSpPr>
+          <p:cNvPr id="36" name="Straight Connector 35">
+            <a:extLst>
+              <a:ext uri="{FF2B5EF4-FFF2-40B4-BE49-F238E27FC236}">
+                <a16:creationId xmlns:a16="http://schemas.microsoft.com/office/drawing/2014/main" id="{9DDE5D32-3C91-5642-A081-08D478D0509E}"/>
+              </a:ext>
+            </a:extLst>
+          </p:cNvPr>
+          <p:cNvCxnSpPr>
+            <a:cxnSpLocks/>
+          </p:cNvCxnSpPr>
+          <p:nvPr/>
+        </p:nvCxnSpPr>
+        <p:spPr>
+          <a:xfrm flipH="1">
+            <a:off x="1228754" y="1517884"/>
+            <a:ext cx="6068" cy="4963189"/>
+          </a:xfrm>
+          <a:prstGeom prst="line">
+            <a:avLst/>
+          </a:prstGeom>
+          <a:ln w="15875">
+            <a:prstDash val="lgDash"/>
+          </a:ln>
+        </p:spPr>
+        <p:style>
+          <a:lnRef idx="1">
+            <a:schemeClr val="accent1"/>
+          </a:lnRef>
+          <a:fillRef idx="0">
+            <a:schemeClr val="accent1"/>
+          </a:fillRef>
+          <a:effectRef idx="0">
+            <a:schemeClr val="accent1"/>
+          </a:effectRef>
+          <a:fontRef idx="minor">
+            <a:schemeClr val="tx1"/>
+          </a:fontRef>
+        </p:style>
+      </p:cxnSp>
+      <p:cxnSp>
+        <p:nvCxnSpPr>
+          <p:cNvPr id="38" name="Straight Connector 37">
+            <a:extLst>
+              <a:ext uri="{FF2B5EF4-FFF2-40B4-BE49-F238E27FC236}">
+                <a16:creationId xmlns:a16="http://schemas.microsoft.com/office/drawing/2014/main" id="{C0659879-DB60-744E-B8B1-56DBAE20324A}"/>
+              </a:ext>
+            </a:extLst>
+          </p:cNvPr>
+          <p:cNvCxnSpPr>
+            <a:cxnSpLocks/>
+          </p:cNvCxnSpPr>
+          <p:nvPr/>
+        </p:nvCxnSpPr>
+        <p:spPr>
+          <a:xfrm flipH="1">
+            <a:off x="3098126" y="1526849"/>
+            <a:ext cx="17585" cy="4963189"/>
+          </a:xfrm>
+          <a:prstGeom prst="line">
+            <a:avLst/>
+          </a:prstGeom>
+          <a:ln w="15875">
+            <a:prstDash val="lgDash"/>
+          </a:ln>
+        </p:spPr>
+        <p:style>
+          <a:lnRef idx="1">
+            <a:schemeClr val="accent1"/>
+          </a:lnRef>
+          <a:fillRef idx="0">
+            <a:schemeClr val="accent1"/>
+          </a:fillRef>
+          <a:effectRef idx="0">
+            <a:schemeClr val="accent1"/>
+          </a:effectRef>
+          <a:fontRef idx="minor">
+            <a:schemeClr val="tx1"/>
+          </a:fontRef>
+        </p:style>
+      </p:cxnSp>
+      <p:cxnSp>
+        <p:nvCxnSpPr>
+          <p:cNvPr id="39" name="Straight Connector 38">
+            <a:extLst>
+              <a:ext uri="{FF2B5EF4-FFF2-40B4-BE49-F238E27FC236}">
+                <a16:creationId xmlns:a16="http://schemas.microsoft.com/office/drawing/2014/main" id="{77A9C350-E645-204D-B08C-B6612B06B61A}"/>
+              </a:ext>
+            </a:extLst>
+          </p:cNvPr>
+          <p:cNvCxnSpPr/>
+          <p:nvPr/>
+        </p:nvCxnSpPr>
+        <p:spPr>
+          <a:xfrm flipH="1">
+            <a:off x="5012455" y="1517884"/>
+            <a:ext cx="27126" cy="4945259"/>
+          </a:xfrm>
+          <a:prstGeom prst="line">
+            <a:avLst/>
+          </a:prstGeom>
+          <a:ln w="15875">
+            <a:prstDash val="lgDash"/>
+          </a:ln>
+        </p:spPr>
+        <p:style>
+          <a:lnRef idx="1">
+            <a:schemeClr val="accent1"/>
+          </a:lnRef>
+          <a:fillRef idx="0">
+            <a:schemeClr val="accent1"/>
+          </a:fillRef>
+          <a:effectRef idx="0">
+            <a:schemeClr val="accent1"/>
+          </a:effectRef>
+          <a:fontRef idx="minor">
+            <a:schemeClr val="tx1"/>
+          </a:fontRef>
+        </p:style>
+      </p:cxnSp>
+      <p:cxnSp>
+        <p:nvCxnSpPr>
+          <p:cNvPr id="40" name="Straight Connector 39">
+            <a:extLst>
+              <a:ext uri="{FF2B5EF4-FFF2-40B4-BE49-F238E27FC236}">
+                <a16:creationId xmlns:a16="http://schemas.microsoft.com/office/drawing/2014/main" id="{21B56E5D-4857-8A49-960C-719B3BF77264}"/>
+              </a:ext>
+            </a:extLst>
+          </p:cNvPr>
+          <p:cNvCxnSpPr/>
+          <p:nvPr/>
+        </p:nvCxnSpPr>
+        <p:spPr>
+          <a:xfrm flipH="1">
+            <a:off x="7249251" y="1526849"/>
+            <a:ext cx="27126" cy="4945259"/>
+          </a:xfrm>
+          <a:prstGeom prst="line">
+            <a:avLst/>
+          </a:prstGeom>
+          <a:ln w="15875">
+            <a:prstDash val="lgDash"/>
+          </a:ln>
+        </p:spPr>
+        <p:style>
+          <a:lnRef idx="1">
+            <a:schemeClr val="accent1"/>
+          </a:lnRef>
+          <a:fillRef idx="0">
+            <a:schemeClr val="accent1"/>
+          </a:fillRef>
+          <a:effectRef idx="0">
+            <a:schemeClr val="accent1"/>
+          </a:effectRef>
+          <a:fontRef idx="minor">
+            <a:schemeClr val="tx1"/>
+          </a:fontRef>
+        </p:style>
+      </p:cxnSp>
+      <p:cxnSp>
+        <p:nvCxnSpPr>
+          <p:cNvPr id="41" name="Straight Connector 40">
+            <a:extLst>
+              <a:ext uri="{FF2B5EF4-FFF2-40B4-BE49-F238E27FC236}">
+                <a16:creationId xmlns:a16="http://schemas.microsoft.com/office/drawing/2014/main" id="{3824F241-70CF-9D4E-8E7C-A8488496A47D}"/>
+              </a:ext>
+            </a:extLst>
+          </p:cNvPr>
+          <p:cNvCxnSpPr>
+            <a:cxnSpLocks/>
+          </p:cNvCxnSpPr>
+          <p:nvPr/>
+        </p:nvCxnSpPr>
+        <p:spPr>
+          <a:xfrm flipH="1">
+            <a:off x="9184815" y="1535814"/>
+            <a:ext cx="27126" cy="4945259"/>
+          </a:xfrm>
+          <a:prstGeom prst="line">
+            <a:avLst/>
+          </a:prstGeom>
+          <a:ln w="15875">
+            <a:prstDash val="lgDash"/>
+          </a:ln>
+        </p:spPr>
+        <p:style>
+          <a:lnRef idx="1">
+            <a:schemeClr val="accent1"/>
+          </a:lnRef>
+          <a:fillRef idx="0">
+            <a:schemeClr val="accent1"/>
+          </a:fillRef>
+          <a:effectRef idx="0">
+            <a:schemeClr val="accent1"/>
+          </a:effectRef>
+          <a:fontRef idx="minor">
+            <a:schemeClr val="tx1"/>
+          </a:fontRef>
+        </p:style>
+      </p:cxnSp>
+      <p:cxnSp>
+        <p:nvCxnSpPr>
+          <p:cNvPr id="42" name="Straight Connector 41">
+            <a:extLst>
+              <a:ext uri="{FF2B5EF4-FFF2-40B4-BE49-F238E27FC236}">
+                <a16:creationId xmlns:a16="http://schemas.microsoft.com/office/drawing/2014/main" id="{03B1AC7F-3581-DB41-A4C4-109C1E5534B0}"/>
+              </a:ext>
+            </a:extLst>
+          </p:cNvPr>
+          <p:cNvCxnSpPr>
+            <a:cxnSpLocks/>
+          </p:cNvCxnSpPr>
+          <p:nvPr/>
+        </p:nvCxnSpPr>
+        <p:spPr>
+          <a:xfrm flipH="1">
+            <a:off x="11049615" y="1535814"/>
+            <a:ext cx="27126" cy="4945259"/>
+          </a:xfrm>
+          <a:prstGeom prst="line">
+            <a:avLst/>
+          </a:prstGeom>
+          <a:ln w="15875">
+            <a:prstDash val="lgDash"/>
+          </a:ln>
+        </p:spPr>
+        <p:style>
+          <a:lnRef idx="1">
+            <a:schemeClr val="accent1"/>
+          </a:lnRef>
+          <a:fillRef idx="0">
+            <a:schemeClr val="accent1"/>
+          </a:fillRef>
+          <a:effectRef idx="0">
+            <a:schemeClr val="accent1"/>
+          </a:effectRef>
+          <a:fontRef idx="minor">
+            <a:schemeClr val="tx1"/>
+          </a:fontRef>
+        </p:style>
+      </p:cxnSp>
+      <p:cxnSp>
+        <p:nvCxnSpPr>
+          <p:cNvPr id="44" name="Straight Arrow Connector 43">
+            <a:extLst>
+              <a:ext uri="{FF2B5EF4-FFF2-40B4-BE49-F238E27FC236}">
+                <a16:creationId xmlns:a16="http://schemas.microsoft.com/office/drawing/2014/main" id="{89903F70-9B94-EF41-BB1A-7C58B3C8DD24}"/>
+              </a:ext>
+            </a:extLst>
+          </p:cNvPr>
+          <p:cNvCxnSpPr>
+            <a:cxnSpLocks/>
+          </p:cNvCxnSpPr>
+          <p:nvPr/>
+        </p:nvCxnSpPr>
+        <p:spPr>
+          <a:xfrm>
+            <a:off x="234015" y="1756063"/>
+            <a:ext cx="996541" cy="0"/>
+          </a:xfrm>
+          <a:prstGeom prst="straightConnector1">
+            <a:avLst/>
+          </a:prstGeom>
+          <a:ln>
+            <a:tailEnd type="stealth" w="lg" len="lg"/>
+          </a:ln>
+        </p:spPr>
+        <p:style>
+          <a:lnRef idx="1">
+            <a:schemeClr val="accent1"/>
+          </a:lnRef>
+          <a:fillRef idx="0">
+            <a:schemeClr val="accent1"/>
+          </a:fillRef>
+          <a:effectRef idx="0">
+            <a:schemeClr val="accent1"/>
+          </a:effectRef>
+          <a:fontRef idx="minor">
+            <a:schemeClr val="tx1"/>
+          </a:fontRef>
+        </p:style>
+      </p:cxnSp>
+      <p:sp>
+        <p:nvSpPr>
+          <p:cNvPr id="45" name="TextBox 44">
+            <a:extLst>
+              <a:ext uri="{FF2B5EF4-FFF2-40B4-BE49-F238E27FC236}">
+                <a16:creationId xmlns:a16="http://schemas.microsoft.com/office/drawing/2014/main" id="{8328B274-C776-7347-B0CE-405A9D2DBFA4}"/>
+              </a:ext>
+            </a:extLst>
+          </p:cNvPr>
+          <p:cNvSpPr txBox="1"/>
+          <p:nvPr/>
+        </p:nvSpPr>
+        <p:spPr>
+          <a:xfrm>
+            <a:off x="333494" y="1764256"/>
+            <a:ext cx="730906" cy="338554"/>
+          </a:xfrm>
+          <a:prstGeom prst="rect">
+            <a:avLst/>
+          </a:prstGeom>
+          <a:solidFill>
+            <a:schemeClr val="accent3">
+              <a:lumMod val="20000"/>
+              <a:lumOff val="80000"/>
+            </a:schemeClr>
+          </a:solidFill>
+        </p:spPr>
+        <p:txBody>
+          <a:bodyPr wrap="none" rtlCol="0">
+            <a:spAutoFit/>
+          </a:bodyPr>
+          <a:lstStyle/>
+          <a:p>
+            <a:r>
+              <a:rPr lang="en-US" sz="1600" dirty="0"/>
+              <a:t>Create</a:t>
+            </a:r>
+          </a:p>
+        </p:txBody>
+      </p:sp>
+      <p:cxnSp>
+        <p:nvCxnSpPr>
+          <p:cNvPr id="47" name="Straight Arrow Connector 46">
+            <a:extLst>
+              <a:ext uri="{FF2B5EF4-FFF2-40B4-BE49-F238E27FC236}">
+                <a16:creationId xmlns:a16="http://schemas.microsoft.com/office/drawing/2014/main" id="{2E8F02D5-9294-2645-8E21-00D00C299F77}"/>
+              </a:ext>
+            </a:extLst>
+          </p:cNvPr>
+          <p:cNvCxnSpPr>
+            <a:cxnSpLocks/>
+          </p:cNvCxnSpPr>
+          <p:nvPr/>
+        </p:nvCxnSpPr>
+        <p:spPr>
+          <a:xfrm>
+            <a:off x="2175881" y="1874933"/>
+            <a:ext cx="908438" cy="0"/>
+          </a:xfrm>
+          <a:prstGeom prst="straightConnector1">
+            <a:avLst/>
+          </a:prstGeom>
+          <a:ln>
+            <a:tailEnd type="stealth" w="lg" len="lg"/>
+          </a:ln>
+        </p:spPr>
+        <p:style>
+          <a:lnRef idx="1">
+            <a:schemeClr val="accent1"/>
+          </a:lnRef>
+          <a:fillRef idx="0">
+            <a:schemeClr val="accent1"/>
+          </a:fillRef>
+          <a:effectRef idx="0">
+            <a:schemeClr val="accent1"/>
+          </a:effectRef>
+          <a:fontRef idx="minor">
+            <a:schemeClr val="tx1"/>
+          </a:fontRef>
+        </p:style>
+      </p:cxnSp>
+      <p:sp>
+        <p:nvSpPr>
+          <p:cNvPr id="48" name="TextBox 47">
+            <a:extLst>
+              <a:ext uri="{FF2B5EF4-FFF2-40B4-BE49-F238E27FC236}">
+                <a16:creationId xmlns:a16="http://schemas.microsoft.com/office/drawing/2014/main" id="{79EC91BC-8143-6B4A-902E-55DB5B5C924F}"/>
+              </a:ext>
+            </a:extLst>
+          </p:cNvPr>
+          <p:cNvSpPr txBox="1"/>
+          <p:nvPr/>
+        </p:nvSpPr>
+        <p:spPr>
+          <a:xfrm>
+            <a:off x="2264647" y="1882406"/>
+            <a:ext cx="730906" cy="338554"/>
+          </a:xfrm>
+          <a:prstGeom prst="rect">
+            <a:avLst/>
+          </a:prstGeom>
+          <a:solidFill>
+            <a:schemeClr val="accent3">
+              <a:lumMod val="20000"/>
+              <a:lumOff val="80000"/>
+            </a:schemeClr>
+          </a:solidFill>
+        </p:spPr>
+        <p:txBody>
+          <a:bodyPr wrap="none" rtlCol="0">
+            <a:spAutoFit/>
+          </a:bodyPr>
+          <a:lstStyle/>
+          <a:p>
+            <a:r>
+              <a:rPr lang="en-US" sz="1600" dirty="0"/>
+              <a:t>Create</a:t>
+            </a:r>
+          </a:p>
+        </p:txBody>
+      </p:sp>
+      <p:sp>
+        <p:nvSpPr>
+          <p:cNvPr id="56" name="Rectangle 55">
+            <a:extLst>
+              <a:ext uri="{FF2B5EF4-FFF2-40B4-BE49-F238E27FC236}">
+                <a16:creationId xmlns:a16="http://schemas.microsoft.com/office/drawing/2014/main" id="{946053E0-AE2C-9948-9E18-EBC011C1D6DD}"/>
+              </a:ext>
+            </a:extLst>
+          </p:cNvPr>
+          <p:cNvSpPr/>
+          <p:nvPr/>
+        </p:nvSpPr>
+        <p:spPr>
+          <a:xfrm flipH="1">
+            <a:off x="4958904" y="1901533"/>
+            <a:ext cx="136342" cy="3740732"/>
+          </a:xfrm>
+          <a:prstGeom prst="rect">
+            <a:avLst/>
+          </a:prstGeom>
+          <a:solidFill>
+            <a:srgbClr val="C00000">
+              <a:alpha val="10000"/>
+            </a:srgbClr>
+          </a:solidFill>
+        </p:spPr>
+        <p:style>
+          <a:lnRef idx="2">
+            <a:schemeClr val="accent1">
+              <a:shade val="50000"/>
+            </a:schemeClr>
+          </a:lnRef>
+          <a:fillRef idx="1">
+            <a:schemeClr val="accent1"/>
+          </a:fillRef>
+          <a:effectRef idx="0">
+            <a:schemeClr val="accent1"/>
+          </a:effectRef>
+          <a:fontRef idx="minor">
+            <a:schemeClr val="lt1"/>
+          </a:fontRef>
+        </p:style>
+        <p:txBody>
+          <a:bodyPr rtlCol="0" anchor="ctr"/>
+          <a:lstStyle/>
+          <a:p>
+            <a:pPr algn="ctr"/>
+            <a:endParaRPr lang="en-US"/>
+          </a:p>
+        </p:txBody>
+      </p:sp>
+      <p:cxnSp>
+        <p:nvCxnSpPr>
+          <p:cNvPr id="57" name="Straight Arrow Connector 56">
+            <a:extLst>
+              <a:ext uri="{FF2B5EF4-FFF2-40B4-BE49-F238E27FC236}">
+                <a16:creationId xmlns:a16="http://schemas.microsoft.com/office/drawing/2014/main" id="{B1FFEA84-0609-0F41-B104-DB11FA239423}"/>
+              </a:ext>
+            </a:extLst>
+          </p:cNvPr>
+          <p:cNvCxnSpPr>
+            <a:cxnSpLocks/>
+            <a:endCxn id="60" idx="0"/>
+          </p:cNvCxnSpPr>
+          <p:nvPr/>
+        </p:nvCxnSpPr>
+        <p:spPr>
+          <a:xfrm flipV="1">
+            <a:off x="5089394" y="1990861"/>
+            <a:ext cx="4122548" cy="16491"/>
+          </a:xfrm>
+          <a:prstGeom prst="straightConnector1">
+            <a:avLst/>
+          </a:prstGeom>
+          <a:ln>
+            <a:tailEnd type="stealth" w="lg" len="lg"/>
+          </a:ln>
+        </p:spPr>
+        <p:style>
+          <a:lnRef idx="1">
+            <a:schemeClr val="accent1"/>
+          </a:lnRef>
+          <a:fillRef idx="0">
+            <a:schemeClr val="accent1"/>
+          </a:fillRef>
+          <a:effectRef idx="0">
+            <a:schemeClr val="accent1"/>
+          </a:effectRef>
+          <a:fontRef idx="minor">
+            <a:schemeClr val="tx1"/>
+          </a:fontRef>
+        </p:style>
+      </p:cxnSp>
+      <p:sp>
+        <p:nvSpPr>
+          <p:cNvPr id="58" name="TextBox 57">
+            <a:extLst>
+              <a:ext uri="{FF2B5EF4-FFF2-40B4-BE49-F238E27FC236}">
+                <a16:creationId xmlns:a16="http://schemas.microsoft.com/office/drawing/2014/main" id="{6DB55FCC-E7FC-7A4A-BF99-462FAE96FB9A}"/>
+              </a:ext>
+            </a:extLst>
+          </p:cNvPr>
+          <p:cNvSpPr txBox="1"/>
+          <p:nvPr/>
+        </p:nvSpPr>
+        <p:spPr>
+          <a:xfrm>
+            <a:off x="6886814" y="2007352"/>
+            <a:ext cx="777777" cy="338554"/>
+          </a:xfrm>
+          <a:prstGeom prst="rect">
+            <a:avLst/>
+          </a:prstGeom>
+          <a:solidFill>
+            <a:schemeClr val="accent3">
+              <a:lumMod val="20000"/>
+              <a:lumOff val="80000"/>
+            </a:schemeClr>
+          </a:solidFill>
+        </p:spPr>
+        <p:txBody>
+          <a:bodyPr wrap="none" rtlCol="0">
+            <a:spAutoFit/>
+          </a:bodyPr>
+          <a:lstStyle/>
+          <a:p>
+            <a:r>
+              <a:rPr lang="en-US" sz="1600" dirty="0"/>
+              <a:t>Launch</a:t>
+            </a:r>
+          </a:p>
+        </p:txBody>
+      </p:sp>
+      <p:sp>
+        <p:nvSpPr>
+          <p:cNvPr id="60" name="Rectangle 59">
+            <a:extLst>
+              <a:ext uri="{FF2B5EF4-FFF2-40B4-BE49-F238E27FC236}">
+                <a16:creationId xmlns:a16="http://schemas.microsoft.com/office/drawing/2014/main" id="{4C50739F-BB42-334D-ACCD-8AF8F0D05672}"/>
+              </a:ext>
+            </a:extLst>
+          </p:cNvPr>
+          <p:cNvSpPr/>
+          <p:nvPr/>
+        </p:nvSpPr>
+        <p:spPr>
+          <a:xfrm flipH="1">
+            <a:off x="9139331" y="1990861"/>
+            <a:ext cx="145222" cy="902014"/>
+          </a:xfrm>
+          <a:prstGeom prst="rect">
+            <a:avLst/>
+          </a:prstGeom>
+          <a:solidFill>
+            <a:srgbClr val="C00000">
+              <a:alpha val="10000"/>
+            </a:srgbClr>
+          </a:solidFill>
+        </p:spPr>
+        <p:style>
+          <a:lnRef idx="2">
+            <a:schemeClr val="accent1">
+              <a:shade val="50000"/>
+            </a:schemeClr>
+          </a:lnRef>
+          <a:fillRef idx="1">
+            <a:schemeClr val="accent1"/>
+          </a:fillRef>
+          <a:effectRef idx="0">
+            <a:schemeClr val="accent1"/>
+          </a:effectRef>
+          <a:fontRef idx="minor">
+            <a:schemeClr val="lt1"/>
+          </a:fontRef>
+        </p:style>
+        <p:txBody>
+          <a:bodyPr rtlCol="0" anchor="ctr"/>
+          <a:lstStyle/>
+          <a:p>
+            <a:pPr algn="ctr"/>
+            <a:endParaRPr lang="en-US"/>
+          </a:p>
+        </p:txBody>
+      </p:sp>
+      <p:cxnSp>
+        <p:nvCxnSpPr>
+          <p:cNvPr id="66" name="Straight Arrow Connector 65">
+            <a:extLst>
+              <a:ext uri="{FF2B5EF4-FFF2-40B4-BE49-F238E27FC236}">
+                <a16:creationId xmlns:a16="http://schemas.microsoft.com/office/drawing/2014/main" id="{1E2DE27E-693B-9D47-AE18-01E319C2489B}"/>
+              </a:ext>
+            </a:extLst>
+          </p:cNvPr>
+          <p:cNvCxnSpPr>
+            <a:cxnSpLocks/>
+            <a:stCxn id="60" idx="2"/>
+          </p:cNvCxnSpPr>
+          <p:nvPr/>
+        </p:nvCxnSpPr>
+        <p:spPr>
+          <a:xfrm flipH="1">
+            <a:off x="3084319" y="2892875"/>
+            <a:ext cx="6127623" cy="7448"/>
+          </a:xfrm>
+          <a:prstGeom prst="straightConnector1">
+            <a:avLst/>
+          </a:prstGeom>
+          <a:ln>
+            <a:tailEnd type="stealth" w="lg" len="lg"/>
+          </a:ln>
+        </p:spPr>
+        <p:style>
+          <a:lnRef idx="1">
+            <a:schemeClr val="accent1"/>
+          </a:lnRef>
+          <a:fillRef idx="0">
+            <a:schemeClr val="accent1"/>
+          </a:fillRef>
+          <a:effectRef idx="0">
+            <a:schemeClr val="accent1"/>
+          </a:effectRef>
+          <a:fontRef idx="minor">
+            <a:schemeClr val="tx1"/>
+          </a:fontRef>
+        </p:style>
+      </p:cxnSp>
+      <p:sp>
+        <p:nvSpPr>
+          <p:cNvPr id="71" name="TextBox 70">
+            <a:extLst>
+              <a:ext uri="{FF2B5EF4-FFF2-40B4-BE49-F238E27FC236}">
+                <a16:creationId xmlns:a16="http://schemas.microsoft.com/office/drawing/2014/main" id="{48DB33F9-7AFB-164C-9C47-C777B12910B0}"/>
+              </a:ext>
+            </a:extLst>
+          </p:cNvPr>
+          <p:cNvSpPr txBox="1"/>
+          <p:nvPr/>
+        </p:nvSpPr>
+        <p:spPr>
+          <a:xfrm>
+            <a:off x="3566358" y="2901548"/>
+            <a:ext cx="5052477" cy="338554"/>
+          </a:xfrm>
+          <a:prstGeom prst="rect">
+            <a:avLst/>
+          </a:prstGeom>
+          <a:solidFill>
+            <a:schemeClr val="accent3">
+              <a:lumMod val="20000"/>
+              <a:lumOff val="80000"/>
+            </a:schemeClr>
+          </a:solidFill>
+        </p:spPr>
+        <p:txBody>
+          <a:bodyPr wrap="square" rtlCol="0">
+            <a:spAutoFit/>
+          </a:bodyPr>
+          <a:lstStyle/>
+          <a:p>
+            <a:pPr algn="ctr"/>
+            <a:r>
+              <a:rPr lang="en-US" sz="1600" dirty="0"/>
+              <a:t>Initialize variables/field references for traffic splitting</a:t>
+            </a:r>
+          </a:p>
+        </p:txBody>
+      </p:sp>
+      <p:sp>
+        <p:nvSpPr>
+          <p:cNvPr id="72" name="Rectangle 71">
+            <a:extLst>
+              <a:ext uri="{FF2B5EF4-FFF2-40B4-BE49-F238E27FC236}">
+                <a16:creationId xmlns:a16="http://schemas.microsoft.com/office/drawing/2014/main" id="{5272D436-1D97-744A-BF83-88B619DFB4C2}"/>
+              </a:ext>
+            </a:extLst>
+          </p:cNvPr>
+          <p:cNvSpPr/>
+          <p:nvPr/>
+        </p:nvSpPr>
+        <p:spPr>
+          <a:xfrm flipH="1">
+            <a:off x="7186677" y="3675972"/>
+            <a:ext cx="143415" cy="985890"/>
+          </a:xfrm>
+          <a:prstGeom prst="rect">
+            <a:avLst/>
+          </a:prstGeom>
+          <a:solidFill>
+            <a:srgbClr val="C00000">
+              <a:alpha val="10000"/>
+            </a:srgbClr>
+          </a:solidFill>
+        </p:spPr>
+        <p:style>
+          <a:lnRef idx="2">
+            <a:schemeClr val="accent1">
+              <a:shade val="50000"/>
+            </a:schemeClr>
+          </a:lnRef>
+          <a:fillRef idx="1">
+            <a:schemeClr val="accent1"/>
+          </a:fillRef>
+          <a:effectRef idx="0">
+            <a:schemeClr val="accent1"/>
+          </a:effectRef>
+          <a:fontRef idx="minor">
+            <a:schemeClr val="lt1"/>
+          </a:fontRef>
+        </p:style>
+        <p:txBody>
+          <a:bodyPr rtlCol="0" anchor="ctr"/>
+          <a:lstStyle/>
+          <a:p>
+            <a:pPr algn="ctr"/>
+            <a:endParaRPr lang="en-US"/>
+          </a:p>
+        </p:txBody>
+      </p:sp>
+      <p:sp>
+        <p:nvSpPr>
+          <p:cNvPr id="70" name="Rectangle 69">
+            <a:extLst>
+              <a:ext uri="{FF2B5EF4-FFF2-40B4-BE49-F238E27FC236}">
+                <a16:creationId xmlns:a16="http://schemas.microsoft.com/office/drawing/2014/main" id="{D1BDEAA5-F32A-D447-99FD-E8D3F51C3CB2}"/>
+              </a:ext>
+            </a:extLst>
+          </p:cNvPr>
+          <p:cNvSpPr/>
+          <p:nvPr/>
+        </p:nvSpPr>
+        <p:spPr>
+          <a:xfrm>
+            <a:off x="4876534" y="3234373"/>
+            <a:ext cx="4067742" cy="2407892"/>
+          </a:xfrm>
+          <a:prstGeom prst="rect">
+            <a:avLst/>
+          </a:prstGeom>
+          <a:solidFill>
+            <a:schemeClr val="accent6">
+              <a:lumMod val="20000"/>
+              <a:lumOff val="80000"/>
+              <a:alpha val="10000"/>
+            </a:schemeClr>
+          </a:solidFill>
+          <a:ln>
+            <a:noFill/>
+            <a:prstDash val="dash"/>
+          </a:ln>
+        </p:spPr>
+        <p:style>
+          <a:lnRef idx="2">
+            <a:schemeClr val="accent1">
+              <a:shade val="50000"/>
+            </a:schemeClr>
+          </a:lnRef>
+          <a:fillRef idx="1">
+            <a:schemeClr val="accent1"/>
+          </a:fillRef>
+          <a:effectRef idx="0">
+            <a:schemeClr val="accent1"/>
+          </a:effectRef>
+          <a:fontRef idx="minor">
+            <a:schemeClr val="lt1"/>
+          </a:fontRef>
+        </p:style>
+        <p:txBody>
+          <a:bodyPr rtlCol="0" anchor="ctr"/>
+          <a:lstStyle/>
+          <a:p>
+            <a:pPr algn="ctr"/>
+            <a:endParaRPr lang="en-US"/>
+          </a:p>
+        </p:txBody>
+      </p:sp>
+      <p:cxnSp>
+        <p:nvCxnSpPr>
+          <p:cNvPr id="75" name="Straight Arrow Connector 74">
+            <a:extLst>
+              <a:ext uri="{FF2B5EF4-FFF2-40B4-BE49-F238E27FC236}">
+                <a16:creationId xmlns:a16="http://schemas.microsoft.com/office/drawing/2014/main" id="{01ED7CEF-C649-CF40-B410-A7A9302F6650}"/>
+              </a:ext>
+            </a:extLst>
+          </p:cNvPr>
+          <p:cNvCxnSpPr>
+            <a:cxnSpLocks/>
+          </p:cNvCxnSpPr>
+          <p:nvPr/>
+        </p:nvCxnSpPr>
+        <p:spPr>
+          <a:xfrm>
+            <a:off x="5029195" y="3674643"/>
+            <a:ext cx="2247182" cy="0"/>
+          </a:xfrm>
+          <a:prstGeom prst="straightConnector1">
+            <a:avLst/>
+          </a:prstGeom>
+          <a:ln>
+            <a:tailEnd type="stealth" w="lg" len="lg"/>
+          </a:ln>
+        </p:spPr>
+        <p:style>
+          <a:lnRef idx="1">
+            <a:schemeClr val="accent1"/>
+          </a:lnRef>
+          <a:fillRef idx="0">
+            <a:schemeClr val="accent1"/>
+          </a:fillRef>
+          <a:effectRef idx="0">
+            <a:schemeClr val="accent1"/>
+          </a:effectRef>
+          <a:fontRef idx="minor">
+            <a:schemeClr val="tx1"/>
+          </a:fontRef>
+        </p:style>
+      </p:cxnSp>
+      <p:cxnSp>
+        <p:nvCxnSpPr>
+          <p:cNvPr id="77" name="Straight Arrow Connector 76">
+            <a:extLst>
+              <a:ext uri="{FF2B5EF4-FFF2-40B4-BE49-F238E27FC236}">
+                <a16:creationId xmlns:a16="http://schemas.microsoft.com/office/drawing/2014/main" id="{03615D93-0833-534C-A029-9D092072F8AD}"/>
+              </a:ext>
+            </a:extLst>
+          </p:cNvPr>
+          <p:cNvCxnSpPr>
+            <a:cxnSpLocks/>
+          </p:cNvCxnSpPr>
+          <p:nvPr/>
+        </p:nvCxnSpPr>
+        <p:spPr>
+          <a:xfrm flipH="1">
+            <a:off x="5012455" y="3761318"/>
+            <a:ext cx="2263922" cy="0"/>
+          </a:xfrm>
+          <a:prstGeom prst="straightConnector1">
+            <a:avLst/>
+          </a:prstGeom>
+          <a:ln>
+            <a:tailEnd type="stealth" w="lg" len="lg"/>
+          </a:ln>
+        </p:spPr>
+        <p:style>
+          <a:lnRef idx="1">
+            <a:schemeClr val="accent1"/>
+          </a:lnRef>
+          <a:fillRef idx="0">
+            <a:schemeClr val="accent1"/>
+          </a:fillRef>
+          <a:effectRef idx="0">
+            <a:schemeClr val="accent1"/>
+          </a:effectRef>
+          <a:fontRef idx="minor">
+            <a:schemeClr val="tx1"/>
+          </a:fontRef>
+        </p:style>
+      </p:cxnSp>
+      <p:cxnSp>
+        <p:nvCxnSpPr>
+          <p:cNvPr id="80" name="Straight Arrow Connector 79">
+            <a:extLst>
+              <a:ext uri="{FF2B5EF4-FFF2-40B4-BE49-F238E27FC236}">
+                <a16:creationId xmlns:a16="http://schemas.microsoft.com/office/drawing/2014/main" id="{F1C03B0C-9810-A945-AE0D-5372C365ABD2}"/>
+              </a:ext>
+            </a:extLst>
+          </p:cNvPr>
+          <p:cNvCxnSpPr>
+            <a:cxnSpLocks/>
+          </p:cNvCxnSpPr>
+          <p:nvPr/>
+        </p:nvCxnSpPr>
+        <p:spPr>
+          <a:xfrm>
+            <a:off x="5047951" y="4123058"/>
+            <a:ext cx="2282141" cy="0"/>
+          </a:xfrm>
+          <a:prstGeom prst="straightConnector1">
+            <a:avLst/>
+          </a:prstGeom>
+          <a:ln>
+            <a:tailEnd type="stealth" w="lg" len="lg"/>
+          </a:ln>
+        </p:spPr>
+        <p:style>
+          <a:lnRef idx="1">
+            <a:schemeClr val="accent1"/>
+          </a:lnRef>
+          <a:fillRef idx="0">
+            <a:schemeClr val="accent1"/>
+          </a:fillRef>
+          <a:effectRef idx="0">
+            <a:schemeClr val="accent1"/>
+          </a:effectRef>
+          <a:fontRef idx="minor">
+            <a:schemeClr val="tx1"/>
+          </a:fontRef>
+        </p:style>
+      </p:cxnSp>
+      <p:cxnSp>
+        <p:nvCxnSpPr>
+          <p:cNvPr id="81" name="Straight Arrow Connector 80">
+            <a:extLst>
+              <a:ext uri="{FF2B5EF4-FFF2-40B4-BE49-F238E27FC236}">
+                <a16:creationId xmlns:a16="http://schemas.microsoft.com/office/drawing/2014/main" id="{4C49FD1C-886E-F246-9BB9-FC4C10FC9CD5}"/>
+              </a:ext>
+            </a:extLst>
+          </p:cNvPr>
+          <p:cNvCxnSpPr>
+            <a:cxnSpLocks/>
+          </p:cNvCxnSpPr>
+          <p:nvPr/>
+        </p:nvCxnSpPr>
+        <p:spPr>
+          <a:xfrm flipH="1">
+            <a:off x="5020825" y="4204663"/>
+            <a:ext cx="2228426" cy="0"/>
+          </a:xfrm>
+          <a:prstGeom prst="straightConnector1">
+            <a:avLst/>
+          </a:prstGeom>
+          <a:ln>
+            <a:tailEnd type="stealth" w="lg" len="lg"/>
+          </a:ln>
+        </p:spPr>
+        <p:style>
+          <a:lnRef idx="1">
+            <a:schemeClr val="accent1"/>
+          </a:lnRef>
+          <a:fillRef idx="0">
+            <a:schemeClr val="accent1"/>
+          </a:fillRef>
+          <a:effectRef idx="0">
+            <a:schemeClr val="accent1"/>
+          </a:effectRef>
+          <a:fontRef idx="minor">
+            <a:schemeClr val="tx1"/>
+          </a:fontRef>
+        </p:style>
+      </p:cxnSp>
+      <p:cxnSp>
+        <p:nvCxnSpPr>
+          <p:cNvPr id="82" name="Straight Arrow Connector 81">
+            <a:extLst>
+              <a:ext uri="{FF2B5EF4-FFF2-40B4-BE49-F238E27FC236}">
+                <a16:creationId xmlns:a16="http://schemas.microsoft.com/office/drawing/2014/main" id="{81F06543-AB84-7E46-875F-26A89EDF2292}"/>
+              </a:ext>
+            </a:extLst>
+          </p:cNvPr>
+          <p:cNvCxnSpPr>
+            <a:cxnSpLocks/>
+          </p:cNvCxnSpPr>
+          <p:nvPr/>
+        </p:nvCxnSpPr>
+        <p:spPr>
+          <a:xfrm>
+            <a:off x="5015654" y="4569866"/>
+            <a:ext cx="2314438" cy="0"/>
+          </a:xfrm>
+          <a:prstGeom prst="straightConnector1">
+            <a:avLst/>
+          </a:prstGeom>
+          <a:ln>
+            <a:tailEnd type="stealth" w="lg" len="lg"/>
+          </a:ln>
+        </p:spPr>
+        <p:style>
+          <a:lnRef idx="1">
+            <a:schemeClr val="accent1"/>
+          </a:lnRef>
+          <a:fillRef idx="0">
+            <a:schemeClr val="accent1"/>
+          </a:fillRef>
+          <a:effectRef idx="0">
+            <a:schemeClr val="accent1"/>
+          </a:effectRef>
+          <a:fontRef idx="minor">
+            <a:schemeClr val="tx1"/>
+          </a:fontRef>
+        </p:style>
+      </p:cxnSp>
+      <p:cxnSp>
+        <p:nvCxnSpPr>
+          <p:cNvPr id="83" name="Straight Arrow Connector 82">
+            <a:extLst>
+              <a:ext uri="{FF2B5EF4-FFF2-40B4-BE49-F238E27FC236}">
+                <a16:creationId xmlns:a16="http://schemas.microsoft.com/office/drawing/2014/main" id="{47ED016C-6C28-7B4F-B73B-981C31A18F93}"/>
+              </a:ext>
+            </a:extLst>
+          </p:cNvPr>
+          <p:cNvCxnSpPr>
+            <a:cxnSpLocks/>
+          </p:cNvCxnSpPr>
+          <p:nvPr/>
+        </p:nvCxnSpPr>
+        <p:spPr>
+          <a:xfrm flipH="1">
+            <a:off x="4988528" y="4661862"/>
+            <a:ext cx="2287849" cy="0"/>
+          </a:xfrm>
+          <a:prstGeom prst="straightConnector1">
+            <a:avLst/>
+          </a:prstGeom>
+          <a:ln>
+            <a:tailEnd type="stealth" w="lg" len="lg"/>
+          </a:ln>
+        </p:spPr>
+        <p:style>
+          <a:lnRef idx="1">
+            <a:schemeClr val="accent1"/>
+          </a:lnRef>
+          <a:fillRef idx="0">
+            <a:schemeClr val="accent1"/>
+          </a:fillRef>
+          <a:effectRef idx="0">
+            <a:schemeClr val="accent1"/>
+          </a:effectRef>
+          <a:fontRef idx="minor">
+            <a:schemeClr val="tx1"/>
+          </a:fontRef>
+        </p:style>
+      </p:cxnSp>
+      <p:cxnSp>
+        <p:nvCxnSpPr>
+          <p:cNvPr id="84" name="Straight Arrow Connector 83">
+            <a:extLst>
+              <a:ext uri="{FF2B5EF4-FFF2-40B4-BE49-F238E27FC236}">
+                <a16:creationId xmlns:a16="http://schemas.microsoft.com/office/drawing/2014/main" id="{80554F1E-9BDB-8048-ADEF-03CFFBBFC20A}"/>
+              </a:ext>
+            </a:extLst>
+          </p:cNvPr>
+          <p:cNvCxnSpPr>
+            <a:cxnSpLocks/>
+          </p:cNvCxnSpPr>
+          <p:nvPr/>
+        </p:nvCxnSpPr>
+        <p:spPr>
+          <a:xfrm flipH="1">
+            <a:off x="1239739" y="3892746"/>
+            <a:ext cx="3799842" cy="0"/>
+          </a:xfrm>
+          <a:prstGeom prst="straightConnector1">
+            <a:avLst/>
+          </a:prstGeom>
+          <a:ln>
+            <a:tailEnd type="stealth" w="lg" len="lg"/>
+          </a:ln>
+        </p:spPr>
+        <p:style>
+          <a:lnRef idx="1">
+            <a:schemeClr val="accent1"/>
+          </a:lnRef>
+          <a:fillRef idx="0">
+            <a:schemeClr val="accent1"/>
+          </a:fillRef>
+          <a:effectRef idx="0">
+            <a:schemeClr val="accent1"/>
+          </a:effectRef>
+          <a:fontRef idx="minor">
+            <a:schemeClr val="tx1"/>
+          </a:fontRef>
+        </p:style>
+      </p:cxnSp>
+      <p:cxnSp>
+        <p:nvCxnSpPr>
+          <p:cNvPr id="85" name="Straight Arrow Connector 84">
+            <a:extLst>
+              <a:ext uri="{FF2B5EF4-FFF2-40B4-BE49-F238E27FC236}">
+                <a16:creationId xmlns:a16="http://schemas.microsoft.com/office/drawing/2014/main" id="{6207E577-2F49-B848-AB98-92E1EC541437}"/>
+              </a:ext>
+            </a:extLst>
+          </p:cNvPr>
+          <p:cNvCxnSpPr>
+            <a:cxnSpLocks/>
+          </p:cNvCxnSpPr>
+          <p:nvPr/>
+        </p:nvCxnSpPr>
+        <p:spPr>
+          <a:xfrm flipH="1">
+            <a:off x="1220983" y="4433265"/>
+            <a:ext cx="3799842" cy="0"/>
+          </a:xfrm>
+          <a:prstGeom prst="straightConnector1">
+            <a:avLst/>
+          </a:prstGeom>
+          <a:ln>
+            <a:tailEnd type="stealth" w="lg" len="lg"/>
+          </a:ln>
+        </p:spPr>
+        <p:style>
+          <a:lnRef idx="1">
+            <a:schemeClr val="accent1"/>
+          </a:lnRef>
+          <a:fillRef idx="0">
+            <a:schemeClr val="accent1"/>
+          </a:fillRef>
+          <a:effectRef idx="0">
+            <a:schemeClr val="accent1"/>
+          </a:effectRef>
+          <a:fontRef idx="minor">
+            <a:schemeClr val="tx1"/>
+          </a:fontRef>
+        </p:style>
+      </p:cxnSp>
+      <p:cxnSp>
+        <p:nvCxnSpPr>
+          <p:cNvPr id="86" name="Straight Arrow Connector 85">
+            <a:extLst>
+              <a:ext uri="{FF2B5EF4-FFF2-40B4-BE49-F238E27FC236}">
+                <a16:creationId xmlns:a16="http://schemas.microsoft.com/office/drawing/2014/main" id="{A9D35C7A-77E9-9D42-A3F1-1C09B235669F}"/>
+              </a:ext>
+            </a:extLst>
+          </p:cNvPr>
+          <p:cNvCxnSpPr>
+            <a:cxnSpLocks/>
+          </p:cNvCxnSpPr>
+          <p:nvPr/>
+        </p:nvCxnSpPr>
+        <p:spPr>
+          <a:xfrm flipH="1">
+            <a:off x="1246644" y="4942419"/>
+            <a:ext cx="3799842" cy="0"/>
+          </a:xfrm>
+          <a:prstGeom prst="straightConnector1">
+            <a:avLst/>
+          </a:prstGeom>
+          <a:ln>
+            <a:tailEnd type="stealth" w="lg" len="lg"/>
+          </a:ln>
+        </p:spPr>
+        <p:style>
+          <a:lnRef idx="1">
+            <a:schemeClr val="accent1"/>
+          </a:lnRef>
+          <a:fillRef idx="0">
+            <a:schemeClr val="accent1"/>
+          </a:fillRef>
+          <a:effectRef idx="0">
+            <a:schemeClr val="accent1"/>
+          </a:effectRef>
+          <a:fontRef idx="minor">
+            <a:schemeClr val="tx1"/>
+          </a:fontRef>
+        </p:style>
+      </p:cxnSp>
+      <p:sp>
+        <p:nvSpPr>
+          <p:cNvPr id="87" name="TextBox 86">
+            <a:extLst>
+              <a:ext uri="{FF2B5EF4-FFF2-40B4-BE49-F238E27FC236}">
+                <a16:creationId xmlns:a16="http://schemas.microsoft.com/office/drawing/2014/main" id="{D920C3A4-68CF-DA4F-9FED-796D6E07CBC0}"/>
+              </a:ext>
+            </a:extLst>
+          </p:cNvPr>
+          <p:cNvSpPr txBox="1"/>
+          <p:nvPr/>
+        </p:nvSpPr>
+        <p:spPr>
+          <a:xfrm>
+            <a:off x="1395848" y="4263986"/>
+            <a:ext cx="3438572" cy="338554"/>
+          </a:xfrm>
+          <a:prstGeom prst="rect">
+            <a:avLst/>
+          </a:prstGeom>
+          <a:solidFill>
+            <a:schemeClr val="accent3">
+              <a:lumMod val="20000"/>
+              <a:lumOff val="80000"/>
+            </a:schemeClr>
+          </a:solidFill>
+        </p:spPr>
+        <p:txBody>
+          <a:bodyPr wrap="square" rtlCol="0">
+            <a:spAutoFit/>
+          </a:bodyPr>
+          <a:lstStyle/>
+          <a:p>
+            <a:pPr algn="ctr"/>
+            <a:r>
+              <a:rPr lang="en-US" sz="1600" dirty="0"/>
+              <a:t>Periodically update traffic split</a:t>
+            </a:r>
+          </a:p>
+        </p:txBody>
+      </p:sp>
+      <p:cxnSp>
+        <p:nvCxnSpPr>
+          <p:cNvPr id="88" name="Straight Arrow Connector 87">
+            <a:extLst>
+              <a:ext uri="{FF2B5EF4-FFF2-40B4-BE49-F238E27FC236}">
+                <a16:creationId xmlns:a16="http://schemas.microsoft.com/office/drawing/2014/main" id="{87E0FF28-CB36-9C40-80A4-CE23C349855C}"/>
+              </a:ext>
+            </a:extLst>
+          </p:cNvPr>
+          <p:cNvCxnSpPr>
+            <a:cxnSpLocks/>
+          </p:cNvCxnSpPr>
+          <p:nvPr/>
+        </p:nvCxnSpPr>
+        <p:spPr>
+          <a:xfrm>
+            <a:off x="5089394" y="5082483"/>
+            <a:ext cx="5956699" cy="0"/>
+          </a:xfrm>
+          <a:prstGeom prst="straightConnector1">
+            <a:avLst/>
+          </a:prstGeom>
+          <a:ln>
+            <a:tailEnd type="stealth" w="lg" len="lg"/>
+          </a:ln>
+        </p:spPr>
+        <p:style>
+          <a:lnRef idx="1">
+            <a:schemeClr val="accent1"/>
+          </a:lnRef>
+          <a:fillRef idx="0">
+            <a:schemeClr val="accent1"/>
+          </a:fillRef>
+          <a:effectRef idx="0">
+            <a:schemeClr val="accent1"/>
+          </a:effectRef>
+          <a:fontRef idx="minor">
+            <a:schemeClr val="tx1"/>
+          </a:fontRef>
+        </p:style>
+      </p:cxnSp>
+      <p:sp>
+        <p:nvSpPr>
+          <p:cNvPr id="90" name="TextBox 89">
+            <a:extLst>
+              <a:ext uri="{FF2B5EF4-FFF2-40B4-BE49-F238E27FC236}">
+                <a16:creationId xmlns:a16="http://schemas.microsoft.com/office/drawing/2014/main" id="{7FA0712A-DD00-0749-80E5-C611D5E883B4}"/>
+              </a:ext>
+            </a:extLst>
+          </p:cNvPr>
+          <p:cNvSpPr txBox="1"/>
+          <p:nvPr/>
+        </p:nvSpPr>
+        <p:spPr>
+          <a:xfrm>
+            <a:off x="9787656" y="5091448"/>
+            <a:ext cx="777777" cy="338554"/>
+          </a:xfrm>
+          <a:prstGeom prst="rect">
+            <a:avLst/>
+          </a:prstGeom>
+          <a:solidFill>
+            <a:schemeClr val="accent3">
+              <a:lumMod val="20000"/>
+              <a:lumOff val="80000"/>
+            </a:schemeClr>
+          </a:solidFill>
+        </p:spPr>
+        <p:txBody>
+          <a:bodyPr wrap="none" rtlCol="0">
+            <a:spAutoFit/>
+          </a:bodyPr>
+          <a:lstStyle/>
+          <a:p>
+            <a:r>
+              <a:rPr lang="en-US" sz="1600" dirty="0"/>
+              <a:t>Launch</a:t>
+            </a:r>
+          </a:p>
+        </p:txBody>
+      </p:sp>
+      <p:sp>
+        <p:nvSpPr>
+          <p:cNvPr id="91" name="Rectangle 90">
+            <a:extLst>
+              <a:ext uri="{FF2B5EF4-FFF2-40B4-BE49-F238E27FC236}">
+                <a16:creationId xmlns:a16="http://schemas.microsoft.com/office/drawing/2014/main" id="{902335AD-7993-2F42-94C0-FE3D9032164F}"/>
+              </a:ext>
+            </a:extLst>
+          </p:cNvPr>
+          <p:cNvSpPr/>
+          <p:nvPr/>
+        </p:nvSpPr>
+        <p:spPr>
+          <a:xfrm flipH="1">
+            <a:off x="10971808" y="5082483"/>
+            <a:ext cx="169340" cy="467124"/>
+          </a:xfrm>
+          <a:prstGeom prst="rect">
+            <a:avLst/>
+          </a:prstGeom>
+          <a:solidFill>
+            <a:srgbClr val="C00000">
+              <a:alpha val="10000"/>
+            </a:srgbClr>
+          </a:solidFill>
+        </p:spPr>
+        <p:style>
+          <a:lnRef idx="2">
+            <a:schemeClr val="accent1">
+              <a:shade val="50000"/>
+            </a:schemeClr>
+          </a:lnRef>
+          <a:fillRef idx="1">
+            <a:schemeClr val="accent1"/>
+          </a:fillRef>
+          <a:effectRef idx="0">
+            <a:schemeClr val="accent1"/>
+          </a:effectRef>
+          <a:fontRef idx="minor">
+            <a:schemeClr val="lt1"/>
+          </a:fontRef>
+        </p:style>
+        <p:txBody>
+          <a:bodyPr rtlCol="0" anchor="ctr"/>
+          <a:lstStyle/>
+          <a:p>
+            <a:pPr algn="ctr"/>
+            <a:endParaRPr lang="en-US"/>
+          </a:p>
+        </p:txBody>
+      </p:sp>
+      <p:cxnSp>
+        <p:nvCxnSpPr>
+          <p:cNvPr id="92" name="Straight Arrow Connector 91">
+            <a:extLst>
+              <a:ext uri="{FF2B5EF4-FFF2-40B4-BE49-F238E27FC236}">
+                <a16:creationId xmlns:a16="http://schemas.microsoft.com/office/drawing/2014/main" id="{EB7C1426-2E3D-4547-A499-7DF81F1776FA}"/>
+              </a:ext>
+            </a:extLst>
+          </p:cNvPr>
+          <p:cNvCxnSpPr>
+            <a:cxnSpLocks/>
+            <a:stCxn id="91" idx="2"/>
+          </p:cNvCxnSpPr>
+          <p:nvPr/>
+        </p:nvCxnSpPr>
+        <p:spPr>
+          <a:xfrm flipH="1">
+            <a:off x="1246646" y="5549607"/>
+            <a:ext cx="9809832" cy="0"/>
+          </a:xfrm>
+          <a:prstGeom prst="straightConnector1">
+            <a:avLst/>
+          </a:prstGeom>
+          <a:ln>
+            <a:tailEnd type="stealth" w="lg" len="lg"/>
+          </a:ln>
+        </p:spPr>
+        <p:style>
+          <a:lnRef idx="1">
+            <a:schemeClr val="accent1"/>
+          </a:lnRef>
+          <a:fillRef idx="0">
+            <a:schemeClr val="accent1"/>
+          </a:fillRef>
+          <a:effectRef idx="0">
+            <a:schemeClr val="accent1"/>
+          </a:effectRef>
+          <a:fontRef idx="minor">
+            <a:schemeClr val="tx1"/>
+          </a:fontRef>
+        </p:style>
+      </p:cxnSp>
+      <p:sp>
+        <p:nvSpPr>
+          <p:cNvPr id="95" name="TextBox 94">
+            <a:extLst>
+              <a:ext uri="{FF2B5EF4-FFF2-40B4-BE49-F238E27FC236}">
+                <a16:creationId xmlns:a16="http://schemas.microsoft.com/office/drawing/2014/main" id="{DB1087F0-CB23-CD43-BA01-3CF8D8FFCCC4}"/>
+              </a:ext>
+            </a:extLst>
+          </p:cNvPr>
+          <p:cNvSpPr txBox="1"/>
+          <p:nvPr/>
+        </p:nvSpPr>
+        <p:spPr>
+          <a:xfrm>
+            <a:off x="1392407" y="5537776"/>
+            <a:ext cx="3423220" cy="338554"/>
+          </a:xfrm>
+          <a:prstGeom prst="rect">
+            <a:avLst/>
+          </a:prstGeom>
+          <a:solidFill>
+            <a:schemeClr val="accent3">
+              <a:lumMod val="20000"/>
+              <a:lumOff val="80000"/>
+            </a:schemeClr>
+          </a:solidFill>
+        </p:spPr>
+        <p:txBody>
+          <a:bodyPr wrap="square" rtlCol="0">
+            <a:spAutoFit/>
+          </a:bodyPr>
+          <a:lstStyle/>
+          <a:p>
+            <a:pPr algn="ctr"/>
+            <a:r>
+              <a:rPr lang="en-US" sz="1600" dirty="0"/>
+              <a:t>Promote winning version. Clean up.</a:t>
+            </a:r>
+          </a:p>
+        </p:txBody>
+      </p:sp>
+      <p:sp>
+        <p:nvSpPr>
+          <p:cNvPr id="94" name="Right Brace 93">
+            <a:extLst>
+              <a:ext uri="{FF2B5EF4-FFF2-40B4-BE49-F238E27FC236}">
+                <a16:creationId xmlns:a16="http://schemas.microsoft.com/office/drawing/2014/main" id="{2EE43A58-ECF4-454C-BF24-25750A27AC7A}"/>
+              </a:ext>
+            </a:extLst>
+          </p:cNvPr>
+          <p:cNvSpPr/>
+          <p:nvPr/>
+        </p:nvSpPr>
+        <p:spPr>
+          <a:xfrm>
+            <a:off x="7457774" y="3674643"/>
+            <a:ext cx="429360" cy="985890"/>
+          </a:xfrm>
+          <a:prstGeom prst="rightBrace">
+            <a:avLst/>
+          </a:prstGeom>
+          <a:ln>
+            <a:solidFill>
+              <a:srgbClr val="C00000"/>
+            </a:solidFill>
+          </a:ln>
+        </p:spPr>
+        <p:style>
+          <a:lnRef idx="1">
+            <a:schemeClr val="accent1"/>
+          </a:lnRef>
+          <a:fillRef idx="0">
+            <a:schemeClr val="accent1"/>
+          </a:fillRef>
+          <a:effectRef idx="0">
+            <a:schemeClr val="accent1"/>
+          </a:effectRef>
+          <a:fontRef idx="minor">
+            <a:schemeClr val="tx1"/>
+          </a:fontRef>
+        </p:style>
+        <p:txBody>
+          <a:bodyPr rtlCol="0" anchor="ctr"/>
+          <a:lstStyle/>
+          <a:p>
+            <a:pPr algn="ctr"/>
+            <a:endParaRPr lang="en-US"/>
+          </a:p>
+        </p:txBody>
+      </p:sp>
+      <p:sp>
+        <p:nvSpPr>
+          <p:cNvPr id="97" name="Right Brace 96">
+            <a:extLst>
+              <a:ext uri="{FF2B5EF4-FFF2-40B4-BE49-F238E27FC236}">
+                <a16:creationId xmlns:a16="http://schemas.microsoft.com/office/drawing/2014/main" id="{C8BB8409-38A3-A04D-9D81-5D1C64D66EE2}"/>
+              </a:ext>
+            </a:extLst>
+          </p:cNvPr>
+          <p:cNvSpPr/>
+          <p:nvPr/>
+        </p:nvSpPr>
+        <p:spPr>
+          <a:xfrm rot="10800000">
+            <a:off x="698869" y="3883507"/>
+            <a:ext cx="429360" cy="1058907"/>
+          </a:xfrm>
+          <a:prstGeom prst="rightBrace">
+            <a:avLst>
+              <a:gd name="adj1" fmla="val 71805"/>
+              <a:gd name="adj2" fmla="val 50000"/>
+            </a:avLst>
+          </a:prstGeom>
+          <a:ln>
+            <a:solidFill>
+              <a:srgbClr val="C00000"/>
+            </a:solidFill>
+          </a:ln>
+        </p:spPr>
+        <p:style>
+          <a:lnRef idx="1">
+            <a:schemeClr val="accent1"/>
+          </a:lnRef>
+          <a:fillRef idx="0">
+            <a:schemeClr val="accent1"/>
+          </a:fillRef>
+          <a:effectRef idx="0">
+            <a:schemeClr val="accent1"/>
+          </a:effectRef>
+          <a:fontRef idx="minor">
+            <a:schemeClr val="tx1"/>
+          </a:fontRef>
+        </p:style>
+        <p:txBody>
+          <a:bodyPr rtlCol="0" anchor="ctr"/>
+          <a:lstStyle/>
+          <a:p>
+            <a:pPr algn="ctr"/>
+            <a:endParaRPr lang="en-US"/>
+          </a:p>
+        </p:txBody>
+      </p:sp>
+      <p:sp>
+        <p:nvSpPr>
+          <p:cNvPr id="96" name="TextBox 95">
+            <a:extLst>
+              <a:ext uri="{FF2B5EF4-FFF2-40B4-BE49-F238E27FC236}">
+                <a16:creationId xmlns:a16="http://schemas.microsoft.com/office/drawing/2014/main" id="{3C924632-DD18-7F42-BECF-E95D9EEF650C}"/>
+              </a:ext>
+            </a:extLst>
+          </p:cNvPr>
+          <p:cNvSpPr txBox="1"/>
+          <p:nvPr/>
+        </p:nvSpPr>
+        <p:spPr>
+          <a:xfrm rot="16200000">
+            <a:off x="-405144" y="4110098"/>
+            <a:ext cx="1558805" cy="646331"/>
+          </a:xfrm>
+          <a:prstGeom prst="rect">
+            <a:avLst/>
+          </a:prstGeom>
+          <a:noFill/>
+        </p:spPr>
+        <p:txBody>
+          <a:bodyPr wrap="square" rtlCol="0">
+            <a:spAutoFit/>
+          </a:bodyPr>
+          <a:lstStyle/>
+          <a:p>
+            <a:pPr algn="ctr"/>
+            <a:r>
+              <a:rPr lang="en-US" dirty="0">
+                <a:solidFill>
+                  <a:srgbClr val="C00000"/>
+                </a:solidFill>
+              </a:rPr>
+              <a:t>Experiment iterations</a:t>
+            </a:r>
+          </a:p>
+        </p:txBody>
+      </p:sp>
+      <p:sp>
+        <p:nvSpPr>
+          <p:cNvPr id="99" name="TextBox 98">
+            <a:extLst>
+              <a:ext uri="{FF2B5EF4-FFF2-40B4-BE49-F238E27FC236}">
+                <a16:creationId xmlns:a16="http://schemas.microsoft.com/office/drawing/2014/main" id="{CED03C2F-C44F-1244-85B7-653254EC9709}"/>
+              </a:ext>
+            </a:extLst>
+          </p:cNvPr>
+          <p:cNvSpPr txBox="1"/>
+          <p:nvPr/>
+        </p:nvSpPr>
+        <p:spPr>
+          <a:xfrm rot="5400000">
+            <a:off x="7478491" y="3856574"/>
+            <a:ext cx="1470660" cy="646331"/>
+          </a:xfrm>
+          <a:prstGeom prst="rect">
+            <a:avLst/>
+          </a:prstGeom>
+          <a:noFill/>
+        </p:spPr>
+        <p:txBody>
+          <a:bodyPr wrap="square" rtlCol="0">
+            <a:spAutoFit/>
+          </a:bodyPr>
+          <a:lstStyle/>
+          <a:p>
+            <a:pPr algn="ctr"/>
+            <a:r>
+              <a:rPr lang="en-US" dirty="0">
+                <a:solidFill>
+                  <a:srgbClr val="C00000"/>
+                </a:solidFill>
+              </a:rPr>
+              <a:t>Experiment iterations</a:t>
+            </a:r>
+          </a:p>
+        </p:txBody>
+      </p:sp>
+      <p:sp>
+        <p:nvSpPr>
+          <p:cNvPr id="78" name="TextBox 77">
+            <a:extLst>
+              <a:ext uri="{FF2B5EF4-FFF2-40B4-BE49-F238E27FC236}">
+                <a16:creationId xmlns:a16="http://schemas.microsoft.com/office/drawing/2014/main" id="{4C8585BD-47CA-6B42-8E2B-1C05C0CF778C}"/>
+              </a:ext>
+            </a:extLst>
+          </p:cNvPr>
+          <p:cNvSpPr txBox="1"/>
+          <p:nvPr/>
+        </p:nvSpPr>
+        <p:spPr>
+          <a:xfrm>
+            <a:off x="5028596" y="3740023"/>
+            <a:ext cx="2217134" cy="830997"/>
+          </a:xfrm>
+          <a:prstGeom prst="rect">
+            <a:avLst/>
+          </a:prstGeom>
+          <a:solidFill>
+            <a:schemeClr val="accent3">
+              <a:lumMod val="20000"/>
+              <a:lumOff val="80000"/>
+            </a:schemeClr>
+          </a:solidFill>
+        </p:spPr>
+        <p:txBody>
+          <a:bodyPr wrap="square" rtlCol="0">
+            <a:spAutoFit/>
+          </a:bodyPr>
+          <a:lstStyle/>
+          <a:p>
+            <a:pPr algn="ctr"/>
+            <a:r>
+              <a:rPr lang="en-US" sz="1600" dirty="0"/>
+              <a:t>Assess versions, compute winner, split traffic</a:t>
+            </a:r>
+          </a:p>
+        </p:txBody>
+      </p:sp>
+      <p:pic>
+        <p:nvPicPr>
+          <p:cNvPr id="73" name="Picture 2" descr="Kubeflow">
+            <a:extLst>
+              <a:ext uri="{FF2B5EF4-FFF2-40B4-BE49-F238E27FC236}">
+                <a16:creationId xmlns:a16="http://schemas.microsoft.com/office/drawing/2014/main" id="{C8D352EB-B4F1-B14A-B094-D2581728E6BE}"/>
+              </a:ext>
+            </a:extLst>
+          </p:cNvPr>
+          <p:cNvPicPr>
+            <a:picLocks noChangeAspect="1" noChangeArrowheads="1"/>
+          </p:cNvPicPr>
+          <p:nvPr/>
+        </p:nvPicPr>
+        <p:blipFill>
+          <a:blip r:embed="rId4">
+            <a:extLst>
+              <a:ext uri="{28A0092B-C50C-407E-A947-70E740481C1C}">
+                <a14:useLocalDpi xmlns:a14="http://schemas.microsoft.com/office/drawing/2010/main" val="0"/>
+              </a:ext>
+            </a:extLst>
+          </a:blip>
+          <a:srcRect/>
+          <a:stretch>
+            <a:fillRect/>
+          </a:stretch>
+        </p:blipFill>
+        <p:spPr bwMode="auto">
+          <a:xfrm flipH="1">
+            <a:off x="910053" y="468279"/>
+            <a:ext cx="310211" cy="305822"/>
+          </a:xfrm>
+          <a:prstGeom prst="rect">
+            <a:avLst/>
+          </a:prstGeom>
+          <a:noFill/>
+          <a:extLst>
+            <a:ext uri="{909E8E84-426E-40DD-AFC4-6F175D3DCCD1}">
+              <a14:hiddenFill xmlns:a14="http://schemas.microsoft.com/office/drawing/2010/main">
+                <a:solidFill>
+                  <a:srgbClr val="FFFFFF"/>
+                </a:solidFill>
+              </a14:hiddenFill>
+            </a:ext>
+          </a:extLst>
+        </p:spPr>
+      </p:pic>
+      <p:pic>
+        <p:nvPicPr>
+          <p:cNvPr id="74" name="Picture 8" descr="Istio">
+            <a:extLst>
+              <a:ext uri="{FF2B5EF4-FFF2-40B4-BE49-F238E27FC236}">
+                <a16:creationId xmlns:a16="http://schemas.microsoft.com/office/drawing/2014/main" id="{1FBD08EF-B152-E844-9BF3-1A37B87B1CF5}"/>
+              </a:ext>
+            </a:extLst>
+          </p:cNvPr>
+          <p:cNvPicPr>
+            <a:picLocks noChangeAspect="1" noChangeArrowheads="1"/>
+          </p:cNvPicPr>
+          <p:nvPr/>
+        </p:nvPicPr>
+        <p:blipFill>
+          <a:blip r:embed="rId5">
+            <a:extLst>
+              <a:ext uri="{28A0092B-C50C-407E-A947-70E740481C1C}">
+                <a14:useLocalDpi xmlns:a14="http://schemas.microsoft.com/office/drawing/2010/main" val="0"/>
+              </a:ext>
+            </a:extLst>
+          </a:blip>
+          <a:srcRect/>
+          <a:stretch>
+            <a:fillRect/>
+          </a:stretch>
+        </p:blipFill>
+        <p:spPr bwMode="auto">
+          <a:xfrm>
+            <a:off x="1249615" y="471385"/>
+            <a:ext cx="303210" cy="303210"/>
+          </a:xfrm>
+          <a:prstGeom prst="rect">
+            <a:avLst/>
+          </a:prstGeom>
+          <a:noFill/>
+          <a:extLst>
+            <a:ext uri="{909E8E84-426E-40DD-AFC4-6F175D3DCCD1}">
+              <a14:hiddenFill xmlns:a14="http://schemas.microsoft.com/office/drawing/2010/main">
+                <a:solidFill>
+                  <a:srgbClr val="FFFFFF"/>
+                </a:solidFill>
+              </a14:hiddenFill>
+            </a:ext>
+          </a:extLst>
+        </p:spPr>
+      </p:pic>
+      <p:pic>
+        <p:nvPicPr>
+          <p:cNvPr id="76" name="Picture 2" descr="Use Ambassador Gateway with Knative Serving | by Justin Brûlotte |  Ambassador Labs">
+            <a:extLst>
+              <a:ext uri="{FF2B5EF4-FFF2-40B4-BE49-F238E27FC236}">
+                <a16:creationId xmlns:a16="http://schemas.microsoft.com/office/drawing/2014/main" id="{8201E61D-F8CE-1344-AD86-C4C9CFB79333}"/>
+              </a:ext>
+            </a:extLst>
+          </p:cNvPr>
+          <p:cNvPicPr>
+            <a:picLocks noChangeAspect="1" noChangeArrowheads="1"/>
+          </p:cNvPicPr>
+          <p:nvPr/>
+        </p:nvPicPr>
+        <p:blipFill>
+          <a:blip r:embed="rId6">
+            <a:extLst>
+              <a:ext uri="{28A0092B-C50C-407E-A947-70E740481C1C}">
+                <a14:useLocalDpi xmlns:a14="http://schemas.microsoft.com/office/drawing/2010/main" val="0"/>
+              </a:ext>
+            </a:extLst>
+          </a:blip>
+          <a:srcRect/>
+          <a:stretch>
+            <a:fillRect/>
+          </a:stretch>
+        </p:blipFill>
+        <p:spPr bwMode="auto">
+          <a:xfrm>
+            <a:off x="544709" y="468279"/>
+            <a:ext cx="375152" cy="303210"/>
+          </a:xfrm>
+          <a:prstGeom prst="rect">
+            <a:avLst/>
+          </a:prstGeom>
+          <a:noFill/>
+          <a:extLst>
+            <a:ext uri="{909E8E84-426E-40DD-AFC4-6F175D3DCCD1}">
+              <a14:hiddenFill xmlns:a14="http://schemas.microsoft.com/office/drawing/2010/main">
+                <a:solidFill>
+                  <a:srgbClr val="FFFFFF"/>
+                </a:solidFill>
+              </a14:hiddenFill>
+            </a:ext>
+          </a:extLst>
+        </p:spPr>
+      </p:pic>
+    </p:spTree>
+    <p:extLst>
+      <p:ext uri="{BB962C8B-B14F-4D97-AF65-F5344CB8AC3E}">
+        <p14:creationId xmlns:p14="http://schemas.microsoft.com/office/powerpoint/2010/main" val="3274180267"/>
       </p:ext>
     </p:extLst>
   </p:cSld>

--- a/mkdocs/src/assets/images/iter8++images.pptx
+++ b/mkdocs/src/assets/images/iter8++images.pptx
@@ -218,7 +218,7 @@
           <a:p>
             <a:fld id="{38B78CBE-37FA-D241-BB4C-CAC5D3B25F49}" type="datetimeFigureOut">
               <a:rPr lang="en-US" smtClean="0"/>
-              <a:t>3/3/21</a:t>
+              <a:t>3/5/21</a:t>
             </a:fld>
             <a:endParaRPr lang="en-US"/>
           </a:p>
@@ -800,7 +800,7 @@
           <a:p>
             <a:fld id="{79212C04-F6AE-AE48-B29D-E5DED656B647}" type="datetimeFigureOut">
               <a:rPr lang="en-US" smtClean="0"/>
-              <a:t>3/3/21</a:t>
+              <a:t>3/5/21</a:t>
             </a:fld>
             <a:endParaRPr lang="en-US"/>
           </a:p>
@@ -998,7 +998,7 @@
           <a:p>
             <a:fld id="{79212C04-F6AE-AE48-B29D-E5DED656B647}" type="datetimeFigureOut">
               <a:rPr lang="en-US" smtClean="0"/>
-              <a:t>3/3/21</a:t>
+              <a:t>3/5/21</a:t>
             </a:fld>
             <a:endParaRPr lang="en-US"/>
           </a:p>
@@ -1206,7 +1206,7 @@
           <a:p>
             <a:fld id="{79212C04-F6AE-AE48-B29D-E5DED656B647}" type="datetimeFigureOut">
               <a:rPr lang="en-US" smtClean="0"/>
-              <a:t>3/3/21</a:t>
+              <a:t>3/5/21</a:t>
             </a:fld>
             <a:endParaRPr lang="en-US"/>
           </a:p>
@@ -1404,7 +1404,7 @@
           <a:p>
             <a:fld id="{79212C04-F6AE-AE48-B29D-E5DED656B647}" type="datetimeFigureOut">
               <a:rPr lang="en-US" smtClean="0"/>
-              <a:t>3/3/21</a:t>
+              <a:t>3/5/21</a:t>
             </a:fld>
             <a:endParaRPr lang="en-US"/>
           </a:p>
@@ -1679,7 +1679,7 @@
           <a:p>
             <a:fld id="{79212C04-F6AE-AE48-B29D-E5DED656B647}" type="datetimeFigureOut">
               <a:rPr lang="en-US" smtClean="0"/>
-              <a:t>3/3/21</a:t>
+              <a:t>3/5/21</a:t>
             </a:fld>
             <a:endParaRPr lang="en-US"/>
           </a:p>
@@ -1944,7 +1944,7 @@
           <a:p>
             <a:fld id="{79212C04-F6AE-AE48-B29D-E5DED656B647}" type="datetimeFigureOut">
               <a:rPr lang="en-US" smtClean="0"/>
-              <a:t>3/3/21</a:t>
+              <a:t>3/5/21</a:t>
             </a:fld>
             <a:endParaRPr lang="en-US"/>
           </a:p>
@@ -2356,7 +2356,7 @@
           <a:p>
             <a:fld id="{79212C04-F6AE-AE48-B29D-E5DED656B647}" type="datetimeFigureOut">
               <a:rPr lang="en-US" smtClean="0"/>
-              <a:t>3/3/21</a:t>
+              <a:t>3/5/21</a:t>
             </a:fld>
             <a:endParaRPr lang="en-US"/>
           </a:p>
@@ -2497,7 +2497,7 @@
           <a:p>
             <a:fld id="{79212C04-F6AE-AE48-B29D-E5DED656B647}" type="datetimeFigureOut">
               <a:rPr lang="en-US" smtClean="0"/>
-              <a:t>3/3/21</a:t>
+              <a:t>3/5/21</a:t>
             </a:fld>
             <a:endParaRPr lang="en-US"/>
           </a:p>
@@ -2610,7 +2610,7 @@
           <a:p>
             <a:fld id="{79212C04-F6AE-AE48-B29D-E5DED656B647}" type="datetimeFigureOut">
               <a:rPr lang="en-US" smtClean="0"/>
-              <a:t>3/3/21</a:t>
+              <a:t>3/5/21</a:t>
             </a:fld>
             <a:endParaRPr lang="en-US"/>
           </a:p>
@@ -2921,7 +2921,7 @@
           <a:p>
             <a:fld id="{79212C04-F6AE-AE48-B29D-E5DED656B647}" type="datetimeFigureOut">
               <a:rPr lang="en-US" smtClean="0"/>
-              <a:t>3/3/21</a:t>
+              <a:t>3/5/21</a:t>
             </a:fld>
             <a:endParaRPr lang="en-US"/>
           </a:p>
@@ -3209,7 +3209,7 @@
           <a:p>
             <a:fld id="{79212C04-F6AE-AE48-B29D-E5DED656B647}" type="datetimeFigureOut">
               <a:rPr lang="en-US" smtClean="0"/>
-              <a:t>3/3/21</a:t>
+              <a:t>3/5/21</a:t>
             </a:fld>
             <a:endParaRPr lang="en-US"/>
           </a:p>
@@ -3450,7 +3450,7 @@
           <a:p>
             <a:fld id="{79212C04-F6AE-AE48-B29D-E5DED656B647}" type="datetimeFigureOut">
               <a:rPr lang="en-US" smtClean="0"/>
-              <a:t>3/3/21</a:t>
+              <a:t>3/5/21</a:t>
             </a:fld>
             <a:endParaRPr lang="en-US"/>
           </a:p>
@@ -20624,15 +20624,153 @@
             <a:off x="333494" y="1764256"/>
             <a:ext cx="730906" cy="338554"/>
           </a:xfrm>
-          <a:prstGeom prst="rect">
-            <a:avLst/>
-          </a:prstGeom>
-          <a:solidFill>
-            <a:schemeClr val="accent3">
-              <a:lumMod val="20000"/>
-              <a:lumOff val="80000"/>
-            </a:schemeClr>
-          </a:solidFill>
+          <a:custGeom>
+            <a:avLst/>
+            <a:gdLst>
+              <a:gd name="connsiteX0" fmla="*/ 0 w 730906"/>
+              <a:gd name="connsiteY0" fmla="*/ 0 h 338554"/>
+              <a:gd name="connsiteX1" fmla="*/ 350835 w 730906"/>
+              <a:gd name="connsiteY1" fmla="*/ 0 h 338554"/>
+              <a:gd name="connsiteX2" fmla="*/ 730906 w 730906"/>
+              <a:gd name="connsiteY2" fmla="*/ 0 h 338554"/>
+              <a:gd name="connsiteX3" fmla="*/ 730906 w 730906"/>
+              <a:gd name="connsiteY3" fmla="*/ 338554 h 338554"/>
+              <a:gd name="connsiteX4" fmla="*/ 365453 w 730906"/>
+              <a:gd name="connsiteY4" fmla="*/ 338554 h 338554"/>
+              <a:gd name="connsiteX5" fmla="*/ 0 w 730906"/>
+              <a:gd name="connsiteY5" fmla="*/ 338554 h 338554"/>
+              <a:gd name="connsiteX6" fmla="*/ 0 w 730906"/>
+              <a:gd name="connsiteY6" fmla="*/ 0 h 338554"/>
+            </a:gdLst>
+            <a:ahLst/>
+            <a:cxnLst>
+              <a:cxn ang="0">
+                <a:pos x="connsiteX0" y="connsiteY0"/>
+              </a:cxn>
+              <a:cxn ang="0">
+                <a:pos x="connsiteX1" y="connsiteY1"/>
+              </a:cxn>
+              <a:cxn ang="0">
+                <a:pos x="connsiteX2" y="connsiteY2"/>
+              </a:cxn>
+              <a:cxn ang="0">
+                <a:pos x="connsiteX3" y="connsiteY3"/>
+              </a:cxn>
+              <a:cxn ang="0">
+                <a:pos x="connsiteX4" y="connsiteY4"/>
+              </a:cxn>
+              <a:cxn ang="0">
+                <a:pos x="connsiteX5" y="connsiteY5"/>
+              </a:cxn>
+              <a:cxn ang="0">
+                <a:pos x="connsiteX6" y="connsiteY6"/>
+              </a:cxn>
+            </a:cxnLst>
+            <a:rect l="l" t="t" r="r" b="b"/>
+            <a:pathLst>
+              <a:path w="730906" h="338554" fill="none" extrusionOk="0">
+                <a:moveTo>
+                  <a:pt x="0" y="0"/>
+                </a:moveTo>
+                <a:cubicBezTo>
+                  <a:pt x="153533" y="6617"/>
+                  <a:pt x="227415" y="9615"/>
+                  <a:pt x="350835" y="0"/>
+                </a:cubicBezTo>
+                <a:cubicBezTo>
+                  <a:pt x="474255" y="-9615"/>
+                  <a:pt x="654286" y="17157"/>
+                  <a:pt x="730906" y="0"/>
+                </a:cubicBezTo>
+                <a:cubicBezTo>
+                  <a:pt x="719405" y="158334"/>
+                  <a:pt x="730581" y="187065"/>
+                  <a:pt x="730906" y="338554"/>
+                </a:cubicBezTo>
+                <a:cubicBezTo>
+                  <a:pt x="589404" y="346546"/>
+                  <a:pt x="496737" y="322336"/>
+                  <a:pt x="365453" y="338554"/>
+                </a:cubicBezTo>
+                <a:cubicBezTo>
+                  <a:pt x="234169" y="354772"/>
+                  <a:pt x="108419" y="339219"/>
+                  <a:pt x="0" y="338554"/>
+                </a:cubicBezTo>
+                <a:cubicBezTo>
+                  <a:pt x="-9337" y="207396"/>
+                  <a:pt x="988" y="140872"/>
+                  <a:pt x="0" y="0"/>
+                </a:cubicBezTo>
+                <a:close/>
+              </a:path>
+              <a:path w="730906" h="338554" stroke="0" extrusionOk="0">
+                <a:moveTo>
+                  <a:pt x="0" y="0"/>
+                </a:moveTo>
+                <a:cubicBezTo>
+                  <a:pt x="119442" y="7756"/>
+                  <a:pt x="244994" y="8954"/>
+                  <a:pt x="343526" y="0"/>
+                </a:cubicBezTo>
+                <a:cubicBezTo>
+                  <a:pt x="442058" y="-8954"/>
+                  <a:pt x="607651" y="-3184"/>
+                  <a:pt x="730906" y="0"/>
+                </a:cubicBezTo>
+                <a:cubicBezTo>
+                  <a:pt x="740189" y="113049"/>
+                  <a:pt x="718167" y="186784"/>
+                  <a:pt x="730906" y="338554"/>
+                </a:cubicBezTo>
+                <a:cubicBezTo>
+                  <a:pt x="592808" y="344452"/>
+                  <a:pt x="523783" y="346715"/>
+                  <a:pt x="380071" y="338554"/>
+                </a:cubicBezTo>
+                <a:cubicBezTo>
+                  <a:pt x="236360" y="330393"/>
+                  <a:pt x="106907" y="329989"/>
+                  <a:pt x="0" y="338554"/>
+                </a:cubicBezTo>
+                <a:cubicBezTo>
+                  <a:pt x="15614" y="189241"/>
+                  <a:pt x="16539" y="131487"/>
+                  <a:pt x="0" y="0"/>
+                </a:cubicBezTo>
+                <a:close/>
+              </a:path>
+            </a:pathLst>
+          </a:custGeom>
+          <a:pattFill prst="pct5">
+            <a:fgClr>
+              <a:schemeClr val="accent3">
+                <a:lumMod val="20000"/>
+                <a:lumOff val="80000"/>
+              </a:schemeClr>
+            </a:fgClr>
+            <a:bgClr>
+              <a:schemeClr val="bg1"/>
+            </a:bgClr>
+          </a:pattFill>
+          <a:ln>
+            <a:solidFill>
+              <a:schemeClr val="accent1"/>
+            </a:solidFill>
+            <a:prstDash val="dash"/>
+            <a:extLst>
+              <a:ext uri="{C807C97D-BFC1-408E-A445-0C87EB9F89A2}">
+                <ask:lineSketchStyleProps xmlns:ask="http://schemas.microsoft.com/office/drawing/2018/sketchyshapes" sd="1048302887">
+                  <a:prstGeom prst="rect">
+                    <a:avLst/>
+                  </a:prstGeom>
+                  <ask:type>
+                    <ask:lineSketchFreehand/>
+                  </ask:type>
+                </ask:lineSketchStyleProps>
+              </a:ext>
+            </a:extLst>
+          </a:ln>
         </p:spPr>
         <p:txBody>
           <a:bodyPr wrap="none" rtlCol="0">
@@ -20705,15 +20843,153 @@
             <a:off x="2264647" y="1882406"/>
             <a:ext cx="730906" cy="338554"/>
           </a:xfrm>
-          <a:prstGeom prst="rect">
-            <a:avLst/>
-          </a:prstGeom>
-          <a:solidFill>
-            <a:schemeClr val="accent3">
-              <a:lumMod val="20000"/>
-              <a:lumOff val="80000"/>
-            </a:schemeClr>
-          </a:solidFill>
+          <a:custGeom>
+            <a:avLst/>
+            <a:gdLst>
+              <a:gd name="connsiteX0" fmla="*/ 0 w 730906"/>
+              <a:gd name="connsiteY0" fmla="*/ 0 h 338554"/>
+              <a:gd name="connsiteX1" fmla="*/ 380071 w 730906"/>
+              <a:gd name="connsiteY1" fmla="*/ 0 h 338554"/>
+              <a:gd name="connsiteX2" fmla="*/ 730906 w 730906"/>
+              <a:gd name="connsiteY2" fmla="*/ 0 h 338554"/>
+              <a:gd name="connsiteX3" fmla="*/ 730906 w 730906"/>
+              <a:gd name="connsiteY3" fmla="*/ 338554 h 338554"/>
+              <a:gd name="connsiteX4" fmla="*/ 350835 w 730906"/>
+              <a:gd name="connsiteY4" fmla="*/ 338554 h 338554"/>
+              <a:gd name="connsiteX5" fmla="*/ 0 w 730906"/>
+              <a:gd name="connsiteY5" fmla="*/ 338554 h 338554"/>
+              <a:gd name="connsiteX6" fmla="*/ 0 w 730906"/>
+              <a:gd name="connsiteY6" fmla="*/ 0 h 338554"/>
+            </a:gdLst>
+            <a:ahLst/>
+            <a:cxnLst>
+              <a:cxn ang="0">
+                <a:pos x="connsiteX0" y="connsiteY0"/>
+              </a:cxn>
+              <a:cxn ang="0">
+                <a:pos x="connsiteX1" y="connsiteY1"/>
+              </a:cxn>
+              <a:cxn ang="0">
+                <a:pos x="connsiteX2" y="connsiteY2"/>
+              </a:cxn>
+              <a:cxn ang="0">
+                <a:pos x="connsiteX3" y="connsiteY3"/>
+              </a:cxn>
+              <a:cxn ang="0">
+                <a:pos x="connsiteX4" y="connsiteY4"/>
+              </a:cxn>
+              <a:cxn ang="0">
+                <a:pos x="connsiteX5" y="connsiteY5"/>
+              </a:cxn>
+              <a:cxn ang="0">
+                <a:pos x="connsiteX6" y="connsiteY6"/>
+              </a:cxn>
+            </a:cxnLst>
+            <a:rect l="l" t="t" r="r" b="b"/>
+            <a:pathLst>
+              <a:path w="730906" h="338554" fill="none" extrusionOk="0">
+                <a:moveTo>
+                  <a:pt x="0" y="0"/>
+                </a:moveTo>
+                <a:cubicBezTo>
+                  <a:pt x="117543" y="-11106"/>
+                  <a:pt x="227059" y="-7456"/>
+                  <a:pt x="380071" y="0"/>
+                </a:cubicBezTo>
+                <a:cubicBezTo>
+                  <a:pt x="533083" y="7456"/>
+                  <a:pt x="575590" y="17502"/>
+                  <a:pt x="730906" y="0"/>
+                </a:cubicBezTo>
+                <a:cubicBezTo>
+                  <a:pt x="721310" y="141203"/>
+                  <a:pt x="737415" y="195965"/>
+                  <a:pt x="730906" y="338554"/>
+                </a:cubicBezTo>
+                <a:cubicBezTo>
+                  <a:pt x="553191" y="354256"/>
+                  <a:pt x="473889" y="329505"/>
+                  <a:pt x="350835" y="338554"/>
+                </a:cubicBezTo>
+                <a:cubicBezTo>
+                  <a:pt x="227781" y="347603"/>
+                  <a:pt x="106478" y="322514"/>
+                  <a:pt x="0" y="338554"/>
+                </a:cubicBezTo>
+                <a:cubicBezTo>
+                  <a:pt x="-5596" y="177985"/>
+                  <a:pt x="5054" y="106581"/>
+                  <a:pt x="0" y="0"/>
+                </a:cubicBezTo>
+                <a:close/>
+              </a:path>
+              <a:path w="730906" h="338554" stroke="0" extrusionOk="0">
+                <a:moveTo>
+                  <a:pt x="0" y="0"/>
+                </a:moveTo>
+                <a:cubicBezTo>
+                  <a:pt x="107593" y="3263"/>
+                  <a:pt x="206979" y="-7732"/>
+                  <a:pt x="380071" y="0"/>
+                </a:cubicBezTo>
+                <a:cubicBezTo>
+                  <a:pt x="553163" y="7732"/>
+                  <a:pt x="643645" y="7347"/>
+                  <a:pt x="730906" y="0"/>
+                </a:cubicBezTo>
+                <a:cubicBezTo>
+                  <a:pt x="742290" y="165101"/>
+                  <a:pt x="745449" y="183331"/>
+                  <a:pt x="730906" y="338554"/>
+                </a:cubicBezTo>
+                <a:cubicBezTo>
+                  <a:pt x="575731" y="327530"/>
+                  <a:pt x="491782" y="338530"/>
+                  <a:pt x="365453" y="338554"/>
+                </a:cubicBezTo>
+                <a:cubicBezTo>
+                  <a:pt x="239124" y="338578"/>
+                  <a:pt x="122726" y="342389"/>
+                  <a:pt x="0" y="338554"/>
+                </a:cubicBezTo>
+                <a:cubicBezTo>
+                  <a:pt x="-13705" y="218660"/>
+                  <a:pt x="-10648" y="126499"/>
+                  <a:pt x="0" y="0"/>
+                </a:cubicBezTo>
+                <a:close/>
+              </a:path>
+            </a:pathLst>
+          </a:custGeom>
+          <a:pattFill prst="pct5">
+            <a:fgClr>
+              <a:schemeClr val="accent3">
+                <a:lumMod val="20000"/>
+                <a:lumOff val="80000"/>
+              </a:schemeClr>
+            </a:fgClr>
+            <a:bgClr>
+              <a:schemeClr val="bg1"/>
+            </a:bgClr>
+          </a:pattFill>
+          <a:ln>
+            <a:solidFill>
+              <a:schemeClr val="accent1"/>
+            </a:solidFill>
+            <a:prstDash val="dash"/>
+            <a:extLst>
+              <a:ext uri="{C807C97D-BFC1-408E-A445-0C87EB9F89A2}">
+                <ask:lineSketchStyleProps xmlns:ask="http://schemas.microsoft.com/office/drawing/2018/sketchyshapes" sd="3330592986">
+                  <a:prstGeom prst="rect">
+                    <a:avLst/>
+                  </a:prstGeom>
+                  <ask:type>
+                    <ask:lineSketchFreehand/>
+                  </ask:type>
+                </ask:lineSketchStyleProps>
+              </a:ext>
+            </a:extLst>
+          </a:ln>
         </p:spPr>
         <p:txBody>
           <a:bodyPr wrap="none" rtlCol="0">
@@ -20838,15 +21114,153 @@
             <a:off x="6886814" y="2007352"/>
             <a:ext cx="777777" cy="338554"/>
           </a:xfrm>
-          <a:prstGeom prst="rect">
-            <a:avLst/>
-          </a:prstGeom>
-          <a:solidFill>
-            <a:schemeClr val="accent3">
-              <a:lumMod val="20000"/>
-              <a:lumOff val="80000"/>
-            </a:schemeClr>
-          </a:solidFill>
+          <a:custGeom>
+            <a:avLst/>
+            <a:gdLst>
+              <a:gd name="connsiteX0" fmla="*/ 0 w 777777"/>
+              <a:gd name="connsiteY0" fmla="*/ 0 h 338554"/>
+              <a:gd name="connsiteX1" fmla="*/ 404444 w 777777"/>
+              <a:gd name="connsiteY1" fmla="*/ 0 h 338554"/>
+              <a:gd name="connsiteX2" fmla="*/ 777777 w 777777"/>
+              <a:gd name="connsiteY2" fmla="*/ 0 h 338554"/>
+              <a:gd name="connsiteX3" fmla="*/ 777777 w 777777"/>
+              <a:gd name="connsiteY3" fmla="*/ 338554 h 338554"/>
+              <a:gd name="connsiteX4" fmla="*/ 412222 w 777777"/>
+              <a:gd name="connsiteY4" fmla="*/ 338554 h 338554"/>
+              <a:gd name="connsiteX5" fmla="*/ 0 w 777777"/>
+              <a:gd name="connsiteY5" fmla="*/ 338554 h 338554"/>
+              <a:gd name="connsiteX6" fmla="*/ 0 w 777777"/>
+              <a:gd name="connsiteY6" fmla="*/ 0 h 338554"/>
+            </a:gdLst>
+            <a:ahLst/>
+            <a:cxnLst>
+              <a:cxn ang="0">
+                <a:pos x="connsiteX0" y="connsiteY0"/>
+              </a:cxn>
+              <a:cxn ang="0">
+                <a:pos x="connsiteX1" y="connsiteY1"/>
+              </a:cxn>
+              <a:cxn ang="0">
+                <a:pos x="connsiteX2" y="connsiteY2"/>
+              </a:cxn>
+              <a:cxn ang="0">
+                <a:pos x="connsiteX3" y="connsiteY3"/>
+              </a:cxn>
+              <a:cxn ang="0">
+                <a:pos x="connsiteX4" y="connsiteY4"/>
+              </a:cxn>
+              <a:cxn ang="0">
+                <a:pos x="connsiteX5" y="connsiteY5"/>
+              </a:cxn>
+              <a:cxn ang="0">
+                <a:pos x="connsiteX6" y="connsiteY6"/>
+              </a:cxn>
+            </a:cxnLst>
+            <a:rect l="l" t="t" r="r" b="b"/>
+            <a:pathLst>
+              <a:path w="777777" h="338554" fill="none" extrusionOk="0">
+                <a:moveTo>
+                  <a:pt x="0" y="0"/>
+                </a:moveTo>
+                <a:cubicBezTo>
+                  <a:pt x="97610" y="-1494"/>
+                  <a:pt x="295892" y="13922"/>
+                  <a:pt x="404444" y="0"/>
+                </a:cubicBezTo>
+                <a:cubicBezTo>
+                  <a:pt x="512996" y="-13922"/>
+                  <a:pt x="636104" y="17750"/>
+                  <a:pt x="777777" y="0"/>
+                </a:cubicBezTo>
+                <a:cubicBezTo>
+                  <a:pt x="788800" y="100445"/>
+                  <a:pt x="782982" y="179525"/>
+                  <a:pt x="777777" y="338554"/>
+                </a:cubicBezTo>
+                <a:cubicBezTo>
+                  <a:pt x="599207" y="338769"/>
+                  <a:pt x="529662" y="341505"/>
+                  <a:pt x="412222" y="338554"/>
+                </a:cubicBezTo>
+                <a:cubicBezTo>
+                  <a:pt x="294783" y="335603"/>
+                  <a:pt x="157500" y="319775"/>
+                  <a:pt x="0" y="338554"/>
+                </a:cubicBezTo>
+                <a:cubicBezTo>
+                  <a:pt x="11524" y="265154"/>
+                  <a:pt x="-4956" y="117900"/>
+                  <a:pt x="0" y="0"/>
+                </a:cubicBezTo>
+                <a:close/>
+              </a:path>
+              <a:path w="777777" h="338554" stroke="0" extrusionOk="0">
+                <a:moveTo>
+                  <a:pt x="0" y="0"/>
+                </a:moveTo>
+                <a:cubicBezTo>
+                  <a:pt x="140737" y="-13847"/>
+                  <a:pt x="315488" y="-16025"/>
+                  <a:pt x="396666" y="0"/>
+                </a:cubicBezTo>
+                <a:cubicBezTo>
+                  <a:pt x="477844" y="16025"/>
+                  <a:pt x="669233" y="17892"/>
+                  <a:pt x="777777" y="0"/>
+                </a:cubicBezTo>
+                <a:cubicBezTo>
+                  <a:pt x="771858" y="118629"/>
+                  <a:pt x="778974" y="247982"/>
+                  <a:pt x="777777" y="338554"/>
+                </a:cubicBezTo>
+                <a:cubicBezTo>
+                  <a:pt x="611690" y="343882"/>
+                  <a:pt x="507792" y="330219"/>
+                  <a:pt x="404444" y="338554"/>
+                </a:cubicBezTo>
+                <a:cubicBezTo>
+                  <a:pt x="301096" y="346889"/>
+                  <a:pt x="152218" y="319166"/>
+                  <a:pt x="0" y="338554"/>
+                </a:cubicBezTo>
+                <a:cubicBezTo>
+                  <a:pt x="10930" y="215275"/>
+                  <a:pt x="1993" y="102261"/>
+                  <a:pt x="0" y="0"/>
+                </a:cubicBezTo>
+                <a:close/>
+              </a:path>
+            </a:pathLst>
+          </a:custGeom>
+          <a:pattFill prst="pct5">
+            <a:fgClr>
+              <a:schemeClr val="accent3">
+                <a:lumMod val="20000"/>
+                <a:lumOff val="80000"/>
+              </a:schemeClr>
+            </a:fgClr>
+            <a:bgClr>
+              <a:schemeClr val="bg1"/>
+            </a:bgClr>
+          </a:pattFill>
+          <a:ln>
+            <a:solidFill>
+              <a:schemeClr val="accent1"/>
+            </a:solidFill>
+            <a:prstDash val="dash"/>
+            <a:extLst>
+              <a:ext uri="{C807C97D-BFC1-408E-A445-0C87EB9F89A2}">
+                <ask:lineSketchStyleProps xmlns:ask="http://schemas.microsoft.com/office/drawing/2018/sketchyshapes" sd="1027299719">
+                  <a:prstGeom prst="rect">
+                    <a:avLst/>
+                  </a:prstGeom>
+                  <ask:type>
+                    <ask:lineSketchFreehand/>
+                  </ask:type>
+                </ask:lineSketchStyleProps>
+              </a:ext>
+            </a:extLst>
+          </a:ln>
         </p:spPr>
         <p:txBody>
           <a:bodyPr wrap="none" rtlCol="0">
@@ -20971,15 +21385,333 @@
             <a:off x="3566358" y="2901548"/>
             <a:ext cx="5052477" cy="338554"/>
           </a:xfrm>
-          <a:prstGeom prst="rect">
-            <a:avLst/>
-          </a:prstGeom>
-          <a:solidFill>
-            <a:schemeClr val="accent3">
-              <a:lumMod val="20000"/>
-              <a:lumOff val="80000"/>
-            </a:schemeClr>
-          </a:solidFill>
+          <a:custGeom>
+            <a:avLst/>
+            <a:gdLst>
+              <a:gd name="connsiteX0" fmla="*/ 0 w 5052477"/>
+              <a:gd name="connsiteY0" fmla="*/ 0 h 338554"/>
+              <a:gd name="connsiteX1" fmla="*/ 631560 w 5052477"/>
+              <a:gd name="connsiteY1" fmla="*/ 0 h 338554"/>
+              <a:gd name="connsiteX2" fmla="*/ 1162070 w 5052477"/>
+              <a:gd name="connsiteY2" fmla="*/ 0 h 338554"/>
+              <a:gd name="connsiteX3" fmla="*/ 1793629 w 5052477"/>
+              <a:gd name="connsiteY3" fmla="*/ 0 h 338554"/>
+              <a:gd name="connsiteX4" fmla="*/ 2273615 w 5052477"/>
+              <a:gd name="connsiteY4" fmla="*/ 0 h 338554"/>
+              <a:gd name="connsiteX5" fmla="*/ 3006224 w 5052477"/>
+              <a:gd name="connsiteY5" fmla="*/ 0 h 338554"/>
+              <a:gd name="connsiteX6" fmla="*/ 3536734 w 5052477"/>
+              <a:gd name="connsiteY6" fmla="*/ 0 h 338554"/>
+              <a:gd name="connsiteX7" fmla="*/ 4067244 w 5052477"/>
+              <a:gd name="connsiteY7" fmla="*/ 0 h 338554"/>
+              <a:gd name="connsiteX8" fmla="*/ 5052477 w 5052477"/>
+              <a:gd name="connsiteY8" fmla="*/ 0 h 338554"/>
+              <a:gd name="connsiteX9" fmla="*/ 5052477 w 5052477"/>
+              <a:gd name="connsiteY9" fmla="*/ 338554 h 338554"/>
+              <a:gd name="connsiteX10" fmla="*/ 4471442 w 5052477"/>
+              <a:gd name="connsiteY10" fmla="*/ 338554 h 338554"/>
+              <a:gd name="connsiteX11" fmla="*/ 3738833 w 5052477"/>
+              <a:gd name="connsiteY11" fmla="*/ 338554 h 338554"/>
+              <a:gd name="connsiteX12" fmla="*/ 3258848 w 5052477"/>
+              <a:gd name="connsiteY12" fmla="*/ 338554 h 338554"/>
+              <a:gd name="connsiteX13" fmla="*/ 2728338 w 5052477"/>
+              <a:gd name="connsiteY13" fmla="*/ 338554 h 338554"/>
+              <a:gd name="connsiteX14" fmla="*/ 2147303 w 5052477"/>
+              <a:gd name="connsiteY14" fmla="*/ 338554 h 338554"/>
+              <a:gd name="connsiteX15" fmla="*/ 1465218 w 5052477"/>
+              <a:gd name="connsiteY15" fmla="*/ 338554 h 338554"/>
+              <a:gd name="connsiteX16" fmla="*/ 934708 w 5052477"/>
+              <a:gd name="connsiteY16" fmla="*/ 338554 h 338554"/>
+              <a:gd name="connsiteX17" fmla="*/ 0 w 5052477"/>
+              <a:gd name="connsiteY17" fmla="*/ 338554 h 338554"/>
+              <a:gd name="connsiteX18" fmla="*/ 0 w 5052477"/>
+              <a:gd name="connsiteY18" fmla="*/ 0 h 338554"/>
+            </a:gdLst>
+            <a:ahLst/>
+            <a:cxnLst>
+              <a:cxn ang="0">
+                <a:pos x="connsiteX0" y="connsiteY0"/>
+              </a:cxn>
+              <a:cxn ang="0">
+                <a:pos x="connsiteX1" y="connsiteY1"/>
+              </a:cxn>
+              <a:cxn ang="0">
+                <a:pos x="connsiteX2" y="connsiteY2"/>
+              </a:cxn>
+              <a:cxn ang="0">
+                <a:pos x="connsiteX3" y="connsiteY3"/>
+              </a:cxn>
+              <a:cxn ang="0">
+                <a:pos x="connsiteX4" y="connsiteY4"/>
+              </a:cxn>
+              <a:cxn ang="0">
+                <a:pos x="connsiteX5" y="connsiteY5"/>
+              </a:cxn>
+              <a:cxn ang="0">
+                <a:pos x="connsiteX6" y="connsiteY6"/>
+              </a:cxn>
+              <a:cxn ang="0">
+                <a:pos x="connsiteX7" y="connsiteY7"/>
+              </a:cxn>
+              <a:cxn ang="0">
+                <a:pos x="connsiteX8" y="connsiteY8"/>
+              </a:cxn>
+              <a:cxn ang="0">
+                <a:pos x="connsiteX9" y="connsiteY9"/>
+              </a:cxn>
+              <a:cxn ang="0">
+                <a:pos x="connsiteX10" y="connsiteY10"/>
+              </a:cxn>
+              <a:cxn ang="0">
+                <a:pos x="connsiteX11" y="connsiteY11"/>
+              </a:cxn>
+              <a:cxn ang="0">
+                <a:pos x="connsiteX12" y="connsiteY12"/>
+              </a:cxn>
+              <a:cxn ang="0">
+                <a:pos x="connsiteX13" y="connsiteY13"/>
+              </a:cxn>
+              <a:cxn ang="0">
+                <a:pos x="connsiteX14" y="connsiteY14"/>
+              </a:cxn>
+              <a:cxn ang="0">
+                <a:pos x="connsiteX15" y="connsiteY15"/>
+              </a:cxn>
+              <a:cxn ang="0">
+                <a:pos x="connsiteX16" y="connsiteY16"/>
+              </a:cxn>
+              <a:cxn ang="0">
+                <a:pos x="connsiteX17" y="connsiteY17"/>
+              </a:cxn>
+              <a:cxn ang="0">
+                <a:pos x="connsiteX18" y="connsiteY18"/>
+              </a:cxn>
+            </a:cxnLst>
+            <a:rect l="l" t="t" r="r" b="b"/>
+            <a:pathLst>
+              <a:path w="5052477" h="338554" fill="none" extrusionOk="0">
+                <a:moveTo>
+                  <a:pt x="0" y="0"/>
+                </a:moveTo>
+                <a:cubicBezTo>
+                  <a:pt x="149673" y="-3577"/>
+                  <a:pt x="464438" y="12949"/>
+                  <a:pt x="631560" y="0"/>
+                </a:cubicBezTo>
+                <a:cubicBezTo>
+                  <a:pt x="798682" y="-12949"/>
+                  <a:pt x="1049122" y="22218"/>
+                  <a:pt x="1162070" y="0"/>
+                </a:cubicBezTo>
+                <a:cubicBezTo>
+                  <a:pt x="1275018" y="-22218"/>
+                  <a:pt x="1542163" y="6044"/>
+                  <a:pt x="1793629" y="0"/>
+                </a:cubicBezTo>
+                <a:cubicBezTo>
+                  <a:pt x="2045095" y="-6044"/>
+                  <a:pt x="2148812" y="17929"/>
+                  <a:pt x="2273615" y="0"/>
+                </a:cubicBezTo>
+                <a:cubicBezTo>
+                  <a:pt x="2398418" y="-17929"/>
+                  <a:pt x="2742019" y="-35284"/>
+                  <a:pt x="3006224" y="0"/>
+                </a:cubicBezTo>
+                <a:cubicBezTo>
+                  <a:pt x="3270429" y="35284"/>
+                  <a:pt x="3286157" y="-355"/>
+                  <a:pt x="3536734" y="0"/>
+                </a:cubicBezTo>
+                <a:cubicBezTo>
+                  <a:pt x="3787311" y="355"/>
+                  <a:pt x="3945637" y="-20363"/>
+                  <a:pt x="4067244" y="0"/>
+                </a:cubicBezTo>
+                <a:cubicBezTo>
+                  <a:pt x="4188851" y="20363"/>
+                  <a:pt x="4626408" y="-30338"/>
+                  <a:pt x="5052477" y="0"/>
+                </a:cubicBezTo>
+                <a:cubicBezTo>
+                  <a:pt x="5058470" y="139779"/>
+                  <a:pt x="5067500" y="194360"/>
+                  <a:pt x="5052477" y="338554"/>
+                </a:cubicBezTo>
+                <a:cubicBezTo>
+                  <a:pt x="4887711" y="315827"/>
+                  <a:pt x="4665846" y="342300"/>
+                  <a:pt x="4471442" y="338554"/>
+                </a:cubicBezTo>
+                <a:cubicBezTo>
+                  <a:pt x="4277039" y="334808"/>
+                  <a:pt x="4031322" y="344739"/>
+                  <a:pt x="3738833" y="338554"/>
+                </a:cubicBezTo>
+                <a:cubicBezTo>
+                  <a:pt x="3446344" y="332369"/>
+                  <a:pt x="3447733" y="358476"/>
+                  <a:pt x="3258848" y="338554"/>
+                </a:cubicBezTo>
+                <a:cubicBezTo>
+                  <a:pt x="3069964" y="318632"/>
+                  <a:pt x="2988187" y="350073"/>
+                  <a:pt x="2728338" y="338554"/>
+                </a:cubicBezTo>
+                <a:cubicBezTo>
+                  <a:pt x="2468489" y="327036"/>
+                  <a:pt x="2414807" y="362208"/>
+                  <a:pt x="2147303" y="338554"/>
+                </a:cubicBezTo>
+                <a:cubicBezTo>
+                  <a:pt x="1879800" y="314900"/>
+                  <a:pt x="1700189" y="344936"/>
+                  <a:pt x="1465218" y="338554"/>
+                </a:cubicBezTo>
+                <a:cubicBezTo>
+                  <a:pt x="1230248" y="332172"/>
+                  <a:pt x="1080370" y="357831"/>
+                  <a:pt x="934708" y="338554"/>
+                </a:cubicBezTo>
+                <a:cubicBezTo>
+                  <a:pt x="789046" y="319278"/>
+                  <a:pt x="450758" y="295391"/>
+                  <a:pt x="0" y="338554"/>
+                </a:cubicBezTo>
+                <a:cubicBezTo>
+                  <a:pt x="-12501" y="269751"/>
+                  <a:pt x="10486" y="77604"/>
+                  <a:pt x="0" y="0"/>
+                </a:cubicBezTo>
+                <a:close/>
+              </a:path>
+              <a:path w="5052477" h="338554" stroke="0" extrusionOk="0">
+                <a:moveTo>
+                  <a:pt x="0" y="0"/>
+                </a:moveTo>
+                <a:cubicBezTo>
+                  <a:pt x="155864" y="-3260"/>
+                  <a:pt x="480426" y="21656"/>
+                  <a:pt x="631560" y="0"/>
+                </a:cubicBezTo>
+                <a:cubicBezTo>
+                  <a:pt x="782694" y="-21656"/>
+                  <a:pt x="946612" y="-880"/>
+                  <a:pt x="1212594" y="0"/>
+                </a:cubicBezTo>
+                <a:cubicBezTo>
+                  <a:pt x="1478576" y="880"/>
+                  <a:pt x="1553653" y="33907"/>
+                  <a:pt x="1894679" y="0"/>
+                </a:cubicBezTo>
+                <a:cubicBezTo>
+                  <a:pt x="2235705" y="-33907"/>
+                  <a:pt x="2370866" y="25383"/>
+                  <a:pt x="2576763" y="0"/>
+                </a:cubicBezTo>
+                <a:cubicBezTo>
+                  <a:pt x="2782660" y="-25383"/>
+                  <a:pt x="2961332" y="-21667"/>
+                  <a:pt x="3107273" y="0"/>
+                </a:cubicBezTo>
+                <a:cubicBezTo>
+                  <a:pt x="3253214" y="21667"/>
+                  <a:pt x="3480265" y="7135"/>
+                  <a:pt x="3637783" y="0"/>
+                </a:cubicBezTo>
+                <a:cubicBezTo>
+                  <a:pt x="3795301" y="-7135"/>
+                  <a:pt x="3969540" y="10074"/>
+                  <a:pt x="4218818" y="0"/>
+                </a:cubicBezTo>
+                <a:cubicBezTo>
+                  <a:pt x="4468096" y="-10074"/>
+                  <a:pt x="4703632" y="40605"/>
+                  <a:pt x="5052477" y="0"/>
+                </a:cubicBezTo>
+                <a:cubicBezTo>
+                  <a:pt x="5044706" y="162284"/>
+                  <a:pt x="5038234" y="209173"/>
+                  <a:pt x="5052477" y="338554"/>
+                </a:cubicBezTo>
+                <a:cubicBezTo>
+                  <a:pt x="4815224" y="318934"/>
+                  <a:pt x="4769522" y="320600"/>
+                  <a:pt x="4572492" y="338554"/>
+                </a:cubicBezTo>
+                <a:cubicBezTo>
+                  <a:pt x="4375462" y="356508"/>
+                  <a:pt x="4234884" y="315249"/>
+                  <a:pt x="3991457" y="338554"/>
+                </a:cubicBezTo>
+                <a:cubicBezTo>
+                  <a:pt x="3748030" y="361859"/>
+                  <a:pt x="3665680" y="317144"/>
+                  <a:pt x="3511472" y="338554"/>
+                </a:cubicBezTo>
+                <a:cubicBezTo>
+                  <a:pt x="3357264" y="359964"/>
+                  <a:pt x="3058123" y="360140"/>
+                  <a:pt x="2930437" y="338554"/>
+                </a:cubicBezTo>
+                <a:cubicBezTo>
+                  <a:pt x="2802752" y="316968"/>
+                  <a:pt x="2633019" y="359486"/>
+                  <a:pt x="2349402" y="338554"/>
+                </a:cubicBezTo>
+                <a:cubicBezTo>
+                  <a:pt x="2065786" y="317622"/>
+                  <a:pt x="1799510" y="324629"/>
+                  <a:pt x="1616793" y="338554"/>
+                </a:cubicBezTo>
+                <a:cubicBezTo>
+                  <a:pt x="1434076" y="352479"/>
+                  <a:pt x="1241721" y="357018"/>
+                  <a:pt x="1136807" y="338554"/>
+                </a:cubicBezTo>
+                <a:cubicBezTo>
+                  <a:pt x="1031893" y="320090"/>
+                  <a:pt x="314387" y="383631"/>
+                  <a:pt x="0" y="338554"/>
+                </a:cubicBezTo>
+                <a:cubicBezTo>
+                  <a:pt x="-7651" y="240294"/>
+                  <a:pt x="-503" y="116030"/>
+                  <a:pt x="0" y="0"/>
+                </a:cubicBezTo>
+                <a:close/>
+              </a:path>
+            </a:pathLst>
+          </a:custGeom>
+          <a:pattFill prst="pct5">
+            <a:fgClr>
+              <a:schemeClr val="accent3">
+                <a:lumMod val="20000"/>
+                <a:lumOff val="80000"/>
+              </a:schemeClr>
+            </a:fgClr>
+            <a:bgClr>
+              <a:schemeClr val="bg1"/>
+            </a:bgClr>
+          </a:pattFill>
+          <a:ln>
+            <a:solidFill>
+              <a:schemeClr val="accent1"/>
+            </a:solidFill>
+            <a:prstDash val="dash"/>
+            <a:extLst>
+              <a:ext uri="{C807C97D-BFC1-408E-A445-0C87EB9F89A2}">
+                <ask:lineSketchStyleProps xmlns:ask="http://schemas.microsoft.com/office/drawing/2018/sketchyshapes" sd="487723824">
+                  <a:prstGeom prst="rect">
+                    <a:avLst/>
+                  </a:prstGeom>
+                  <ask:type>
+                    <ask:lineSketchFreehand/>
+                  </ask:type>
+                </ask:lineSketchStyleProps>
+              </a:ext>
+            </a:extLst>
+          </a:ln>
         </p:spPr>
         <p:txBody>
           <a:bodyPr wrap="square" rtlCol="0">
@@ -20990,7 +21722,7 @@
             <a:pPr algn="ctr"/>
             <a:r>
               <a:rPr lang="en-US" sz="1600" dirty="0"/>
-              <a:t>Initialize variables/field references for traffic splitting</a:t>
+              <a:t>Initialize experiment</a:t>
             </a:r>
           </a:p>
         </p:txBody>
@@ -21009,8 +21741,8 @@
         </p:nvSpPr>
         <p:spPr>
           <a:xfrm flipH="1">
-            <a:off x="7186677" y="3675972"/>
-            <a:ext cx="143415" cy="985890"/>
+            <a:off x="7193746" y="3412348"/>
+            <a:ext cx="136343" cy="1451947"/>
           </a:xfrm>
           <a:prstGeom prst="rect">
             <a:avLst/>
@@ -21119,172 +21851,8 @@
         </p:nvCxnSpPr>
         <p:spPr>
           <a:xfrm>
-            <a:off x="5029195" y="3674643"/>
+            <a:off x="5029195" y="3403382"/>
             <a:ext cx="2247182" cy="0"/>
-          </a:xfrm>
-          <a:prstGeom prst="straightConnector1">
-            <a:avLst/>
-          </a:prstGeom>
-          <a:ln>
-            <a:tailEnd type="stealth" w="lg" len="lg"/>
-          </a:ln>
-        </p:spPr>
-        <p:style>
-          <a:lnRef idx="1">
-            <a:schemeClr val="accent1"/>
-          </a:lnRef>
-          <a:fillRef idx="0">
-            <a:schemeClr val="accent1"/>
-          </a:fillRef>
-          <a:effectRef idx="0">
-            <a:schemeClr val="accent1"/>
-          </a:effectRef>
-          <a:fontRef idx="minor">
-            <a:schemeClr val="tx1"/>
-          </a:fontRef>
-        </p:style>
-      </p:cxnSp>
-      <p:cxnSp>
-        <p:nvCxnSpPr>
-          <p:cNvPr id="77" name="Straight Arrow Connector 76">
-            <a:extLst>
-              <a:ext uri="{FF2B5EF4-FFF2-40B4-BE49-F238E27FC236}">
-                <a16:creationId xmlns:a16="http://schemas.microsoft.com/office/drawing/2014/main" id="{03615D93-0833-534C-A029-9D092072F8AD}"/>
-              </a:ext>
-            </a:extLst>
-          </p:cNvPr>
-          <p:cNvCxnSpPr>
-            <a:cxnSpLocks/>
-          </p:cNvCxnSpPr>
-          <p:nvPr/>
-        </p:nvCxnSpPr>
-        <p:spPr>
-          <a:xfrm flipH="1">
-            <a:off x="5012455" y="3761318"/>
-            <a:ext cx="2263922" cy="0"/>
-          </a:xfrm>
-          <a:prstGeom prst="straightConnector1">
-            <a:avLst/>
-          </a:prstGeom>
-          <a:ln>
-            <a:tailEnd type="stealth" w="lg" len="lg"/>
-          </a:ln>
-        </p:spPr>
-        <p:style>
-          <a:lnRef idx="1">
-            <a:schemeClr val="accent1"/>
-          </a:lnRef>
-          <a:fillRef idx="0">
-            <a:schemeClr val="accent1"/>
-          </a:fillRef>
-          <a:effectRef idx="0">
-            <a:schemeClr val="accent1"/>
-          </a:effectRef>
-          <a:fontRef idx="minor">
-            <a:schemeClr val="tx1"/>
-          </a:fontRef>
-        </p:style>
-      </p:cxnSp>
-      <p:cxnSp>
-        <p:nvCxnSpPr>
-          <p:cNvPr id="80" name="Straight Arrow Connector 79">
-            <a:extLst>
-              <a:ext uri="{FF2B5EF4-FFF2-40B4-BE49-F238E27FC236}">
-                <a16:creationId xmlns:a16="http://schemas.microsoft.com/office/drawing/2014/main" id="{F1C03B0C-9810-A945-AE0D-5372C365ABD2}"/>
-              </a:ext>
-            </a:extLst>
-          </p:cNvPr>
-          <p:cNvCxnSpPr>
-            <a:cxnSpLocks/>
-          </p:cNvCxnSpPr>
-          <p:nvPr/>
-        </p:nvCxnSpPr>
-        <p:spPr>
-          <a:xfrm>
-            <a:off x="5047951" y="4123058"/>
-            <a:ext cx="2282141" cy="0"/>
-          </a:xfrm>
-          <a:prstGeom prst="straightConnector1">
-            <a:avLst/>
-          </a:prstGeom>
-          <a:ln>
-            <a:tailEnd type="stealth" w="lg" len="lg"/>
-          </a:ln>
-        </p:spPr>
-        <p:style>
-          <a:lnRef idx="1">
-            <a:schemeClr val="accent1"/>
-          </a:lnRef>
-          <a:fillRef idx="0">
-            <a:schemeClr val="accent1"/>
-          </a:fillRef>
-          <a:effectRef idx="0">
-            <a:schemeClr val="accent1"/>
-          </a:effectRef>
-          <a:fontRef idx="minor">
-            <a:schemeClr val="tx1"/>
-          </a:fontRef>
-        </p:style>
-      </p:cxnSp>
-      <p:cxnSp>
-        <p:nvCxnSpPr>
-          <p:cNvPr id="81" name="Straight Arrow Connector 80">
-            <a:extLst>
-              <a:ext uri="{FF2B5EF4-FFF2-40B4-BE49-F238E27FC236}">
-                <a16:creationId xmlns:a16="http://schemas.microsoft.com/office/drawing/2014/main" id="{4C49FD1C-886E-F246-9BB9-FC4C10FC9CD5}"/>
-              </a:ext>
-            </a:extLst>
-          </p:cNvPr>
-          <p:cNvCxnSpPr>
-            <a:cxnSpLocks/>
-          </p:cNvCxnSpPr>
-          <p:nvPr/>
-        </p:nvCxnSpPr>
-        <p:spPr>
-          <a:xfrm flipH="1">
-            <a:off x="5020825" y="4204663"/>
-            <a:ext cx="2228426" cy="0"/>
-          </a:xfrm>
-          <a:prstGeom prst="straightConnector1">
-            <a:avLst/>
-          </a:prstGeom>
-          <a:ln>
-            <a:tailEnd type="stealth" w="lg" len="lg"/>
-          </a:ln>
-        </p:spPr>
-        <p:style>
-          <a:lnRef idx="1">
-            <a:schemeClr val="accent1"/>
-          </a:lnRef>
-          <a:fillRef idx="0">
-            <a:schemeClr val="accent1"/>
-          </a:fillRef>
-          <a:effectRef idx="0">
-            <a:schemeClr val="accent1"/>
-          </a:effectRef>
-          <a:fontRef idx="minor">
-            <a:schemeClr val="tx1"/>
-          </a:fontRef>
-        </p:style>
-      </p:cxnSp>
-      <p:cxnSp>
-        <p:nvCxnSpPr>
-          <p:cNvPr id="82" name="Straight Arrow Connector 81">
-            <a:extLst>
-              <a:ext uri="{FF2B5EF4-FFF2-40B4-BE49-F238E27FC236}">
-                <a16:creationId xmlns:a16="http://schemas.microsoft.com/office/drawing/2014/main" id="{81F06543-AB84-7E46-875F-26A89EDF2292}"/>
-              </a:ext>
-            </a:extLst>
-          </p:cNvPr>
-          <p:cNvCxnSpPr>
-            <a:cxnSpLocks/>
-          </p:cNvCxnSpPr>
-          <p:nvPr/>
-        </p:nvCxnSpPr>
-        <p:spPr>
-          <a:xfrm>
-            <a:off x="5015654" y="4569866"/>
-            <a:ext cx="2314438" cy="0"/>
           </a:xfrm>
           <a:prstGeom prst="straightConnector1">
             <a:avLst/>
@@ -21324,7 +21892,7 @@
         </p:nvCxnSpPr>
         <p:spPr>
           <a:xfrm flipH="1">
-            <a:off x="4988528" y="4661862"/>
+            <a:off x="4988528" y="4864296"/>
             <a:ext cx="2287849" cy="0"/>
           </a:xfrm>
           <a:prstGeom prst="straightConnector1">
@@ -21489,15 +22057,243 @@
             <a:off x="1395848" y="4263986"/>
             <a:ext cx="3438572" cy="338554"/>
           </a:xfrm>
-          <a:prstGeom prst="rect">
-            <a:avLst/>
-          </a:prstGeom>
-          <a:solidFill>
-            <a:schemeClr val="accent3">
-              <a:lumMod val="20000"/>
-              <a:lumOff val="80000"/>
-            </a:schemeClr>
-          </a:solidFill>
+          <a:custGeom>
+            <a:avLst/>
+            <a:gdLst>
+              <a:gd name="connsiteX0" fmla="*/ 0 w 3438572"/>
+              <a:gd name="connsiteY0" fmla="*/ 0 h 338554"/>
+              <a:gd name="connsiteX1" fmla="*/ 653329 w 3438572"/>
+              <a:gd name="connsiteY1" fmla="*/ 0 h 338554"/>
+              <a:gd name="connsiteX2" fmla="*/ 1306657 w 3438572"/>
+              <a:gd name="connsiteY2" fmla="*/ 0 h 338554"/>
+              <a:gd name="connsiteX3" fmla="*/ 1891215 w 3438572"/>
+              <a:gd name="connsiteY3" fmla="*/ 0 h 338554"/>
+              <a:gd name="connsiteX4" fmla="*/ 2578929 w 3438572"/>
+              <a:gd name="connsiteY4" fmla="*/ 0 h 338554"/>
+              <a:gd name="connsiteX5" fmla="*/ 3438572 w 3438572"/>
+              <a:gd name="connsiteY5" fmla="*/ 0 h 338554"/>
+              <a:gd name="connsiteX6" fmla="*/ 3438572 w 3438572"/>
+              <a:gd name="connsiteY6" fmla="*/ 338554 h 338554"/>
+              <a:gd name="connsiteX7" fmla="*/ 2750858 w 3438572"/>
+              <a:gd name="connsiteY7" fmla="*/ 338554 h 338554"/>
+              <a:gd name="connsiteX8" fmla="*/ 1994372 w 3438572"/>
+              <a:gd name="connsiteY8" fmla="*/ 338554 h 338554"/>
+              <a:gd name="connsiteX9" fmla="*/ 1306657 w 3438572"/>
+              <a:gd name="connsiteY9" fmla="*/ 338554 h 338554"/>
+              <a:gd name="connsiteX10" fmla="*/ 687714 w 3438572"/>
+              <a:gd name="connsiteY10" fmla="*/ 338554 h 338554"/>
+              <a:gd name="connsiteX11" fmla="*/ 0 w 3438572"/>
+              <a:gd name="connsiteY11" fmla="*/ 338554 h 338554"/>
+              <a:gd name="connsiteX12" fmla="*/ 0 w 3438572"/>
+              <a:gd name="connsiteY12" fmla="*/ 0 h 338554"/>
+            </a:gdLst>
+            <a:ahLst/>
+            <a:cxnLst>
+              <a:cxn ang="0">
+                <a:pos x="connsiteX0" y="connsiteY0"/>
+              </a:cxn>
+              <a:cxn ang="0">
+                <a:pos x="connsiteX1" y="connsiteY1"/>
+              </a:cxn>
+              <a:cxn ang="0">
+                <a:pos x="connsiteX2" y="connsiteY2"/>
+              </a:cxn>
+              <a:cxn ang="0">
+                <a:pos x="connsiteX3" y="connsiteY3"/>
+              </a:cxn>
+              <a:cxn ang="0">
+                <a:pos x="connsiteX4" y="connsiteY4"/>
+              </a:cxn>
+              <a:cxn ang="0">
+                <a:pos x="connsiteX5" y="connsiteY5"/>
+              </a:cxn>
+              <a:cxn ang="0">
+                <a:pos x="connsiteX6" y="connsiteY6"/>
+              </a:cxn>
+              <a:cxn ang="0">
+                <a:pos x="connsiteX7" y="connsiteY7"/>
+              </a:cxn>
+              <a:cxn ang="0">
+                <a:pos x="connsiteX8" y="connsiteY8"/>
+              </a:cxn>
+              <a:cxn ang="0">
+                <a:pos x="connsiteX9" y="connsiteY9"/>
+              </a:cxn>
+              <a:cxn ang="0">
+                <a:pos x="connsiteX10" y="connsiteY10"/>
+              </a:cxn>
+              <a:cxn ang="0">
+                <a:pos x="connsiteX11" y="connsiteY11"/>
+              </a:cxn>
+              <a:cxn ang="0">
+                <a:pos x="connsiteX12" y="connsiteY12"/>
+              </a:cxn>
+            </a:cxnLst>
+            <a:rect l="l" t="t" r="r" b="b"/>
+            <a:pathLst>
+              <a:path w="3438572" h="338554" fill="none" extrusionOk="0">
+                <a:moveTo>
+                  <a:pt x="0" y="0"/>
+                </a:moveTo>
+                <a:cubicBezTo>
+                  <a:pt x="133686" y="10606"/>
+                  <a:pt x="404639" y="7365"/>
+                  <a:pt x="653329" y="0"/>
+                </a:cubicBezTo>
+                <a:cubicBezTo>
+                  <a:pt x="902019" y="-7365"/>
+                  <a:pt x="1086206" y="15545"/>
+                  <a:pt x="1306657" y="0"/>
+                </a:cubicBezTo>
+                <a:cubicBezTo>
+                  <a:pt x="1527108" y="-15545"/>
+                  <a:pt x="1656443" y="24800"/>
+                  <a:pt x="1891215" y="0"/>
+                </a:cubicBezTo>
+                <a:cubicBezTo>
+                  <a:pt x="2125987" y="-24800"/>
+                  <a:pt x="2324818" y="-5515"/>
+                  <a:pt x="2578929" y="0"/>
+                </a:cubicBezTo>
+                <a:cubicBezTo>
+                  <a:pt x="2833040" y="5515"/>
+                  <a:pt x="3015929" y="-5734"/>
+                  <a:pt x="3438572" y="0"/>
+                </a:cubicBezTo>
+                <a:cubicBezTo>
+                  <a:pt x="3432510" y="106024"/>
+                  <a:pt x="3435682" y="268731"/>
+                  <a:pt x="3438572" y="338554"/>
+                </a:cubicBezTo>
+                <a:cubicBezTo>
+                  <a:pt x="3285942" y="337309"/>
+                  <a:pt x="2965871" y="350178"/>
+                  <a:pt x="2750858" y="338554"/>
+                </a:cubicBezTo>
+                <a:cubicBezTo>
+                  <a:pt x="2535845" y="326930"/>
+                  <a:pt x="2267089" y="337375"/>
+                  <a:pt x="1994372" y="338554"/>
+                </a:cubicBezTo>
+                <a:cubicBezTo>
+                  <a:pt x="1721655" y="339733"/>
+                  <a:pt x="1607019" y="351509"/>
+                  <a:pt x="1306657" y="338554"/>
+                </a:cubicBezTo>
+                <a:cubicBezTo>
+                  <a:pt x="1006296" y="325599"/>
+                  <a:pt x="978268" y="327723"/>
+                  <a:pt x="687714" y="338554"/>
+                </a:cubicBezTo>
+                <a:cubicBezTo>
+                  <a:pt x="397160" y="349385"/>
+                  <a:pt x="246285" y="371637"/>
+                  <a:pt x="0" y="338554"/>
+                </a:cubicBezTo>
+                <a:cubicBezTo>
+                  <a:pt x="11738" y="224619"/>
+                  <a:pt x="-16398" y="111746"/>
+                  <a:pt x="0" y="0"/>
+                </a:cubicBezTo>
+                <a:close/>
+              </a:path>
+              <a:path w="3438572" h="338554" stroke="0" extrusionOk="0">
+                <a:moveTo>
+                  <a:pt x="0" y="0"/>
+                </a:moveTo>
+                <a:cubicBezTo>
+                  <a:pt x="173545" y="29466"/>
+                  <a:pt x="561064" y="-16018"/>
+                  <a:pt x="756486" y="0"/>
+                </a:cubicBezTo>
+                <a:cubicBezTo>
+                  <a:pt x="951908" y="16018"/>
+                  <a:pt x="1245906" y="-10319"/>
+                  <a:pt x="1409815" y="0"/>
+                </a:cubicBezTo>
+                <a:cubicBezTo>
+                  <a:pt x="1573724" y="10319"/>
+                  <a:pt x="1801122" y="-10377"/>
+                  <a:pt x="1994372" y="0"/>
+                </a:cubicBezTo>
+                <a:cubicBezTo>
+                  <a:pt x="2187622" y="10377"/>
+                  <a:pt x="2333192" y="-7938"/>
+                  <a:pt x="2578929" y="0"/>
+                </a:cubicBezTo>
+                <a:cubicBezTo>
+                  <a:pt x="2824666" y="7938"/>
+                  <a:pt x="3117898" y="11480"/>
+                  <a:pt x="3438572" y="0"/>
+                </a:cubicBezTo>
+                <a:cubicBezTo>
+                  <a:pt x="3432030" y="111313"/>
+                  <a:pt x="3442069" y="185153"/>
+                  <a:pt x="3438572" y="338554"/>
+                </a:cubicBezTo>
+                <a:cubicBezTo>
+                  <a:pt x="3312348" y="318194"/>
+                  <a:pt x="3031067" y="335829"/>
+                  <a:pt x="2819629" y="338554"/>
+                </a:cubicBezTo>
+                <a:cubicBezTo>
+                  <a:pt x="2608191" y="341279"/>
+                  <a:pt x="2366297" y="348365"/>
+                  <a:pt x="2200686" y="338554"/>
+                </a:cubicBezTo>
+                <a:cubicBezTo>
+                  <a:pt x="2035075" y="328743"/>
+                  <a:pt x="1739408" y="314850"/>
+                  <a:pt x="1547357" y="338554"/>
+                </a:cubicBezTo>
+                <a:cubicBezTo>
+                  <a:pt x="1355306" y="362258"/>
+                  <a:pt x="1160614" y="319371"/>
+                  <a:pt x="928414" y="338554"/>
+                </a:cubicBezTo>
+                <a:cubicBezTo>
+                  <a:pt x="696214" y="357737"/>
+                  <a:pt x="368855" y="294927"/>
+                  <a:pt x="0" y="338554"/>
+                </a:cubicBezTo>
+                <a:cubicBezTo>
+                  <a:pt x="-984" y="269855"/>
+                  <a:pt x="16340" y="104171"/>
+                  <a:pt x="0" y="0"/>
+                </a:cubicBezTo>
+                <a:close/>
+              </a:path>
+            </a:pathLst>
+          </a:custGeom>
+          <a:pattFill prst="pct5">
+            <a:fgClr>
+              <a:schemeClr val="accent3">
+                <a:lumMod val="20000"/>
+                <a:lumOff val="80000"/>
+              </a:schemeClr>
+            </a:fgClr>
+            <a:bgClr>
+              <a:schemeClr val="bg1"/>
+            </a:bgClr>
+          </a:pattFill>
+          <a:ln>
+            <a:solidFill>
+              <a:schemeClr val="accent1"/>
+            </a:solidFill>
+            <a:prstDash val="dash"/>
+            <a:extLst>
+              <a:ext uri="{C807C97D-BFC1-408E-A445-0C87EB9F89A2}">
+                <ask:lineSketchStyleProps xmlns:ask="http://schemas.microsoft.com/office/drawing/2018/sketchyshapes" sd="3664814286">
+                  <a:prstGeom prst="rect">
+                    <a:avLst/>
+                  </a:prstGeom>
+                  <ask:type>
+                    <ask:lineSketchFreehand/>
+                  </ask:type>
+                </ask:lineSketchStyleProps>
+              </a:ext>
+            </a:extLst>
+          </a:ln>
         </p:spPr>
         <p:txBody>
           <a:bodyPr wrap="square" rtlCol="0">
@@ -21571,15 +22367,153 @@
             <a:off x="9787656" y="5091448"/>
             <a:ext cx="777777" cy="338554"/>
           </a:xfrm>
-          <a:prstGeom prst="rect">
-            <a:avLst/>
-          </a:prstGeom>
-          <a:solidFill>
-            <a:schemeClr val="accent3">
-              <a:lumMod val="20000"/>
-              <a:lumOff val="80000"/>
-            </a:schemeClr>
-          </a:solidFill>
+          <a:custGeom>
+            <a:avLst/>
+            <a:gdLst>
+              <a:gd name="connsiteX0" fmla="*/ 0 w 777777"/>
+              <a:gd name="connsiteY0" fmla="*/ 0 h 338554"/>
+              <a:gd name="connsiteX1" fmla="*/ 388889 w 777777"/>
+              <a:gd name="connsiteY1" fmla="*/ 0 h 338554"/>
+              <a:gd name="connsiteX2" fmla="*/ 777777 w 777777"/>
+              <a:gd name="connsiteY2" fmla="*/ 0 h 338554"/>
+              <a:gd name="connsiteX3" fmla="*/ 777777 w 777777"/>
+              <a:gd name="connsiteY3" fmla="*/ 338554 h 338554"/>
+              <a:gd name="connsiteX4" fmla="*/ 412222 w 777777"/>
+              <a:gd name="connsiteY4" fmla="*/ 338554 h 338554"/>
+              <a:gd name="connsiteX5" fmla="*/ 0 w 777777"/>
+              <a:gd name="connsiteY5" fmla="*/ 338554 h 338554"/>
+              <a:gd name="connsiteX6" fmla="*/ 0 w 777777"/>
+              <a:gd name="connsiteY6" fmla="*/ 0 h 338554"/>
+            </a:gdLst>
+            <a:ahLst/>
+            <a:cxnLst>
+              <a:cxn ang="0">
+                <a:pos x="connsiteX0" y="connsiteY0"/>
+              </a:cxn>
+              <a:cxn ang="0">
+                <a:pos x="connsiteX1" y="connsiteY1"/>
+              </a:cxn>
+              <a:cxn ang="0">
+                <a:pos x="connsiteX2" y="connsiteY2"/>
+              </a:cxn>
+              <a:cxn ang="0">
+                <a:pos x="connsiteX3" y="connsiteY3"/>
+              </a:cxn>
+              <a:cxn ang="0">
+                <a:pos x="connsiteX4" y="connsiteY4"/>
+              </a:cxn>
+              <a:cxn ang="0">
+                <a:pos x="connsiteX5" y="connsiteY5"/>
+              </a:cxn>
+              <a:cxn ang="0">
+                <a:pos x="connsiteX6" y="connsiteY6"/>
+              </a:cxn>
+            </a:cxnLst>
+            <a:rect l="l" t="t" r="r" b="b"/>
+            <a:pathLst>
+              <a:path w="777777" h="338554" fill="none" extrusionOk="0">
+                <a:moveTo>
+                  <a:pt x="0" y="0"/>
+                </a:moveTo>
+                <a:cubicBezTo>
+                  <a:pt x="92367" y="-16524"/>
+                  <a:pt x="232200" y="534"/>
+                  <a:pt x="388889" y="0"/>
+                </a:cubicBezTo>
+                <a:cubicBezTo>
+                  <a:pt x="545578" y="-534"/>
+                  <a:pt x="692836" y="16451"/>
+                  <a:pt x="777777" y="0"/>
+                </a:cubicBezTo>
+                <a:cubicBezTo>
+                  <a:pt x="776799" y="107777"/>
+                  <a:pt x="767917" y="195723"/>
+                  <a:pt x="777777" y="338554"/>
+                </a:cubicBezTo>
+                <a:cubicBezTo>
+                  <a:pt x="691337" y="339434"/>
+                  <a:pt x="589637" y="332309"/>
+                  <a:pt x="412222" y="338554"/>
+                </a:cubicBezTo>
+                <a:cubicBezTo>
+                  <a:pt x="234808" y="344799"/>
+                  <a:pt x="135064" y="318271"/>
+                  <a:pt x="0" y="338554"/>
+                </a:cubicBezTo>
+                <a:cubicBezTo>
+                  <a:pt x="16312" y="182694"/>
+                  <a:pt x="15202" y="76868"/>
+                  <a:pt x="0" y="0"/>
+                </a:cubicBezTo>
+                <a:close/>
+              </a:path>
+              <a:path w="777777" h="338554" stroke="0" extrusionOk="0">
+                <a:moveTo>
+                  <a:pt x="0" y="0"/>
+                </a:moveTo>
+                <a:cubicBezTo>
+                  <a:pt x="109828" y="-8672"/>
+                  <a:pt x="255497" y="-7708"/>
+                  <a:pt x="388889" y="0"/>
+                </a:cubicBezTo>
+                <a:cubicBezTo>
+                  <a:pt x="522281" y="7708"/>
+                  <a:pt x="684665" y="11358"/>
+                  <a:pt x="777777" y="0"/>
+                </a:cubicBezTo>
+                <a:cubicBezTo>
+                  <a:pt x="765316" y="127640"/>
+                  <a:pt x="773161" y="173838"/>
+                  <a:pt x="777777" y="338554"/>
+                </a:cubicBezTo>
+                <a:cubicBezTo>
+                  <a:pt x="695688" y="322411"/>
+                  <a:pt x="503487" y="351661"/>
+                  <a:pt x="381111" y="338554"/>
+                </a:cubicBezTo>
+                <a:cubicBezTo>
+                  <a:pt x="258735" y="325447"/>
+                  <a:pt x="182116" y="346509"/>
+                  <a:pt x="0" y="338554"/>
+                </a:cubicBezTo>
+                <a:cubicBezTo>
+                  <a:pt x="-12306" y="208974"/>
+                  <a:pt x="-10615" y="69977"/>
+                  <a:pt x="0" y="0"/>
+                </a:cubicBezTo>
+                <a:close/>
+              </a:path>
+            </a:pathLst>
+          </a:custGeom>
+          <a:pattFill prst="pct5">
+            <a:fgClr>
+              <a:schemeClr val="accent3">
+                <a:lumMod val="20000"/>
+                <a:lumOff val="80000"/>
+              </a:schemeClr>
+            </a:fgClr>
+            <a:bgClr>
+              <a:schemeClr val="bg1"/>
+            </a:bgClr>
+          </a:pattFill>
+          <a:ln>
+            <a:solidFill>
+              <a:schemeClr val="accent1"/>
+            </a:solidFill>
+            <a:prstDash val="dash"/>
+            <a:extLst>
+              <a:ext uri="{C807C97D-BFC1-408E-A445-0C87EB9F89A2}">
+                <ask:lineSketchStyleProps xmlns:ask="http://schemas.microsoft.com/office/drawing/2018/sketchyshapes" sd="1936591246">
+                  <a:prstGeom prst="rect">
+                    <a:avLst/>
+                  </a:prstGeom>
+                  <ask:type>
+                    <ask:lineSketchFreehand/>
+                  </ask:type>
+                </ask:lineSketchStyleProps>
+              </a:ext>
+            </a:extLst>
+          </a:ln>
         </p:spPr>
         <p:txBody>
           <a:bodyPr wrap="none" rtlCol="0">
@@ -21702,17 +22636,245 @@
         <p:spPr>
           <a:xfrm>
             <a:off x="1392407" y="5537776"/>
-            <a:ext cx="3423220" cy="338554"/>
-          </a:xfrm>
-          <a:prstGeom prst="rect">
-            <a:avLst/>
-          </a:prstGeom>
-          <a:solidFill>
-            <a:schemeClr val="accent3">
-              <a:lumMod val="20000"/>
-              <a:lumOff val="80000"/>
-            </a:schemeClr>
-          </a:solidFill>
+            <a:ext cx="3423220" cy="584775"/>
+          </a:xfrm>
+          <a:custGeom>
+            <a:avLst/>
+            <a:gdLst>
+              <a:gd name="connsiteX0" fmla="*/ 0 w 3423220"/>
+              <a:gd name="connsiteY0" fmla="*/ 0 h 584775"/>
+              <a:gd name="connsiteX1" fmla="*/ 718876 w 3423220"/>
+              <a:gd name="connsiteY1" fmla="*/ 0 h 584775"/>
+              <a:gd name="connsiteX2" fmla="*/ 1437752 w 3423220"/>
+              <a:gd name="connsiteY2" fmla="*/ 0 h 584775"/>
+              <a:gd name="connsiteX3" fmla="*/ 2019700 w 3423220"/>
+              <a:gd name="connsiteY3" fmla="*/ 0 h 584775"/>
+              <a:gd name="connsiteX4" fmla="*/ 2635879 w 3423220"/>
+              <a:gd name="connsiteY4" fmla="*/ 0 h 584775"/>
+              <a:gd name="connsiteX5" fmla="*/ 3423220 w 3423220"/>
+              <a:gd name="connsiteY5" fmla="*/ 0 h 584775"/>
+              <a:gd name="connsiteX6" fmla="*/ 3423220 w 3423220"/>
+              <a:gd name="connsiteY6" fmla="*/ 584775 h 584775"/>
+              <a:gd name="connsiteX7" fmla="*/ 2670112 w 3423220"/>
+              <a:gd name="connsiteY7" fmla="*/ 584775 h 584775"/>
+              <a:gd name="connsiteX8" fmla="*/ 1985468 w 3423220"/>
+              <a:gd name="connsiteY8" fmla="*/ 584775 h 584775"/>
+              <a:gd name="connsiteX9" fmla="*/ 1369288 w 3423220"/>
+              <a:gd name="connsiteY9" fmla="*/ 584775 h 584775"/>
+              <a:gd name="connsiteX10" fmla="*/ 718876 w 3423220"/>
+              <a:gd name="connsiteY10" fmla="*/ 584775 h 584775"/>
+              <a:gd name="connsiteX11" fmla="*/ 0 w 3423220"/>
+              <a:gd name="connsiteY11" fmla="*/ 584775 h 584775"/>
+              <a:gd name="connsiteX12" fmla="*/ 0 w 3423220"/>
+              <a:gd name="connsiteY12" fmla="*/ 0 h 584775"/>
+            </a:gdLst>
+            <a:ahLst/>
+            <a:cxnLst>
+              <a:cxn ang="0">
+                <a:pos x="connsiteX0" y="connsiteY0"/>
+              </a:cxn>
+              <a:cxn ang="0">
+                <a:pos x="connsiteX1" y="connsiteY1"/>
+              </a:cxn>
+              <a:cxn ang="0">
+                <a:pos x="connsiteX2" y="connsiteY2"/>
+              </a:cxn>
+              <a:cxn ang="0">
+                <a:pos x="connsiteX3" y="connsiteY3"/>
+              </a:cxn>
+              <a:cxn ang="0">
+                <a:pos x="connsiteX4" y="connsiteY4"/>
+              </a:cxn>
+              <a:cxn ang="0">
+                <a:pos x="connsiteX5" y="connsiteY5"/>
+              </a:cxn>
+              <a:cxn ang="0">
+                <a:pos x="connsiteX6" y="connsiteY6"/>
+              </a:cxn>
+              <a:cxn ang="0">
+                <a:pos x="connsiteX7" y="connsiteY7"/>
+              </a:cxn>
+              <a:cxn ang="0">
+                <a:pos x="connsiteX8" y="connsiteY8"/>
+              </a:cxn>
+              <a:cxn ang="0">
+                <a:pos x="connsiteX9" y="connsiteY9"/>
+              </a:cxn>
+              <a:cxn ang="0">
+                <a:pos x="connsiteX10" y="connsiteY10"/>
+              </a:cxn>
+              <a:cxn ang="0">
+                <a:pos x="connsiteX11" y="connsiteY11"/>
+              </a:cxn>
+              <a:cxn ang="0">
+                <a:pos x="connsiteX12" y="connsiteY12"/>
+              </a:cxn>
+            </a:cxnLst>
+            <a:rect l="l" t="t" r="r" b="b"/>
+            <a:pathLst>
+              <a:path w="3423220" h="584775" fill="none" extrusionOk="0">
+                <a:moveTo>
+                  <a:pt x="0" y="0"/>
+                </a:moveTo>
+                <a:cubicBezTo>
+                  <a:pt x="261554" y="-27734"/>
+                  <a:pt x="530716" y="20883"/>
+                  <a:pt x="718876" y="0"/>
+                </a:cubicBezTo>
+                <a:cubicBezTo>
+                  <a:pt x="907036" y="-20883"/>
+                  <a:pt x="1165781" y="10378"/>
+                  <a:pt x="1437752" y="0"/>
+                </a:cubicBezTo>
+                <a:cubicBezTo>
+                  <a:pt x="1709723" y="-10378"/>
+                  <a:pt x="1798428" y="20180"/>
+                  <a:pt x="2019700" y="0"/>
+                </a:cubicBezTo>
+                <a:cubicBezTo>
+                  <a:pt x="2240972" y="-20180"/>
+                  <a:pt x="2508056" y="-3321"/>
+                  <a:pt x="2635879" y="0"/>
+                </a:cubicBezTo>
+                <a:cubicBezTo>
+                  <a:pt x="2763702" y="3321"/>
+                  <a:pt x="3152782" y="18090"/>
+                  <a:pt x="3423220" y="0"/>
+                </a:cubicBezTo>
+                <a:cubicBezTo>
+                  <a:pt x="3413202" y="121188"/>
+                  <a:pt x="3409783" y="335915"/>
+                  <a:pt x="3423220" y="584775"/>
+                </a:cubicBezTo>
+                <a:cubicBezTo>
+                  <a:pt x="3104147" y="584799"/>
+                  <a:pt x="2836996" y="610653"/>
+                  <a:pt x="2670112" y="584775"/>
+                </a:cubicBezTo>
+                <a:cubicBezTo>
+                  <a:pt x="2503228" y="558897"/>
+                  <a:pt x="2306865" y="557131"/>
+                  <a:pt x="1985468" y="584775"/>
+                </a:cubicBezTo>
+                <a:cubicBezTo>
+                  <a:pt x="1664071" y="612419"/>
+                  <a:pt x="1645221" y="579517"/>
+                  <a:pt x="1369288" y="584775"/>
+                </a:cubicBezTo>
+                <a:cubicBezTo>
+                  <a:pt x="1093355" y="590033"/>
+                  <a:pt x="963197" y="565240"/>
+                  <a:pt x="718876" y="584775"/>
+                </a:cubicBezTo>
+                <a:cubicBezTo>
+                  <a:pt x="474555" y="604310"/>
+                  <a:pt x="205624" y="580312"/>
+                  <a:pt x="0" y="584775"/>
+                </a:cubicBezTo>
+                <a:cubicBezTo>
+                  <a:pt x="25539" y="461173"/>
+                  <a:pt x="-17919" y="268215"/>
+                  <a:pt x="0" y="0"/>
+                </a:cubicBezTo>
+                <a:close/>
+              </a:path>
+              <a:path w="3423220" h="584775" stroke="0" extrusionOk="0">
+                <a:moveTo>
+                  <a:pt x="0" y="0"/>
+                </a:moveTo>
+                <a:cubicBezTo>
+                  <a:pt x="236264" y="-5797"/>
+                  <a:pt x="496779" y="30871"/>
+                  <a:pt x="718876" y="0"/>
+                </a:cubicBezTo>
+                <a:cubicBezTo>
+                  <a:pt x="940973" y="-30871"/>
+                  <a:pt x="1101168" y="8346"/>
+                  <a:pt x="1300824" y="0"/>
+                </a:cubicBezTo>
+                <a:cubicBezTo>
+                  <a:pt x="1500480" y="-8346"/>
+                  <a:pt x="1802487" y="33092"/>
+                  <a:pt x="1985468" y="0"/>
+                </a:cubicBezTo>
+                <a:cubicBezTo>
+                  <a:pt x="2168449" y="-33092"/>
+                  <a:pt x="2374795" y="-6565"/>
+                  <a:pt x="2670112" y="0"/>
+                </a:cubicBezTo>
+                <a:cubicBezTo>
+                  <a:pt x="2965429" y="6565"/>
+                  <a:pt x="3213822" y="34000"/>
+                  <a:pt x="3423220" y="0"/>
+                </a:cubicBezTo>
+                <a:cubicBezTo>
+                  <a:pt x="3433944" y="270084"/>
+                  <a:pt x="3448539" y="299375"/>
+                  <a:pt x="3423220" y="584775"/>
+                </a:cubicBezTo>
+                <a:cubicBezTo>
+                  <a:pt x="3088339" y="552681"/>
+                  <a:pt x="2854042" y="610709"/>
+                  <a:pt x="2670112" y="584775"/>
+                </a:cubicBezTo>
+                <a:cubicBezTo>
+                  <a:pt x="2486182" y="558841"/>
+                  <a:pt x="2283494" y="582260"/>
+                  <a:pt x="2019700" y="584775"/>
+                </a:cubicBezTo>
+                <a:cubicBezTo>
+                  <a:pt x="1755906" y="587290"/>
+                  <a:pt x="1582674" y="603479"/>
+                  <a:pt x="1437752" y="584775"/>
+                </a:cubicBezTo>
+                <a:cubicBezTo>
+                  <a:pt x="1292830" y="566071"/>
+                  <a:pt x="1015782" y="598925"/>
+                  <a:pt x="821573" y="584775"/>
+                </a:cubicBezTo>
+                <a:cubicBezTo>
+                  <a:pt x="627364" y="570625"/>
+                  <a:pt x="205779" y="597872"/>
+                  <a:pt x="0" y="584775"/>
+                </a:cubicBezTo>
+                <a:cubicBezTo>
+                  <a:pt x="-14597" y="300448"/>
+                  <a:pt x="15864" y="149485"/>
+                  <a:pt x="0" y="0"/>
+                </a:cubicBezTo>
+                <a:close/>
+              </a:path>
+            </a:pathLst>
+          </a:custGeom>
+          <a:pattFill prst="pct5">
+            <a:fgClr>
+              <a:schemeClr val="accent3">
+                <a:lumMod val="20000"/>
+                <a:lumOff val="80000"/>
+              </a:schemeClr>
+            </a:fgClr>
+            <a:bgClr>
+              <a:schemeClr val="bg1"/>
+            </a:bgClr>
+          </a:pattFill>
+          <a:ln>
+            <a:solidFill>
+              <a:schemeClr val="accent1"/>
+            </a:solidFill>
+            <a:prstDash val="dash"/>
+            <a:extLst>
+              <a:ext uri="{C807C97D-BFC1-408E-A445-0C87EB9F89A2}">
+                <ask:lineSketchStyleProps xmlns:ask="http://schemas.microsoft.com/office/drawing/2018/sketchyshapes" sd="2896009873">
+                  <a:prstGeom prst="rect">
+                    <a:avLst/>
+                  </a:prstGeom>
+                  <ask:type>
+                    <ask:lineSketchFreehand/>
+                  </ask:type>
+                </ask:lineSketchStyleProps>
+              </a:ext>
+            </a:extLst>
+          </a:ln>
         </p:spPr>
         <p:txBody>
           <a:bodyPr wrap="square" rtlCol="0">
@@ -21723,7 +22885,7 @@
             <a:pPr algn="ctr"/>
             <a:r>
               <a:rPr lang="en-US" sz="1600" dirty="0"/>
-              <a:t>Promote winning version. Clean up.</a:t>
+              <a:t>Promote winner. Clean up after experiment</a:t>
             </a:r>
           </a:p>
         </p:txBody>
@@ -21742,8 +22904,8 @@
         </p:nvSpPr>
         <p:spPr>
           <a:xfrm>
-            <a:off x="7457774" y="3674643"/>
-            <a:ext cx="429360" cy="985890"/>
+            <a:off x="7457774" y="3403382"/>
+            <a:ext cx="429360" cy="1460914"/>
           </a:xfrm>
           <a:prstGeom prst="rightBrace">
             <a:avLst/>
@@ -21905,47 +23067,6 @@
                 </a:solidFill>
               </a:rPr>
               <a:t>Experiment iterations</a:t>
-            </a:r>
-          </a:p>
-        </p:txBody>
-      </p:sp>
-      <p:sp>
-        <p:nvSpPr>
-          <p:cNvPr id="78" name="TextBox 77">
-            <a:extLst>
-              <a:ext uri="{FF2B5EF4-FFF2-40B4-BE49-F238E27FC236}">
-                <a16:creationId xmlns:a16="http://schemas.microsoft.com/office/drawing/2014/main" id="{4C8585BD-47CA-6B42-8E2B-1C05C0CF778C}"/>
-              </a:ext>
-            </a:extLst>
-          </p:cNvPr>
-          <p:cNvSpPr txBox="1"/>
-          <p:nvPr/>
-        </p:nvSpPr>
-        <p:spPr>
-          <a:xfrm>
-            <a:off x="5028596" y="3740023"/>
-            <a:ext cx="2217134" cy="830997"/>
-          </a:xfrm>
-          <a:prstGeom prst="rect">
-            <a:avLst/>
-          </a:prstGeom>
-          <a:solidFill>
-            <a:schemeClr val="accent3">
-              <a:lumMod val="20000"/>
-              <a:lumOff val="80000"/>
-            </a:schemeClr>
-          </a:solidFill>
-        </p:spPr>
-        <p:txBody>
-          <a:bodyPr wrap="square" rtlCol="0">
-            <a:spAutoFit/>
-          </a:bodyPr>
-          <a:lstStyle/>
-          <a:p>
-            <a:pPr algn="ctr"/>
-            <a:r>
-              <a:rPr lang="en-US" sz="1600" dirty="0"/>
-              <a:t>Assess versions, compute winner, split traffic</a:t>
             </a:r>
           </a:p>
         </p:txBody>
@@ -22091,6 +23212,286 @@
           </a:extLst>
         </p:spPr>
       </p:pic>
+      <p:sp>
+        <p:nvSpPr>
+          <p:cNvPr id="67" name="TextBox 66">
+            <a:extLst>
+              <a:ext uri="{FF2B5EF4-FFF2-40B4-BE49-F238E27FC236}">
+                <a16:creationId xmlns:a16="http://schemas.microsoft.com/office/drawing/2014/main" id="{89CD0F78-80FA-BD4A-9482-EBC280C1C060}"/>
+              </a:ext>
+            </a:extLst>
+          </p:cNvPr>
+          <p:cNvSpPr txBox="1"/>
+          <p:nvPr/>
+        </p:nvSpPr>
+        <p:spPr>
+          <a:xfrm>
+            <a:off x="5028596" y="3484963"/>
+            <a:ext cx="2217134" cy="1323439"/>
+          </a:xfrm>
+          <a:custGeom>
+            <a:avLst/>
+            <a:gdLst>
+              <a:gd name="connsiteX0" fmla="*/ 0 w 2217134"/>
+              <a:gd name="connsiteY0" fmla="*/ 0 h 1323439"/>
+              <a:gd name="connsiteX1" fmla="*/ 532112 w 2217134"/>
+              <a:gd name="connsiteY1" fmla="*/ 0 h 1323439"/>
+              <a:gd name="connsiteX2" fmla="*/ 1086396 w 2217134"/>
+              <a:gd name="connsiteY2" fmla="*/ 0 h 1323439"/>
+              <a:gd name="connsiteX3" fmla="*/ 1662851 w 2217134"/>
+              <a:gd name="connsiteY3" fmla="*/ 0 h 1323439"/>
+              <a:gd name="connsiteX4" fmla="*/ 2217134 w 2217134"/>
+              <a:gd name="connsiteY4" fmla="*/ 0 h 1323439"/>
+              <a:gd name="connsiteX5" fmla="*/ 2217134 w 2217134"/>
+              <a:gd name="connsiteY5" fmla="*/ 674954 h 1323439"/>
+              <a:gd name="connsiteX6" fmla="*/ 2217134 w 2217134"/>
+              <a:gd name="connsiteY6" fmla="*/ 1323439 h 1323439"/>
+              <a:gd name="connsiteX7" fmla="*/ 1618508 w 2217134"/>
+              <a:gd name="connsiteY7" fmla="*/ 1323439 h 1323439"/>
+              <a:gd name="connsiteX8" fmla="*/ 1019882 w 2217134"/>
+              <a:gd name="connsiteY8" fmla="*/ 1323439 h 1323439"/>
+              <a:gd name="connsiteX9" fmla="*/ 0 w 2217134"/>
+              <a:gd name="connsiteY9" fmla="*/ 1323439 h 1323439"/>
+              <a:gd name="connsiteX10" fmla="*/ 0 w 2217134"/>
+              <a:gd name="connsiteY10" fmla="*/ 674954 h 1323439"/>
+              <a:gd name="connsiteX11" fmla="*/ 0 w 2217134"/>
+              <a:gd name="connsiteY11" fmla="*/ 0 h 1323439"/>
+            </a:gdLst>
+            <a:ahLst/>
+            <a:cxnLst>
+              <a:cxn ang="0">
+                <a:pos x="connsiteX0" y="connsiteY0"/>
+              </a:cxn>
+              <a:cxn ang="0">
+                <a:pos x="connsiteX1" y="connsiteY1"/>
+              </a:cxn>
+              <a:cxn ang="0">
+                <a:pos x="connsiteX2" y="connsiteY2"/>
+              </a:cxn>
+              <a:cxn ang="0">
+                <a:pos x="connsiteX3" y="connsiteY3"/>
+              </a:cxn>
+              <a:cxn ang="0">
+                <a:pos x="connsiteX4" y="connsiteY4"/>
+              </a:cxn>
+              <a:cxn ang="0">
+                <a:pos x="connsiteX5" y="connsiteY5"/>
+              </a:cxn>
+              <a:cxn ang="0">
+                <a:pos x="connsiteX6" y="connsiteY6"/>
+              </a:cxn>
+              <a:cxn ang="0">
+                <a:pos x="connsiteX7" y="connsiteY7"/>
+              </a:cxn>
+              <a:cxn ang="0">
+                <a:pos x="connsiteX8" y="connsiteY8"/>
+              </a:cxn>
+              <a:cxn ang="0">
+                <a:pos x="connsiteX9" y="connsiteY9"/>
+              </a:cxn>
+              <a:cxn ang="0">
+                <a:pos x="connsiteX10" y="connsiteY10"/>
+              </a:cxn>
+              <a:cxn ang="0">
+                <a:pos x="connsiteX11" y="connsiteY11"/>
+              </a:cxn>
+            </a:cxnLst>
+            <a:rect l="l" t="t" r="r" b="b"/>
+            <a:pathLst>
+              <a:path w="2217134" h="1323439" fill="none" extrusionOk="0">
+                <a:moveTo>
+                  <a:pt x="0" y="0"/>
+                </a:moveTo>
+                <a:cubicBezTo>
+                  <a:pt x="129562" y="3153"/>
+                  <a:pt x="416944" y="-9262"/>
+                  <a:pt x="532112" y="0"/>
+                </a:cubicBezTo>
+                <a:cubicBezTo>
+                  <a:pt x="647280" y="9262"/>
+                  <a:pt x="880800" y="23404"/>
+                  <a:pt x="1086396" y="0"/>
+                </a:cubicBezTo>
+                <a:cubicBezTo>
+                  <a:pt x="1291992" y="-23404"/>
+                  <a:pt x="1531052" y="-11909"/>
+                  <a:pt x="1662851" y="0"/>
+                </a:cubicBezTo>
+                <a:cubicBezTo>
+                  <a:pt x="1794651" y="11909"/>
+                  <a:pt x="1950961" y="-5194"/>
+                  <a:pt x="2217134" y="0"/>
+                </a:cubicBezTo>
+                <a:cubicBezTo>
+                  <a:pt x="2248960" y="242066"/>
+                  <a:pt x="2190264" y="474376"/>
+                  <a:pt x="2217134" y="674954"/>
+                </a:cubicBezTo>
+                <a:cubicBezTo>
+                  <a:pt x="2244004" y="875532"/>
+                  <a:pt x="2193249" y="1156576"/>
+                  <a:pt x="2217134" y="1323439"/>
+                </a:cubicBezTo>
+                <a:cubicBezTo>
+                  <a:pt x="2018326" y="1334796"/>
+                  <a:pt x="1890693" y="1333829"/>
+                  <a:pt x="1618508" y="1323439"/>
+                </a:cubicBezTo>
+                <a:cubicBezTo>
+                  <a:pt x="1346323" y="1313049"/>
+                  <a:pt x="1308440" y="1307535"/>
+                  <a:pt x="1019882" y="1323439"/>
+                </a:cubicBezTo>
+                <a:cubicBezTo>
+                  <a:pt x="731324" y="1339343"/>
+                  <a:pt x="220177" y="1329043"/>
+                  <a:pt x="0" y="1323439"/>
+                </a:cubicBezTo>
+                <a:cubicBezTo>
+                  <a:pt x="4697" y="1103658"/>
+                  <a:pt x="-19750" y="945168"/>
+                  <a:pt x="0" y="674954"/>
+                </a:cubicBezTo>
+                <a:cubicBezTo>
+                  <a:pt x="19750" y="404740"/>
+                  <a:pt x="-28105" y="135825"/>
+                  <a:pt x="0" y="0"/>
+                </a:cubicBezTo>
+                <a:close/>
+              </a:path>
+              <a:path w="2217134" h="1323439" stroke="0" extrusionOk="0">
+                <a:moveTo>
+                  <a:pt x="0" y="0"/>
+                </a:moveTo>
+                <a:cubicBezTo>
+                  <a:pt x="151034" y="-3089"/>
+                  <a:pt x="396128" y="7980"/>
+                  <a:pt x="532112" y="0"/>
+                </a:cubicBezTo>
+                <a:cubicBezTo>
+                  <a:pt x="668096" y="-7980"/>
+                  <a:pt x="919704" y="4555"/>
+                  <a:pt x="1019882" y="0"/>
+                </a:cubicBezTo>
+                <a:cubicBezTo>
+                  <a:pt x="1120060" y="-4555"/>
+                  <a:pt x="1399253" y="2718"/>
+                  <a:pt x="1618508" y="0"/>
+                </a:cubicBezTo>
+                <a:cubicBezTo>
+                  <a:pt x="1837763" y="-2718"/>
+                  <a:pt x="1967955" y="4339"/>
+                  <a:pt x="2217134" y="0"/>
+                </a:cubicBezTo>
+                <a:cubicBezTo>
+                  <a:pt x="2196215" y="138092"/>
+                  <a:pt x="2184789" y="480636"/>
+                  <a:pt x="2217134" y="648485"/>
+                </a:cubicBezTo>
+                <a:cubicBezTo>
+                  <a:pt x="2249479" y="816335"/>
+                  <a:pt x="2187714" y="1080146"/>
+                  <a:pt x="2217134" y="1323439"/>
+                </a:cubicBezTo>
+                <a:cubicBezTo>
+                  <a:pt x="2020040" y="1301705"/>
+                  <a:pt x="1909803" y="1319848"/>
+                  <a:pt x="1662851" y="1323439"/>
+                </a:cubicBezTo>
+                <a:cubicBezTo>
+                  <a:pt x="1415899" y="1327030"/>
+                  <a:pt x="1281759" y="1294075"/>
+                  <a:pt x="1064224" y="1323439"/>
+                </a:cubicBezTo>
+                <a:cubicBezTo>
+                  <a:pt x="846689" y="1352803"/>
+                  <a:pt x="780429" y="1314787"/>
+                  <a:pt x="576455" y="1323439"/>
+                </a:cubicBezTo>
+                <a:cubicBezTo>
+                  <a:pt x="372481" y="1332091"/>
+                  <a:pt x="141204" y="1350875"/>
+                  <a:pt x="0" y="1323439"/>
+                </a:cubicBezTo>
+                <a:cubicBezTo>
+                  <a:pt x="26796" y="1099052"/>
+                  <a:pt x="-7820" y="801412"/>
+                  <a:pt x="0" y="661720"/>
+                </a:cubicBezTo>
+                <a:cubicBezTo>
+                  <a:pt x="7820" y="522028"/>
+                  <a:pt x="-17305" y="232413"/>
+                  <a:pt x="0" y="0"/>
+                </a:cubicBezTo>
+                <a:close/>
+              </a:path>
+            </a:pathLst>
+          </a:custGeom>
+          <a:pattFill prst="pct5">
+            <a:fgClr>
+              <a:schemeClr val="accent3">
+                <a:lumMod val="20000"/>
+                <a:lumOff val="80000"/>
+              </a:schemeClr>
+            </a:fgClr>
+            <a:bgClr>
+              <a:schemeClr val="bg1"/>
+            </a:bgClr>
+          </a:pattFill>
+          <a:ln>
+            <a:solidFill>
+              <a:schemeClr val="accent1"/>
+            </a:solidFill>
+            <a:prstDash val="dash"/>
+            <a:extLst>
+              <a:ext uri="{C807C97D-BFC1-408E-A445-0C87EB9F89A2}">
+                <ask:lineSketchStyleProps xmlns:ask="http://schemas.microsoft.com/office/drawing/2018/sketchyshapes" sd="1219033472">
+                  <a:prstGeom prst="rect">
+                    <a:avLst/>
+                  </a:prstGeom>
+                  <ask:type>
+                    <ask:lineSketchFreehand/>
+                  </ask:type>
+                </ask:lineSketchStyleProps>
+              </a:ext>
+            </a:extLst>
+          </a:ln>
+        </p:spPr>
+        <p:txBody>
+          <a:bodyPr wrap="square" rtlCol="0">
+            <a:spAutoFit/>
+          </a:bodyPr>
+          <a:lstStyle/>
+          <a:p>
+            <a:pPr algn="ctr"/>
+            <a:r>
+              <a:rPr lang="en-US" sz="1600" dirty="0"/>
+              <a:t>Periodically query metrics, </a:t>
+            </a:r>
+          </a:p>
+          <a:p>
+            <a:pPr algn="ctr"/>
+            <a:r>
+              <a:rPr lang="en-US" sz="1600" dirty="0"/>
+              <a:t>assess versions,</a:t>
+            </a:r>
+          </a:p>
+          <a:p>
+            <a:pPr algn="ctr"/>
+            <a:r>
+              <a:rPr lang="en-US" sz="1600" dirty="0"/>
+              <a:t>compute winner,</a:t>
+            </a:r>
+          </a:p>
+          <a:p>
+            <a:pPr algn="ctr"/>
+            <a:r>
+              <a:rPr lang="en-US" sz="1600" dirty="0"/>
+              <a:t>optimize traffic split</a:t>
+            </a:r>
+          </a:p>
+        </p:txBody>
+      </p:sp>
     </p:spTree>
     <p:extLst>
       <p:ext uri="{BB962C8B-B14F-4D97-AF65-F5344CB8AC3E}">

--- a/mkdocs/src/assets/images/iter8++images.pptx
+++ b/mkdocs/src/assets/images/iter8++images.pptx
@@ -5,7 +5,7 @@
     <p:sldMasterId id="2147483648" r:id="rId1"/>
   </p:sldMasterIdLst>
   <p:notesMasterIdLst>
-    <p:notesMasterId r:id="rId25"/>
+    <p:notesMasterId r:id="rId26"/>
   </p:notesMasterIdLst>
   <p:sldIdLst>
     <p:sldId id="263" r:id="rId2"/>
@@ -31,6 +31,7 @@
     <p:sldId id="312" r:id="rId22"/>
     <p:sldId id="313" r:id="rId23"/>
     <p:sldId id="314" r:id="rId24"/>
+    <p:sldId id="316" r:id="rId25"/>
   </p:sldIdLst>
   <p:sldSz cx="12192000" cy="6858000"/>
   <p:notesSz cx="6858000" cy="9144000"/>
@@ -219,7 +220,7 @@
           <a:p>
             <a:fld id="{38B78CBE-37FA-D241-BB4C-CAC5D3B25F49}" type="datetimeFigureOut">
               <a:rPr lang="en-US" smtClean="0"/>
-              <a:t>3/5/21</a:t>
+              <a:t>3/9/21</a:t>
             </a:fld>
             <a:endParaRPr lang="en-US"/>
           </a:p>
@@ -801,7 +802,7 @@
           <a:p>
             <a:fld id="{79212C04-F6AE-AE48-B29D-E5DED656B647}" type="datetimeFigureOut">
               <a:rPr lang="en-US" smtClean="0"/>
-              <a:t>3/5/21</a:t>
+              <a:t>3/9/21</a:t>
             </a:fld>
             <a:endParaRPr lang="en-US"/>
           </a:p>
@@ -999,7 +1000,7 @@
           <a:p>
             <a:fld id="{79212C04-F6AE-AE48-B29D-E5DED656B647}" type="datetimeFigureOut">
               <a:rPr lang="en-US" smtClean="0"/>
-              <a:t>3/5/21</a:t>
+              <a:t>3/9/21</a:t>
             </a:fld>
             <a:endParaRPr lang="en-US"/>
           </a:p>
@@ -1207,7 +1208,7 @@
           <a:p>
             <a:fld id="{79212C04-F6AE-AE48-B29D-E5DED656B647}" type="datetimeFigureOut">
               <a:rPr lang="en-US" smtClean="0"/>
-              <a:t>3/5/21</a:t>
+              <a:t>3/9/21</a:t>
             </a:fld>
             <a:endParaRPr lang="en-US"/>
           </a:p>
@@ -1405,7 +1406,7 @@
           <a:p>
             <a:fld id="{79212C04-F6AE-AE48-B29D-E5DED656B647}" type="datetimeFigureOut">
               <a:rPr lang="en-US" smtClean="0"/>
-              <a:t>3/5/21</a:t>
+              <a:t>3/9/21</a:t>
             </a:fld>
             <a:endParaRPr lang="en-US"/>
           </a:p>
@@ -1680,7 +1681,7 @@
           <a:p>
             <a:fld id="{79212C04-F6AE-AE48-B29D-E5DED656B647}" type="datetimeFigureOut">
               <a:rPr lang="en-US" smtClean="0"/>
-              <a:t>3/5/21</a:t>
+              <a:t>3/9/21</a:t>
             </a:fld>
             <a:endParaRPr lang="en-US"/>
           </a:p>
@@ -1945,7 +1946,7 @@
           <a:p>
             <a:fld id="{79212C04-F6AE-AE48-B29D-E5DED656B647}" type="datetimeFigureOut">
               <a:rPr lang="en-US" smtClean="0"/>
-              <a:t>3/5/21</a:t>
+              <a:t>3/9/21</a:t>
             </a:fld>
             <a:endParaRPr lang="en-US"/>
           </a:p>
@@ -2357,7 +2358,7 @@
           <a:p>
             <a:fld id="{79212C04-F6AE-AE48-B29D-E5DED656B647}" type="datetimeFigureOut">
               <a:rPr lang="en-US" smtClean="0"/>
-              <a:t>3/5/21</a:t>
+              <a:t>3/9/21</a:t>
             </a:fld>
             <a:endParaRPr lang="en-US"/>
           </a:p>
@@ -2498,7 +2499,7 @@
           <a:p>
             <a:fld id="{79212C04-F6AE-AE48-B29D-E5DED656B647}" type="datetimeFigureOut">
               <a:rPr lang="en-US" smtClean="0"/>
-              <a:t>3/5/21</a:t>
+              <a:t>3/9/21</a:t>
             </a:fld>
             <a:endParaRPr lang="en-US"/>
           </a:p>
@@ -2611,7 +2612,7 @@
           <a:p>
             <a:fld id="{79212C04-F6AE-AE48-B29D-E5DED656B647}" type="datetimeFigureOut">
               <a:rPr lang="en-US" smtClean="0"/>
-              <a:t>3/5/21</a:t>
+              <a:t>3/9/21</a:t>
             </a:fld>
             <a:endParaRPr lang="en-US"/>
           </a:p>
@@ -2922,7 +2923,7 @@
           <a:p>
             <a:fld id="{79212C04-F6AE-AE48-B29D-E5DED656B647}" type="datetimeFigureOut">
               <a:rPr lang="en-US" smtClean="0"/>
-              <a:t>3/5/21</a:t>
+              <a:t>3/9/21</a:t>
             </a:fld>
             <a:endParaRPr lang="en-US"/>
           </a:p>
@@ -3210,7 +3211,7 @@
           <a:p>
             <a:fld id="{79212C04-F6AE-AE48-B29D-E5DED656B647}" type="datetimeFigureOut">
               <a:rPr lang="en-US" smtClean="0"/>
-              <a:t>3/5/21</a:t>
+              <a:t>3/9/21</a:t>
             </a:fld>
             <a:endParaRPr lang="en-US"/>
           </a:p>
@@ -3451,7 +3452,7 @@
           <a:p>
             <a:fld id="{79212C04-F6AE-AE48-B29D-E5DED656B647}" type="datetimeFigureOut">
               <a:rPr lang="en-US" smtClean="0"/>
-              <a:t>3/5/21</a:t>
+              <a:t>3/9/21</a:t>
             </a:fld>
             <a:endParaRPr lang="en-US"/>
           </a:p>
@@ -39278,8 +39279,8 @@
         </p:nvSpPr>
         <p:spPr>
           <a:xfrm>
-            <a:off x="1553269" y="2929053"/>
-            <a:ext cx="2221187" cy="397329"/>
+            <a:off x="1553269" y="2676231"/>
+            <a:ext cx="1493203" cy="650152"/>
           </a:xfrm>
           <a:prstGeom prst="curvedUpArrow">
             <a:avLst>
@@ -39367,10 +39368,10 @@
       </p:sp>
       <p:sp>
         <p:nvSpPr>
-          <p:cNvPr id="6" name="Rounded Rectangle 5">
-            <a:extLst>
-              <a:ext uri="{FF2B5EF4-FFF2-40B4-BE49-F238E27FC236}">
-                <a16:creationId xmlns:a16="http://schemas.microsoft.com/office/drawing/2014/main" id="{A6531ED6-9FBB-9A47-9045-884CC2A5A852}"/>
+          <p:cNvPr id="8" name="Rounded Rectangle 7">
+            <a:extLst>
+              <a:ext uri="{FF2B5EF4-FFF2-40B4-BE49-F238E27FC236}">
+                <a16:creationId xmlns:a16="http://schemas.microsoft.com/office/drawing/2014/main" id="{369AC178-BF9D-4745-90F0-6149144DD9BF}"/>
               </a:ext>
             </a:extLst>
           </p:cNvPr>
@@ -39379,133 +39380,7 @@
         </p:nvSpPr>
         <p:spPr>
           <a:xfrm>
-            <a:off x="3533272" y="1811027"/>
-            <a:ext cx="1170215" cy="674914"/>
-          </a:xfrm>
-          <a:prstGeom prst="roundRect">
-            <a:avLst/>
-          </a:prstGeom>
-          <a:solidFill>
-            <a:schemeClr val="accent1">
-              <a:lumMod val="40000"/>
-              <a:lumOff val="60000"/>
-            </a:schemeClr>
-          </a:solidFill>
-          <a:ln w="19050">
-            <a:solidFill>
-              <a:schemeClr val="accent1">
-                <a:lumMod val="50000"/>
-              </a:schemeClr>
-            </a:solidFill>
-          </a:ln>
-        </p:spPr>
-        <p:style>
-          <a:lnRef idx="2">
-            <a:schemeClr val="accent1">
-              <a:shade val="50000"/>
-            </a:schemeClr>
-          </a:lnRef>
-          <a:fillRef idx="1">
-            <a:schemeClr val="accent1"/>
-          </a:fillRef>
-          <a:effectRef idx="0">
-            <a:schemeClr val="accent1"/>
-          </a:effectRef>
-          <a:fontRef idx="minor">
-            <a:schemeClr val="lt1"/>
-          </a:fontRef>
-        </p:style>
-        <p:txBody>
-          <a:bodyPr rtlCol="0" anchor="ctr"/>
-          <a:lstStyle/>
-          <a:p>
-            <a:pPr algn="ctr"/>
-            <a:endParaRPr lang="en-US" dirty="0">
-              <a:solidFill>
-                <a:schemeClr val="tx1"/>
-              </a:solidFill>
-            </a:endParaRPr>
-          </a:p>
-        </p:txBody>
-      </p:sp>
-      <p:sp>
-        <p:nvSpPr>
-          <p:cNvPr id="7" name="Rounded Rectangle 6">
-            <a:extLst>
-              <a:ext uri="{FF2B5EF4-FFF2-40B4-BE49-F238E27FC236}">
-                <a16:creationId xmlns:a16="http://schemas.microsoft.com/office/drawing/2014/main" id="{E3B559FF-1D1E-EC49-B212-E5F962D13F43}"/>
-              </a:ext>
-            </a:extLst>
-          </p:cNvPr>
-          <p:cNvSpPr/>
-          <p:nvPr/>
-        </p:nvSpPr>
-        <p:spPr>
-          <a:xfrm>
-            <a:off x="3391758" y="1925327"/>
-            <a:ext cx="1170215" cy="674914"/>
-          </a:xfrm>
-          <a:prstGeom prst="roundRect">
-            <a:avLst/>
-          </a:prstGeom>
-          <a:solidFill>
-            <a:schemeClr val="accent1">
-              <a:lumMod val="60000"/>
-              <a:lumOff val="40000"/>
-            </a:schemeClr>
-          </a:solidFill>
-          <a:ln w="19050">
-            <a:solidFill>
-              <a:schemeClr val="accent1">
-                <a:lumMod val="50000"/>
-              </a:schemeClr>
-            </a:solidFill>
-          </a:ln>
-        </p:spPr>
-        <p:style>
-          <a:lnRef idx="2">
-            <a:schemeClr val="accent1">
-              <a:shade val="50000"/>
-            </a:schemeClr>
-          </a:lnRef>
-          <a:fillRef idx="1">
-            <a:schemeClr val="accent1"/>
-          </a:fillRef>
-          <a:effectRef idx="0">
-            <a:schemeClr val="accent1"/>
-          </a:effectRef>
-          <a:fontRef idx="minor">
-            <a:schemeClr val="lt1"/>
-          </a:fontRef>
-        </p:style>
-        <p:txBody>
-          <a:bodyPr rtlCol="0" anchor="ctr"/>
-          <a:lstStyle/>
-          <a:p>
-            <a:pPr algn="ctr"/>
-            <a:endParaRPr lang="en-US" dirty="0">
-              <a:solidFill>
-                <a:schemeClr val="tx1"/>
-              </a:solidFill>
-            </a:endParaRPr>
-          </a:p>
-        </p:txBody>
-      </p:sp>
-      <p:sp>
-        <p:nvSpPr>
-          <p:cNvPr id="8" name="Rounded Rectangle 7">
-            <a:extLst>
-              <a:ext uri="{FF2B5EF4-FFF2-40B4-BE49-F238E27FC236}">
-                <a16:creationId xmlns:a16="http://schemas.microsoft.com/office/drawing/2014/main" id="{369AC178-BF9D-4745-90F0-6149144DD9BF}"/>
-              </a:ext>
-            </a:extLst>
-          </p:cNvPr>
-          <p:cNvSpPr/>
-          <p:nvPr/>
-        </p:nvSpPr>
-        <p:spPr>
-          <a:xfrm>
-            <a:off x="3255737" y="2061399"/>
+            <a:off x="2125620" y="1895181"/>
             <a:ext cx="1170215" cy="674914"/>
           </a:xfrm>
           <a:prstGeom prst="roundRect">
@@ -40121,7 +39996,7 @@
         </p:nvSpPr>
         <p:spPr>
           <a:xfrm>
-            <a:off x="3788146" y="2739733"/>
+            <a:off x="2048327" y="2577914"/>
             <a:ext cx="700833" cy="369332"/>
           </a:xfrm>
           <a:prstGeom prst="rect">
@@ -41079,7 +40954,7 @@
         </p:nvSpPr>
         <p:spPr>
           <a:xfrm>
-            <a:off x="3356577" y="1466858"/>
+            <a:off x="2900400" y="1484710"/>
             <a:ext cx="968535" cy="369332"/>
           </a:xfrm>
           <a:prstGeom prst="rect">
@@ -42077,10 +41952,3741 @@
           </a:prstGeom>
         </p:spPr>
       </p:pic>
+      <p:sp>
+        <p:nvSpPr>
+          <p:cNvPr id="69" name="Rounded Rectangle 68">
+            <a:extLst>
+              <a:ext uri="{FF2B5EF4-FFF2-40B4-BE49-F238E27FC236}">
+                <a16:creationId xmlns:a16="http://schemas.microsoft.com/office/drawing/2014/main" id="{F2BF00B8-F8AC-9547-9C40-0A1BE0E4F8BE}"/>
+              </a:ext>
+            </a:extLst>
+          </p:cNvPr>
+          <p:cNvSpPr/>
+          <p:nvPr/>
+        </p:nvSpPr>
+        <p:spPr>
+          <a:xfrm>
+            <a:off x="3425792" y="1895181"/>
+            <a:ext cx="1170215" cy="674914"/>
+          </a:xfrm>
+          <a:prstGeom prst="roundRect">
+            <a:avLst/>
+          </a:prstGeom>
+          <a:solidFill>
+            <a:schemeClr val="accent1">
+              <a:lumMod val="75000"/>
+            </a:schemeClr>
+          </a:solidFill>
+          <a:ln w="19050">
+            <a:solidFill>
+              <a:schemeClr val="accent1">
+                <a:lumMod val="50000"/>
+              </a:schemeClr>
+            </a:solidFill>
+          </a:ln>
+        </p:spPr>
+        <p:style>
+          <a:lnRef idx="2">
+            <a:schemeClr val="accent1">
+              <a:shade val="50000"/>
+            </a:schemeClr>
+          </a:lnRef>
+          <a:fillRef idx="1">
+            <a:schemeClr val="accent1"/>
+          </a:fillRef>
+          <a:effectRef idx="0">
+            <a:schemeClr val="accent1"/>
+          </a:effectRef>
+          <a:fontRef idx="minor">
+            <a:schemeClr val="lt1"/>
+          </a:fontRef>
+        </p:style>
+        <p:txBody>
+          <a:bodyPr rtlCol="0" anchor="ctr"/>
+          <a:lstStyle/>
+          <a:p>
+            <a:pPr algn="ctr"/>
+            <a:r>
+              <a:rPr lang="en-US" dirty="0">
+                <a:solidFill>
+                  <a:schemeClr val="bg1"/>
+                </a:solidFill>
+              </a:rPr>
+              <a:t>v1.0</a:t>
+            </a:r>
+          </a:p>
+        </p:txBody>
+      </p:sp>
+      <p:cxnSp>
+        <p:nvCxnSpPr>
+          <p:cNvPr id="70" name="Elbow Connector 69">
+            <a:extLst>
+              <a:ext uri="{FF2B5EF4-FFF2-40B4-BE49-F238E27FC236}">
+                <a16:creationId xmlns:a16="http://schemas.microsoft.com/office/drawing/2014/main" id="{94C4B32C-F87C-0C4E-B995-FF5966ADB04F}"/>
+              </a:ext>
+            </a:extLst>
+          </p:cNvPr>
+          <p:cNvCxnSpPr>
+            <a:cxnSpLocks/>
+            <a:stCxn id="72" idx="3"/>
+            <a:endCxn id="69" idx="2"/>
+          </p:cNvCxnSpPr>
+          <p:nvPr/>
+        </p:nvCxnSpPr>
+        <p:spPr>
+          <a:xfrm flipV="1">
+            <a:off x="3082712" y="2570095"/>
+            <a:ext cx="928188" cy="892359"/>
+          </a:xfrm>
+          <a:prstGeom prst="bentConnector2">
+            <a:avLst/>
+          </a:prstGeom>
+          <a:ln w="38100">
+            <a:solidFill>
+              <a:schemeClr val="accent4">
+                <a:lumMod val="50000"/>
+              </a:schemeClr>
+            </a:solidFill>
+            <a:tailEnd type="triangle"/>
+          </a:ln>
+        </p:spPr>
+        <p:style>
+          <a:lnRef idx="1">
+            <a:schemeClr val="accent1"/>
+          </a:lnRef>
+          <a:fillRef idx="0">
+            <a:schemeClr val="accent1"/>
+          </a:fillRef>
+          <a:effectRef idx="0">
+            <a:schemeClr val="accent1"/>
+          </a:effectRef>
+          <a:fontRef idx="minor">
+            <a:schemeClr val="tx1"/>
+          </a:fontRef>
+        </p:style>
+      </p:cxnSp>
+      <p:sp>
+        <p:nvSpPr>
+          <p:cNvPr id="74" name="TextBox 73">
+            <a:extLst>
+              <a:ext uri="{FF2B5EF4-FFF2-40B4-BE49-F238E27FC236}">
+                <a16:creationId xmlns:a16="http://schemas.microsoft.com/office/drawing/2014/main" id="{2C1DF5F9-6740-0940-BF53-779A87DD4E0C}"/>
+              </a:ext>
+            </a:extLst>
+          </p:cNvPr>
+          <p:cNvSpPr txBox="1"/>
+          <p:nvPr/>
+        </p:nvSpPr>
+        <p:spPr>
+          <a:xfrm>
+            <a:off x="3979187" y="2561130"/>
+            <a:ext cx="693311" cy="369332"/>
+          </a:xfrm>
+          <a:prstGeom prst="rect">
+            <a:avLst/>
+          </a:prstGeom>
+          <a:noFill/>
+        </p:spPr>
+        <p:txBody>
+          <a:bodyPr wrap="square" rtlCol="0">
+            <a:spAutoFit/>
+          </a:bodyPr>
+          <a:lstStyle/>
+          <a:p>
+            <a:pPr algn="ctr"/>
+            <a:r>
+              <a:rPr lang="en-US" dirty="0"/>
+              <a:t>60%</a:t>
+            </a:r>
+          </a:p>
+        </p:txBody>
+      </p:sp>
     </p:spTree>
     <p:extLst>
       <p:ext uri="{BB962C8B-B14F-4D97-AF65-F5344CB8AC3E}">
         <p14:creationId xmlns:p14="http://schemas.microsoft.com/office/powerpoint/2010/main" val="5495572"/>
+      </p:ext>
+    </p:extLst>
+  </p:cSld>
+  <p:clrMapOvr>
+    <a:masterClrMapping/>
+  </p:clrMapOvr>
+</p:sld>
+</file>
+
+<file path=ppt/slides/slide24.xml><?xml version="1.0" encoding="utf-8"?>
+<p:sld xmlns:a="http://schemas.openxmlformats.org/drawingml/2006/main" xmlns:r="http://schemas.openxmlformats.org/officeDocument/2006/relationships" xmlns:p="http://schemas.openxmlformats.org/presentationml/2006/main">
+  <p:cSld>
+    <p:spTree>
+      <p:nvGrpSpPr>
+        <p:cNvPr id="1" name=""/>
+        <p:cNvGrpSpPr/>
+        <p:nvPr/>
+      </p:nvGrpSpPr>
+      <p:grpSpPr>
+        <a:xfrm>
+          <a:off x="0" y="0"/>
+          <a:ext cx="0" cy="0"/>
+          <a:chOff x="0" y="0"/>
+          <a:chExt cx="0" cy="0"/>
+        </a:xfrm>
+      </p:grpSpPr>
+      <p:sp>
+        <p:nvSpPr>
+          <p:cNvPr id="11" name="Rectangle 10">
+            <a:extLst>
+              <a:ext uri="{FF2B5EF4-FFF2-40B4-BE49-F238E27FC236}">
+                <a16:creationId xmlns:a16="http://schemas.microsoft.com/office/drawing/2014/main" id="{65137B27-89CA-7447-8A02-1607A375D4DA}"/>
+              </a:ext>
+            </a:extLst>
+          </p:cNvPr>
+          <p:cNvSpPr/>
+          <p:nvPr/>
+        </p:nvSpPr>
+        <p:spPr>
+          <a:xfrm>
+            <a:off x="0" y="1086522"/>
+            <a:ext cx="12191999" cy="5077610"/>
+          </a:xfrm>
+          <a:prstGeom prst="rect">
+            <a:avLst/>
+          </a:prstGeom>
+          <a:solidFill>
+            <a:schemeClr val="bg1"/>
+          </a:solidFill>
+          <a:ln>
+            <a:solidFill>
+              <a:schemeClr val="bg1"/>
+            </a:solidFill>
+          </a:ln>
+        </p:spPr>
+        <p:style>
+          <a:lnRef idx="2">
+            <a:schemeClr val="accent1">
+              <a:shade val="50000"/>
+            </a:schemeClr>
+          </a:lnRef>
+          <a:fillRef idx="1">
+            <a:schemeClr val="accent1"/>
+          </a:fillRef>
+          <a:effectRef idx="0">
+            <a:schemeClr val="accent1"/>
+          </a:effectRef>
+          <a:fontRef idx="minor">
+            <a:schemeClr val="lt1"/>
+          </a:fontRef>
+        </p:style>
+        <p:txBody>
+          <a:bodyPr rtlCol="0" anchor="ctr"/>
+          <a:lstStyle/>
+          <a:p>
+            <a:pPr algn="ctr"/>
+            <a:endParaRPr lang="en-US" dirty="0"/>
+          </a:p>
+        </p:txBody>
+      </p:sp>
+      <p:sp>
+        <p:nvSpPr>
+          <p:cNvPr id="10" name="TextBox 9">
+            <a:extLst>
+              <a:ext uri="{FF2B5EF4-FFF2-40B4-BE49-F238E27FC236}">
+                <a16:creationId xmlns:a16="http://schemas.microsoft.com/office/drawing/2014/main" id="{AA0E52A5-8109-5744-8F63-4D4AE2E6294B}"/>
+              </a:ext>
+            </a:extLst>
+          </p:cNvPr>
+          <p:cNvSpPr txBox="1"/>
+          <p:nvPr/>
+        </p:nvSpPr>
+        <p:spPr>
+          <a:xfrm>
+            <a:off x="775252" y="89452"/>
+            <a:ext cx="184731" cy="369332"/>
+          </a:xfrm>
+          <a:prstGeom prst="rect">
+            <a:avLst/>
+          </a:prstGeom>
+          <a:noFill/>
+        </p:spPr>
+        <p:txBody>
+          <a:bodyPr wrap="none" rtlCol="0">
+            <a:spAutoFit/>
+          </a:bodyPr>
+          <a:lstStyle/>
+          <a:p>
+            <a:endParaRPr lang="en-US" dirty="0"/>
+          </a:p>
+        </p:txBody>
+      </p:sp>
+      <p:sp>
+        <p:nvSpPr>
+          <p:cNvPr id="100" name="Rounded Rectangle 99">
+            <a:extLst>
+              <a:ext uri="{FF2B5EF4-FFF2-40B4-BE49-F238E27FC236}">
+                <a16:creationId xmlns:a16="http://schemas.microsoft.com/office/drawing/2014/main" id="{B819D5F6-78E5-9845-9F41-90858B3A04DA}"/>
+              </a:ext>
+            </a:extLst>
+          </p:cNvPr>
+          <p:cNvSpPr/>
+          <p:nvPr/>
+        </p:nvSpPr>
+        <p:spPr>
+          <a:xfrm>
+            <a:off x="8384562" y="4026533"/>
+            <a:ext cx="1170215" cy="674914"/>
+          </a:xfrm>
+          <a:prstGeom prst="roundRect">
+            <a:avLst/>
+          </a:prstGeom>
+          <a:solidFill>
+            <a:schemeClr val="accent6">
+              <a:lumMod val="40000"/>
+              <a:lumOff val="60000"/>
+            </a:schemeClr>
+          </a:solidFill>
+          <a:ln w="19050">
+            <a:solidFill>
+              <a:schemeClr val="accent6">
+                <a:lumMod val="50000"/>
+              </a:schemeClr>
+            </a:solidFill>
+          </a:ln>
+        </p:spPr>
+        <p:style>
+          <a:lnRef idx="2">
+            <a:schemeClr val="accent1">
+              <a:shade val="50000"/>
+            </a:schemeClr>
+          </a:lnRef>
+          <a:fillRef idx="1">
+            <a:schemeClr val="accent1"/>
+          </a:fillRef>
+          <a:effectRef idx="0">
+            <a:schemeClr val="accent1"/>
+          </a:effectRef>
+          <a:fontRef idx="minor">
+            <a:schemeClr val="lt1"/>
+          </a:fontRef>
+        </p:style>
+        <p:txBody>
+          <a:bodyPr rtlCol="0" anchor="ctr"/>
+          <a:lstStyle/>
+          <a:p>
+            <a:pPr algn="ctr"/>
+            <a:endParaRPr lang="en-US" dirty="0">
+              <a:solidFill>
+                <a:schemeClr val="tx1"/>
+              </a:solidFill>
+            </a:endParaRPr>
+          </a:p>
+        </p:txBody>
+      </p:sp>
+      <p:sp>
+        <p:nvSpPr>
+          <p:cNvPr id="44" name="Rounded Rectangle 43">
+            <a:extLst>
+              <a:ext uri="{FF2B5EF4-FFF2-40B4-BE49-F238E27FC236}">
+                <a16:creationId xmlns:a16="http://schemas.microsoft.com/office/drawing/2014/main" id="{39941F14-A3FD-964D-BC7E-C6F3E4437826}"/>
+              </a:ext>
+            </a:extLst>
+          </p:cNvPr>
+          <p:cNvSpPr/>
+          <p:nvPr/>
+        </p:nvSpPr>
+        <p:spPr>
+          <a:xfrm>
+            <a:off x="5879085" y="4147864"/>
+            <a:ext cx="1170215" cy="674914"/>
+          </a:xfrm>
+          <a:prstGeom prst="roundRect">
+            <a:avLst/>
+          </a:prstGeom>
+          <a:solidFill>
+            <a:schemeClr val="accent6">
+              <a:lumMod val="60000"/>
+              <a:lumOff val="40000"/>
+            </a:schemeClr>
+          </a:solidFill>
+          <a:ln w="19050">
+            <a:solidFill>
+              <a:schemeClr val="accent6">
+                <a:lumMod val="50000"/>
+              </a:schemeClr>
+            </a:solidFill>
+          </a:ln>
+        </p:spPr>
+        <p:style>
+          <a:lnRef idx="2">
+            <a:schemeClr val="accent1">
+              <a:shade val="50000"/>
+            </a:schemeClr>
+          </a:lnRef>
+          <a:fillRef idx="1">
+            <a:schemeClr val="accent1"/>
+          </a:fillRef>
+          <a:effectRef idx="0">
+            <a:schemeClr val="accent1"/>
+          </a:effectRef>
+          <a:fontRef idx="minor">
+            <a:schemeClr val="lt1"/>
+          </a:fontRef>
+        </p:style>
+        <p:txBody>
+          <a:bodyPr rtlCol="0" anchor="ctr"/>
+          <a:lstStyle/>
+          <a:p>
+            <a:pPr algn="ctr"/>
+            <a:endParaRPr lang="en-US" dirty="0">
+              <a:solidFill>
+                <a:schemeClr val="tx1"/>
+              </a:solidFill>
+            </a:endParaRPr>
+          </a:p>
+        </p:txBody>
+      </p:sp>
+      <p:sp>
+        <p:nvSpPr>
+          <p:cNvPr id="49" name="Curved Up Arrow 48">
+            <a:extLst>
+              <a:ext uri="{FF2B5EF4-FFF2-40B4-BE49-F238E27FC236}">
+                <a16:creationId xmlns:a16="http://schemas.microsoft.com/office/drawing/2014/main" id="{9032B92A-EEF1-494C-8F0A-2105CC0E5CD2}"/>
+              </a:ext>
+            </a:extLst>
+          </p:cNvPr>
+          <p:cNvSpPr/>
+          <p:nvPr/>
+        </p:nvSpPr>
+        <p:spPr>
+          <a:xfrm>
+            <a:off x="4940250" y="2929053"/>
+            <a:ext cx="1354197" cy="397329"/>
+          </a:xfrm>
+          <a:prstGeom prst="curvedUpArrow">
+            <a:avLst>
+              <a:gd name="adj1" fmla="val 13236"/>
+              <a:gd name="adj2" fmla="val 50000"/>
+              <a:gd name="adj3" fmla="val 25000"/>
+            </a:avLst>
+          </a:prstGeom>
+          <a:solidFill>
+            <a:schemeClr val="accent1">
+              <a:lumMod val="75000"/>
+            </a:schemeClr>
+          </a:solidFill>
+          <a:ln>
+            <a:solidFill>
+              <a:schemeClr val="accent1">
+                <a:lumMod val="50000"/>
+              </a:schemeClr>
+            </a:solidFill>
+          </a:ln>
+        </p:spPr>
+        <p:style>
+          <a:lnRef idx="2">
+            <a:schemeClr val="accent1">
+              <a:shade val="50000"/>
+            </a:schemeClr>
+          </a:lnRef>
+          <a:fillRef idx="1">
+            <a:schemeClr val="accent1"/>
+          </a:fillRef>
+          <a:effectRef idx="0">
+            <a:schemeClr val="accent1"/>
+          </a:effectRef>
+          <a:fontRef idx="minor">
+            <a:schemeClr val="lt1"/>
+          </a:fontRef>
+        </p:style>
+        <p:txBody>
+          <a:bodyPr rtlCol="0" anchor="ctr"/>
+          <a:lstStyle/>
+          <a:p>
+            <a:pPr algn="ctr"/>
+            <a:endParaRPr lang="en-US">
+              <a:solidFill>
+                <a:schemeClr val="tx1"/>
+              </a:solidFill>
+            </a:endParaRPr>
+          </a:p>
+        </p:txBody>
+      </p:sp>
+      <p:sp>
+        <p:nvSpPr>
+          <p:cNvPr id="25" name="Curved Up Arrow 24">
+            <a:extLst>
+              <a:ext uri="{FF2B5EF4-FFF2-40B4-BE49-F238E27FC236}">
+                <a16:creationId xmlns:a16="http://schemas.microsoft.com/office/drawing/2014/main" id="{1FF45074-0E5F-054D-85A5-7401CA561CAD}"/>
+              </a:ext>
+            </a:extLst>
+          </p:cNvPr>
+          <p:cNvSpPr/>
+          <p:nvPr/>
+        </p:nvSpPr>
+        <p:spPr>
+          <a:xfrm>
+            <a:off x="1587532" y="2621067"/>
+            <a:ext cx="1545831" cy="705316"/>
+          </a:xfrm>
+          <a:prstGeom prst="curvedUpArrow">
+            <a:avLst>
+              <a:gd name="adj1" fmla="val 13236"/>
+              <a:gd name="adj2" fmla="val 50000"/>
+              <a:gd name="adj3" fmla="val 25000"/>
+            </a:avLst>
+          </a:prstGeom>
+          <a:solidFill>
+            <a:schemeClr val="accent1">
+              <a:lumMod val="75000"/>
+            </a:schemeClr>
+          </a:solidFill>
+          <a:ln>
+            <a:solidFill>
+              <a:schemeClr val="accent1">
+                <a:lumMod val="50000"/>
+              </a:schemeClr>
+            </a:solidFill>
+          </a:ln>
+        </p:spPr>
+        <p:style>
+          <a:lnRef idx="2">
+            <a:schemeClr val="accent1">
+              <a:shade val="50000"/>
+            </a:schemeClr>
+          </a:lnRef>
+          <a:fillRef idx="1">
+            <a:schemeClr val="accent1"/>
+          </a:fillRef>
+          <a:effectRef idx="0">
+            <a:schemeClr val="accent1"/>
+          </a:effectRef>
+          <a:fontRef idx="minor">
+            <a:schemeClr val="lt1"/>
+          </a:fontRef>
+        </p:style>
+        <p:txBody>
+          <a:bodyPr rtlCol="0" anchor="ctr"/>
+          <a:lstStyle/>
+          <a:p>
+            <a:pPr algn="ctr"/>
+            <a:endParaRPr lang="en-US">
+              <a:solidFill>
+                <a:schemeClr val="tx1"/>
+              </a:solidFill>
+            </a:endParaRPr>
+          </a:p>
+        </p:txBody>
+      </p:sp>
+      <p:sp>
+        <p:nvSpPr>
+          <p:cNvPr id="5" name="TextBox 4">
+            <a:extLst>
+              <a:ext uri="{FF2B5EF4-FFF2-40B4-BE49-F238E27FC236}">
+                <a16:creationId xmlns:a16="http://schemas.microsoft.com/office/drawing/2014/main" id="{2129025F-2A6A-8748-B81D-BDF446C06291}"/>
+              </a:ext>
+            </a:extLst>
+          </p:cNvPr>
+          <p:cNvSpPr txBox="1"/>
+          <p:nvPr/>
+        </p:nvSpPr>
+        <p:spPr>
+          <a:xfrm>
+            <a:off x="1619543" y="3879346"/>
+            <a:ext cx="1987595" cy="369332"/>
+          </a:xfrm>
+          <a:prstGeom prst="rect">
+            <a:avLst/>
+          </a:prstGeom>
+          <a:noFill/>
+        </p:spPr>
+        <p:txBody>
+          <a:bodyPr wrap="none" rtlCol="0">
+            <a:spAutoFit/>
+          </a:bodyPr>
+          <a:lstStyle/>
+          <a:p>
+            <a:r>
+              <a:rPr lang="en-US" dirty="0"/>
+              <a:t>Istio Virtual Service</a:t>
+            </a:r>
+          </a:p>
+        </p:txBody>
+      </p:sp>
+      <p:sp>
+        <p:nvSpPr>
+          <p:cNvPr id="18" name="Rounded Rectangle 17">
+            <a:extLst>
+              <a:ext uri="{FF2B5EF4-FFF2-40B4-BE49-F238E27FC236}">
+                <a16:creationId xmlns:a16="http://schemas.microsoft.com/office/drawing/2014/main" id="{44650791-EEEC-2549-BC4D-1C04E4010439}"/>
+              </a:ext>
+            </a:extLst>
+          </p:cNvPr>
+          <p:cNvSpPr/>
+          <p:nvPr/>
+        </p:nvSpPr>
+        <p:spPr>
+          <a:xfrm>
+            <a:off x="3255737" y="4272676"/>
+            <a:ext cx="1170215" cy="674914"/>
+          </a:xfrm>
+          <a:prstGeom prst="roundRect">
+            <a:avLst/>
+          </a:prstGeom>
+          <a:solidFill>
+            <a:schemeClr val="accent6">
+              <a:lumMod val="75000"/>
+            </a:schemeClr>
+          </a:solidFill>
+          <a:ln w="19050">
+            <a:solidFill>
+              <a:schemeClr val="accent6">
+                <a:lumMod val="50000"/>
+              </a:schemeClr>
+            </a:solidFill>
+          </a:ln>
+        </p:spPr>
+        <p:style>
+          <a:lnRef idx="2">
+            <a:schemeClr val="accent1">
+              <a:shade val="50000"/>
+            </a:schemeClr>
+          </a:lnRef>
+          <a:fillRef idx="1">
+            <a:schemeClr val="accent1"/>
+          </a:fillRef>
+          <a:effectRef idx="0">
+            <a:schemeClr val="accent1"/>
+          </a:effectRef>
+          <a:fontRef idx="minor">
+            <a:schemeClr val="lt1"/>
+          </a:fontRef>
+        </p:style>
+        <p:txBody>
+          <a:bodyPr rtlCol="0" anchor="ctr"/>
+          <a:lstStyle/>
+          <a:p>
+            <a:pPr algn="ctr"/>
+            <a:r>
+              <a:rPr lang="en-US" dirty="0">
+                <a:solidFill>
+                  <a:schemeClr val="bg1"/>
+                </a:solidFill>
+              </a:rPr>
+              <a:t>v2.0</a:t>
+            </a:r>
+          </a:p>
+        </p:txBody>
+      </p:sp>
+      <p:sp>
+        <p:nvSpPr>
+          <p:cNvPr id="29" name="Rounded Rectangle 28">
+            <a:extLst>
+              <a:ext uri="{FF2B5EF4-FFF2-40B4-BE49-F238E27FC236}">
+                <a16:creationId xmlns:a16="http://schemas.microsoft.com/office/drawing/2014/main" id="{268C8C7B-9178-D948-AD10-9E84F02C0139}"/>
+              </a:ext>
+            </a:extLst>
+          </p:cNvPr>
+          <p:cNvSpPr/>
+          <p:nvPr/>
+        </p:nvSpPr>
+        <p:spPr>
+          <a:xfrm>
+            <a:off x="2272511" y="3091099"/>
+            <a:ext cx="689886" cy="618939"/>
+          </a:xfrm>
+          <a:prstGeom prst="roundRect">
+            <a:avLst/>
+          </a:prstGeom>
+          <a:solidFill>
+            <a:schemeClr val="bg1"/>
+          </a:solidFill>
+          <a:ln>
+            <a:solidFill>
+              <a:schemeClr val="bg1"/>
+            </a:solidFill>
+          </a:ln>
+        </p:spPr>
+        <p:style>
+          <a:lnRef idx="2">
+            <a:schemeClr val="accent1">
+              <a:shade val="50000"/>
+            </a:schemeClr>
+          </a:lnRef>
+          <a:fillRef idx="1">
+            <a:schemeClr val="accent1"/>
+          </a:fillRef>
+          <a:effectRef idx="0">
+            <a:schemeClr val="accent1"/>
+          </a:effectRef>
+          <a:fontRef idx="minor">
+            <a:schemeClr val="lt1"/>
+          </a:fontRef>
+        </p:style>
+        <p:txBody>
+          <a:bodyPr rtlCol="0" anchor="ctr"/>
+          <a:lstStyle/>
+          <a:p>
+            <a:pPr algn="ctr"/>
+            <a:endParaRPr lang="en-US"/>
+          </a:p>
+        </p:txBody>
+      </p:sp>
+      <p:pic>
+        <p:nvPicPr>
+          <p:cNvPr id="31" name="Graphic 30" descr="School boy">
+            <a:extLst>
+              <a:ext uri="{FF2B5EF4-FFF2-40B4-BE49-F238E27FC236}">
+                <a16:creationId xmlns:a16="http://schemas.microsoft.com/office/drawing/2014/main" id="{23C14CCA-0229-0945-AD1D-3EA26AB7C249}"/>
+              </a:ext>
+            </a:extLst>
+          </p:cNvPr>
+          <p:cNvPicPr>
+            <a:picLocks noChangeAspect="1"/>
+          </p:cNvPicPr>
+          <p:nvPr/>
+        </p:nvPicPr>
+        <p:blipFill>
+          <a:blip r:embed="rId2">
+            <a:extLst>
+              <a:ext uri="{96DAC541-7B7A-43D3-8B79-37D633B846F1}">
+                <asvg:svgBlip xmlns:asvg="http://schemas.microsoft.com/office/drawing/2016/SVG/main" r:embed="rId3"/>
+              </a:ext>
+            </a:extLst>
+          </a:blip>
+          <a:stretch>
+            <a:fillRect/>
+          </a:stretch>
+        </p:blipFill>
+        <p:spPr>
+          <a:xfrm>
+            <a:off x="675960" y="2077876"/>
+            <a:ext cx="548640" cy="548640"/>
+          </a:xfrm>
+          <a:prstGeom prst="rect">
+            <a:avLst/>
+          </a:prstGeom>
+        </p:spPr>
+      </p:pic>
+      <p:pic>
+        <p:nvPicPr>
+          <p:cNvPr id="32" name="Graphic 31" descr="Female Profile">
+            <a:extLst>
+              <a:ext uri="{FF2B5EF4-FFF2-40B4-BE49-F238E27FC236}">
+                <a16:creationId xmlns:a16="http://schemas.microsoft.com/office/drawing/2014/main" id="{FB0AD0DD-5F7D-7542-96A5-78D8D8B5C0C9}"/>
+              </a:ext>
+            </a:extLst>
+          </p:cNvPr>
+          <p:cNvPicPr>
+            <a:picLocks noChangeAspect="1"/>
+          </p:cNvPicPr>
+          <p:nvPr/>
+        </p:nvPicPr>
+        <p:blipFill>
+          <a:blip r:embed="rId4">
+            <a:extLst>
+              <a:ext uri="{96DAC541-7B7A-43D3-8B79-37D633B846F1}">
+                <asvg:svgBlip xmlns:asvg="http://schemas.microsoft.com/office/drawing/2016/SVG/main" r:embed="rId5"/>
+              </a:ext>
+            </a:extLst>
+          </a:blip>
+          <a:stretch>
+            <a:fillRect/>
+          </a:stretch>
+        </p:blipFill>
+        <p:spPr>
+          <a:xfrm>
+            <a:off x="162689" y="2894177"/>
+            <a:ext cx="548640" cy="548640"/>
+          </a:xfrm>
+          <a:prstGeom prst="rect">
+            <a:avLst/>
+          </a:prstGeom>
+        </p:spPr>
+      </p:pic>
+      <p:pic>
+        <p:nvPicPr>
+          <p:cNvPr id="33" name="Graphic 32" descr="School boy">
+            <a:extLst>
+              <a:ext uri="{FF2B5EF4-FFF2-40B4-BE49-F238E27FC236}">
+                <a16:creationId xmlns:a16="http://schemas.microsoft.com/office/drawing/2014/main" id="{DB43DC05-529E-D441-A524-D0B30D5D4E06}"/>
+              </a:ext>
+            </a:extLst>
+          </p:cNvPr>
+          <p:cNvPicPr>
+            <a:picLocks noChangeAspect="1"/>
+          </p:cNvPicPr>
+          <p:nvPr/>
+        </p:nvPicPr>
+        <p:blipFill>
+          <a:blip r:embed="rId6">
+            <a:extLst>
+              <a:ext uri="{96DAC541-7B7A-43D3-8B79-37D633B846F1}">
+                <asvg:svgBlip xmlns:asvg="http://schemas.microsoft.com/office/drawing/2016/SVG/main" r:embed="rId7"/>
+              </a:ext>
+            </a:extLst>
+          </a:blip>
+          <a:stretch>
+            <a:fillRect/>
+          </a:stretch>
+        </p:blipFill>
+        <p:spPr>
+          <a:xfrm>
+            <a:off x="625309" y="2552062"/>
+            <a:ext cx="548640" cy="548640"/>
+          </a:xfrm>
+          <a:prstGeom prst="rect">
+            <a:avLst/>
+          </a:prstGeom>
+        </p:spPr>
+      </p:pic>
+      <p:pic>
+        <p:nvPicPr>
+          <p:cNvPr id="34" name="Graphic 33" descr="Female Profile">
+            <a:extLst>
+              <a:ext uri="{FF2B5EF4-FFF2-40B4-BE49-F238E27FC236}">
+                <a16:creationId xmlns:a16="http://schemas.microsoft.com/office/drawing/2014/main" id="{44118B0F-5F5C-104D-89F1-FF4F0677B581}"/>
+              </a:ext>
+            </a:extLst>
+          </p:cNvPr>
+          <p:cNvPicPr>
+            <a:picLocks noChangeAspect="1"/>
+          </p:cNvPicPr>
+          <p:nvPr/>
+        </p:nvPicPr>
+        <p:blipFill>
+          <a:blip r:embed="rId8">
+            <a:extLst>
+              <a:ext uri="{96DAC541-7B7A-43D3-8B79-37D633B846F1}">
+                <asvg:svgBlip xmlns:asvg="http://schemas.microsoft.com/office/drawing/2016/SVG/main" r:embed="rId9"/>
+              </a:ext>
+            </a:extLst>
+          </a:blip>
+          <a:stretch>
+            <a:fillRect/>
+          </a:stretch>
+        </p:blipFill>
+        <p:spPr>
+          <a:xfrm>
+            <a:off x="198983" y="1972026"/>
+            <a:ext cx="548640" cy="548640"/>
+          </a:xfrm>
+          <a:prstGeom prst="rect">
+            <a:avLst/>
+          </a:prstGeom>
+        </p:spPr>
+      </p:pic>
+      <p:pic>
+        <p:nvPicPr>
+          <p:cNvPr id="35" name="Graphic 34" descr="School girl">
+            <a:extLst>
+              <a:ext uri="{FF2B5EF4-FFF2-40B4-BE49-F238E27FC236}">
+                <a16:creationId xmlns:a16="http://schemas.microsoft.com/office/drawing/2014/main" id="{38748C23-E12A-E34D-8964-5C6C40FF9564}"/>
+              </a:ext>
+            </a:extLst>
+          </p:cNvPr>
+          <p:cNvPicPr>
+            <a:picLocks noChangeAspect="1"/>
+          </p:cNvPicPr>
+          <p:nvPr/>
+        </p:nvPicPr>
+        <p:blipFill>
+          <a:blip r:embed="rId10">
+            <a:extLst>
+              <a:ext uri="{96DAC541-7B7A-43D3-8B79-37D633B846F1}">
+                <asvg:svgBlip xmlns:asvg="http://schemas.microsoft.com/office/drawing/2016/SVG/main" r:embed="rId11"/>
+              </a:ext>
+            </a:extLst>
+          </a:blip>
+          <a:stretch>
+            <a:fillRect/>
+          </a:stretch>
+        </p:blipFill>
+        <p:spPr>
+          <a:xfrm>
+            <a:off x="284313" y="2381261"/>
+            <a:ext cx="548640" cy="548640"/>
+          </a:xfrm>
+          <a:prstGeom prst="rect">
+            <a:avLst/>
+          </a:prstGeom>
+        </p:spPr>
+      </p:pic>
+      <p:pic>
+        <p:nvPicPr>
+          <p:cNvPr id="36" name="Graphic 35" descr="School girl">
+            <a:extLst>
+              <a:ext uri="{FF2B5EF4-FFF2-40B4-BE49-F238E27FC236}">
+                <a16:creationId xmlns:a16="http://schemas.microsoft.com/office/drawing/2014/main" id="{C2C55299-2E10-C44A-BC63-4DFDA1A799E2}"/>
+              </a:ext>
+            </a:extLst>
+          </p:cNvPr>
+          <p:cNvPicPr>
+            <a:picLocks noChangeAspect="1"/>
+          </p:cNvPicPr>
+          <p:nvPr/>
+        </p:nvPicPr>
+        <p:blipFill>
+          <a:blip r:embed="rId12">
+            <a:extLst>
+              <a:ext uri="{96DAC541-7B7A-43D3-8B79-37D633B846F1}">
+                <asvg:svgBlip xmlns:asvg="http://schemas.microsoft.com/office/drawing/2016/SVG/main" r:embed="rId13"/>
+              </a:ext>
+            </a:extLst>
+          </a:blip>
+          <a:stretch>
+            <a:fillRect/>
+          </a:stretch>
+        </p:blipFill>
+        <p:spPr>
+          <a:xfrm>
+            <a:off x="1637666" y="2395742"/>
+            <a:ext cx="548640" cy="548640"/>
+          </a:xfrm>
+          <a:prstGeom prst="rect">
+            <a:avLst/>
+          </a:prstGeom>
+        </p:spPr>
+      </p:pic>
+      <p:pic>
+        <p:nvPicPr>
+          <p:cNvPr id="37" name="Graphic 36" descr="User">
+            <a:extLst>
+              <a:ext uri="{FF2B5EF4-FFF2-40B4-BE49-F238E27FC236}">
+                <a16:creationId xmlns:a16="http://schemas.microsoft.com/office/drawing/2014/main" id="{6FA18981-96F5-2C4E-9FD2-0E3D37F43798}"/>
+              </a:ext>
+            </a:extLst>
+          </p:cNvPr>
+          <p:cNvPicPr>
+            <a:picLocks noChangeAspect="1"/>
+          </p:cNvPicPr>
+          <p:nvPr/>
+        </p:nvPicPr>
+        <p:blipFill>
+          <a:blip r:embed="rId14">
+            <a:extLst>
+              <a:ext uri="{96DAC541-7B7A-43D3-8B79-37D633B846F1}">
+                <asvg:svgBlip xmlns:asvg="http://schemas.microsoft.com/office/drawing/2016/SVG/main" r:embed="rId15"/>
+              </a:ext>
+            </a:extLst>
+          </a:blip>
+          <a:stretch>
+            <a:fillRect/>
+          </a:stretch>
+        </p:blipFill>
+        <p:spPr>
+          <a:xfrm>
+            <a:off x="404891" y="3784365"/>
+            <a:ext cx="548640" cy="548640"/>
+          </a:xfrm>
+          <a:prstGeom prst="rect">
+            <a:avLst/>
+          </a:prstGeom>
+        </p:spPr>
+      </p:pic>
+      <p:pic>
+        <p:nvPicPr>
+          <p:cNvPr id="39" name="Graphic 38" descr="Male profile">
+            <a:extLst>
+              <a:ext uri="{FF2B5EF4-FFF2-40B4-BE49-F238E27FC236}">
+                <a16:creationId xmlns:a16="http://schemas.microsoft.com/office/drawing/2014/main" id="{C31BA2FA-0346-AF4E-9947-474BCEEA1E1A}"/>
+              </a:ext>
+            </a:extLst>
+          </p:cNvPr>
+          <p:cNvPicPr>
+            <a:picLocks noChangeAspect="1"/>
+          </p:cNvPicPr>
+          <p:nvPr/>
+        </p:nvPicPr>
+        <p:blipFill>
+          <a:blip r:embed="rId16">
+            <a:extLst>
+              <a:ext uri="{96DAC541-7B7A-43D3-8B79-37D633B846F1}">
+                <asvg:svgBlip xmlns:asvg="http://schemas.microsoft.com/office/drawing/2016/SVG/main" r:embed="rId17"/>
+              </a:ext>
+            </a:extLst>
+          </a:blip>
+          <a:stretch>
+            <a:fillRect/>
+          </a:stretch>
+        </p:blipFill>
+        <p:spPr>
+          <a:xfrm>
+            <a:off x="1124805" y="1920144"/>
+            <a:ext cx="548640" cy="548640"/>
+          </a:xfrm>
+          <a:prstGeom prst="rect">
+            <a:avLst/>
+          </a:prstGeom>
+        </p:spPr>
+      </p:pic>
+      <p:pic>
+        <p:nvPicPr>
+          <p:cNvPr id="40" name="Graphic 39" descr="Male profile">
+            <a:extLst>
+              <a:ext uri="{FF2B5EF4-FFF2-40B4-BE49-F238E27FC236}">
+                <a16:creationId xmlns:a16="http://schemas.microsoft.com/office/drawing/2014/main" id="{31F7B851-1FE9-0041-8F10-EFAE91321223}"/>
+              </a:ext>
+            </a:extLst>
+          </p:cNvPr>
+          <p:cNvPicPr>
+            <a:picLocks noChangeAspect="1"/>
+          </p:cNvPicPr>
+          <p:nvPr/>
+        </p:nvPicPr>
+        <p:blipFill>
+          <a:blip r:embed="rId18">
+            <a:extLst>
+              <a:ext uri="{96DAC541-7B7A-43D3-8B79-37D633B846F1}">
+                <asvg:svgBlip xmlns:asvg="http://schemas.microsoft.com/office/drawing/2016/SVG/main" r:embed="rId19"/>
+              </a:ext>
+            </a:extLst>
+          </a:blip>
+          <a:stretch>
+            <a:fillRect/>
+          </a:stretch>
+        </p:blipFill>
+        <p:spPr>
+          <a:xfrm>
+            <a:off x="768991" y="4209262"/>
+            <a:ext cx="548640" cy="548640"/>
+          </a:xfrm>
+          <a:prstGeom prst="rect">
+            <a:avLst/>
+          </a:prstGeom>
+        </p:spPr>
+      </p:pic>
+      <p:pic>
+        <p:nvPicPr>
+          <p:cNvPr id="41" name="Graphic 40" descr="User">
+            <a:extLst>
+              <a:ext uri="{FF2B5EF4-FFF2-40B4-BE49-F238E27FC236}">
+                <a16:creationId xmlns:a16="http://schemas.microsoft.com/office/drawing/2014/main" id="{E040F2A3-AFAF-D148-A107-32FE22473B6E}"/>
+              </a:ext>
+            </a:extLst>
+          </p:cNvPr>
+          <p:cNvPicPr>
+            <a:picLocks noChangeAspect="1"/>
+          </p:cNvPicPr>
+          <p:nvPr/>
+        </p:nvPicPr>
+        <p:blipFill>
+          <a:blip r:embed="rId20">
+            <a:extLst>
+              <a:ext uri="{96DAC541-7B7A-43D3-8B79-37D633B846F1}">
+                <asvg:svgBlip xmlns:asvg="http://schemas.microsoft.com/office/drawing/2016/SVG/main" r:embed="rId21"/>
+              </a:ext>
+            </a:extLst>
+          </a:blip>
+          <a:stretch>
+            <a:fillRect/>
+          </a:stretch>
+        </p:blipFill>
+        <p:spPr>
+          <a:xfrm>
+            <a:off x="1559013" y="1937650"/>
+            <a:ext cx="548640" cy="548640"/>
+          </a:xfrm>
+          <a:prstGeom prst="rect">
+            <a:avLst/>
+          </a:prstGeom>
+        </p:spPr>
+      </p:pic>
+      <p:pic>
+        <p:nvPicPr>
+          <p:cNvPr id="42" name="Graphic 41" descr="School girl">
+            <a:extLst>
+              <a:ext uri="{FF2B5EF4-FFF2-40B4-BE49-F238E27FC236}">
+                <a16:creationId xmlns:a16="http://schemas.microsoft.com/office/drawing/2014/main" id="{3F63AF07-EE5F-CF47-A082-F91C131F360C}"/>
+              </a:ext>
+            </a:extLst>
+          </p:cNvPr>
+          <p:cNvPicPr>
+            <a:picLocks noChangeAspect="1"/>
+          </p:cNvPicPr>
+          <p:nvPr/>
+        </p:nvPicPr>
+        <p:blipFill>
+          <a:blip r:embed="rId10">
+            <a:extLst>
+              <a:ext uri="{96DAC541-7B7A-43D3-8B79-37D633B846F1}">
+                <asvg:svgBlip xmlns:asvg="http://schemas.microsoft.com/office/drawing/2016/SVG/main" r:embed="rId11"/>
+              </a:ext>
+            </a:extLst>
+          </a:blip>
+          <a:stretch>
+            <a:fillRect/>
+          </a:stretch>
+        </p:blipFill>
+        <p:spPr>
+          <a:xfrm>
+            <a:off x="1184825" y="3978817"/>
+            <a:ext cx="548640" cy="548640"/>
+          </a:xfrm>
+          <a:prstGeom prst="rect">
+            <a:avLst/>
+          </a:prstGeom>
+        </p:spPr>
+      </p:pic>
+      <p:pic>
+        <p:nvPicPr>
+          <p:cNvPr id="43" name="Graphic 42" descr="Female Profile">
+            <a:extLst>
+              <a:ext uri="{FF2B5EF4-FFF2-40B4-BE49-F238E27FC236}">
+                <a16:creationId xmlns:a16="http://schemas.microsoft.com/office/drawing/2014/main" id="{2627CD7E-A53B-F24A-B1B8-3F6E79640393}"/>
+              </a:ext>
+            </a:extLst>
+          </p:cNvPr>
+          <p:cNvPicPr>
+            <a:picLocks noChangeAspect="1"/>
+          </p:cNvPicPr>
+          <p:nvPr/>
+        </p:nvPicPr>
+        <p:blipFill>
+          <a:blip r:embed="rId4">
+            <a:extLst>
+              <a:ext uri="{96DAC541-7B7A-43D3-8B79-37D633B846F1}">
+                <asvg:svgBlip xmlns:asvg="http://schemas.microsoft.com/office/drawing/2016/SVG/main" r:embed="rId5"/>
+              </a:ext>
+            </a:extLst>
+          </a:blip>
+          <a:stretch>
+            <a:fillRect/>
+          </a:stretch>
+        </p:blipFill>
+        <p:spPr>
+          <a:xfrm>
+            <a:off x="1143179" y="2430463"/>
+            <a:ext cx="548640" cy="548640"/>
+          </a:xfrm>
+          <a:prstGeom prst="rect">
+            <a:avLst/>
+          </a:prstGeom>
+        </p:spPr>
+      </p:pic>
+      <p:sp>
+        <p:nvSpPr>
+          <p:cNvPr id="52" name="Rounded Rectangle 51">
+            <a:extLst>
+              <a:ext uri="{FF2B5EF4-FFF2-40B4-BE49-F238E27FC236}">
+                <a16:creationId xmlns:a16="http://schemas.microsoft.com/office/drawing/2014/main" id="{679284B6-69AC-1545-BE16-018888117D47}"/>
+              </a:ext>
+            </a:extLst>
+          </p:cNvPr>
+          <p:cNvSpPr/>
+          <p:nvPr/>
+        </p:nvSpPr>
+        <p:spPr>
+          <a:xfrm>
+            <a:off x="5905285" y="1925327"/>
+            <a:ext cx="1170215" cy="674914"/>
+          </a:xfrm>
+          <a:prstGeom prst="roundRect">
+            <a:avLst/>
+          </a:prstGeom>
+          <a:solidFill>
+            <a:schemeClr val="accent1">
+              <a:lumMod val="60000"/>
+              <a:lumOff val="40000"/>
+            </a:schemeClr>
+          </a:solidFill>
+          <a:ln w="19050">
+            <a:solidFill>
+              <a:schemeClr val="accent1">
+                <a:lumMod val="50000"/>
+              </a:schemeClr>
+            </a:solidFill>
+          </a:ln>
+        </p:spPr>
+        <p:style>
+          <a:lnRef idx="2">
+            <a:schemeClr val="accent1">
+              <a:shade val="50000"/>
+            </a:schemeClr>
+          </a:lnRef>
+          <a:fillRef idx="1">
+            <a:schemeClr val="accent1"/>
+          </a:fillRef>
+          <a:effectRef idx="0">
+            <a:schemeClr val="accent1"/>
+          </a:effectRef>
+          <a:fontRef idx="minor">
+            <a:schemeClr val="lt1"/>
+          </a:fontRef>
+        </p:style>
+        <p:txBody>
+          <a:bodyPr rtlCol="0" anchor="ctr"/>
+          <a:lstStyle/>
+          <a:p>
+            <a:pPr algn="ctr"/>
+            <a:endParaRPr lang="en-US" dirty="0">
+              <a:solidFill>
+                <a:schemeClr val="tx1"/>
+              </a:solidFill>
+            </a:endParaRPr>
+          </a:p>
+        </p:txBody>
+      </p:sp>
+      <p:sp>
+        <p:nvSpPr>
+          <p:cNvPr id="53" name="Rounded Rectangle 52">
+            <a:extLst>
+              <a:ext uri="{FF2B5EF4-FFF2-40B4-BE49-F238E27FC236}">
+                <a16:creationId xmlns:a16="http://schemas.microsoft.com/office/drawing/2014/main" id="{7BD1F8B5-1F8A-D543-8BDC-C30167A00E6A}"/>
+              </a:ext>
+            </a:extLst>
+          </p:cNvPr>
+          <p:cNvSpPr/>
+          <p:nvPr/>
+        </p:nvSpPr>
+        <p:spPr>
+          <a:xfrm>
+            <a:off x="5774655" y="2061399"/>
+            <a:ext cx="1170215" cy="674914"/>
+          </a:xfrm>
+          <a:prstGeom prst="roundRect">
+            <a:avLst/>
+          </a:prstGeom>
+          <a:solidFill>
+            <a:schemeClr val="accent1">
+              <a:lumMod val="75000"/>
+            </a:schemeClr>
+          </a:solidFill>
+          <a:ln w="19050">
+            <a:solidFill>
+              <a:schemeClr val="accent1">
+                <a:lumMod val="50000"/>
+              </a:schemeClr>
+            </a:solidFill>
+          </a:ln>
+        </p:spPr>
+        <p:style>
+          <a:lnRef idx="2">
+            <a:schemeClr val="accent1">
+              <a:shade val="50000"/>
+            </a:schemeClr>
+          </a:lnRef>
+          <a:fillRef idx="1">
+            <a:schemeClr val="accent1"/>
+          </a:fillRef>
+          <a:effectRef idx="0">
+            <a:schemeClr val="accent1"/>
+          </a:effectRef>
+          <a:fontRef idx="minor">
+            <a:schemeClr val="lt1"/>
+          </a:fontRef>
+        </p:style>
+        <p:txBody>
+          <a:bodyPr rtlCol="0" anchor="ctr"/>
+          <a:lstStyle/>
+          <a:p>
+            <a:pPr algn="ctr"/>
+            <a:r>
+              <a:rPr lang="en-US" dirty="0">
+                <a:solidFill>
+                  <a:schemeClr val="bg1"/>
+                </a:solidFill>
+              </a:rPr>
+              <a:t>v1.0</a:t>
+            </a:r>
+          </a:p>
+        </p:txBody>
+      </p:sp>
+      <p:sp>
+        <p:nvSpPr>
+          <p:cNvPr id="54" name="Rounded Rectangle 53">
+            <a:extLst>
+              <a:ext uri="{FF2B5EF4-FFF2-40B4-BE49-F238E27FC236}">
+                <a16:creationId xmlns:a16="http://schemas.microsoft.com/office/drawing/2014/main" id="{C6EFCFA5-008A-E54A-9504-84FEF0E7F2F0}"/>
+              </a:ext>
+            </a:extLst>
+          </p:cNvPr>
+          <p:cNvSpPr/>
+          <p:nvPr/>
+        </p:nvSpPr>
+        <p:spPr>
+          <a:xfrm>
+            <a:off x="5774655" y="4272676"/>
+            <a:ext cx="1170215" cy="674914"/>
+          </a:xfrm>
+          <a:prstGeom prst="roundRect">
+            <a:avLst/>
+          </a:prstGeom>
+          <a:solidFill>
+            <a:schemeClr val="accent6">
+              <a:lumMod val="75000"/>
+            </a:schemeClr>
+          </a:solidFill>
+          <a:ln w="19050">
+            <a:solidFill>
+              <a:schemeClr val="accent6">
+                <a:lumMod val="50000"/>
+              </a:schemeClr>
+            </a:solidFill>
+          </a:ln>
+        </p:spPr>
+        <p:style>
+          <a:lnRef idx="2">
+            <a:schemeClr val="accent1">
+              <a:shade val="50000"/>
+            </a:schemeClr>
+          </a:lnRef>
+          <a:fillRef idx="1">
+            <a:schemeClr val="accent1"/>
+          </a:fillRef>
+          <a:effectRef idx="0">
+            <a:schemeClr val="accent1"/>
+          </a:effectRef>
+          <a:fontRef idx="minor">
+            <a:schemeClr val="lt1"/>
+          </a:fontRef>
+        </p:style>
+        <p:txBody>
+          <a:bodyPr rtlCol="0" anchor="ctr"/>
+          <a:lstStyle/>
+          <a:p>
+            <a:pPr algn="ctr"/>
+            <a:r>
+              <a:rPr lang="en-US" dirty="0">
+                <a:solidFill>
+                  <a:schemeClr val="bg1"/>
+                </a:solidFill>
+              </a:rPr>
+              <a:t>v2.0</a:t>
+            </a:r>
+          </a:p>
+        </p:txBody>
+      </p:sp>
+      <p:sp>
+        <p:nvSpPr>
+          <p:cNvPr id="56" name="Rounded Rectangle 55">
+            <a:extLst>
+              <a:ext uri="{FF2B5EF4-FFF2-40B4-BE49-F238E27FC236}">
+                <a16:creationId xmlns:a16="http://schemas.microsoft.com/office/drawing/2014/main" id="{055D8326-B9BB-8D40-AB91-9DBD2DB840A9}"/>
+              </a:ext>
+            </a:extLst>
+          </p:cNvPr>
+          <p:cNvSpPr/>
+          <p:nvPr/>
+        </p:nvSpPr>
+        <p:spPr>
+          <a:xfrm>
+            <a:off x="4781170" y="3116049"/>
+            <a:ext cx="689886" cy="618939"/>
+          </a:xfrm>
+          <a:prstGeom prst="roundRect">
+            <a:avLst/>
+          </a:prstGeom>
+          <a:solidFill>
+            <a:schemeClr val="bg1"/>
+          </a:solidFill>
+          <a:ln>
+            <a:solidFill>
+              <a:schemeClr val="bg1"/>
+            </a:solidFill>
+          </a:ln>
+        </p:spPr>
+        <p:style>
+          <a:lnRef idx="2">
+            <a:schemeClr val="accent1">
+              <a:shade val="50000"/>
+            </a:schemeClr>
+          </a:lnRef>
+          <a:fillRef idx="1">
+            <a:schemeClr val="accent1"/>
+          </a:fillRef>
+          <a:effectRef idx="0">
+            <a:schemeClr val="accent1"/>
+          </a:effectRef>
+          <a:fontRef idx="minor">
+            <a:schemeClr val="lt1"/>
+          </a:fontRef>
+        </p:style>
+        <p:txBody>
+          <a:bodyPr rtlCol="0" anchor="ctr"/>
+          <a:lstStyle/>
+          <a:p>
+            <a:pPr algn="ctr"/>
+            <a:endParaRPr lang="en-US"/>
+          </a:p>
+        </p:txBody>
+      </p:sp>
+      <p:sp>
+        <p:nvSpPr>
+          <p:cNvPr id="58" name="TextBox 57">
+            <a:extLst>
+              <a:ext uri="{FF2B5EF4-FFF2-40B4-BE49-F238E27FC236}">
+                <a16:creationId xmlns:a16="http://schemas.microsoft.com/office/drawing/2014/main" id="{0E823160-F618-A645-BF05-BFAACBA9E781}"/>
+              </a:ext>
+            </a:extLst>
+          </p:cNvPr>
+          <p:cNvSpPr txBox="1"/>
+          <p:nvPr/>
+        </p:nvSpPr>
+        <p:spPr>
+          <a:xfrm>
+            <a:off x="5368195" y="2699138"/>
+            <a:ext cx="700833" cy="369332"/>
+          </a:xfrm>
+          <a:prstGeom prst="rect">
+            <a:avLst/>
+          </a:prstGeom>
+          <a:noFill/>
+        </p:spPr>
+        <p:txBody>
+          <a:bodyPr wrap="none" rtlCol="0">
+            <a:spAutoFit/>
+          </a:bodyPr>
+          <a:lstStyle/>
+          <a:p>
+            <a:r>
+              <a:rPr lang="en-US" dirty="0"/>
+              <a:t>100%</a:t>
+            </a:r>
+          </a:p>
+        </p:txBody>
+      </p:sp>
+      <p:sp>
+        <p:nvSpPr>
+          <p:cNvPr id="73" name="Rounded Rectangle 72">
+            <a:extLst>
+              <a:ext uri="{FF2B5EF4-FFF2-40B4-BE49-F238E27FC236}">
+                <a16:creationId xmlns:a16="http://schemas.microsoft.com/office/drawing/2014/main" id="{E71FD733-5596-9147-92A5-95EF2ED71511}"/>
+              </a:ext>
+            </a:extLst>
+          </p:cNvPr>
+          <p:cNvSpPr/>
+          <p:nvPr/>
+        </p:nvSpPr>
+        <p:spPr>
+          <a:xfrm>
+            <a:off x="4676841" y="2858881"/>
+            <a:ext cx="816445" cy="1041636"/>
+          </a:xfrm>
+          <a:prstGeom prst="roundRect">
+            <a:avLst/>
+          </a:prstGeom>
+          <a:solidFill>
+            <a:schemeClr val="bg1"/>
+          </a:solidFill>
+          <a:ln>
+            <a:solidFill>
+              <a:schemeClr val="bg1"/>
+            </a:solidFill>
+          </a:ln>
+        </p:spPr>
+        <p:style>
+          <a:lnRef idx="2">
+            <a:schemeClr val="accent1">
+              <a:shade val="50000"/>
+            </a:schemeClr>
+          </a:lnRef>
+          <a:fillRef idx="1">
+            <a:schemeClr val="accent1"/>
+          </a:fillRef>
+          <a:effectRef idx="0">
+            <a:schemeClr val="accent1"/>
+          </a:effectRef>
+          <a:fontRef idx="minor">
+            <a:schemeClr val="lt1"/>
+          </a:fontRef>
+        </p:style>
+        <p:txBody>
+          <a:bodyPr rtlCol="0" anchor="ctr"/>
+          <a:lstStyle/>
+          <a:p>
+            <a:pPr algn="ctr"/>
+            <a:endParaRPr lang="en-US"/>
+          </a:p>
+        </p:txBody>
+      </p:sp>
+      <p:pic>
+        <p:nvPicPr>
+          <p:cNvPr id="72" name="Graphic 71" descr="Server">
+            <a:extLst>
+              <a:ext uri="{FF2B5EF4-FFF2-40B4-BE49-F238E27FC236}">
+                <a16:creationId xmlns:a16="http://schemas.microsoft.com/office/drawing/2014/main" id="{55EEA0B0-993C-C64E-9A52-07B2BC96EB02}"/>
+              </a:ext>
+            </a:extLst>
+          </p:cNvPr>
+          <p:cNvPicPr>
+            <a:picLocks noChangeAspect="1"/>
+          </p:cNvPicPr>
+          <p:nvPr/>
+        </p:nvPicPr>
+        <p:blipFill>
+          <a:blip r:embed="rId22">
+            <a:extLst>
+              <a:ext uri="{96DAC541-7B7A-43D3-8B79-37D633B846F1}">
+                <asvg:svgBlip xmlns:asvg="http://schemas.microsoft.com/office/drawing/2016/SVG/main" r:embed="rId23"/>
+              </a:ext>
+            </a:extLst>
+          </a:blip>
+          <a:stretch>
+            <a:fillRect/>
+          </a:stretch>
+        </p:blipFill>
+        <p:spPr>
+          <a:xfrm>
+            <a:off x="2168312" y="3005254"/>
+            <a:ext cx="914400" cy="914400"/>
+          </a:xfrm>
+          <a:prstGeom prst="rect">
+            <a:avLst/>
+          </a:prstGeom>
+        </p:spPr>
+      </p:pic>
+      <p:pic>
+        <p:nvPicPr>
+          <p:cNvPr id="57" name="Graphic 56" descr="Server">
+            <a:extLst>
+              <a:ext uri="{FF2B5EF4-FFF2-40B4-BE49-F238E27FC236}">
+                <a16:creationId xmlns:a16="http://schemas.microsoft.com/office/drawing/2014/main" id="{1377B7FF-9024-EE45-8EA2-E4370E391F91}"/>
+              </a:ext>
+            </a:extLst>
+          </p:cNvPr>
+          <p:cNvPicPr>
+            <a:picLocks noChangeAspect="1"/>
+          </p:cNvPicPr>
+          <p:nvPr/>
+        </p:nvPicPr>
+        <p:blipFill>
+          <a:blip r:embed="rId22">
+            <a:extLst>
+              <a:ext uri="{96DAC541-7B7A-43D3-8B79-37D633B846F1}">
+                <asvg:svgBlip xmlns:asvg="http://schemas.microsoft.com/office/drawing/2016/SVG/main" r:embed="rId23"/>
+              </a:ext>
+            </a:extLst>
+          </a:blip>
+          <a:stretch>
+            <a:fillRect/>
+          </a:stretch>
+        </p:blipFill>
+        <p:spPr>
+          <a:xfrm>
+            <a:off x="4681839" y="3005254"/>
+            <a:ext cx="914400" cy="914400"/>
+          </a:xfrm>
+          <a:prstGeom prst="rect">
+            <a:avLst/>
+          </a:prstGeom>
+        </p:spPr>
+      </p:pic>
+      <p:sp>
+        <p:nvSpPr>
+          <p:cNvPr id="70" name="Rounded Rectangle 69">
+            <a:extLst>
+              <a:ext uri="{FF2B5EF4-FFF2-40B4-BE49-F238E27FC236}">
+                <a16:creationId xmlns:a16="http://schemas.microsoft.com/office/drawing/2014/main" id="{A81DBC97-4326-7A42-BAFD-7AA34B39351F}"/>
+              </a:ext>
+            </a:extLst>
+          </p:cNvPr>
+          <p:cNvSpPr/>
+          <p:nvPr/>
+        </p:nvSpPr>
+        <p:spPr>
+          <a:xfrm>
+            <a:off x="8263722" y="4147864"/>
+            <a:ext cx="1170215" cy="674914"/>
+          </a:xfrm>
+          <a:prstGeom prst="roundRect">
+            <a:avLst/>
+          </a:prstGeom>
+          <a:solidFill>
+            <a:schemeClr val="accent6">
+              <a:lumMod val="60000"/>
+              <a:lumOff val="40000"/>
+            </a:schemeClr>
+          </a:solidFill>
+          <a:ln w="19050">
+            <a:solidFill>
+              <a:schemeClr val="accent6">
+                <a:lumMod val="50000"/>
+              </a:schemeClr>
+            </a:solidFill>
+          </a:ln>
+        </p:spPr>
+        <p:style>
+          <a:lnRef idx="2">
+            <a:schemeClr val="accent1">
+              <a:shade val="50000"/>
+            </a:schemeClr>
+          </a:lnRef>
+          <a:fillRef idx="1">
+            <a:schemeClr val="accent1"/>
+          </a:fillRef>
+          <a:effectRef idx="0">
+            <a:schemeClr val="accent1"/>
+          </a:effectRef>
+          <a:fontRef idx="minor">
+            <a:schemeClr val="lt1"/>
+          </a:fontRef>
+        </p:style>
+        <p:txBody>
+          <a:bodyPr rtlCol="0" anchor="ctr"/>
+          <a:lstStyle/>
+          <a:p>
+            <a:pPr algn="ctr"/>
+            <a:endParaRPr lang="en-US" dirty="0">
+              <a:solidFill>
+                <a:schemeClr val="tx1"/>
+              </a:solidFill>
+            </a:endParaRPr>
+          </a:p>
+        </p:txBody>
+      </p:sp>
+      <p:sp>
+        <p:nvSpPr>
+          <p:cNvPr id="71" name="Curved Up Arrow 70">
+            <a:extLst>
+              <a:ext uri="{FF2B5EF4-FFF2-40B4-BE49-F238E27FC236}">
+                <a16:creationId xmlns:a16="http://schemas.microsoft.com/office/drawing/2014/main" id="{6A8FC5E4-D3C7-3046-B1AB-FAD880964032}"/>
+              </a:ext>
+            </a:extLst>
+          </p:cNvPr>
+          <p:cNvSpPr/>
+          <p:nvPr/>
+        </p:nvSpPr>
+        <p:spPr>
+          <a:xfrm>
+            <a:off x="7324887" y="2905395"/>
+            <a:ext cx="1394293" cy="420987"/>
+          </a:xfrm>
+          <a:prstGeom prst="curvedUpArrow">
+            <a:avLst>
+              <a:gd name="adj1" fmla="val 13236"/>
+              <a:gd name="adj2" fmla="val 50000"/>
+              <a:gd name="adj3" fmla="val 25000"/>
+            </a:avLst>
+          </a:prstGeom>
+          <a:solidFill>
+            <a:schemeClr val="accent1">
+              <a:lumMod val="75000"/>
+            </a:schemeClr>
+          </a:solidFill>
+          <a:ln>
+            <a:solidFill>
+              <a:schemeClr val="accent1">
+                <a:lumMod val="50000"/>
+              </a:schemeClr>
+            </a:solidFill>
+          </a:ln>
+        </p:spPr>
+        <p:style>
+          <a:lnRef idx="2">
+            <a:schemeClr val="accent1">
+              <a:shade val="50000"/>
+            </a:schemeClr>
+          </a:lnRef>
+          <a:fillRef idx="1">
+            <a:schemeClr val="accent1"/>
+          </a:fillRef>
+          <a:effectRef idx="0">
+            <a:schemeClr val="accent1"/>
+          </a:effectRef>
+          <a:fontRef idx="minor">
+            <a:schemeClr val="lt1"/>
+          </a:fontRef>
+        </p:style>
+        <p:txBody>
+          <a:bodyPr rtlCol="0" anchor="ctr"/>
+          <a:lstStyle/>
+          <a:p>
+            <a:pPr algn="ctr"/>
+            <a:endParaRPr lang="en-US">
+              <a:solidFill>
+                <a:schemeClr val="tx1"/>
+              </a:solidFill>
+            </a:endParaRPr>
+          </a:p>
+        </p:txBody>
+      </p:sp>
+      <p:sp>
+        <p:nvSpPr>
+          <p:cNvPr id="76" name="Rounded Rectangle 75">
+            <a:extLst>
+              <a:ext uri="{FF2B5EF4-FFF2-40B4-BE49-F238E27FC236}">
+                <a16:creationId xmlns:a16="http://schemas.microsoft.com/office/drawing/2014/main" id="{17597C80-A437-9C40-BC16-CBECB19E11C1}"/>
+              </a:ext>
+            </a:extLst>
+          </p:cNvPr>
+          <p:cNvSpPr/>
+          <p:nvPr/>
+        </p:nvSpPr>
+        <p:spPr>
+          <a:xfrm>
+            <a:off x="8159292" y="2061399"/>
+            <a:ext cx="1170215" cy="674914"/>
+          </a:xfrm>
+          <a:prstGeom prst="roundRect">
+            <a:avLst/>
+          </a:prstGeom>
+          <a:solidFill>
+            <a:schemeClr val="accent1">
+              <a:lumMod val="75000"/>
+            </a:schemeClr>
+          </a:solidFill>
+          <a:ln w="19050">
+            <a:solidFill>
+              <a:schemeClr val="accent1">
+                <a:lumMod val="50000"/>
+              </a:schemeClr>
+            </a:solidFill>
+          </a:ln>
+        </p:spPr>
+        <p:style>
+          <a:lnRef idx="2">
+            <a:schemeClr val="accent1">
+              <a:shade val="50000"/>
+            </a:schemeClr>
+          </a:lnRef>
+          <a:fillRef idx="1">
+            <a:schemeClr val="accent1"/>
+          </a:fillRef>
+          <a:effectRef idx="0">
+            <a:schemeClr val="accent1"/>
+          </a:effectRef>
+          <a:fontRef idx="minor">
+            <a:schemeClr val="lt1"/>
+          </a:fontRef>
+        </p:style>
+        <p:txBody>
+          <a:bodyPr rtlCol="0" anchor="ctr"/>
+          <a:lstStyle/>
+          <a:p>
+            <a:pPr algn="ctr"/>
+            <a:r>
+              <a:rPr lang="en-US" dirty="0">
+                <a:solidFill>
+                  <a:schemeClr val="bg1"/>
+                </a:solidFill>
+              </a:rPr>
+              <a:t>v1.0</a:t>
+            </a:r>
+          </a:p>
+        </p:txBody>
+      </p:sp>
+      <p:sp>
+        <p:nvSpPr>
+          <p:cNvPr id="77" name="Rounded Rectangle 76">
+            <a:extLst>
+              <a:ext uri="{FF2B5EF4-FFF2-40B4-BE49-F238E27FC236}">
+                <a16:creationId xmlns:a16="http://schemas.microsoft.com/office/drawing/2014/main" id="{CE070102-5BA5-1B44-9287-39DC0017C162}"/>
+              </a:ext>
+            </a:extLst>
+          </p:cNvPr>
+          <p:cNvSpPr/>
+          <p:nvPr/>
+        </p:nvSpPr>
+        <p:spPr>
+          <a:xfrm>
+            <a:off x="8159292" y="4272676"/>
+            <a:ext cx="1170215" cy="674914"/>
+          </a:xfrm>
+          <a:prstGeom prst="roundRect">
+            <a:avLst/>
+          </a:prstGeom>
+          <a:solidFill>
+            <a:schemeClr val="accent6">
+              <a:lumMod val="75000"/>
+            </a:schemeClr>
+          </a:solidFill>
+          <a:ln w="19050">
+            <a:solidFill>
+              <a:schemeClr val="accent6">
+                <a:lumMod val="50000"/>
+              </a:schemeClr>
+            </a:solidFill>
+          </a:ln>
+        </p:spPr>
+        <p:style>
+          <a:lnRef idx="2">
+            <a:schemeClr val="accent1">
+              <a:shade val="50000"/>
+            </a:schemeClr>
+          </a:lnRef>
+          <a:fillRef idx="1">
+            <a:schemeClr val="accent1"/>
+          </a:fillRef>
+          <a:effectRef idx="0">
+            <a:schemeClr val="accent1"/>
+          </a:effectRef>
+          <a:fontRef idx="minor">
+            <a:schemeClr val="lt1"/>
+          </a:fontRef>
+        </p:style>
+        <p:txBody>
+          <a:bodyPr rtlCol="0" anchor="ctr"/>
+          <a:lstStyle/>
+          <a:p>
+            <a:pPr algn="ctr"/>
+            <a:r>
+              <a:rPr lang="en-US" dirty="0">
+                <a:solidFill>
+                  <a:schemeClr val="bg1"/>
+                </a:solidFill>
+              </a:rPr>
+              <a:t>v2.0</a:t>
+            </a:r>
+          </a:p>
+        </p:txBody>
+      </p:sp>
+      <p:sp>
+        <p:nvSpPr>
+          <p:cNvPr id="79" name="TextBox 78">
+            <a:extLst>
+              <a:ext uri="{FF2B5EF4-FFF2-40B4-BE49-F238E27FC236}">
+                <a16:creationId xmlns:a16="http://schemas.microsoft.com/office/drawing/2014/main" id="{366040A5-57BA-4B4F-B936-D45AAEB02C90}"/>
+              </a:ext>
+            </a:extLst>
+          </p:cNvPr>
+          <p:cNvSpPr txBox="1"/>
+          <p:nvPr/>
+        </p:nvSpPr>
+        <p:spPr>
+          <a:xfrm>
+            <a:off x="7889569" y="2699138"/>
+            <a:ext cx="700833" cy="369332"/>
+          </a:xfrm>
+          <a:prstGeom prst="rect">
+            <a:avLst/>
+          </a:prstGeom>
+          <a:noFill/>
+        </p:spPr>
+        <p:txBody>
+          <a:bodyPr wrap="none" rtlCol="0">
+            <a:spAutoFit/>
+          </a:bodyPr>
+          <a:lstStyle/>
+          <a:p>
+            <a:r>
+              <a:rPr lang="en-US" dirty="0"/>
+              <a:t>100%</a:t>
+            </a:r>
+          </a:p>
+        </p:txBody>
+      </p:sp>
+      <p:sp>
+        <p:nvSpPr>
+          <p:cNvPr id="83" name="Rounded Rectangle 82">
+            <a:extLst>
+              <a:ext uri="{FF2B5EF4-FFF2-40B4-BE49-F238E27FC236}">
+                <a16:creationId xmlns:a16="http://schemas.microsoft.com/office/drawing/2014/main" id="{6656F4DF-FFBE-EE4C-993B-99617CD58386}"/>
+              </a:ext>
+            </a:extLst>
+          </p:cNvPr>
+          <p:cNvSpPr/>
+          <p:nvPr/>
+        </p:nvSpPr>
+        <p:spPr>
+          <a:xfrm>
+            <a:off x="7150689" y="2848628"/>
+            <a:ext cx="816445" cy="1041636"/>
+          </a:xfrm>
+          <a:prstGeom prst="roundRect">
+            <a:avLst/>
+          </a:prstGeom>
+          <a:solidFill>
+            <a:schemeClr val="bg1"/>
+          </a:solidFill>
+          <a:ln>
+            <a:solidFill>
+              <a:schemeClr val="bg1"/>
+            </a:solidFill>
+          </a:ln>
+        </p:spPr>
+        <p:style>
+          <a:lnRef idx="2">
+            <a:schemeClr val="accent1">
+              <a:shade val="50000"/>
+            </a:schemeClr>
+          </a:lnRef>
+          <a:fillRef idx="1">
+            <a:schemeClr val="accent1"/>
+          </a:fillRef>
+          <a:effectRef idx="0">
+            <a:schemeClr val="accent1"/>
+          </a:effectRef>
+          <a:fontRef idx="minor">
+            <a:schemeClr val="lt1"/>
+          </a:fontRef>
+        </p:style>
+        <p:txBody>
+          <a:bodyPr rtlCol="0" anchor="ctr"/>
+          <a:lstStyle/>
+          <a:p>
+            <a:pPr algn="ctr"/>
+            <a:endParaRPr lang="en-US"/>
+          </a:p>
+        </p:txBody>
+      </p:sp>
+      <p:pic>
+        <p:nvPicPr>
+          <p:cNvPr id="84" name="Graphic 83" descr="Server">
+            <a:extLst>
+              <a:ext uri="{FF2B5EF4-FFF2-40B4-BE49-F238E27FC236}">
+                <a16:creationId xmlns:a16="http://schemas.microsoft.com/office/drawing/2014/main" id="{95494DAB-1ECB-1844-857E-C71519E2842C}"/>
+              </a:ext>
+            </a:extLst>
+          </p:cNvPr>
+          <p:cNvPicPr>
+            <a:picLocks noChangeAspect="1"/>
+          </p:cNvPicPr>
+          <p:nvPr/>
+        </p:nvPicPr>
+        <p:blipFill>
+          <a:blip r:embed="rId22">
+            <a:extLst>
+              <a:ext uri="{96DAC541-7B7A-43D3-8B79-37D633B846F1}">
+                <asvg:svgBlip xmlns:asvg="http://schemas.microsoft.com/office/drawing/2016/SVG/main" r:embed="rId23"/>
+              </a:ext>
+            </a:extLst>
+          </a:blip>
+          <a:stretch>
+            <a:fillRect/>
+          </a:stretch>
+        </p:blipFill>
+        <p:spPr>
+          <a:xfrm>
+            <a:off x="7194808" y="2975864"/>
+            <a:ext cx="914400" cy="914400"/>
+          </a:xfrm>
+          <a:prstGeom prst="rect">
+            <a:avLst/>
+          </a:prstGeom>
+        </p:spPr>
+      </p:pic>
+      <p:sp>
+        <p:nvSpPr>
+          <p:cNvPr id="86" name="Rounded Rectangle 85">
+            <a:extLst>
+              <a:ext uri="{FF2B5EF4-FFF2-40B4-BE49-F238E27FC236}">
+                <a16:creationId xmlns:a16="http://schemas.microsoft.com/office/drawing/2014/main" id="{108FF632-71A4-BE48-B037-49620092C270}"/>
+              </a:ext>
+            </a:extLst>
+          </p:cNvPr>
+          <p:cNvSpPr/>
+          <p:nvPr/>
+        </p:nvSpPr>
+        <p:spPr>
+          <a:xfrm>
+            <a:off x="10738909" y="4026533"/>
+            <a:ext cx="1170215" cy="674914"/>
+          </a:xfrm>
+          <a:prstGeom prst="roundRect">
+            <a:avLst/>
+          </a:prstGeom>
+          <a:solidFill>
+            <a:schemeClr val="accent6">
+              <a:lumMod val="40000"/>
+              <a:lumOff val="60000"/>
+            </a:schemeClr>
+          </a:solidFill>
+          <a:ln w="19050">
+            <a:solidFill>
+              <a:schemeClr val="accent6">
+                <a:lumMod val="50000"/>
+              </a:schemeClr>
+            </a:solidFill>
+          </a:ln>
+        </p:spPr>
+        <p:style>
+          <a:lnRef idx="2">
+            <a:schemeClr val="accent1">
+              <a:shade val="50000"/>
+            </a:schemeClr>
+          </a:lnRef>
+          <a:fillRef idx="1">
+            <a:schemeClr val="accent1"/>
+          </a:fillRef>
+          <a:effectRef idx="0">
+            <a:schemeClr val="accent1"/>
+          </a:effectRef>
+          <a:fontRef idx="minor">
+            <a:schemeClr val="lt1"/>
+          </a:fontRef>
+        </p:style>
+        <p:txBody>
+          <a:bodyPr rtlCol="0" anchor="ctr"/>
+          <a:lstStyle/>
+          <a:p>
+            <a:pPr algn="ctr"/>
+            <a:endParaRPr lang="en-US" dirty="0">
+              <a:solidFill>
+                <a:schemeClr val="tx1"/>
+              </a:solidFill>
+            </a:endParaRPr>
+          </a:p>
+        </p:txBody>
+      </p:sp>
+      <p:sp>
+        <p:nvSpPr>
+          <p:cNvPr id="87" name="Rounded Rectangle 86">
+            <a:extLst>
+              <a:ext uri="{FF2B5EF4-FFF2-40B4-BE49-F238E27FC236}">
+                <a16:creationId xmlns:a16="http://schemas.microsoft.com/office/drawing/2014/main" id="{970EA12E-AC9F-AF41-9168-2444020C900B}"/>
+              </a:ext>
+            </a:extLst>
+          </p:cNvPr>
+          <p:cNvSpPr/>
+          <p:nvPr/>
+        </p:nvSpPr>
+        <p:spPr>
+          <a:xfrm>
+            <a:off x="10597395" y="4136604"/>
+            <a:ext cx="1170215" cy="674914"/>
+          </a:xfrm>
+          <a:prstGeom prst="roundRect">
+            <a:avLst/>
+          </a:prstGeom>
+          <a:solidFill>
+            <a:schemeClr val="accent6">
+              <a:lumMod val="60000"/>
+              <a:lumOff val="40000"/>
+            </a:schemeClr>
+          </a:solidFill>
+          <a:ln w="19050">
+            <a:solidFill>
+              <a:schemeClr val="accent6">
+                <a:lumMod val="50000"/>
+              </a:schemeClr>
+            </a:solidFill>
+          </a:ln>
+        </p:spPr>
+        <p:style>
+          <a:lnRef idx="2">
+            <a:schemeClr val="accent1">
+              <a:shade val="50000"/>
+            </a:schemeClr>
+          </a:lnRef>
+          <a:fillRef idx="1">
+            <a:schemeClr val="accent1"/>
+          </a:fillRef>
+          <a:effectRef idx="0">
+            <a:schemeClr val="accent1"/>
+          </a:effectRef>
+          <a:fontRef idx="minor">
+            <a:schemeClr val="lt1"/>
+          </a:fontRef>
+        </p:style>
+        <p:txBody>
+          <a:bodyPr rtlCol="0" anchor="ctr"/>
+          <a:lstStyle/>
+          <a:p>
+            <a:pPr algn="ctr"/>
+            <a:endParaRPr lang="en-US" dirty="0">
+              <a:solidFill>
+                <a:schemeClr val="tx1"/>
+              </a:solidFill>
+            </a:endParaRPr>
+          </a:p>
+        </p:txBody>
+      </p:sp>
+      <p:sp>
+        <p:nvSpPr>
+          <p:cNvPr id="88" name="Rounded Rectangle 87">
+            <a:extLst>
+              <a:ext uri="{FF2B5EF4-FFF2-40B4-BE49-F238E27FC236}">
+                <a16:creationId xmlns:a16="http://schemas.microsoft.com/office/drawing/2014/main" id="{FE39CC48-3E68-FA4A-AA40-B3D6C290C042}"/>
+              </a:ext>
+            </a:extLst>
+          </p:cNvPr>
+          <p:cNvSpPr/>
+          <p:nvPr/>
+        </p:nvSpPr>
+        <p:spPr>
+          <a:xfrm>
+            <a:off x="10466766" y="4272676"/>
+            <a:ext cx="1170215" cy="674914"/>
+          </a:xfrm>
+          <a:prstGeom prst="roundRect">
+            <a:avLst/>
+          </a:prstGeom>
+          <a:solidFill>
+            <a:schemeClr val="accent6">
+              <a:lumMod val="75000"/>
+            </a:schemeClr>
+          </a:solidFill>
+          <a:ln w="19050">
+            <a:solidFill>
+              <a:schemeClr val="accent6">
+                <a:lumMod val="50000"/>
+              </a:schemeClr>
+            </a:solidFill>
+          </a:ln>
+        </p:spPr>
+        <p:style>
+          <a:lnRef idx="2">
+            <a:schemeClr val="accent1">
+              <a:shade val="50000"/>
+            </a:schemeClr>
+          </a:lnRef>
+          <a:fillRef idx="1">
+            <a:schemeClr val="accent1"/>
+          </a:fillRef>
+          <a:effectRef idx="0">
+            <a:schemeClr val="accent1"/>
+          </a:effectRef>
+          <a:fontRef idx="minor">
+            <a:schemeClr val="lt1"/>
+          </a:fontRef>
+        </p:style>
+        <p:txBody>
+          <a:bodyPr rtlCol="0" anchor="ctr"/>
+          <a:lstStyle/>
+          <a:p>
+            <a:pPr algn="ctr"/>
+            <a:r>
+              <a:rPr lang="en-US" dirty="0">
+                <a:solidFill>
+                  <a:schemeClr val="bg1"/>
+                </a:solidFill>
+              </a:rPr>
+              <a:t>v2.0</a:t>
+            </a:r>
+          </a:p>
+        </p:txBody>
+      </p:sp>
+      <p:sp>
+        <p:nvSpPr>
+          <p:cNvPr id="91" name="Rounded Rectangle 90">
+            <a:extLst>
+              <a:ext uri="{FF2B5EF4-FFF2-40B4-BE49-F238E27FC236}">
+                <a16:creationId xmlns:a16="http://schemas.microsoft.com/office/drawing/2014/main" id="{8ED85D70-8E1C-F14D-B23D-4077C7959F05}"/>
+              </a:ext>
+            </a:extLst>
+          </p:cNvPr>
+          <p:cNvSpPr/>
+          <p:nvPr/>
+        </p:nvSpPr>
+        <p:spPr>
+          <a:xfrm>
+            <a:off x="9571831" y="2861854"/>
+            <a:ext cx="816445" cy="1041636"/>
+          </a:xfrm>
+          <a:prstGeom prst="roundRect">
+            <a:avLst/>
+          </a:prstGeom>
+          <a:solidFill>
+            <a:schemeClr val="bg1"/>
+          </a:solidFill>
+          <a:ln>
+            <a:solidFill>
+              <a:schemeClr val="bg1"/>
+            </a:solidFill>
+          </a:ln>
+        </p:spPr>
+        <p:style>
+          <a:lnRef idx="2">
+            <a:schemeClr val="accent1">
+              <a:shade val="50000"/>
+            </a:schemeClr>
+          </a:lnRef>
+          <a:fillRef idx="1">
+            <a:schemeClr val="accent1"/>
+          </a:fillRef>
+          <a:effectRef idx="0">
+            <a:schemeClr val="accent1"/>
+          </a:effectRef>
+          <a:fontRef idx="minor">
+            <a:schemeClr val="lt1"/>
+          </a:fontRef>
+        </p:style>
+        <p:txBody>
+          <a:bodyPr rtlCol="0" anchor="ctr"/>
+          <a:lstStyle/>
+          <a:p>
+            <a:pPr algn="ctr"/>
+            <a:endParaRPr lang="en-US"/>
+          </a:p>
+        </p:txBody>
+      </p:sp>
+      <p:sp>
+        <p:nvSpPr>
+          <p:cNvPr id="2" name="TextBox 1">
+            <a:extLst>
+              <a:ext uri="{FF2B5EF4-FFF2-40B4-BE49-F238E27FC236}">
+                <a16:creationId xmlns:a16="http://schemas.microsoft.com/office/drawing/2014/main" id="{256ACC65-D800-EE43-92BD-5F6C167DE49B}"/>
+              </a:ext>
+            </a:extLst>
+          </p:cNvPr>
+          <p:cNvSpPr txBox="1"/>
+          <p:nvPr/>
+        </p:nvSpPr>
+        <p:spPr>
+          <a:xfrm>
+            <a:off x="3273125" y="4895800"/>
+            <a:ext cx="1135439" cy="369332"/>
+          </a:xfrm>
+          <a:prstGeom prst="rect">
+            <a:avLst/>
+          </a:prstGeom>
+          <a:noFill/>
+        </p:spPr>
+        <p:txBody>
+          <a:bodyPr wrap="none" rtlCol="0">
+            <a:spAutoFit/>
+          </a:bodyPr>
+          <a:lstStyle/>
+          <a:p>
+            <a:r>
+              <a:rPr lang="en-US" dirty="0"/>
+              <a:t>Candidate</a:t>
+            </a:r>
+          </a:p>
+        </p:txBody>
+      </p:sp>
+      <p:sp>
+        <p:nvSpPr>
+          <p:cNvPr id="94" name="TextBox 93">
+            <a:extLst>
+              <a:ext uri="{FF2B5EF4-FFF2-40B4-BE49-F238E27FC236}">
+                <a16:creationId xmlns:a16="http://schemas.microsoft.com/office/drawing/2014/main" id="{E77C64BC-DEDC-3540-B9A1-0DC71AAF69FB}"/>
+              </a:ext>
+            </a:extLst>
+          </p:cNvPr>
+          <p:cNvSpPr txBox="1"/>
+          <p:nvPr/>
+        </p:nvSpPr>
+        <p:spPr>
+          <a:xfrm>
+            <a:off x="5792043" y="4892977"/>
+            <a:ext cx="1135439" cy="369332"/>
+          </a:xfrm>
+          <a:prstGeom prst="rect">
+            <a:avLst/>
+          </a:prstGeom>
+          <a:noFill/>
+        </p:spPr>
+        <p:txBody>
+          <a:bodyPr wrap="none" rtlCol="0">
+            <a:spAutoFit/>
+          </a:bodyPr>
+          <a:lstStyle/>
+          <a:p>
+            <a:r>
+              <a:rPr lang="en-US" dirty="0"/>
+              <a:t>Candidate</a:t>
+            </a:r>
+          </a:p>
+        </p:txBody>
+      </p:sp>
+      <p:sp>
+        <p:nvSpPr>
+          <p:cNvPr id="95" name="TextBox 94">
+            <a:extLst>
+              <a:ext uri="{FF2B5EF4-FFF2-40B4-BE49-F238E27FC236}">
+                <a16:creationId xmlns:a16="http://schemas.microsoft.com/office/drawing/2014/main" id="{1802A98C-D307-3346-9DFC-72C395DE5958}"/>
+              </a:ext>
+            </a:extLst>
+          </p:cNvPr>
+          <p:cNvSpPr txBox="1"/>
+          <p:nvPr/>
+        </p:nvSpPr>
+        <p:spPr>
+          <a:xfrm>
+            <a:off x="8176680" y="4892977"/>
+            <a:ext cx="1135439" cy="369332"/>
+          </a:xfrm>
+          <a:prstGeom prst="rect">
+            <a:avLst/>
+          </a:prstGeom>
+          <a:noFill/>
+        </p:spPr>
+        <p:txBody>
+          <a:bodyPr wrap="none" rtlCol="0">
+            <a:spAutoFit/>
+          </a:bodyPr>
+          <a:lstStyle/>
+          <a:p>
+            <a:r>
+              <a:rPr lang="en-US" dirty="0"/>
+              <a:t>Candidate</a:t>
+            </a:r>
+          </a:p>
+        </p:txBody>
+      </p:sp>
+      <p:sp>
+        <p:nvSpPr>
+          <p:cNvPr id="96" name="TextBox 95">
+            <a:extLst>
+              <a:ext uri="{FF2B5EF4-FFF2-40B4-BE49-F238E27FC236}">
+                <a16:creationId xmlns:a16="http://schemas.microsoft.com/office/drawing/2014/main" id="{8788DEFE-568A-6A4E-8676-9124A5A98669}"/>
+              </a:ext>
+            </a:extLst>
+          </p:cNvPr>
+          <p:cNvSpPr txBox="1"/>
+          <p:nvPr/>
+        </p:nvSpPr>
+        <p:spPr>
+          <a:xfrm>
+            <a:off x="10630924" y="4911314"/>
+            <a:ext cx="841897" cy="369332"/>
+          </a:xfrm>
+          <a:prstGeom prst="rect">
+            <a:avLst/>
+          </a:prstGeom>
+          <a:noFill/>
+        </p:spPr>
+        <p:txBody>
+          <a:bodyPr wrap="none" rtlCol="0">
+            <a:spAutoFit/>
+          </a:bodyPr>
+          <a:lstStyle/>
+          <a:p>
+            <a:r>
+              <a:rPr lang="en-US" dirty="0"/>
+              <a:t>winner</a:t>
+            </a:r>
+          </a:p>
+        </p:txBody>
+      </p:sp>
+      <p:sp>
+        <p:nvSpPr>
+          <p:cNvPr id="98" name="TextBox 97">
+            <a:extLst>
+              <a:ext uri="{FF2B5EF4-FFF2-40B4-BE49-F238E27FC236}">
+                <a16:creationId xmlns:a16="http://schemas.microsoft.com/office/drawing/2014/main" id="{56DDCB9D-5C63-884B-8FA2-2A25950BE9B4}"/>
+              </a:ext>
+            </a:extLst>
+          </p:cNvPr>
+          <p:cNvSpPr txBox="1"/>
+          <p:nvPr/>
+        </p:nvSpPr>
+        <p:spPr>
+          <a:xfrm>
+            <a:off x="5875495" y="1466858"/>
+            <a:ext cx="968535" cy="369332"/>
+          </a:xfrm>
+          <a:prstGeom prst="rect">
+            <a:avLst/>
+          </a:prstGeom>
+          <a:noFill/>
+        </p:spPr>
+        <p:txBody>
+          <a:bodyPr wrap="none" rtlCol="0">
+            <a:spAutoFit/>
+          </a:bodyPr>
+          <a:lstStyle/>
+          <a:p>
+            <a:r>
+              <a:rPr lang="en-US" dirty="0"/>
+              <a:t>Baseline</a:t>
+            </a:r>
+          </a:p>
+        </p:txBody>
+      </p:sp>
+      <p:sp>
+        <p:nvSpPr>
+          <p:cNvPr id="99" name="TextBox 98">
+            <a:extLst>
+              <a:ext uri="{FF2B5EF4-FFF2-40B4-BE49-F238E27FC236}">
+                <a16:creationId xmlns:a16="http://schemas.microsoft.com/office/drawing/2014/main" id="{8C1C7D81-D375-684E-B677-BF842660FA7E}"/>
+              </a:ext>
+            </a:extLst>
+          </p:cNvPr>
+          <p:cNvSpPr txBox="1"/>
+          <p:nvPr/>
+        </p:nvSpPr>
+        <p:spPr>
+          <a:xfrm>
+            <a:off x="8260132" y="1466858"/>
+            <a:ext cx="968535" cy="369332"/>
+          </a:xfrm>
+          <a:prstGeom prst="rect">
+            <a:avLst/>
+          </a:prstGeom>
+          <a:noFill/>
+        </p:spPr>
+        <p:txBody>
+          <a:bodyPr wrap="none" rtlCol="0">
+            <a:spAutoFit/>
+          </a:bodyPr>
+          <a:lstStyle/>
+          <a:p>
+            <a:r>
+              <a:rPr lang="en-US" dirty="0"/>
+              <a:t>Baseline</a:t>
+            </a:r>
+          </a:p>
+        </p:txBody>
+      </p:sp>
+      <p:cxnSp>
+        <p:nvCxnSpPr>
+          <p:cNvPr id="4" name="Straight Arrow Connector 3">
+            <a:extLst>
+              <a:ext uri="{FF2B5EF4-FFF2-40B4-BE49-F238E27FC236}">
+                <a16:creationId xmlns:a16="http://schemas.microsoft.com/office/drawing/2014/main" id="{DE918658-3B3F-B842-847E-006E8D51EB99}"/>
+              </a:ext>
+            </a:extLst>
+          </p:cNvPr>
+          <p:cNvCxnSpPr>
+            <a:cxnSpLocks/>
+          </p:cNvCxnSpPr>
+          <p:nvPr/>
+        </p:nvCxnSpPr>
+        <p:spPr>
+          <a:xfrm>
+            <a:off x="284313" y="5468471"/>
+            <a:ext cx="11683045" cy="1"/>
+          </a:xfrm>
+          <a:prstGeom prst="straightConnector1">
+            <a:avLst/>
+          </a:prstGeom>
+          <a:ln w="28575">
+            <a:solidFill>
+              <a:schemeClr val="accent2">
+                <a:lumMod val="75000"/>
+              </a:schemeClr>
+            </a:solidFill>
+            <a:tailEnd type="stealth" w="lg" len="lg"/>
+          </a:ln>
+        </p:spPr>
+        <p:style>
+          <a:lnRef idx="1">
+            <a:schemeClr val="accent1"/>
+          </a:lnRef>
+          <a:fillRef idx="0">
+            <a:schemeClr val="accent1"/>
+          </a:fillRef>
+          <a:effectRef idx="0">
+            <a:schemeClr val="accent1"/>
+          </a:effectRef>
+          <a:fontRef idx="minor">
+            <a:schemeClr val="tx1"/>
+          </a:fontRef>
+        </p:style>
+      </p:cxnSp>
+      <p:sp>
+        <p:nvSpPr>
+          <p:cNvPr id="9" name="TextBox 8">
+            <a:extLst>
+              <a:ext uri="{FF2B5EF4-FFF2-40B4-BE49-F238E27FC236}">
+                <a16:creationId xmlns:a16="http://schemas.microsoft.com/office/drawing/2014/main" id="{47FDE54F-34FE-C140-A79C-0AE201BD6C97}"/>
+              </a:ext>
+            </a:extLst>
+          </p:cNvPr>
+          <p:cNvSpPr txBox="1"/>
+          <p:nvPr/>
+        </p:nvSpPr>
+        <p:spPr>
+          <a:xfrm>
+            <a:off x="5830865" y="5538941"/>
+            <a:ext cx="649537" cy="369332"/>
+          </a:xfrm>
+          <a:prstGeom prst="rect">
+            <a:avLst/>
+          </a:prstGeom>
+          <a:noFill/>
+        </p:spPr>
+        <p:txBody>
+          <a:bodyPr wrap="none" rtlCol="0">
+            <a:spAutoFit/>
+          </a:bodyPr>
+          <a:lstStyle/>
+          <a:p>
+            <a:r>
+              <a:rPr lang="en-US" dirty="0"/>
+              <a:t>Time</a:t>
+            </a:r>
+          </a:p>
+        </p:txBody>
+      </p:sp>
+      <p:pic>
+        <p:nvPicPr>
+          <p:cNvPr id="75" name="Graphic 74" descr="Ribbon">
+            <a:extLst>
+              <a:ext uri="{FF2B5EF4-FFF2-40B4-BE49-F238E27FC236}">
+                <a16:creationId xmlns:a16="http://schemas.microsoft.com/office/drawing/2014/main" id="{5E24A435-A2F4-AB46-AE14-A7D22A538D1D}"/>
+              </a:ext>
+            </a:extLst>
+          </p:cNvPr>
+          <p:cNvPicPr>
+            <a:picLocks noChangeAspect="1"/>
+          </p:cNvPicPr>
+          <p:nvPr/>
+        </p:nvPicPr>
+        <p:blipFill>
+          <a:blip r:embed="rId24">
+            <a:extLst>
+              <a:ext uri="{96DAC541-7B7A-43D3-8B79-37D633B846F1}">
+                <asvg:svgBlip xmlns:asvg="http://schemas.microsoft.com/office/drawing/2016/SVG/main" r:embed="rId25"/>
+              </a:ext>
+            </a:extLst>
+          </a:blip>
+          <a:stretch>
+            <a:fillRect/>
+          </a:stretch>
+        </p:blipFill>
+        <p:spPr>
+          <a:xfrm>
+            <a:off x="9887531" y="4324650"/>
+            <a:ext cx="570967" cy="570967"/>
+          </a:xfrm>
+          <a:prstGeom prst="rect">
+            <a:avLst/>
+          </a:prstGeom>
+        </p:spPr>
+      </p:pic>
+      <p:cxnSp>
+        <p:nvCxnSpPr>
+          <p:cNvPr id="85" name="Straight Connector 84">
+            <a:extLst>
+              <a:ext uri="{FF2B5EF4-FFF2-40B4-BE49-F238E27FC236}">
+                <a16:creationId xmlns:a16="http://schemas.microsoft.com/office/drawing/2014/main" id="{9392F636-B4FA-5F45-A60C-12DB975C7A9A}"/>
+              </a:ext>
+            </a:extLst>
+          </p:cNvPr>
+          <p:cNvCxnSpPr/>
+          <p:nvPr/>
+        </p:nvCxnSpPr>
+        <p:spPr>
+          <a:xfrm>
+            <a:off x="4762297" y="1790760"/>
+            <a:ext cx="0" cy="3157373"/>
+          </a:xfrm>
+          <a:prstGeom prst="line">
+            <a:avLst/>
+          </a:prstGeom>
+        </p:spPr>
+        <p:style>
+          <a:lnRef idx="1">
+            <a:schemeClr val="accent1"/>
+          </a:lnRef>
+          <a:fillRef idx="0">
+            <a:schemeClr val="accent1"/>
+          </a:fillRef>
+          <a:effectRef idx="0">
+            <a:schemeClr val="accent1"/>
+          </a:effectRef>
+          <a:fontRef idx="minor">
+            <a:schemeClr val="tx1"/>
+          </a:fontRef>
+        </p:style>
+      </p:cxnSp>
+      <p:cxnSp>
+        <p:nvCxnSpPr>
+          <p:cNvPr id="89" name="Straight Connector 88">
+            <a:extLst>
+              <a:ext uri="{FF2B5EF4-FFF2-40B4-BE49-F238E27FC236}">
+                <a16:creationId xmlns:a16="http://schemas.microsoft.com/office/drawing/2014/main" id="{25E707CB-1235-E84B-A699-49B38DBC70AA}"/>
+              </a:ext>
+            </a:extLst>
+          </p:cNvPr>
+          <p:cNvCxnSpPr/>
+          <p:nvPr/>
+        </p:nvCxnSpPr>
+        <p:spPr>
+          <a:xfrm>
+            <a:off x="7275880" y="1836190"/>
+            <a:ext cx="0" cy="3157373"/>
+          </a:xfrm>
+          <a:prstGeom prst="line">
+            <a:avLst/>
+          </a:prstGeom>
+        </p:spPr>
+        <p:style>
+          <a:lnRef idx="1">
+            <a:schemeClr val="accent1"/>
+          </a:lnRef>
+          <a:fillRef idx="0">
+            <a:schemeClr val="accent1"/>
+          </a:fillRef>
+          <a:effectRef idx="0">
+            <a:schemeClr val="accent1"/>
+          </a:effectRef>
+          <a:fontRef idx="minor">
+            <a:schemeClr val="tx1"/>
+          </a:fontRef>
+        </p:style>
+      </p:cxnSp>
+      <p:cxnSp>
+        <p:nvCxnSpPr>
+          <p:cNvPr id="101" name="Straight Connector 100">
+            <a:extLst>
+              <a:ext uri="{FF2B5EF4-FFF2-40B4-BE49-F238E27FC236}">
+                <a16:creationId xmlns:a16="http://schemas.microsoft.com/office/drawing/2014/main" id="{CBD1A39E-041B-6641-A0C4-02AE4B974A27}"/>
+              </a:ext>
+            </a:extLst>
+          </p:cNvPr>
+          <p:cNvCxnSpPr/>
+          <p:nvPr/>
+        </p:nvCxnSpPr>
+        <p:spPr>
+          <a:xfrm>
+            <a:off x="9675052" y="1836190"/>
+            <a:ext cx="0" cy="3157373"/>
+          </a:xfrm>
+          <a:prstGeom prst="line">
+            <a:avLst/>
+          </a:prstGeom>
+        </p:spPr>
+        <p:style>
+          <a:lnRef idx="1">
+            <a:schemeClr val="accent1"/>
+          </a:lnRef>
+          <a:fillRef idx="0">
+            <a:schemeClr val="accent1"/>
+          </a:fillRef>
+          <a:effectRef idx="0">
+            <a:schemeClr val="accent1"/>
+          </a:effectRef>
+          <a:fontRef idx="minor">
+            <a:schemeClr val="tx1"/>
+          </a:fontRef>
+        </p:style>
+      </p:cxnSp>
+      <p:sp>
+        <p:nvSpPr>
+          <p:cNvPr id="81" name="TextBox 80">
+            <a:extLst>
+              <a:ext uri="{FF2B5EF4-FFF2-40B4-BE49-F238E27FC236}">
+                <a16:creationId xmlns:a16="http://schemas.microsoft.com/office/drawing/2014/main" id="{DD9514D0-38C0-6C43-916B-73DBC596C859}"/>
+              </a:ext>
+            </a:extLst>
+          </p:cNvPr>
+          <p:cNvSpPr txBox="1"/>
+          <p:nvPr/>
+        </p:nvSpPr>
+        <p:spPr>
+          <a:xfrm>
+            <a:off x="74072" y="4899577"/>
+            <a:ext cx="2429424" cy="369332"/>
+          </a:xfrm>
+          <a:prstGeom prst="rect">
+            <a:avLst/>
+          </a:prstGeom>
+          <a:noFill/>
+        </p:spPr>
+        <p:txBody>
+          <a:bodyPr wrap="square" rtlCol="0">
+            <a:spAutoFit/>
+          </a:bodyPr>
+          <a:lstStyle/>
+          <a:p>
+            <a:pPr algn="ctr"/>
+            <a:r>
+              <a:rPr lang="en-US" dirty="0"/>
+              <a:t>Users from </a:t>
+            </a:r>
+            <a:r>
+              <a:rPr lang="en-US" dirty="0">
+                <a:solidFill>
+                  <a:srgbClr val="C00000"/>
+                </a:solidFill>
+              </a:rPr>
+              <a:t>Wakanda</a:t>
+            </a:r>
+          </a:p>
+        </p:txBody>
+      </p:sp>
+      <p:sp>
+        <p:nvSpPr>
+          <p:cNvPr id="102" name="TextBox 101">
+            <a:extLst>
+              <a:ext uri="{FF2B5EF4-FFF2-40B4-BE49-F238E27FC236}">
+                <a16:creationId xmlns:a16="http://schemas.microsoft.com/office/drawing/2014/main" id="{3F303E21-E0CA-D64D-ADCE-E43C8138C962}"/>
+              </a:ext>
+            </a:extLst>
+          </p:cNvPr>
+          <p:cNvSpPr txBox="1"/>
+          <p:nvPr/>
+        </p:nvSpPr>
+        <p:spPr>
+          <a:xfrm>
+            <a:off x="92353" y="1461702"/>
+            <a:ext cx="2392863" cy="369332"/>
+          </a:xfrm>
+          <a:prstGeom prst="rect">
+            <a:avLst/>
+          </a:prstGeom>
+          <a:noFill/>
+        </p:spPr>
+        <p:txBody>
+          <a:bodyPr wrap="square" rtlCol="0">
+            <a:spAutoFit/>
+          </a:bodyPr>
+          <a:lstStyle/>
+          <a:p>
+            <a:pPr algn="ctr"/>
+            <a:r>
+              <a:rPr lang="en-US" dirty="0"/>
+              <a:t>All other users</a:t>
+            </a:r>
+            <a:endParaRPr lang="en-US" dirty="0">
+              <a:solidFill>
+                <a:srgbClr val="C00000"/>
+              </a:solidFill>
+            </a:endParaRPr>
+          </a:p>
+        </p:txBody>
+      </p:sp>
+      <p:cxnSp>
+        <p:nvCxnSpPr>
+          <p:cNvPr id="61" name="Elbow Connector 60">
+            <a:extLst>
+              <a:ext uri="{FF2B5EF4-FFF2-40B4-BE49-F238E27FC236}">
+                <a16:creationId xmlns:a16="http://schemas.microsoft.com/office/drawing/2014/main" id="{0E1200E9-BE71-1041-A45D-2E96E8C68E44}"/>
+              </a:ext>
+            </a:extLst>
+          </p:cNvPr>
+          <p:cNvCxnSpPr>
+            <a:cxnSpLocks/>
+            <a:stCxn id="40" idx="0"/>
+            <a:endCxn id="72" idx="1"/>
+          </p:cNvCxnSpPr>
+          <p:nvPr/>
+        </p:nvCxnSpPr>
+        <p:spPr>
+          <a:xfrm rot="5400000" flipH="1" flipV="1">
+            <a:off x="1232407" y="3273358"/>
+            <a:ext cx="746808" cy="1125001"/>
+          </a:xfrm>
+          <a:prstGeom prst="bentConnector2">
+            <a:avLst/>
+          </a:prstGeom>
+          <a:ln w="38100">
+            <a:solidFill>
+              <a:schemeClr val="accent4">
+                <a:lumMod val="50000"/>
+              </a:schemeClr>
+            </a:solidFill>
+            <a:tailEnd type="triangle"/>
+          </a:ln>
+        </p:spPr>
+        <p:style>
+          <a:lnRef idx="1">
+            <a:schemeClr val="accent1"/>
+          </a:lnRef>
+          <a:fillRef idx="0">
+            <a:schemeClr val="accent1"/>
+          </a:fillRef>
+          <a:effectRef idx="0">
+            <a:schemeClr val="accent1"/>
+          </a:effectRef>
+          <a:fontRef idx="minor">
+            <a:schemeClr val="tx1"/>
+          </a:fontRef>
+        </p:style>
+      </p:cxnSp>
+      <p:cxnSp>
+        <p:nvCxnSpPr>
+          <p:cNvPr id="65" name="Elbow Connector 64">
+            <a:extLst>
+              <a:ext uri="{FF2B5EF4-FFF2-40B4-BE49-F238E27FC236}">
+                <a16:creationId xmlns:a16="http://schemas.microsoft.com/office/drawing/2014/main" id="{996AA021-1621-3C42-8640-240FBF944DAD}"/>
+              </a:ext>
+            </a:extLst>
+          </p:cNvPr>
+          <p:cNvCxnSpPr>
+            <a:cxnSpLocks/>
+            <a:endCxn id="90" idx="2"/>
+          </p:cNvCxnSpPr>
+          <p:nvPr/>
+        </p:nvCxnSpPr>
+        <p:spPr>
+          <a:xfrm flipV="1">
+            <a:off x="3082712" y="2570095"/>
+            <a:ext cx="928188" cy="892362"/>
+          </a:xfrm>
+          <a:prstGeom prst="bentConnector2">
+            <a:avLst/>
+          </a:prstGeom>
+          <a:ln w="38100">
+            <a:solidFill>
+              <a:schemeClr val="accent4">
+                <a:lumMod val="50000"/>
+              </a:schemeClr>
+            </a:solidFill>
+            <a:tailEnd type="triangle"/>
+          </a:ln>
+        </p:spPr>
+        <p:style>
+          <a:lnRef idx="1">
+            <a:schemeClr val="accent1"/>
+          </a:lnRef>
+          <a:fillRef idx="0">
+            <a:schemeClr val="accent1"/>
+          </a:fillRef>
+          <a:effectRef idx="0">
+            <a:schemeClr val="accent1"/>
+          </a:effectRef>
+          <a:fontRef idx="minor">
+            <a:schemeClr val="tx1"/>
+          </a:fontRef>
+        </p:style>
+      </p:cxnSp>
+      <p:cxnSp>
+        <p:nvCxnSpPr>
+          <p:cNvPr id="105" name="Elbow Connector 104">
+            <a:extLst>
+              <a:ext uri="{FF2B5EF4-FFF2-40B4-BE49-F238E27FC236}">
+                <a16:creationId xmlns:a16="http://schemas.microsoft.com/office/drawing/2014/main" id="{B29A398A-87A4-4E4E-8ED6-527B4A14B954}"/>
+              </a:ext>
+            </a:extLst>
+          </p:cNvPr>
+          <p:cNvCxnSpPr>
+            <a:cxnSpLocks/>
+            <a:endCxn id="18" idx="0"/>
+          </p:cNvCxnSpPr>
+          <p:nvPr/>
+        </p:nvCxnSpPr>
+        <p:spPr>
+          <a:xfrm rot="16200000" flipH="1">
+            <a:off x="3065285" y="3497116"/>
+            <a:ext cx="811858" cy="739262"/>
+          </a:xfrm>
+          <a:prstGeom prst="bentConnector3">
+            <a:avLst>
+              <a:gd name="adj1" fmla="val 346"/>
+            </a:avLst>
+          </a:prstGeom>
+          <a:ln w="38100">
+            <a:solidFill>
+              <a:schemeClr val="accent4">
+                <a:lumMod val="50000"/>
+              </a:schemeClr>
+            </a:solidFill>
+            <a:tailEnd type="triangle"/>
+          </a:ln>
+        </p:spPr>
+        <p:style>
+          <a:lnRef idx="1">
+            <a:schemeClr val="accent1"/>
+          </a:lnRef>
+          <a:fillRef idx="0">
+            <a:schemeClr val="accent1"/>
+          </a:fillRef>
+          <a:effectRef idx="0">
+            <a:schemeClr val="accent1"/>
+          </a:effectRef>
+          <a:fontRef idx="minor">
+            <a:schemeClr val="tx1"/>
+          </a:fontRef>
+        </p:style>
+      </p:cxnSp>
+      <p:sp>
+        <p:nvSpPr>
+          <p:cNvPr id="110" name="TextBox 109">
+            <a:extLst>
+              <a:ext uri="{FF2B5EF4-FFF2-40B4-BE49-F238E27FC236}">
+                <a16:creationId xmlns:a16="http://schemas.microsoft.com/office/drawing/2014/main" id="{A11D35F3-3B62-2E45-BE22-A1F2F561A52B}"/>
+              </a:ext>
+            </a:extLst>
+          </p:cNvPr>
+          <p:cNvSpPr txBox="1"/>
+          <p:nvPr/>
+        </p:nvSpPr>
+        <p:spPr>
+          <a:xfrm>
+            <a:off x="4070803" y="3903344"/>
+            <a:ext cx="466794" cy="369332"/>
+          </a:xfrm>
+          <a:prstGeom prst="rect">
+            <a:avLst/>
+          </a:prstGeom>
+          <a:noFill/>
+        </p:spPr>
+        <p:txBody>
+          <a:bodyPr wrap="none" rtlCol="0">
+            <a:spAutoFit/>
+          </a:bodyPr>
+          <a:lstStyle/>
+          <a:p>
+            <a:r>
+              <a:rPr lang="en-US" dirty="0"/>
+              <a:t>5%</a:t>
+            </a:r>
+          </a:p>
+        </p:txBody>
+      </p:sp>
+      <p:cxnSp>
+        <p:nvCxnSpPr>
+          <p:cNvPr id="124" name="Elbow Connector 123">
+            <a:extLst>
+              <a:ext uri="{FF2B5EF4-FFF2-40B4-BE49-F238E27FC236}">
+                <a16:creationId xmlns:a16="http://schemas.microsoft.com/office/drawing/2014/main" id="{317FCE75-0E34-6B49-8E74-202032EB16C3}"/>
+              </a:ext>
+            </a:extLst>
+          </p:cNvPr>
+          <p:cNvCxnSpPr>
+            <a:cxnSpLocks/>
+            <a:stCxn id="57" idx="3"/>
+            <a:endCxn id="44" idx="0"/>
+          </p:cNvCxnSpPr>
+          <p:nvPr/>
+        </p:nvCxnSpPr>
+        <p:spPr>
+          <a:xfrm>
+            <a:off x="5596239" y="3462454"/>
+            <a:ext cx="867954" cy="685410"/>
+          </a:xfrm>
+          <a:prstGeom prst="bentConnector2">
+            <a:avLst/>
+          </a:prstGeom>
+          <a:ln w="38100">
+            <a:solidFill>
+              <a:schemeClr val="accent4">
+                <a:lumMod val="50000"/>
+              </a:schemeClr>
+            </a:solidFill>
+            <a:tailEnd type="triangle"/>
+          </a:ln>
+        </p:spPr>
+        <p:style>
+          <a:lnRef idx="1">
+            <a:schemeClr val="accent1"/>
+          </a:lnRef>
+          <a:fillRef idx="0">
+            <a:schemeClr val="accent1"/>
+          </a:fillRef>
+          <a:effectRef idx="0">
+            <a:schemeClr val="accent1"/>
+          </a:effectRef>
+          <a:fontRef idx="minor">
+            <a:schemeClr val="tx1"/>
+          </a:fontRef>
+        </p:style>
+      </p:cxnSp>
+      <p:cxnSp>
+        <p:nvCxnSpPr>
+          <p:cNvPr id="127" name="Elbow Connector 126">
+            <a:extLst>
+              <a:ext uri="{FF2B5EF4-FFF2-40B4-BE49-F238E27FC236}">
+                <a16:creationId xmlns:a16="http://schemas.microsoft.com/office/drawing/2014/main" id="{283303A0-6CD2-AC4B-AC23-9BC24537ADDC}"/>
+              </a:ext>
+            </a:extLst>
+          </p:cNvPr>
+          <p:cNvCxnSpPr>
+            <a:cxnSpLocks/>
+            <a:stCxn id="57" idx="3"/>
+            <a:endCxn id="53" idx="2"/>
+          </p:cNvCxnSpPr>
+          <p:nvPr/>
+        </p:nvCxnSpPr>
+        <p:spPr>
+          <a:xfrm flipV="1">
+            <a:off x="5596239" y="2736313"/>
+            <a:ext cx="763524" cy="726141"/>
+          </a:xfrm>
+          <a:prstGeom prst="bentConnector2">
+            <a:avLst/>
+          </a:prstGeom>
+          <a:ln w="38100">
+            <a:solidFill>
+              <a:schemeClr val="accent4">
+                <a:lumMod val="50000"/>
+              </a:schemeClr>
+            </a:solidFill>
+            <a:tailEnd type="triangle"/>
+          </a:ln>
+        </p:spPr>
+        <p:style>
+          <a:lnRef idx="1">
+            <a:schemeClr val="accent1"/>
+          </a:lnRef>
+          <a:fillRef idx="0">
+            <a:schemeClr val="accent1"/>
+          </a:fillRef>
+          <a:effectRef idx="0">
+            <a:schemeClr val="accent1"/>
+          </a:effectRef>
+          <a:fontRef idx="minor">
+            <a:schemeClr val="tx1"/>
+          </a:fontRef>
+        </p:style>
+      </p:cxnSp>
+      <p:sp>
+        <p:nvSpPr>
+          <p:cNvPr id="133" name="TextBox 132">
+            <a:extLst>
+              <a:ext uri="{FF2B5EF4-FFF2-40B4-BE49-F238E27FC236}">
+                <a16:creationId xmlns:a16="http://schemas.microsoft.com/office/drawing/2014/main" id="{FCE48F07-DD00-B34F-80B1-CD9D62684A39}"/>
+              </a:ext>
+            </a:extLst>
+          </p:cNvPr>
+          <p:cNvSpPr txBox="1"/>
+          <p:nvPr/>
+        </p:nvSpPr>
+        <p:spPr>
+          <a:xfrm>
+            <a:off x="6454044" y="3817912"/>
+            <a:ext cx="583814" cy="369332"/>
+          </a:xfrm>
+          <a:prstGeom prst="rect">
+            <a:avLst/>
+          </a:prstGeom>
+          <a:noFill/>
+        </p:spPr>
+        <p:txBody>
+          <a:bodyPr wrap="none" rtlCol="0">
+            <a:spAutoFit/>
+          </a:bodyPr>
+          <a:lstStyle/>
+          <a:p>
+            <a:r>
+              <a:rPr lang="en-US" dirty="0"/>
+              <a:t>25%</a:t>
+            </a:r>
+          </a:p>
+        </p:txBody>
+      </p:sp>
+      <p:sp>
+        <p:nvSpPr>
+          <p:cNvPr id="134" name="TextBox 133">
+            <a:extLst>
+              <a:ext uri="{FF2B5EF4-FFF2-40B4-BE49-F238E27FC236}">
+                <a16:creationId xmlns:a16="http://schemas.microsoft.com/office/drawing/2014/main" id="{E8ED4BD0-A7BD-EF4F-BB96-978CD93FE647}"/>
+              </a:ext>
+            </a:extLst>
+          </p:cNvPr>
+          <p:cNvSpPr txBox="1"/>
+          <p:nvPr/>
+        </p:nvSpPr>
+        <p:spPr>
+          <a:xfrm>
+            <a:off x="6454044" y="2702681"/>
+            <a:ext cx="583814" cy="369332"/>
+          </a:xfrm>
+          <a:prstGeom prst="rect">
+            <a:avLst/>
+          </a:prstGeom>
+          <a:noFill/>
+        </p:spPr>
+        <p:txBody>
+          <a:bodyPr wrap="none" rtlCol="0">
+            <a:spAutoFit/>
+          </a:bodyPr>
+          <a:lstStyle/>
+          <a:p>
+            <a:r>
+              <a:rPr lang="en-US" dirty="0"/>
+              <a:t>75%</a:t>
+            </a:r>
+          </a:p>
+        </p:txBody>
+      </p:sp>
+      <p:cxnSp>
+        <p:nvCxnSpPr>
+          <p:cNvPr id="135" name="Elbow Connector 134">
+            <a:extLst>
+              <a:ext uri="{FF2B5EF4-FFF2-40B4-BE49-F238E27FC236}">
+                <a16:creationId xmlns:a16="http://schemas.microsoft.com/office/drawing/2014/main" id="{B5F9A1A1-6202-5D41-BB7C-2CC0EAD5BB4E}"/>
+              </a:ext>
+            </a:extLst>
+          </p:cNvPr>
+          <p:cNvCxnSpPr>
+            <a:cxnSpLocks/>
+            <a:stCxn id="84" idx="3"/>
+            <a:endCxn id="100" idx="0"/>
+          </p:cNvCxnSpPr>
+          <p:nvPr/>
+        </p:nvCxnSpPr>
+        <p:spPr>
+          <a:xfrm>
+            <a:off x="8109208" y="3433064"/>
+            <a:ext cx="860462" cy="593469"/>
+          </a:xfrm>
+          <a:prstGeom prst="bentConnector2">
+            <a:avLst/>
+          </a:prstGeom>
+          <a:ln w="38100">
+            <a:solidFill>
+              <a:schemeClr val="accent4">
+                <a:lumMod val="50000"/>
+              </a:schemeClr>
+            </a:solidFill>
+            <a:tailEnd type="triangle"/>
+          </a:ln>
+        </p:spPr>
+        <p:style>
+          <a:lnRef idx="1">
+            <a:schemeClr val="accent1"/>
+          </a:lnRef>
+          <a:fillRef idx="0">
+            <a:schemeClr val="accent1"/>
+          </a:fillRef>
+          <a:effectRef idx="0">
+            <a:schemeClr val="accent1"/>
+          </a:effectRef>
+          <a:fontRef idx="minor">
+            <a:schemeClr val="tx1"/>
+          </a:fontRef>
+        </p:style>
+      </p:cxnSp>
+      <p:cxnSp>
+        <p:nvCxnSpPr>
+          <p:cNvPr id="138" name="Elbow Connector 137">
+            <a:extLst>
+              <a:ext uri="{FF2B5EF4-FFF2-40B4-BE49-F238E27FC236}">
+                <a16:creationId xmlns:a16="http://schemas.microsoft.com/office/drawing/2014/main" id="{097E8326-1E78-F14D-AFE9-A4A76E8EAA62}"/>
+              </a:ext>
+            </a:extLst>
+          </p:cNvPr>
+          <p:cNvCxnSpPr>
+            <a:cxnSpLocks/>
+            <a:stCxn id="84" idx="3"/>
+            <a:endCxn id="76" idx="2"/>
+          </p:cNvCxnSpPr>
+          <p:nvPr/>
+        </p:nvCxnSpPr>
+        <p:spPr>
+          <a:xfrm flipV="1">
+            <a:off x="8109208" y="2736313"/>
+            <a:ext cx="635192" cy="696751"/>
+          </a:xfrm>
+          <a:prstGeom prst="bentConnector2">
+            <a:avLst/>
+          </a:prstGeom>
+          <a:ln w="38100">
+            <a:solidFill>
+              <a:schemeClr val="accent4">
+                <a:lumMod val="50000"/>
+              </a:schemeClr>
+            </a:solidFill>
+            <a:tailEnd type="triangle"/>
+          </a:ln>
+        </p:spPr>
+        <p:style>
+          <a:lnRef idx="1">
+            <a:schemeClr val="accent1"/>
+          </a:lnRef>
+          <a:fillRef idx="0">
+            <a:schemeClr val="accent1"/>
+          </a:fillRef>
+          <a:effectRef idx="0">
+            <a:schemeClr val="accent1"/>
+          </a:effectRef>
+          <a:fontRef idx="minor">
+            <a:schemeClr val="tx1"/>
+          </a:fontRef>
+        </p:style>
+      </p:cxnSp>
+      <p:sp>
+        <p:nvSpPr>
+          <p:cNvPr id="141" name="TextBox 140">
+            <a:extLst>
+              <a:ext uri="{FF2B5EF4-FFF2-40B4-BE49-F238E27FC236}">
+                <a16:creationId xmlns:a16="http://schemas.microsoft.com/office/drawing/2014/main" id="{1B3C2696-C651-E840-9DAF-E8770A12740C}"/>
+              </a:ext>
+            </a:extLst>
+          </p:cNvPr>
+          <p:cNvSpPr txBox="1"/>
+          <p:nvPr/>
+        </p:nvSpPr>
+        <p:spPr>
+          <a:xfrm>
+            <a:off x="8986698" y="3690374"/>
+            <a:ext cx="583814" cy="369332"/>
+          </a:xfrm>
+          <a:prstGeom prst="rect">
+            <a:avLst/>
+          </a:prstGeom>
+          <a:noFill/>
+        </p:spPr>
+        <p:txBody>
+          <a:bodyPr wrap="none" rtlCol="0">
+            <a:spAutoFit/>
+          </a:bodyPr>
+          <a:lstStyle/>
+          <a:p>
+            <a:r>
+              <a:rPr lang="en-US" dirty="0"/>
+              <a:t>45%</a:t>
+            </a:r>
+          </a:p>
+        </p:txBody>
+      </p:sp>
+      <p:sp>
+        <p:nvSpPr>
+          <p:cNvPr id="142" name="TextBox 141">
+            <a:extLst>
+              <a:ext uri="{FF2B5EF4-FFF2-40B4-BE49-F238E27FC236}">
+                <a16:creationId xmlns:a16="http://schemas.microsoft.com/office/drawing/2014/main" id="{1E42D4ED-1655-B844-9BA7-6C546550BE21}"/>
+              </a:ext>
+            </a:extLst>
+          </p:cNvPr>
+          <p:cNvSpPr txBox="1"/>
+          <p:nvPr/>
+        </p:nvSpPr>
+        <p:spPr>
+          <a:xfrm>
+            <a:off x="8986698" y="2714811"/>
+            <a:ext cx="583814" cy="369332"/>
+          </a:xfrm>
+          <a:prstGeom prst="rect">
+            <a:avLst/>
+          </a:prstGeom>
+          <a:noFill/>
+        </p:spPr>
+        <p:txBody>
+          <a:bodyPr wrap="none" rtlCol="0">
+            <a:spAutoFit/>
+          </a:bodyPr>
+          <a:lstStyle/>
+          <a:p>
+            <a:r>
+              <a:rPr lang="en-US" dirty="0"/>
+              <a:t>55%</a:t>
+            </a:r>
+          </a:p>
+        </p:txBody>
+      </p:sp>
+      <p:sp>
+        <p:nvSpPr>
+          <p:cNvPr id="143" name="TextBox 142">
+            <a:extLst>
+              <a:ext uri="{FF2B5EF4-FFF2-40B4-BE49-F238E27FC236}">
+                <a16:creationId xmlns:a16="http://schemas.microsoft.com/office/drawing/2014/main" id="{C0211767-B47D-7442-A6B9-F13152F0CDB7}"/>
+              </a:ext>
+            </a:extLst>
+          </p:cNvPr>
+          <p:cNvSpPr txBox="1"/>
+          <p:nvPr/>
+        </p:nvSpPr>
+        <p:spPr>
+          <a:xfrm>
+            <a:off x="10706737" y="2778193"/>
+            <a:ext cx="1163460" cy="369332"/>
+          </a:xfrm>
+          <a:prstGeom prst="rect">
+            <a:avLst/>
+          </a:prstGeom>
+          <a:noFill/>
+        </p:spPr>
+        <p:txBody>
+          <a:bodyPr wrap="none" rtlCol="0">
+            <a:spAutoFit/>
+          </a:bodyPr>
+          <a:lstStyle/>
+          <a:p>
+            <a:r>
+              <a:rPr lang="en-US" dirty="0"/>
+              <a:t>Objectives</a:t>
+            </a:r>
+          </a:p>
+        </p:txBody>
+      </p:sp>
+      <p:pic>
+        <p:nvPicPr>
+          <p:cNvPr id="144" name="Graphic 143" descr="Checkbox Checked">
+            <a:extLst>
+              <a:ext uri="{FF2B5EF4-FFF2-40B4-BE49-F238E27FC236}">
+                <a16:creationId xmlns:a16="http://schemas.microsoft.com/office/drawing/2014/main" id="{6E1569E5-9E6B-F14B-84E8-838E5B193DB5}"/>
+              </a:ext>
+            </a:extLst>
+          </p:cNvPr>
+          <p:cNvPicPr>
+            <a:picLocks noChangeAspect="1"/>
+          </p:cNvPicPr>
+          <p:nvPr/>
+        </p:nvPicPr>
+        <p:blipFill>
+          <a:blip r:embed="rId26">
+            <a:extLst>
+              <a:ext uri="{96DAC541-7B7A-43D3-8B79-37D633B846F1}">
+                <asvg:svgBlip xmlns:asvg="http://schemas.microsoft.com/office/drawing/2016/SVG/main" r:embed="rId27"/>
+              </a:ext>
+            </a:extLst>
+          </a:blip>
+          <a:stretch>
+            <a:fillRect/>
+          </a:stretch>
+        </p:blipFill>
+        <p:spPr>
+          <a:xfrm>
+            <a:off x="10205153" y="2695955"/>
+            <a:ext cx="533808" cy="533808"/>
+          </a:xfrm>
+          <a:prstGeom prst="rect">
+            <a:avLst/>
+          </a:prstGeom>
+        </p:spPr>
+      </p:pic>
+      <p:sp>
+        <p:nvSpPr>
+          <p:cNvPr id="78" name="Rounded Rectangle 77">
+            <a:extLst>
+              <a:ext uri="{FF2B5EF4-FFF2-40B4-BE49-F238E27FC236}">
+                <a16:creationId xmlns:a16="http://schemas.microsoft.com/office/drawing/2014/main" id="{EB20F37A-F32E-3A4C-B51C-C794C5C82BF7}"/>
+              </a:ext>
+            </a:extLst>
+          </p:cNvPr>
+          <p:cNvSpPr/>
+          <p:nvPr/>
+        </p:nvSpPr>
+        <p:spPr>
+          <a:xfrm>
+            <a:off x="2125620" y="1895181"/>
+            <a:ext cx="1170215" cy="674914"/>
+          </a:xfrm>
+          <a:prstGeom prst="roundRect">
+            <a:avLst/>
+          </a:prstGeom>
+          <a:solidFill>
+            <a:schemeClr val="accent1">
+              <a:lumMod val="75000"/>
+            </a:schemeClr>
+          </a:solidFill>
+          <a:ln w="19050">
+            <a:solidFill>
+              <a:schemeClr val="accent1">
+                <a:lumMod val="50000"/>
+              </a:schemeClr>
+            </a:solidFill>
+          </a:ln>
+        </p:spPr>
+        <p:style>
+          <a:lnRef idx="2">
+            <a:schemeClr val="accent1">
+              <a:shade val="50000"/>
+            </a:schemeClr>
+          </a:lnRef>
+          <a:fillRef idx="1">
+            <a:schemeClr val="accent1"/>
+          </a:fillRef>
+          <a:effectRef idx="0">
+            <a:schemeClr val="accent1"/>
+          </a:effectRef>
+          <a:fontRef idx="minor">
+            <a:schemeClr val="lt1"/>
+          </a:fontRef>
+        </p:style>
+        <p:txBody>
+          <a:bodyPr rtlCol="0" anchor="ctr"/>
+          <a:lstStyle/>
+          <a:p>
+            <a:pPr algn="ctr"/>
+            <a:r>
+              <a:rPr lang="en-US" dirty="0">
+                <a:solidFill>
+                  <a:schemeClr val="bg1"/>
+                </a:solidFill>
+              </a:rPr>
+              <a:t>v1.0</a:t>
+            </a:r>
+          </a:p>
+        </p:txBody>
+      </p:sp>
+      <p:sp>
+        <p:nvSpPr>
+          <p:cNvPr id="80" name="TextBox 79">
+            <a:extLst>
+              <a:ext uri="{FF2B5EF4-FFF2-40B4-BE49-F238E27FC236}">
+                <a16:creationId xmlns:a16="http://schemas.microsoft.com/office/drawing/2014/main" id="{D6D5CFEB-ADD0-FB4E-87D4-B596936CA19C}"/>
+              </a:ext>
+            </a:extLst>
+          </p:cNvPr>
+          <p:cNvSpPr txBox="1"/>
+          <p:nvPr/>
+        </p:nvSpPr>
+        <p:spPr>
+          <a:xfrm>
+            <a:off x="2048327" y="2577914"/>
+            <a:ext cx="700833" cy="369332"/>
+          </a:xfrm>
+          <a:prstGeom prst="rect">
+            <a:avLst/>
+          </a:prstGeom>
+          <a:noFill/>
+        </p:spPr>
+        <p:txBody>
+          <a:bodyPr wrap="none" rtlCol="0">
+            <a:spAutoFit/>
+          </a:bodyPr>
+          <a:lstStyle/>
+          <a:p>
+            <a:r>
+              <a:rPr lang="en-US" dirty="0"/>
+              <a:t>100%</a:t>
+            </a:r>
+          </a:p>
+        </p:txBody>
+      </p:sp>
+      <p:sp>
+        <p:nvSpPr>
+          <p:cNvPr id="82" name="TextBox 81">
+            <a:extLst>
+              <a:ext uri="{FF2B5EF4-FFF2-40B4-BE49-F238E27FC236}">
+                <a16:creationId xmlns:a16="http://schemas.microsoft.com/office/drawing/2014/main" id="{C1BE52D7-2428-3B41-B21E-F73AD19B7208}"/>
+              </a:ext>
+            </a:extLst>
+          </p:cNvPr>
+          <p:cNvSpPr txBox="1"/>
+          <p:nvPr/>
+        </p:nvSpPr>
+        <p:spPr>
+          <a:xfrm>
+            <a:off x="2900400" y="1484710"/>
+            <a:ext cx="968535" cy="369332"/>
+          </a:xfrm>
+          <a:prstGeom prst="rect">
+            <a:avLst/>
+          </a:prstGeom>
+          <a:noFill/>
+        </p:spPr>
+        <p:txBody>
+          <a:bodyPr wrap="none" rtlCol="0">
+            <a:spAutoFit/>
+          </a:bodyPr>
+          <a:lstStyle/>
+          <a:p>
+            <a:r>
+              <a:rPr lang="en-US" dirty="0"/>
+              <a:t>Baseline</a:t>
+            </a:r>
+          </a:p>
+        </p:txBody>
+      </p:sp>
+      <p:sp>
+        <p:nvSpPr>
+          <p:cNvPr id="90" name="Rounded Rectangle 89">
+            <a:extLst>
+              <a:ext uri="{FF2B5EF4-FFF2-40B4-BE49-F238E27FC236}">
+                <a16:creationId xmlns:a16="http://schemas.microsoft.com/office/drawing/2014/main" id="{7AC27E10-D892-EA43-A5E1-321943983C21}"/>
+              </a:ext>
+            </a:extLst>
+          </p:cNvPr>
+          <p:cNvSpPr/>
+          <p:nvPr/>
+        </p:nvSpPr>
+        <p:spPr>
+          <a:xfrm>
+            <a:off x="3425792" y="1895181"/>
+            <a:ext cx="1170215" cy="674914"/>
+          </a:xfrm>
+          <a:prstGeom prst="roundRect">
+            <a:avLst/>
+          </a:prstGeom>
+          <a:solidFill>
+            <a:schemeClr val="accent1">
+              <a:lumMod val="75000"/>
+            </a:schemeClr>
+          </a:solidFill>
+          <a:ln w="19050">
+            <a:solidFill>
+              <a:schemeClr val="accent1">
+                <a:lumMod val="50000"/>
+              </a:schemeClr>
+            </a:solidFill>
+          </a:ln>
+        </p:spPr>
+        <p:style>
+          <a:lnRef idx="2">
+            <a:schemeClr val="accent1">
+              <a:shade val="50000"/>
+            </a:schemeClr>
+          </a:lnRef>
+          <a:fillRef idx="1">
+            <a:schemeClr val="accent1"/>
+          </a:fillRef>
+          <a:effectRef idx="0">
+            <a:schemeClr val="accent1"/>
+          </a:effectRef>
+          <a:fontRef idx="minor">
+            <a:schemeClr val="lt1"/>
+          </a:fontRef>
+        </p:style>
+        <p:txBody>
+          <a:bodyPr rtlCol="0" anchor="ctr"/>
+          <a:lstStyle/>
+          <a:p>
+            <a:pPr algn="ctr"/>
+            <a:r>
+              <a:rPr lang="en-US" dirty="0">
+                <a:solidFill>
+                  <a:schemeClr val="bg1"/>
+                </a:solidFill>
+              </a:rPr>
+              <a:t>v1.0</a:t>
+            </a:r>
+          </a:p>
+        </p:txBody>
+      </p:sp>
+      <p:sp>
+        <p:nvSpPr>
+          <p:cNvPr id="92" name="TextBox 91">
+            <a:extLst>
+              <a:ext uri="{FF2B5EF4-FFF2-40B4-BE49-F238E27FC236}">
+                <a16:creationId xmlns:a16="http://schemas.microsoft.com/office/drawing/2014/main" id="{AC2EC3CA-8B3C-0B4F-AD0F-23B1DD0D68E8}"/>
+              </a:ext>
+            </a:extLst>
+          </p:cNvPr>
+          <p:cNvSpPr txBox="1"/>
+          <p:nvPr/>
+        </p:nvSpPr>
+        <p:spPr>
+          <a:xfrm>
+            <a:off x="3957545" y="2561130"/>
+            <a:ext cx="693311" cy="369332"/>
+          </a:xfrm>
+          <a:prstGeom prst="rect">
+            <a:avLst/>
+          </a:prstGeom>
+          <a:noFill/>
+        </p:spPr>
+        <p:txBody>
+          <a:bodyPr wrap="square" rtlCol="0">
+            <a:spAutoFit/>
+          </a:bodyPr>
+          <a:lstStyle/>
+          <a:p>
+            <a:pPr algn="ctr"/>
+            <a:r>
+              <a:rPr lang="en-US" dirty="0"/>
+              <a:t>95%</a:t>
+            </a:r>
+          </a:p>
+        </p:txBody>
+      </p:sp>
+      <p:sp>
+        <p:nvSpPr>
+          <p:cNvPr id="93" name="TextBox 92">
+            <a:extLst>
+              <a:ext uri="{FF2B5EF4-FFF2-40B4-BE49-F238E27FC236}">
+                <a16:creationId xmlns:a16="http://schemas.microsoft.com/office/drawing/2014/main" id="{18B32EB2-8371-7F44-AB8E-0AD3DAC91E6E}"/>
+              </a:ext>
+            </a:extLst>
+          </p:cNvPr>
+          <p:cNvSpPr txBox="1"/>
+          <p:nvPr/>
+        </p:nvSpPr>
+        <p:spPr>
+          <a:xfrm>
+            <a:off x="10706737" y="2329806"/>
+            <a:ext cx="891911" cy="369332"/>
+          </a:xfrm>
+          <a:prstGeom prst="rect">
+            <a:avLst/>
+          </a:prstGeom>
+          <a:noFill/>
+        </p:spPr>
+        <p:txBody>
+          <a:bodyPr wrap="none" rtlCol="0">
+            <a:spAutoFit/>
+          </a:bodyPr>
+          <a:lstStyle/>
+          <a:p>
+            <a:r>
+              <a:rPr lang="en-US" dirty="0"/>
+              <a:t>Reward</a:t>
+            </a:r>
+          </a:p>
+        </p:txBody>
+      </p:sp>
+      <p:pic>
+        <p:nvPicPr>
+          <p:cNvPr id="103" name="Graphic 102" descr="Checkbox Checked">
+            <a:extLst>
+              <a:ext uri="{FF2B5EF4-FFF2-40B4-BE49-F238E27FC236}">
+                <a16:creationId xmlns:a16="http://schemas.microsoft.com/office/drawing/2014/main" id="{B874C88E-9E28-7047-9CDD-6F287761EB3B}"/>
+              </a:ext>
+            </a:extLst>
+          </p:cNvPr>
+          <p:cNvPicPr>
+            <a:picLocks noChangeAspect="1"/>
+          </p:cNvPicPr>
+          <p:nvPr/>
+        </p:nvPicPr>
+        <p:blipFill>
+          <a:blip r:embed="rId26">
+            <a:extLst>
+              <a:ext uri="{96DAC541-7B7A-43D3-8B79-37D633B846F1}">
+                <asvg:svgBlip xmlns:asvg="http://schemas.microsoft.com/office/drawing/2016/SVG/main" r:embed="rId27"/>
+              </a:ext>
+            </a:extLst>
+          </a:blip>
+          <a:stretch>
+            <a:fillRect/>
+          </a:stretch>
+        </p:blipFill>
+        <p:spPr>
+          <a:xfrm>
+            <a:off x="10205153" y="2247568"/>
+            <a:ext cx="533808" cy="533808"/>
+          </a:xfrm>
+          <a:prstGeom prst="rect">
+            <a:avLst/>
+          </a:prstGeom>
+        </p:spPr>
+      </p:pic>
+      <p:sp>
+        <p:nvSpPr>
+          <p:cNvPr id="104" name="TextBox 103">
+            <a:extLst>
+              <a:ext uri="{FF2B5EF4-FFF2-40B4-BE49-F238E27FC236}">
+                <a16:creationId xmlns:a16="http://schemas.microsoft.com/office/drawing/2014/main" id="{20D5CFD9-86BF-E94C-9D1D-4E1F7A619AE9}"/>
+              </a:ext>
+            </a:extLst>
+          </p:cNvPr>
+          <p:cNvSpPr txBox="1"/>
+          <p:nvPr/>
+        </p:nvSpPr>
+        <p:spPr>
+          <a:xfrm>
+            <a:off x="10706737" y="3245636"/>
+            <a:ext cx="934871" cy="369332"/>
+          </a:xfrm>
+          <a:prstGeom prst="rect">
+            <a:avLst/>
+          </a:prstGeom>
+          <a:noFill/>
+        </p:spPr>
+        <p:txBody>
+          <a:bodyPr wrap="none" rtlCol="0">
+            <a:spAutoFit/>
+          </a:bodyPr>
+          <a:lstStyle/>
+          <a:p>
+            <a:r>
+              <a:rPr lang="en-US" dirty="0"/>
+              <a:t>Support</a:t>
+            </a:r>
+          </a:p>
+        </p:txBody>
+      </p:sp>
+      <p:pic>
+        <p:nvPicPr>
+          <p:cNvPr id="106" name="Graphic 105" descr="Checkbox Checked">
+            <a:extLst>
+              <a:ext uri="{FF2B5EF4-FFF2-40B4-BE49-F238E27FC236}">
+                <a16:creationId xmlns:a16="http://schemas.microsoft.com/office/drawing/2014/main" id="{83577553-2109-2748-85A1-FA1E97592823}"/>
+              </a:ext>
+            </a:extLst>
+          </p:cNvPr>
+          <p:cNvPicPr>
+            <a:picLocks noChangeAspect="1"/>
+          </p:cNvPicPr>
+          <p:nvPr/>
+        </p:nvPicPr>
+        <p:blipFill>
+          <a:blip r:embed="rId26">
+            <a:extLst>
+              <a:ext uri="{96DAC541-7B7A-43D3-8B79-37D633B846F1}">
+                <asvg:svgBlip xmlns:asvg="http://schemas.microsoft.com/office/drawing/2016/SVG/main" r:embed="rId27"/>
+              </a:ext>
+            </a:extLst>
+          </a:blip>
+          <a:stretch>
+            <a:fillRect/>
+          </a:stretch>
+        </p:blipFill>
+        <p:spPr>
+          <a:xfrm>
+            <a:off x="10205153" y="3163398"/>
+            <a:ext cx="533808" cy="533808"/>
+          </a:xfrm>
+          <a:prstGeom prst="rect">
+            <a:avLst/>
+          </a:prstGeom>
+        </p:spPr>
+      </p:pic>
+      <p:sp>
+        <p:nvSpPr>
+          <p:cNvPr id="12" name="TextBox 11">
+            <a:extLst>
+              <a:ext uri="{FF2B5EF4-FFF2-40B4-BE49-F238E27FC236}">
+                <a16:creationId xmlns:a16="http://schemas.microsoft.com/office/drawing/2014/main" id="{BCC0A621-158E-E845-BE95-931B08ACB5DE}"/>
+              </a:ext>
+            </a:extLst>
+          </p:cNvPr>
+          <p:cNvSpPr txBox="1"/>
+          <p:nvPr/>
+        </p:nvSpPr>
+        <p:spPr>
+          <a:xfrm>
+            <a:off x="294874" y="447478"/>
+            <a:ext cx="2978251" cy="369332"/>
+          </a:xfrm>
+          <a:prstGeom prst="rect">
+            <a:avLst/>
+          </a:prstGeom>
+          <a:noFill/>
+        </p:spPr>
+        <p:txBody>
+          <a:bodyPr wrap="none" rtlCol="0">
+            <a:spAutoFit/>
+          </a:bodyPr>
+          <a:lstStyle/>
+          <a:p>
+            <a:r>
+              <a:rPr lang="en-US" dirty="0"/>
+              <a:t>Min-scale / other annotations</a:t>
+            </a:r>
+          </a:p>
+        </p:txBody>
+      </p:sp>
+      <p:sp>
+        <p:nvSpPr>
+          <p:cNvPr id="107" name="TextBox 106">
+            <a:extLst>
+              <a:ext uri="{FF2B5EF4-FFF2-40B4-BE49-F238E27FC236}">
+                <a16:creationId xmlns:a16="http://schemas.microsoft.com/office/drawing/2014/main" id="{ACCA49A9-088C-054B-B0C3-EA965A8DD573}"/>
+              </a:ext>
+            </a:extLst>
+          </p:cNvPr>
+          <p:cNvSpPr txBox="1"/>
+          <p:nvPr/>
+        </p:nvSpPr>
+        <p:spPr>
+          <a:xfrm>
+            <a:off x="3741362" y="456231"/>
+            <a:ext cx="6619313" cy="369332"/>
+          </a:xfrm>
+          <a:prstGeom prst="rect">
+            <a:avLst/>
+          </a:prstGeom>
+          <a:noFill/>
+        </p:spPr>
+        <p:txBody>
+          <a:bodyPr wrap="none" rtlCol="0">
+            <a:spAutoFit/>
+          </a:bodyPr>
+          <a:lstStyle/>
+          <a:p>
+            <a:r>
+              <a:rPr lang="en-US" dirty="0"/>
+              <a:t>Utilization metrics – add in CPU/Memory utilization based objectives</a:t>
+            </a:r>
+          </a:p>
+        </p:txBody>
+      </p:sp>
+      <p:sp>
+        <p:nvSpPr>
+          <p:cNvPr id="108" name="TextBox 107">
+            <a:extLst>
+              <a:ext uri="{FF2B5EF4-FFF2-40B4-BE49-F238E27FC236}">
+                <a16:creationId xmlns:a16="http://schemas.microsoft.com/office/drawing/2014/main" id="{97CAF892-55AC-A147-A74C-1162FA0D3127}"/>
+              </a:ext>
+            </a:extLst>
+          </p:cNvPr>
+          <p:cNvSpPr txBox="1"/>
+          <p:nvPr/>
+        </p:nvSpPr>
+        <p:spPr>
+          <a:xfrm>
+            <a:off x="8261681" y="877073"/>
+            <a:ext cx="3702424" cy="369332"/>
+          </a:xfrm>
+          <a:prstGeom prst="rect">
+            <a:avLst/>
+          </a:prstGeom>
+          <a:noFill/>
+        </p:spPr>
+        <p:txBody>
+          <a:bodyPr wrap="none" rtlCol="0">
+            <a:spAutoFit/>
+          </a:bodyPr>
+          <a:lstStyle/>
+          <a:p>
+            <a:r>
+              <a:rPr lang="en-US" dirty="0"/>
+              <a:t>Prometheus + New Relic data sources</a:t>
+            </a:r>
+          </a:p>
+        </p:txBody>
+      </p:sp>
+    </p:spTree>
+    <p:extLst>
+      <p:ext uri="{BB962C8B-B14F-4D97-AF65-F5344CB8AC3E}">
+        <p14:creationId xmlns:p14="http://schemas.microsoft.com/office/powerpoint/2010/main" val="2941583146"/>
       </p:ext>
     </p:extLst>
   </p:cSld>

--- a/mkdocs/src/assets/images/iter8++images.pptx
+++ b/mkdocs/src/assets/images/iter8++images.pptx
@@ -30,7 +30,7 @@
     <p:sldId id="311" r:id="rId21"/>
     <p:sldId id="312" r:id="rId22"/>
     <p:sldId id="313" r:id="rId23"/>
-    <p:sldId id="314" r:id="rId24"/>
+    <p:sldId id="317" r:id="rId24"/>
     <p:sldId id="316" r:id="rId25"/>
   </p:sldIdLst>
   <p:sldSz cx="12192000" cy="6858000"/>
@@ -39279,8 +39279,8 @@
         </p:nvSpPr>
         <p:spPr>
           <a:xfrm>
-            <a:off x="1553269" y="2676231"/>
-            <a:ext cx="1493203" cy="650152"/>
+            <a:off x="1553269" y="2929053"/>
+            <a:ext cx="2221187" cy="397329"/>
           </a:xfrm>
           <a:prstGeom prst="curvedUpArrow">
             <a:avLst>
@@ -39368,6 +39368,132 @@
       </p:sp>
       <p:sp>
         <p:nvSpPr>
+          <p:cNvPr id="6" name="Rounded Rectangle 5">
+            <a:extLst>
+              <a:ext uri="{FF2B5EF4-FFF2-40B4-BE49-F238E27FC236}">
+                <a16:creationId xmlns:a16="http://schemas.microsoft.com/office/drawing/2014/main" id="{A6531ED6-9FBB-9A47-9045-884CC2A5A852}"/>
+              </a:ext>
+            </a:extLst>
+          </p:cNvPr>
+          <p:cNvSpPr/>
+          <p:nvPr/>
+        </p:nvSpPr>
+        <p:spPr>
+          <a:xfrm>
+            <a:off x="3533272" y="1811027"/>
+            <a:ext cx="1170215" cy="674914"/>
+          </a:xfrm>
+          <a:prstGeom prst="roundRect">
+            <a:avLst/>
+          </a:prstGeom>
+          <a:solidFill>
+            <a:schemeClr val="accent1">
+              <a:lumMod val="40000"/>
+              <a:lumOff val="60000"/>
+            </a:schemeClr>
+          </a:solidFill>
+          <a:ln w="19050">
+            <a:solidFill>
+              <a:schemeClr val="accent1">
+                <a:lumMod val="50000"/>
+              </a:schemeClr>
+            </a:solidFill>
+          </a:ln>
+        </p:spPr>
+        <p:style>
+          <a:lnRef idx="2">
+            <a:schemeClr val="accent1">
+              <a:shade val="50000"/>
+            </a:schemeClr>
+          </a:lnRef>
+          <a:fillRef idx="1">
+            <a:schemeClr val="accent1"/>
+          </a:fillRef>
+          <a:effectRef idx="0">
+            <a:schemeClr val="accent1"/>
+          </a:effectRef>
+          <a:fontRef idx="minor">
+            <a:schemeClr val="lt1"/>
+          </a:fontRef>
+        </p:style>
+        <p:txBody>
+          <a:bodyPr rtlCol="0" anchor="ctr"/>
+          <a:lstStyle/>
+          <a:p>
+            <a:pPr algn="ctr"/>
+            <a:endParaRPr lang="en-US" dirty="0">
+              <a:solidFill>
+                <a:schemeClr val="tx1"/>
+              </a:solidFill>
+            </a:endParaRPr>
+          </a:p>
+        </p:txBody>
+      </p:sp>
+      <p:sp>
+        <p:nvSpPr>
+          <p:cNvPr id="7" name="Rounded Rectangle 6">
+            <a:extLst>
+              <a:ext uri="{FF2B5EF4-FFF2-40B4-BE49-F238E27FC236}">
+                <a16:creationId xmlns:a16="http://schemas.microsoft.com/office/drawing/2014/main" id="{E3B559FF-1D1E-EC49-B212-E5F962D13F43}"/>
+              </a:ext>
+            </a:extLst>
+          </p:cNvPr>
+          <p:cNvSpPr/>
+          <p:nvPr/>
+        </p:nvSpPr>
+        <p:spPr>
+          <a:xfrm>
+            <a:off x="3391758" y="1925327"/>
+            <a:ext cx="1170215" cy="674914"/>
+          </a:xfrm>
+          <a:prstGeom prst="roundRect">
+            <a:avLst/>
+          </a:prstGeom>
+          <a:solidFill>
+            <a:schemeClr val="accent1">
+              <a:lumMod val="60000"/>
+              <a:lumOff val="40000"/>
+            </a:schemeClr>
+          </a:solidFill>
+          <a:ln w="19050">
+            <a:solidFill>
+              <a:schemeClr val="accent1">
+                <a:lumMod val="50000"/>
+              </a:schemeClr>
+            </a:solidFill>
+          </a:ln>
+        </p:spPr>
+        <p:style>
+          <a:lnRef idx="2">
+            <a:schemeClr val="accent1">
+              <a:shade val="50000"/>
+            </a:schemeClr>
+          </a:lnRef>
+          <a:fillRef idx="1">
+            <a:schemeClr val="accent1"/>
+          </a:fillRef>
+          <a:effectRef idx="0">
+            <a:schemeClr val="accent1"/>
+          </a:effectRef>
+          <a:fontRef idx="minor">
+            <a:schemeClr val="lt1"/>
+          </a:fontRef>
+        </p:style>
+        <p:txBody>
+          <a:bodyPr rtlCol="0" anchor="ctr"/>
+          <a:lstStyle/>
+          <a:p>
+            <a:pPr algn="ctr"/>
+            <a:endParaRPr lang="en-US" dirty="0">
+              <a:solidFill>
+                <a:schemeClr val="tx1"/>
+              </a:solidFill>
+            </a:endParaRPr>
+          </a:p>
+        </p:txBody>
+      </p:sp>
+      <p:sp>
+        <p:nvSpPr>
           <p:cNvPr id="8" name="Rounded Rectangle 7">
             <a:extLst>
               <a:ext uri="{FF2B5EF4-FFF2-40B4-BE49-F238E27FC236}">
@@ -39380,7 +39506,7 @@
         </p:nvSpPr>
         <p:spPr>
           <a:xfrm>
-            <a:off x="2125620" y="1895181"/>
+            <a:off x="3255737" y="2061399"/>
             <a:ext cx="1170215" cy="674914"/>
           </a:xfrm>
           <a:prstGeom prst="roundRect">
@@ -39996,7 +40122,7 @@
         </p:nvSpPr>
         <p:spPr>
           <a:xfrm>
-            <a:off x="2048327" y="2577914"/>
+            <a:off x="3788146" y="2739733"/>
             <a:ext cx="700833" cy="369332"/>
           </a:xfrm>
           <a:prstGeom prst="rect">
@@ -40954,7 +41080,7 @@
         </p:nvSpPr>
         <p:spPr>
           <a:xfrm>
-            <a:off x="2900400" y="1484710"/>
+            <a:off x="3356577" y="1466858"/>
             <a:ext cx="968535" cy="369332"/>
           </a:xfrm>
           <a:prstGeom prst="rect">
@@ -41952,159 +42078,10 @@
           </a:prstGeom>
         </p:spPr>
       </p:pic>
-      <p:sp>
-        <p:nvSpPr>
-          <p:cNvPr id="69" name="Rounded Rectangle 68">
-            <a:extLst>
-              <a:ext uri="{FF2B5EF4-FFF2-40B4-BE49-F238E27FC236}">
-                <a16:creationId xmlns:a16="http://schemas.microsoft.com/office/drawing/2014/main" id="{F2BF00B8-F8AC-9547-9C40-0A1BE0E4F8BE}"/>
-              </a:ext>
-            </a:extLst>
-          </p:cNvPr>
-          <p:cNvSpPr/>
-          <p:nvPr/>
-        </p:nvSpPr>
-        <p:spPr>
-          <a:xfrm>
-            <a:off x="3425792" y="1895181"/>
-            <a:ext cx="1170215" cy="674914"/>
-          </a:xfrm>
-          <a:prstGeom prst="roundRect">
-            <a:avLst/>
-          </a:prstGeom>
-          <a:solidFill>
-            <a:schemeClr val="accent1">
-              <a:lumMod val="75000"/>
-            </a:schemeClr>
-          </a:solidFill>
-          <a:ln w="19050">
-            <a:solidFill>
-              <a:schemeClr val="accent1">
-                <a:lumMod val="50000"/>
-              </a:schemeClr>
-            </a:solidFill>
-          </a:ln>
-        </p:spPr>
-        <p:style>
-          <a:lnRef idx="2">
-            <a:schemeClr val="accent1">
-              <a:shade val="50000"/>
-            </a:schemeClr>
-          </a:lnRef>
-          <a:fillRef idx="1">
-            <a:schemeClr val="accent1"/>
-          </a:fillRef>
-          <a:effectRef idx="0">
-            <a:schemeClr val="accent1"/>
-          </a:effectRef>
-          <a:fontRef idx="minor">
-            <a:schemeClr val="lt1"/>
-          </a:fontRef>
-        </p:style>
-        <p:txBody>
-          <a:bodyPr rtlCol="0" anchor="ctr"/>
-          <a:lstStyle/>
-          <a:p>
-            <a:pPr algn="ctr"/>
-            <a:r>
-              <a:rPr lang="en-US" dirty="0">
-                <a:solidFill>
-                  <a:schemeClr val="bg1"/>
-                </a:solidFill>
-              </a:rPr>
-              <a:t>v1.0</a:t>
-            </a:r>
-          </a:p>
-        </p:txBody>
-      </p:sp>
-      <p:cxnSp>
-        <p:nvCxnSpPr>
-          <p:cNvPr id="70" name="Elbow Connector 69">
-            <a:extLst>
-              <a:ext uri="{FF2B5EF4-FFF2-40B4-BE49-F238E27FC236}">
-                <a16:creationId xmlns:a16="http://schemas.microsoft.com/office/drawing/2014/main" id="{94C4B32C-F87C-0C4E-B995-FF5966ADB04F}"/>
-              </a:ext>
-            </a:extLst>
-          </p:cNvPr>
-          <p:cNvCxnSpPr>
-            <a:cxnSpLocks/>
-            <a:stCxn id="72" idx="3"/>
-            <a:endCxn id="69" idx="2"/>
-          </p:cNvCxnSpPr>
-          <p:nvPr/>
-        </p:nvCxnSpPr>
-        <p:spPr>
-          <a:xfrm flipV="1">
-            <a:off x="3082712" y="2570095"/>
-            <a:ext cx="928188" cy="892359"/>
-          </a:xfrm>
-          <a:prstGeom prst="bentConnector2">
-            <a:avLst/>
-          </a:prstGeom>
-          <a:ln w="38100">
-            <a:solidFill>
-              <a:schemeClr val="accent4">
-                <a:lumMod val="50000"/>
-              </a:schemeClr>
-            </a:solidFill>
-            <a:tailEnd type="triangle"/>
-          </a:ln>
-        </p:spPr>
-        <p:style>
-          <a:lnRef idx="1">
-            <a:schemeClr val="accent1"/>
-          </a:lnRef>
-          <a:fillRef idx="0">
-            <a:schemeClr val="accent1"/>
-          </a:fillRef>
-          <a:effectRef idx="0">
-            <a:schemeClr val="accent1"/>
-          </a:effectRef>
-          <a:fontRef idx="minor">
-            <a:schemeClr val="tx1"/>
-          </a:fontRef>
-        </p:style>
-      </p:cxnSp>
-      <p:sp>
-        <p:nvSpPr>
-          <p:cNvPr id="74" name="TextBox 73">
-            <a:extLst>
-              <a:ext uri="{FF2B5EF4-FFF2-40B4-BE49-F238E27FC236}">
-                <a16:creationId xmlns:a16="http://schemas.microsoft.com/office/drawing/2014/main" id="{2C1DF5F9-6740-0940-BF53-779A87DD4E0C}"/>
-              </a:ext>
-            </a:extLst>
-          </p:cNvPr>
-          <p:cNvSpPr txBox="1"/>
-          <p:nvPr/>
-        </p:nvSpPr>
-        <p:spPr>
-          <a:xfrm>
-            <a:off x="3979187" y="2561130"/>
-            <a:ext cx="693311" cy="369332"/>
-          </a:xfrm>
-          <a:prstGeom prst="rect">
-            <a:avLst/>
-          </a:prstGeom>
-          <a:noFill/>
-        </p:spPr>
-        <p:txBody>
-          <a:bodyPr wrap="square" rtlCol="0">
-            <a:spAutoFit/>
-          </a:bodyPr>
-          <a:lstStyle/>
-          <a:p>
-            <a:pPr algn="ctr"/>
-            <a:r>
-              <a:rPr lang="en-US" dirty="0"/>
-              <a:t>60%</a:t>
-            </a:r>
-          </a:p>
-        </p:txBody>
-      </p:sp>
     </p:spTree>
     <p:extLst>
       <p:ext uri="{BB962C8B-B14F-4D97-AF65-F5344CB8AC3E}">
-        <p14:creationId xmlns:p14="http://schemas.microsoft.com/office/powerpoint/2010/main" val="5495572"/>
+        <p14:creationId xmlns:p14="http://schemas.microsoft.com/office/powerpoint/2010/main" val="1918449503"/>
       </p:ext>
     </p:extLst>
   </p:cSld>
@@ -45662,8 +45639,8 @@
         </p:nvSpPr>
         <p:spPr>
           <a:xfrm>
-            <a:off x="8261681" y="877073"/>
-            <a:ext cx="3702424" cy="369332"/>
+            <a:off x="7323206" y="913721"/>
+            <a:ext cx="4624151" cy="369332"/>
           </a:xfrm>
           <a:prstGeom prst="rect">
             <a:avLst/>
@@ -45678,7 +45655,7 @@
           <a:p>
             <a:r>
               <a:rPr lang="en-US" dirty="0"/>
-              <a:t>Prometheus + New Relic data sources</a:t>
+              <a:t>Scenario: Prometheus + New Relic data sources</a:t>
             </a:r>
           </a:p>
         </p:txBody>

--- a/mkdocs/src/assets/images/iter8++images.pptx
+++ b/mkdocs/src/assets/images/iter8++images.pptx
@@ -22,7 +22,7 @@
     <p:sldId id="291" r:id="rId13"/>
     <p:sldId id="303" r:id="rId14"/>
     <p:sldId id="304" r:id="rId15"/>
-    <p:sldId id="305" r:id="rId16"/>
+    <p:sldId id="316" r:id="rId16"/>
     <p:sldId id="306" r:id="rId17"/>
     <p:sldId id="307" r:id="rId18"/>
     <p:sldId id="308" r:id="rId19"/>
@@ -219,7 +219,7 @@
           <a:p>
             <a:fld id="{38B78CBE-37FA-D241-BB4C-CAC5D3B25F49}" type="datetimeFigureOut">
               <a:rPr lang="en-US" smtClean="0"/>
-              <a:t>3/5/21</a:t>
+              <a:t>3/13/21</a:t>
             </a:fld>
             <a:endParaRPr lang="en-US"/>
           </a:p>
@@ -801,7 +801,7 @@
           <a:p>
             <a:fld id="{79212C04-F6AE-AE48-B29D-E5DED656B647}" type="datetimeFigureOut">
               <a:rPr lang="en-US" smtClean="0"/>
-              <a:t>3/5/21</a:t>
+              <a:t>3/13/21</a:t>
             </a:fld>
             <a:endParaRPr lang="en-US"/>
           </a:p>
@@ -999,7 +999,7 @@
           <a:p>
             <a:fld id="{79212C04-F6AE-AE48-B29D-E5DED656B647}" type="datetimeFigureOut">
               <a:rPr lang="en-US" smtClean="0"/>
-              <a:t>3/5/21</a:t>
+              <a:t>3/13/21</a:t>
             </a:fld>
             <a:endParaRPr lang="en-US"/>
           </a:p>
@@ -1207,7 +1207,7 @@
           <a:p>
             <a:fld id="{79212C04-F6AE-AE48-B29D-E5DED656B647}" type="datetimeFigureOut">
               <a:rPr lang="en-US" smtClean="0"/>
-              <a:t>3/5/21</a:t>
+              <a:t>3/13/21</a:t>
             </a:fld>
             <a:endParaRPr lang="en-US"/>
           </a:p>
@@ -1405,7 +1405,7 @@
           <a:p>
             <a:fld id="{79212C04-F6AE-AE48-B29D-E5DED656B647}" type="datetimeFigureOut">
               <a:rPr lang="en-US" smtClean="0"/>
-              <a:t>3/5/21</a:t>
+              <a:t>3/13/21</a:t>
             </a:fld>
             <a:endParaRPr lang="en-US"/>
           </a:p>
@@ -1680,7 +1680,7 @@
           <a:p>
             <a:fld id="{79212C04-F6AE-AE48-B29D-E5DED656B647}" type="datetimeFigureOut">
               <a:rPr lang="en-US" smtClean="0"/>
-              <a:t>3/5/21</a:t>
+              <a:t>3/13/21</a:t>
             </a:fld>
             <a:endParaRPr lang="en-US"/>
           </a:p>
@@ -1945,7 +1945,7 @@
           <a:p>
             <a:fld id="{79212C04-F6AE-AE48-B29D-E5DED656B647}" type="datetimeFigureOut">
               <a:rPr lang="en-US" smtClean="0"/>
-              <a:t>3/5/21</a:t>
+              <a:t>3/13/21</a:t>
             </a:fld>
             <a:endParaRPr lang="en-US"/>
           </a:p>
@@ -2357,7 +2357,7 @@
           <a:p>
             <a:fld id="{79212C04-F6AE-AE48-B29D-E5DED656B647}" type="datetimeFigureOut">
               <a:rPr lang="en-US" smtClean="0"/>
-              <a:t>3/5/21</a:t>
+              <a:t>3/13/21</a:t>
             </a:fld>
             <a:endParaRPr lang="en-US"/>
           </a:p>
@@ -2498,7 +2498,7 @@
           <a:p>
             <a:fld id="{79212C04-F6AE-AE48-B29D-E5DED656B647}" type="datetimeFigureOut">
               <a:rPr lang="en-US" smtClean="0"/>
-              <a:t>3/5/21</a:t>
+              <a:t>3/13/21</a:t>
             </a:fld>
             <a:endParaRPr lang="en-US"/>
           </a:p>
@@ -2611,7 +2611,7 @@
           <a:p>
             <a:fld id="{79212C04-F6AE-AE48-B29D-E5DED656B647}" type="datetimeFigureOut">
               <a:rPr lang="en-US" smtClean="0"/>
-              <a:t>3/5/21</a:t>
+              <a:t>3/13/21</a:t>
             </a:fld>
             <a:endParaRPr lang="en-US"/>
           </a:p>
@@ -2922,7 +2922,7 @@
           <a:p>
             <a:fld id="{79212C04-F6AE-AE48-B29D-E5DED656B647}" type="datetimeFigureOut">
               <a:rPr lang="en-US" smtClean="0"/>
-              <a:t>3/5/21</a:t>
+              <a:t>3/13/21</a:t>
             </a:fld>
             <a:endParaRPr lang="en-US"/>
           </a:p>
@@ -3210,7 +3210,7 @@
           <a:p>
             <a:fld id="{79212C04-F6AE-AE48-B29D-E5DED656B647}" type="datetimeFigureOut">
               <a:rPr lang="en-US" smtClean="0"/>
-              <a:t>3/5/21</a:t>
+              <a:t>3/13/21</a:t>
             </a:fld>
             <a:endParaRPr lang="en-US"/>
           </a:p>
@@ -3451,7 +3451,7 @@
           <a:p>
             <a:fld id="{79212C04-F6AE-AE48-B29D-E5DED656B647}" type="datetimeFigureOut">
               <a:rPr lang="en-US" smtClean="0"/>
-              <a:t>3/5/21</a:t>
+              <a:t>3/13/21</a:t>
             </a:fld>
             <a:endParaRPr lang="en-US"/>
           </a:p>
@@ -15627,13 +15627,13 @@
 </file>
 
 <file path=ppt/slides/slide15.xml><?xml version="1.0" encoding="utf-8"?>
-<p:sld xmlns:a="http://schemas.openxmlformats.org/drawingml/2006/main" xmlns:r="http://schemas.openxmlformats.org/officeDocument/2006/relationships" xmlns:p="http://schemas.openxmlformats.org/presentationml/2006/main">
+<p:sld xmlns:a="http://schemas.openxmlformats.org/drawingml/2006/main" xmlns:r="http://schemas.openxmlformats.org/officeDocument/2006/relationships" xmlns:p="http://schemas.openxmlformats.org/presentationml/2006/main" showMasterSp="0">
   <p:cSld>
     <p:bg>
       <p:bgPr>
         <a:solidFill>
-          <a:schemeClr val="tx2">
-            <a:lumMod val="75000"/>
+          <a:schemeClr val="bg1">
+            <a:alpha val="0"/>
           </a:schemeClr>
         </a:solidFill>
         <a:effectLst/>
@@ -15726,16 +15726,17 @@
           </a:solidFill>
           <a:ln w="19050">
             <a:solidFill>
-              <a:schemeClr val="bg2">
+              <a:schemeClr val="accent1">
                 <a:lumMod val="75000"/>
               </a:schemeClr>
             </a:solidFill>
           </a:ln>
           <a:effectLst>
             <a:outerShdw blurRad="50800" dist="38100" dir="2700000" algn="tl" rotWithShape="0">
-              <a:prstClr val="black">
+              <a:schemeClr val="accent1">
+                <a:lumMod val="50000"/>
                 <a:alpha val="40000"/>
-              </a:prstClr>
+              </a:schemeClr>
             </a:outerShdw>
           </a:effectLst>
         </p:spPr>
@@ -15759,8 +15760,37 @@
           <a:bodyPr rtlCol="0" anchor="ctr"/>
           <a:lstStyle/>
           <a:p>
-            <a:pPr algn="ctr"/>
-            <a:endParaRPr lang="en-US"/>
+            <a:pPr marL="0" marR="0" lvl="0" indent="0" algn="ctr" defTabSz="914400" rtl="0" eaLnBrk="1" fontAlgn="auto" latinLnBrk="0" hangingPunct="1">
+              <a:lnSpc>
+                <a:spcPct val="100000"/>
+              </a:lnSpc>
+              <a:spcBef>
+                <a:spcPts val="0"/>
+              </a:spcBef>
+              <a:spcAft>
+                <a:spcPts val="0"/>
+              </a:spcAft>
+              <a:buClrTx/>
+              <a:buSzTx/>
+              <a:buFontTx/>
+              <a:buNone/>
+              <a:tabLst/>
+              <a:defRPr/>
+            </a:pPr>
+            <a:endParaRPr kumimoji="0" lang="en-US" sz="1800" b="0" i="0" u="none" strike="noStrike" kern="1200" cap="none" spc="0" normalizeH="0" baseline="0" noProof="0">
+              <a:ln>
+                <a:noFill/>
+              </a:ln>
+              <a:solidFill>
+                <a:prstClr val="white"/>
+              </a:solidFill>
+              <a:effectLst/>
+              <a:uLnTx/>
+              <a:uFillTx/>
+              <a:latin typeface="Calibri" panose="020F0502020204030204"/>
+              <a:ea typeface="+mn-ea"/>
+              <a:cs typeface="+mn-cs"/>
+            </a:endParaRPr>
           </a:p>
         </p:txBody>
       </p:sp>
@@ -15833,8 +15863,8 @@
         </p:nvSpPr>
         <p:spPr>
           <a:xfrm>
-            <a:off x="5415874" y="1157235"/>
-            <a:ext cx="703302" cy="426142"/>
+            <a:off x="5475754" y="1415655"/>
+            <a:ext cx="570967" cy="426142"/>
           </a:xfrm>
           <a:prstGeom prst="round2SameRect">
             <a:avLst>
@@ -15847,10 +15877,313 @@
           </a:solidFill>
           <a:ln w="19050">
             <a:solidFill>
+              <a:schemeClr val="accent1">
+                <a:lumMod val="75000"/>
+              </a:schemeClr>
+            </a:solidFill>
+          </a:ln>
+          <a:effectLst>
+            <a:outerShdw blurRad="50800" dist="38100" dir="2700000" algn="tl" rotWithShape="0">
+              <a:schemeClr val="accent1">
+                <a:lumMod val="50000"/>
+                <a:alpha val="40000"/>
+              </a:schemeClr>
+            </a:outerShdw>
+          </a:effectLst>
+        </p:spPr>
+        <p:style>
+          <a:lnRef idx="2">
+            <a:schemeClr val="accent1">
+              <a:shade val="50000"/>
+            </a:schemeClr>
+          </a:lnRef>
+          <a:fillRef idx="1">
+            <a:schemeClr val="accent1"/>
+          </a:fillRef>
+          <a:effectRef idx="0">
+            <a:schemeClr val="accent1"/>
+          </a:effectRef>
+          <a:fontRef idx="minor">
+            <a:schemeClr val="lt1"/>
+          </a:fontRef>
+        </p:style>
+        <p:txBody>
+          <a:bodyPr rtlCol="0" anchor="ctr"/>
+          <a:lstStyle/>
+          <a:p>
+            <a:pPr marL="0" marR="0" lvl="0" indent="0" algn="ctr" defTabSz="914400" rtl="0" eaLnBrk="1" fontAlgn="auto" latinLnBrk="0" hangingPunct="1">
+              <a:lnSpc>
+                <a:spcPct val="100000"/>
+              </a:lnSpc>
+              <a:spcBef>
+                <a:spcPts val="0"/>
+              </a:spcBef>
+              <a:spcAft>
+                <a:spcPts val="0"/>
+              </a:spcAft>
+              <a:buClrTx/>
+              <a:buSzTx/>
+              <a:buFontTx/>
+              <a:buNone/>
+              <a:tabLst/>
+              <a:defRPr/>
+            </a:pPr>
+            <a:r>
+              <a:rPr kumimoji="0" lang="en-US" sz="1800" b="0" i="0" u="none" strike="noStrike" kern="1200" cap="none" spc="0" normalizeH="0" baseline="0" noProof="0" dirty="0">
+                <a:ln>
+                  <a:noFill/>
+                </a:ln>
+                <a:solidFill>
+                  <a:schemeClr val="accent1">
+                    <a:lumMod val="50000"/>
+                  </a:schemeClr>
+                </a:solidFill>
+                <a:effectLst/>
+                <a:uLnTx/>
+                <a:uFillTx/>
+                <a:latin typeface="Calibri" panose="020F0502020204030204"/>
+                <a:ea typeface="+mn-ea"/>
+                <a:cs typeface="+mn-cs"/>
+              </a:rPr>
+              <a:t>V2</a:t>
+            </a:r>
+          </a:p>
+        </p:txBody>
+      </p:sp>
+      <p:sp>
+        <p:nvSpPr>
+          <p:cNvPr id="13" name="Round Same Side Corner Rectangle 12">
+            <a:extLst>
+              <a:ext uri="{FF2B5EF4-FFF2-40B4-BE49-F238E27FC236}">
+                <a16:creationId xmlns:a16="http://schemas.microsoft.com/office/drawing/2014/main" id="{D23362F6-A769-E241-9028-6862C69231DC}"/>
+              </a:ext>
+            </a:extLst>
+          </p:cNvPr>
+          <p:cNvSpPr/>
+          <p:nvPr/>
+        </p:nvSpPr>
+        <p:spPr>
+          <a:xfrm>
+            <a:off x="3906240" y="1415655"/>
+            <a:ext cx="570967" cy="426142"/>
+          </a:xfrm>
+          <a:prstGeom prst="round2SameRect">
+            <a:avLst>
+              <a:gd name="adj1" fmla="val 50000"/>
+              <a:gd name="adj2" fmla="val 0"/>
+            </a:avLst>
+          </a:prstGeom>
+          <a:solidFill>
+            <a:schemeClr val="bg1"/>
+          </a:solidFill>
+          <a:ln w="19050">
+            <a:solidFill>
+              <a:schemeClr val="accent1">
+                <a:lumMod val="75000"/>
+              </a:schemeClr>
+            </a:solidFill>
+          </a:ln>
+          <a:effectLst>
+            <a:outerShdw blurRad="50800" dist="38100" dir="2700000" algn="tl" rotWithShape="0">
+              <a:schemeClr val="accent1">
+                <a:lumMod val="50000"/>
+                <a:alpha val="40000"/>
+              </a:schemeClr>
+            </a:outerShdw>
+          </a:effectLst>
+        </p:spPr>
+        <p:style>
+          <a:lnRef idx="2">
+            <a:schemeClr val="accent1">
+              <a:shade val="50000"/>
+            </a:schemeClr>
+          </a:lnRef>
+          <a:fillRef idx="1">
+            <a:schemeClr val="accent1"/>
+          </a:fillRef>
+          <a:effectRef idx="0">
+            <a:schemeClr val="accent1"/>
+          </a:effectRef>
+          <a:fontRef idx="minor">
+            <a:schemeClr val="lt1"/>
+          </a:fontRef>
+        </p:style>
+        <p:txBody>
+          <a:bodyPr rtlCol="0" anchor="ctr"/>
+          <a:lstStyle/>
+          <a:p>
+            <a:pPr marL="0" marR="0" lvl="0" indent="0" algn="ctr" defTabSz="914400" rtl="0" eaLnBrk="1" fontAlgn="auto" latinLnBrk="0" hangingPunct="1">
+              <a:lnSpc>
+                <a:spcPct val="100000"/>
+              </a:lnSpc>
+              <a:spcBef>
+                <a:spcPts val="0"/>
+              </a:spcBef>
+              <a:spcAft>
+                <a:spcPts val="0"/>
+              </a:spcAft>
+              <a:buClrTx/>
+              <a:buSzTx/>
+              <a:buFontTx/>
+              <a:buNone/>
+              <a:tabLst/>
+              <a:defRPr/>
+            </a:pPr>
+            <a:r>
+              <a:rPr kumimoji="0" lang="en-US" sz="1800" b="0" i="0" u="none" strike="noStrike" kern="1200" cap="none" spc="0" normalizeH="0" baseline="0" noProof="0" dirty="0">
+                <a:ln>
+                  <a:noFill/>
+                </a:ln>
+                <a:solidFill>
+                  <a:schemeClr val="accent1">
+                    <a:lumMod val="50000"/>
+                  </a:schemeClr>
+                </a:solidFill>
+                <a:effectLst/>
+                <a:uLnTx/>
+                <a:uFillTx/>
+                <a:latin typeface="Calibri" panose="020F0502020204030204"/>
+                <a:ea typeface="+mn-ea"/>
+                <a:cs typeface="+mn-cs"/>
+              </a:rPr>
+              <a:t>V1</a:t>
+            </a:r>
+          </a:p>
+        </p:txBody>
+      </p:sp>
+      <p:sp>
+        <p:nvSpPr>
+          <p:cNvPr id="14" name="Round Same Side Corner Rectangle 13">
+            <a:extLst>
+              <a:ext uri="{FF2B5EF4-FFF2-40B4-BE49-F238E27FC236}">
+                <a16:creationId xmlns:a16="http://schemas.microsoft.com/office/drawing/2014/main" id="{6CC83ABF-5D29-D74E-AFC2-C2F0A3C58958}"/>
+              </a:ext>
+            </a:extLst>
+          </p:cNvPr>
+          <p:cNvSpPr/>
+          <p:nvPr/>
+        </p:nvSpPr>
+        <p:spPr>
+          <a:xfrm>
+            <a:off x="7037075" y="1415655"/>
+            <a:ext cx="570967" cy="426142"/>
+          </a:xfrm>
+          <a:prstGeom prst="round2SameRect">
+            <a:avLst>
+              <a:gd name="adj1" fmla="val 50000"/>
+              <a:gd name="adj2" fmla="val 0"/>
+            </a:avLst>
+          </a:prstGeom>
+          <a:solidFill>
+            <a:schemeClr val="bg1"/>
+          </a:solidFill>
+          <a:ln w="19050">
+            <a:solidFill>
+              <a:schemeClr val="accent1">
+                <a:lumMod val="75000"/>
+              </a:schemeClr>
+            </a:solidFill>
+          </a:ln>
+          <a:effectLst>
+            <a:outerShdw blurRad="50800" dist="38100" dir="2700000" algn="tl" rotWithShape="0">
+              <a:schemeClr val="accent1">
+                <a:lumMod val="50000"/>
+                <a:alpha val="40000"/>
+              </a:schemeClr>
+            </a:outerShdw>
+          </a:effectLst>
+        </p:spPr>
+        <p:style>
+          <a:lnRef idx="2">
+            <a:schemeClr val="accent1">
+              <a:shade val="50000"/>
+            </a:schemeClr>
+          </a:lnRef>
+          <a:fillRef idx="1">
+            <a:schemeClr val="accent1"/>
+          </a:fillRef>
+          <a:effectRef idx="0">
+            <a:schemeClr val="accent1"/>
+          </a:effectRef>
+          <a:fontRef idx="minor">
+            <a:schemeClr val="lt1"/>
+          </a:fontRef>
+        </p:style>
+        <p:txBody>
+          <a:bodyPr rtlCol="0" anchor="ctr"/>
+          <a:lstStyle/>
+          <a:p>
+            <a:pPr marL="0" marR="0" lvl="0" indent="0" algn="ctr" defTabSz="914400" rtl="0" eaLnBrk="1" fontAlgn="auto" latinLnBrk="0" hangingPunct="1">
+              <a:lnSpc>
+                <a:spcPct val="100000"/>
+              </a:lnSpc>
+              <a:spcBef>
+                <a:spcPts val="0"/>
+              </a:spcBef>
+              <a:spcAft>
+                <a:spcPts val="0"/>
+              </a:spcAft>
+              <a:buClrTx/>
+              <a:buSzTx/>
+              <a:buFontTx/>
+              <a:buNone/>
+              <a:tabLst/>
+              <a:defRPr/>
+            </a:pPr>
+            <a:r>
+              <a:rPr kumimoji="0" lang="en-US" sz="1800" b="0" i="0" u="none" strike="noStrike" kern="1200" cap="none" spc="0" normalizeH="0" baseline="0" noProof="0" dirty="0">
+                <a:ln>
+                  <a:noFill/>
+                </a:ln>
+                <a:solidFill>
+                  <a:schemeClr val="accent1">
+                    <a:lumMod val="50000"/>
+                  </a:schemeClr>
+                </a:solidFill>
+                <a:effectLst/>
+                <a:uLnTx/>
+                <a:uFillTx/>
+                <a:latin typeface="Calibri" panose="020F0502020204030204"/>
+                <a:ea typeface="+mn-ea"/>
+                <a:cs typeface="+mn-cs"/>
+              </a:rPr>
+              <a:t>V3</a:t>
+            </a:r>
+          </a:p>
+        </p:txBody>
+      </p:sp>
+      <p:cxnSp>
+        <p:nvCxnSpPr>
+          <p:cNvPr id="15" name="Straight Arrow Connector 14">
+            <a:extLst>
+              <a:ext uri="{FF2B5EF4-FFF2-40B4-BE49-F238E27FC236}">
+                <a16:creationId xmlns:a16="http://schemas.microsoft.com/office/drawing/2014/main" id="{23BF3F47-D9FC-8B40-92D4-C5A25EDC3E09}"/>
+              </a:ext>
+            </a:extLst>
+          </p:cNvPr>
+          <p:cNvCxnSpPr>
+            <a:cxnSpLocks/>
+            <a:stCxn id="3" idx="0"/>
+            <a:endCxn id="13" idx="1"/>
+          </p:cNvCxnSpPr>
+          <p:nvPr/>
+        </p:nvCxnSpPr>
+        <p:spPr>
+          <a:xfrm flipH="1" flipV="1">
+            <a:off x="4191724" y="1841797"/>
+            <a:ext cx="1576478" cy="1168254"/>
+          </a:xfrm>
+          <a:prstGeom prst="straightConnector1">
+            <a:avLst/>
+          </a:prstGeom>
+          <a:ln w="25400">
+            <a:solidFill>
               <a:schemeClr val="bg2">
                 <a:lumMod val="75000"/>
               </a:schemeClr>
             </a:solidFill>
+            <a:prstDash val="sysDash"/>
+            <a:tailEnd type="stealth" w="lg" len="lg"/>
           </a:ln>
           <a:effectLst>
             <a:outerShdw blurRad="50800" dist="38100" dir="2700000" algn="tl" rotWithShape="0">
@@ -15861,69 +16194,52 @@
           </a:effectLst>
         </p:spPr>
         <p:style>
-          <a:lnRef idx="2">
-            <a:schemeClr val="accent1">
-              <a:shade val="50000"/>
-            </a:schemeClr>
+          <a:lnRef idx="1">
+            <a:schemeClr val="accent1"/>
           </a:lnRef>
-          <a:fillRef idx="1">
+          <a:fillRef idx="0">
             <a:schemeClr val="accent1"/>
           </a:fillRef>
           <a:effectRef idx="0">
             <a:schemeClr val="accent1"/>
           </a:effectRef>
           <a:fontRef idx="minor">
-            <a:schemeClr val="lt1"/>
+            <a:schemeClr val="tx1"/>
           </a:fontRef>
         </p:style>
-        <p:txBody>
-          <a:bodyPr rtlCol="0" anchor="ctr"/>
-          <a:lstStyle/>
-          <a:p>
-            <a:pPr algn="ctr"/>
-            <a:r>
-              <a:rPr lang="en-US" dirty="0">
-                <a:solidFill>
-                  <a:schemeClr val="tx1"/>
-                </a:solidFill>
-              </a:rPr>
-              <a:t>V2</a:t>
-            </a:r>
-          </a:p>
-        </p:txBody>
-      </p:sp>
-      <p:sp>
-        <p:nvSpPr>
-          <p:cNvPr id="13" name="Round Same Side Corner Rectangle 12">
-            <a:extLst>
-              <a:ext uri="{FF2B5EF4-FFF2-40B4-BE49-F238E27FC236}">
-                <a16:creationId xmlns:a16="http://schemas.microsoft.com/office/drawing/2014/main" id="{D23362F6-A769-E241-9028-6862C69231DC}"/>
-              </a:ext>
-            </a:extLst>
-          </p:cNvPr>
-          <p:cNvSpPr/>
-          <p:nvPr/>
-        </p:nvSpPr>
-        <p:spPr>
-          <a:xfrm>
-            <a:off x="3846360" y="1157235"/>
-            <a:ext cx="703302" cy="426142"/>
-          </a:xfrm>
-          <a:prstGeom prst="round2SameRect">
-            <a:avLst>
-              <a:gd name="adj1" fmla="val 50000"/>
-              <a:gd name="adj2" fmla="val 0"/>
-            </a:avLst>
-          </a:prstGeom>
-          <a:solidFill>
-            <a:schemeClr val="bg1"/>
-          </a:solidFill>
-          <a:ln w="19050">
+      </p:cxnSp>
+      <p:cxnSp>
+        <p:nvCxnSpPr>
+          <p:cNvPr id="18" name="Straight Arrow Connector 17">
+            <a:extLst>
+              <a:ext uri="{FF2B5EF4-FFF2-40B4-BE49-F238E27FC236}">
+                <a16:creationId xmlns:a16="http://schemas.microsoft.com/office/drawing/2014/main" id="{E57AED78-2BBC-D24D-83FE-4E255BEDDB60}"/>
+              </a:ext>
+            </a:extLst>
+          </p:cNvPr>
+          <p:cNvCxnSpPr>
+            <a:cxnSpLocks/>
+            <a:stCxn id="3" idx="0"/>
+            <a:endCxn id="12" idx="1"/>
+          </p:cNvCxnSpPr>
+          <p:nvPr/>
+        </p:nvCxnSpPr>
+        <p:spPr>
+          <a:xfrm flipH="1" flipV="1">
+            <a:off x="5761238" y="1841797"/>
+            <a:ext cx="6964" cy="1168254"/>
+          </a:xfrm>
+          <a:prstGeom prst="straightConnector1">
+            <a:avLst/>
+          </a:prstGeom>
+          <a:ln w="25400">
             <a:solidFill>
               <a:schemeClr val="bg2">
                 <a:lumMod val="75000"/>
               </a:schemeClr>
             </a:solidFill>
+            <a:prstDash val="sysDash"/>
+            <a:tailEnd type="stealth" w="lg" len="lg"/>
           </a:ln>
           <a:effectLst>
             <a:outerShdw blurRad="50800" dist="38100" dir="2700000" algn="tl" rotWithShape="0">
@@ -15934,135 +16250,45 @@
           </a:effectLst>
         </p:spPr>
         <p:style>
-          <a:lnRef idx="2">
-            <a:schemeClr val="accent1">
-              <a:shade val="50000"/>
-            </a:schemeClr>
+          <a:lnRef idx="1">
+            <a:schemeClr val="accent1"/>
           </a:lnRef>
-          <a:fillRef idx="1">
+          <a:fillRef idx="0">
             <a:schemeClr val="accent1"/>
           </a:fillRef>
           <a:effectRef idx="0">
             <a:schemeClr val="accent1"/>
           </a:effectRef>
           <a:fontRef idx="minor">
-            <a:schemeClr val="lt1"/>
+            <a:schemeClr val="tx1"/>
           </a:fontRef>
         </p:style>
-        <p:txBody>
-          <a:bodyPr rtlCol="0" anchor="ctr"/>
-          <a:lstStyle/>
-          <a:p>
-            <a:pPr algn="ctr"/>
-            <a:r>
-              <a:rPr lang="en-US" dirty="0">
-                <a:solidFill>
-                  <a:schemeClr val="tx1"/>
-                </a:solidFill>
-              </a:rPr>
-              <a:t>V1</a:t>
-            </a:r>
-          </a:p>
-        </p:txBody>
-      </p:sp>
-      <p:sp>
-        <p:nvSpPr>
-          <p:cNvPr id="14" name="Round Same Side Corner Rectangle 13">
-            <a:extLst>
-              <a:ext uri="{FF2B5EF4-FFF2-40B4-BE49-F238E27FC236}">
-                <a16:creationId xmlns:a16="http://schemas.microsoft.com/office/drawing/2014/main" id="{6CC83ABF-5D29-D74E-AFC2-C2F0A3C58958}"/>
-              </a:ext>
-            </a:extLst>
-          </p:cNvPr>
-          <p:cNvSpPr/>
-          <p:nvPr/>
-        </p:nvSpPr>
-        <p:spPr>
-          <a:xfrm>
-            <a:off x="6977195" y="1157235"/>
-            <a:ext cx="703302" cy="426142"/>
-          </a:xfrm>
-          <a:prstGeom prst="round2SameRect">
-            <a:avLst>
-              <a:gd name="adj1" fmla="val 50000"/>
-              <a:gd name="adj2" fmla="val 0"/>
-            </a:avLst>
-          </a:prstGeom>
-          <a:solidFill>
-            <a:schemeClr val="bg1"/>
-          </a:solidFill>
-          <a:ln w="19050">
-            <a:solidFill>
-              <a:schemeClr val="bg2">
-                <a:lumMod val="75000"/>
-              </a:schemeClr>
-            </a:solidFill>
-          </a:ln>
-          <a:effectLst>
-            <a:outerShdw blurRad="50800" dist="38100" dir="2700000" algn="tl" rotWithShape="0">
-              <a:prstClr val="black">
-                <a:alpha val="40000"/>
-              </a:prstClr>
-            </a:outerShdw>
-          </a:effectLst>
-        </p:spPr>
-        <p:style>
-          <a:lnRef idx="2">
-            <a:schemeClr val="accent1">
-              <a:shade val="50000"/>
-            </a:schemeClr>
-          </a:lnRef>
-          <a:fillRef idx="1">
-            <a:schemeClr val="accent1"/>
-          </a:fillRef>
-          <a:effectRef idx="0">
-            <a:schemeClr val="accent1"/>
-          </a:effectRef>
-          <a:fontRef idx="minor">
-            <a:schemeClr val="lt1"/>
-          </a:fontRef>
-        </p:style>
-        <p:txBody>
-          <a:bodyPr rtlCol="0" anchor="ctr"/>
-          <a:lstStyle/>
-          <a:p>
-            <a:pPr algn="ctr"/>
-            <a:r>
-              <a:rPr lang="en-US" dirty="0">
-                <a:solidFill>
-                  <a:schemeClr val="tx1"/>
-                </a:solidFill>
-              </a:rPr>
-              <a:t>V3</a:t>
-            </a:r>
-          </a:p>
-        </p:txBody>
-      </p:sp>
+      </p:cxnSp>
       <p:cxnSp>
         <p:nvCxnSpPr>
-          <p:cNvPr id="15" name="Straight Arrow Connector 14">
-            <a:extLst>
-              <a:ext uri="{FF2B5EF4-FFF2-40B4-BE49-F238E27FC236}">
-                <a16:creationId xmlns:a16="http://schemas.microsoft.com/office/drawing/2014/main" id="{23BF3F47-D9FC-8B40-92D4-C5A25EDC3E09}"/>
+          <p:cNvPr id="21" name="Straight Arrow Connector 20">
+            <a:extLst>
+              <a:ext uri="{FF2B5EF4-FFF2-40B4-BE49-F238E27FC236}">
+                <a16:creationId xmlns:a16="http://schemas.microsoft.com/office/drawing/2014/main" id="{965CB6CF-CD82-DB42-89FD-365C9988A9F6}"/>
               </a:ext>
             </a:extLst>
           </p:cNvPr>
           <p:cNvCxnSpPr>
             <a:cxnSpLocks/>
             <a:stCxn id="3" idx="0"/>
-            <a:endCxn id="13" idx="1"/>
+            <a:endCxn id="14" idx="1"/>
           </p:cNvCxnSpPr>
           <p:nvPr/>
         </p:nvCxnSpPr>
         <p:spPr>
-          <a:xfrm flipH="1" flipV="1">
-            <a:off x="4198011" y="1583377"/>
-            <a:ext cx="1570191" cy="1426674"/>
+          <a:xfrm flipV="1">
+            <a:off x="5768202" y="1841797"/>
+            <a:ext cx="1554357" cy="1168254"/>
           </a:xfrm>
           <a:prstGeom prst="straightConnector1">
             <a:avLst/>
           </a:prstGeom>
-          <a:ln w="25400">
+          <a:ln w="31750">
             <a:solidFill>
               <a:schemeClr val="bg2">
                 <a:lumMod val="75000"/>
@@ -16093,38 +16319,40 @@
           </a:fontRef>
         </p:style>
       </p:cxnSp>
-      <p:cxnSp>
-        <p:nvCxnSpPr>
-          <p:cNvPr id="18" name="Straight Arrow Connector 17">
-            <a:extLst>
-              <a:ext uri="{FF2B5EF4-FFF2-40B4-BE49-F238E27FC236}">
-                <a16:creationId xmlns:a16="http://schemas.microsoft.com/office/drawing/2014/main" id="{E57AED78-2BBC-D24D-83FE-4E255BEDDB60}"/>
-              </a:ext>
-            </a:extLst>
-          </p:cNvPr>
-          <p:cNvCxnSpPr>
-            <a:cxnSpLocks/>
-            <a:stCxn id="3" idx="0"/>
-            <a:endCxn id="12" idx="1"/>
-          </p:cNvCxnSpPr>
-          <p:nvPr/>
-        </p:nvCxnSpPr>
-        <p:spPr>
-          <a:xfrm flipH="1" flipV="1">
-            <a:off x="5767525" y="1583377"/>
-            <a:ext cx="677" cy="1426674"/>
-          </a:xfrm>
-          <a:prstGeom prst="straightConnector1">
-            <a:avLst/>
-          </a:prstGeom>
-          <a:ln w="25400">
-            <a:solidFill>
-              <a:schemeClr val="bg2">
-                <a:lumMod val="75000"/>
-              </a:schemeClr>
-            </a:solidFill>
-            <a:tailEnd type="stealth" w="lg" len="lg"/>
-          </a:ln>
+      <p:pic>
+        <p:nvPicPr>
+          <p:cNvPr id="25" name="Graphic 24" descr="Database with solid fill">
+            <a:extLst>
+              <a:ext uri="{FF2B5EF4-FFF2-40B4-BE49-F238E27FC236}">
+                <a16:creationId xmlns:a16="http://schemas.microsoft.com/office/drawing/2014/main" id="{8766C252-DD24-414C-9A48-CDE42FD9725B}"/>
+              </a:ext>
+            </a:extLst>
+          </p:cNvPr>
+          <p:cNvPicPr>
+            <a:picLocks noChangeAspect="1"/>
+          </p:cNvPicPr>
+          <p:nvPr/>
+        </p:nvPicPr>
+        <p:blipFill>
+          <a:blip r:embed="rId4">
+            <a:extLst>
+              <a:ext uri="{96DAC541-7B7A-43D3-8B79-37D633B846F1}">
+                <asvg:svgBlip xmlns:asvg="http://schemas.microsoft.com/office/drawing/2016/SVG/main" r:embed="rId5"/>
+              </a:ext>
+            </a:extLst>
+          </a:blip>
+          <a:stretch>
+            <a:fillRect/>
+          </a:stretch>
+        </p:blipFill>
+        <p:spPr>
+          <a:xfrm>
+            <a:off x="7394760" y="2707590"/>
+            <a:ext cx="899398" cy="760309"/>
+          </a:xfrm>
+          <a:prstGeom prst="rect">
+            <a:avLst/>
+          </a:prstGeom>
           <a:effectLst>
             <a:outerShdw blurRad="50800" dist="38100" dir="2700000" algn="tl" rotWithShape="0">
               <a:prstClr val="black">
@@ -16133,53 +16361,41 @@
             </a:outerShdw>
           </a:effectLst>
         </p:spPr>
-        <p:style>
-          <a:lnRef idx="1">
-            <a:schemeClr val="accent1"/>
-          </a:lnRef>
-          <a:fillRef idx="0">
-            <a:schemeClr val="accent1"/>
-          </a:fillRef>
-          <a:effectRef idx="0">
-            <a:schemeClr val="accent1"/>
-          </a:effectRef>
-          <a:fontRef idx="minor">
-            <a:schemeClr val="tx1"/>
-          </a:fontRef>
-        </p:style>
-      </p:cxnSp>
-      <p:cxnSp>
-        <p:nvCxnSpPr>
-          <p:cNvPr id="21" name="Straight Arrow Connector 20">
-            <a:extLst>
-              <a:ext uri="{FF2B5EF4-FFF2-40B4-BE49-F238E27FC236}">
-                <a16:creationId xmlns:a16="http://schemas.microsoft.com/office/drawing/2014/main" id="{965CB6CF-CD82-DB42-89FD-365C9988A9F6}"/>
-              </a:ext>
-            </a:extLst>
-          </p:cNvPr>
-          <p:cNvCxnSpPr>
-            <a:cxnSpLocks/>
-            <a:stCxn id="3" idx="0"/>
-            <a:endCxn id="14" idx="1"/>
-          </p:cNvCxnSpPr>
-          <p:nvPr/>
-        </p:nvCxnSpPr>
-        <p:spPr>
-          <a:xfrm flipV="1">
-            <a:off x="5768202" y="1583377"/>
-            <a:ext cx="1560644" cy="1426674"/>
-          </a:xfrm>
-          <a:prstGeom prst="straightConnector1">
-            <a:avLst/>
-          </a:prstGeom>
-          <a:ln w="25400">
-            <a:solidFill>
-              <a:schemeClr val="bg2">
-                <a:lumMod val="75000"/>
-              </a:schemeClr>
-            </a:solidFill>
-            <a:tailEnd type="stealth" w="lg" len="lg"/>
-          </a:ln>
+      </p:pic>
+      <p:pic>
+        <p:nvPicPr>
+          <p:cNvPr id="26" name="Graphic 25" descr="Database with solid fill">
+            <a:extLst>
+              <a:ext uri="{FF2B5EF4-FFF2-40B4-BE49-F238E27FC236}">
+                <a16:creationId xmlns:a16="http://schemas.microsoft.com/office/drawing/2014/main" id="{E6A94A0A-CAB8-9B46-9E3D-3248680FD288}"/>
+              </a:ext>
+            </a:extLst>
+          </p:cNvPr>
+          <p:cNvPicPr>
+            <a:picLocks noChangeAspect="1"/>
+          </p:cNvPicPr>
+          <p:nvPr/>
+        </p:nvPicPr>
+        <p:blipFill>
+          <a:blip r:embed="rId4">
+            <a:extLst>
+              <a:ext uri="{96DAC541-7B7A-43D3-8B79-37D633B846F1}">
+                <asvg:svgBlip xmlns:asvg="http://schemas.microsoft.com/office/drawing/2016/SVG/main" r:embed="rId5"/>
+              </a:ext>
+            </a:extLst>
+          </a:blip>
+          <a:stretch>
+            <a:fillRect/>
+          </a:stretch>
+        </p:blipFill>
+        <p:spPr>
+          <a:xfrm>
+            <a:off x="8126640" y="2707590"/>
+            <a:ext cx="899398" cy="760309"/>
+          </a:xfrm>
+          <a:prstGeom prst="rect">
+            <a:avLst/>
+          </a:prstGeom>
           <a:effectLst>
             <a:outerShdw blurRad="50800" dist="38100" dir="2700000" algn="tl" rotWithShape="0">
               <a:prstClr val="black">
@@ -16188,27 +16404,13 @@
             </a:outerShdw>
           </a:effectLst>
         </p:spPr>
-        <p:style>
-          <a:lnRef idx="1">
-            <a:schemeClr val="accent1"/>
-          </a:lnRef>
-          <a:fillRef idx="0">
-            <a:schemeClr val="accent1"/>
-          </a:fillRef>
-          <a:effectRef idx="0">
-            <a:schemeClr val="accent1"/>
-          </a:effectRef>
-          <a:fontRef idx="minor">
-            <a:schemeClr val="tx1"/>
-          </a:fontRef>
-        </p:style>
-      </p:cxnSp>
+      </p:pic>
       <p:pic>
         <p:nvPicPr>
-          <p:cNvPr id="25" name="Graphic 24" descr="Database with solid fill">
-            <a:extLst>
-              <a:ext uri="{FF2B5EF4-FFF2-40B4-BE49-F238E27FC236}">
-                <a16:creationId xmlns:a16="http://schemas.microsoft.com/office/drawing/2014/main" id="{8766C252-DD24-414C-9A48-CDE42FD9725B}"/>
+          <p:cNvPr id="27" name="Graphic 26" descr="Database with solid fill">
+            <a:extLst>
+              <a:ext uri="{FF2B5EF4-FFF2-40B4-BE49-F238E27FC236}">
+                <a16:creationId xmlns:a16="http://schemas.microsoft.com/office/drawing/2014/main" id="{5447C2F5-9D03-5A4E-B35F-854EADE2644A}"/>
               </a:ext>
             </a:extLst>
           </p:cNvPr>
@@ -16231,7 +16433,7 @@
         </p:blipFill>
         <p:spPr>
           <a:xfrm>
-            <a:off x="7394760" y="2628934"/>
+            <a:off x="8843708" y="2707590"/>
             <a:ext cx="899398" cy="760309"/>
           </a:xfrm>
           <a:prstGeom prst="rect">
@@ -16246,737 +16448,6 @@
           </a:effectLst>
         </p:spPr>
       </p:pic>
-      <p:pic>
-        <p:nvPicPr>
-          <p:cNvPr id="26" name="Graphic 25" descr="Database with solid fill">
-            <a:extLst>
-              <a:ext uri="{FF2B5EF4-FFF2-40B4-BE49-F238E27FC236}">
-                <a16:creationId xmlns:a16="http://schemas.microsoft.com/office/drawing/2014/main" id="{E6A94A0A-CAB8-9B46-9E3D-3248680FD288}"/>
-              </a:ext>
-            </a:extLst>
-          </p:cNvPr>
-          <p:cNvPicPr>
-            <a:picLocks noChangeAspect="1"/>
-          </p:cNvPicPr>
-          <p:nvPr/>
-        </p:nvPicPr>
-        <p:blipFill>
-          <a:blip r:embed="rId4">
-            <a:extLst>
-              <a:ext uri="{96DAC541-7B7A-43D3-8B79-37D633B846F1}">
-                <asvg:svgBlip xmlns:asvg="http://schemas.microsoft.com/office/drawing/2016/SVG/main" r:embed="rId5"/>
-              </a:ext>
-            </a:extLst>
-          </a:blip>
-          <a:stretch>
-            <a:fillRect/>
-          </a:stretch>
-        </p:blipFill>
-        <p:spPr>
-          <a:xfrm>
-            <a:off x="8126640" y="2628934"/>
-            <a:ext cx="899398" cy="760309"/>
-          </a:xfrm>
-          <a:prstGeom prst="rect">
-            <a:avLst/>
-          </a:prstGeom>
-          <a:effectLst>
-            <a:outerShdw blurRad="50800" dist="38100" dir="2700000" algn="tl" rotWithShape="0">
-              <a:prstClr val="black">
-                <a:alpha val="40000"/>
-              </a:prstClr>
-            </a:outerShdw>
-          </a:effectLst>
-        </p:spPr>
-      </p:pic>
-      <p:pic>
-        <p:nvPicPr>
-          <p:cNvPr id="27" name="Graphic 26" descr="Database with solid fill">
-            <a:extLst>
-              <a:ext uri="{FF2B5EF4-FFF2-40B4-BE49-F238E27FC236}">
-                <a16:creationId xmlns:a16="http://schemas.microsoft.com/office/drawing/2014/main" id="{5447C2F5-9D03-5A4E-B35F-854EADE2644A}"/>
-              </a:ext>
-            </a:extLst>
-          </p:cNvPr>
-          <p:cNvPicPr>
-            <a:picLocks noChangeAspect="1"/>
-          </p:cNvPicPr>
-          <p:nvPr/>
-        </p:nvPicPr>
-        <p:blipFill>
-          <a:blip r:embed="rId4">
-            <a:extLst>
-              <a:ext uri="{96DAC541-7B7A-43D3-8B79-37D633B846F1}">
-                <asvg:svgBlip xmlns:asvg="http://schemas.microsoft.com/office/drawing/2016/SVG/main" r:embed="rId5"/>
-              </a:ext>
-            </a:extLst>
-          </a:blip>
-          <a:stretch>
-            <a:fillRect/>
-          </a:stretch>
-        </p:blipFill>
-        <p:spPr>
-          <a:xfrm>
-            <a:off x="8843708" y="2628934"/>
-            <a:ext cx="899398" cy="760309"/>
-          </a:xfrm>
-          <a:prstGeom prst="rect">
-            <a:avLst/>
-          </a:prstGeom>
-          <a:effectLst>
-            <a:outerShdw blurRad="50800" dist="38100" dir="2700000" algn="tl" rotWithShape="0">
-              <a:prstClr val="black">
-                <a:alpha val="40000"/>
-              </a:prstClr>
-            </a:outerShdw>
-          </a:effectLst>
-        </p:spPr>
-      </p:pic>
-      <p:sp>
-        <p:nvSpPr>
-          <p:cNvPr id="50" name="TextBox 49">
-            <a:extLst>
-              <a:ext uri="{FF2B5EF4-FFF2-40B4-BE49-F238E27FC236}">
-                <a16:creationId xmlns:a16="http://schemas.microsoft.com/office/drawing/2014/main" id="{2806B783-C2DD-474C-9BF0-806082EE26F9}"/>
-              </a:ext>
-            </a:extLst>
-          </p:cNvPr>
-          <p:cNvSpPr txBox="1"/>
-          <p:nvPr/>
-        </p:nvSpPr>
-        <p:spPr>
-          <a:xfrm>
-            <a:off x="8126640" y="2216776"/>
-            <a:ext cx="893578" cy="369332"/>
-          </a:xfrm>
-          <a:prstGeom prst="rect">
-            <a:avLst/>
-          </a:prstGeom>
-          <a:solidFill>
-            <a:schemeClr val="bg1"/>
-          </a:solidFill>
-          <a:ln w="25400">
-            <a:noFill/>
-            <a:prstDash val="dash"/>
-            <a:extLst>
-              <a:ext uri="{C807C97D-BFC1-408E-A445-0C87EB9F89A2}">
-                <ask:lineSketchStyleProps xmlns:ask="http://schemas.microsoft.com/office/drawing/2018/sketchyshapes" sd="782294884">
-                  <a:custGeom>
-                    <a:avLst/>
-                    <a:gdLst>
-                      <a:gd name="connsiteX0" fmla="*/ 0 w 893578"/>
-                      <a:gd name="connsiteY0" fmla="*/ 0 h 369332"/>
-                      <a:gd name="connsiteX1" fmla="*/ 446789 w 893578"/>
-                      <a:gd name="connsiteY1" fmla="*/ 0 h 369332"/>
-                      <a:gd name="connsiteX2" fmla="*/ 893578 w 893578"/>
-                      <a:gd name="connsiteY2" fmla="*/ 0 h 369332"/>
-                      <a:gd name="connsiteX3" fmla="*/ 893578 w 893578"/>
-                      <a:gd name="connsiteY3" fmla="*/ 369332 h 369332"/>
-                      <a:gd name="connsiteX4" fmla="*/ 464661 w 893578"/>
-                      <a:gd name="connsiteY4" fmla="*/ 369332 h 369332"/>
-                      <a:gd name="connsiteX5" fmla="*/ 0 w 893578"/>
-                      <a:gd name="connsiteY5" fmla="*/ 369332 h 369332"/>
-                      <a:gd name="connsiteX6" fmla="*/ 0 w 893578"/>
-                      <a:gd name="connsiteY6" fmla="*/ 0 h 369332"/>
-                    </a:gdLst>
-                    <a:ahLst/>
-                    <a:cxnLst>
-                      <a:cxn ang="0">
-                        <a:pos x="connsiteX0" y="connsiteY0"/>
-                      </a:cxn>
-                      <a:cxn ang="0">
-                        <a:pos x="connsiteX1" y="connsiteY1"/>
-                      </a:cxn>
-                      <a:cxn ang="0">
-                        <a:pos x="connsiteX2" y="connsiteY2"/>
-                      </a:cxn>
-                      <a:cxn ang="0">
-                        <a:pos x="connsiteX3" y="connsiteY3"/>
-                      </a:cxn>
-                      <a:cxn ang="0">
-                        <a:pos x="connsiteX4" y="connsiteY4"/>
-                      </a:cxn>
-                      <a:cxn ang="0">
-                        <a:pos x="connsiteX5" y="connsiteY5"/>
-                      </a:cxn>
-                      <a:cxn ang="0">
-                        <a:pos x="connsiteX6" y="connsiteY6"/>
-                      </a:cxn>
-                    </a:cxnLst>
-                    <a:rect l="l" t="t" r="r" b="b"/>
-                    <a:pathLst>
-                      <a:path w="893578" h="369332" extrusionOk="0">
-                        <a:moveTo>
-                          <a:pt x="0" y="0"/>
-                        </a:moveTo>
-                        <a:cubicBezTo>
-                          <a:pt x="142787" y="-16109"/>
-                          <a:pt x="283046" y="42267"/>
-                          <a:pt x="446789" y="0"/>
-                        </a:cubicBezTo>
-                        <a:cubicBezTo>
-                          <a:pt x="610532" y="-42267"/>
-                          <a:pt x="770228" y="19949"/>
-                          <a:pt x="893578" y="0"/>
-                        </a:cubicBezTo>
-                        <a:cubicBezTo>
-                          <a:pt x="922108" y="151996"/>
-                          <a:pt x="857949" y="248314"/>
-                          <a:pt x="893578" y="369332"/>
-                        </a:cubicBezTo>
-                        <a:cubicBezTo>
-                          <a:pt x="707518" y="380739"/>
-                          <a:pt x="577777" y="335046"/>
-                          <a:pt x="464661" y="369332"/>
-                        </a:cubicBezTo>
-                        <a:cubicBezTo>
-                          <a:pt x="351545" y="403618"/>
-                          <a:pt x="185569" y="364727"/>
-                          <a:pt x="0" y="369332"/>
-                        </a:cubicBezTo>
-                        <a:cubicBezTo>
-                          <a:pt x="-40490" y="217775"/>
-                          <a:pt x="3462" y="152578"/>
-                          <a:pt x="0" y="0"/>
-                        </a:cubicBezTo>
-                        <a:close/>
-                      </a:path>
-                    </a:pathLst>
-                  </a:custGeom>
-                  <ask:type>
-                    <ask:lineSketchNone/>
-                  </ask:type>
-                </ask:lineSketchStyleProps>
-              </a:ext>
-            </a:extLst>
-          </a:ln>
-          <a:effectLst/>
-        </p:spPr>
-        <p:style>
-          <a:lnRef idx="1">
-            <a:schemeClr val="accent2"/>
-          </a:lnRef>
-          <a:fillRef idx="2">
-            <a:schemeClr val="accent2"/>
-          </a:fillRef>
-          <a:effectRef idx="1">
-            <a:schemeClr val="accent2"/>
-          </a:effectRef>
-          <a:fontRef idx="minor">
-            <a:schemeClr val="dk1"/>
-          </a:fontRef>
-        </p:style>
-        <p:txBody>
-          <a:bodyPr wrap="none" rtlCol="0">
-            <a:spAutoFit/>
-          </a:bodyPr>
-          <a:lstStyle/>
-          <a:p>
-            <a:r>
-              <a:rPr lang="en-US" dirty="0">
-                <a:solidFill>
-                  <a:schemeClr val="tx1"/>
-                </a:solidFill>
-              </a:rPr>
-              <a:t>Metrics</a:t>
-            </a:r>
-          </a:p>
-        </p:txBody>
-      </p:sp>
-      <p:sp>
-        <p:nvSpPr>
-          <p:cNvPr id="63" name="TextBox 62">
-            <a:extLst>
-              <a:ext uri="{FF2B5EF4-FFF2-40B4-BE49-F238E27FC236}">
-                <a16:creationId xmlns:a16="http://schemas.microsoft.com/office/drawing/2014/main" id="{3E0FC322-544B-A442-B870-657319CD8156}"/>
-              </a:ext>
-            </a:extLst>
-          </p:cNvPr>
-          <p:cNvSpPr txBox="1"/>
-          <p:nvPr/>
-        </p:nvSpPr>
-        <p:spPr>
-          <a:xfrm>
-            <a:off x="4191025" y="2216776"/>
-            <a:ext cx="3123174" cy="369332"/>
-          </a:xfrm>
-          <a:prstGeom prst="rect">
-            <a:avLst/>
-          </a:prstGeom>
-          <a:solidFill>
-            <a:schemeClr val="bg1"/>
-          </a:solidFill>
-          <a:ln w="25400">
-            <a:noFill/>
-            <a:prstDash val="dash"/>
-            <a:extLst>
-              <a:ext uri="{C807C97D-BFC1-408E-A445-0C87EB9F89A2}">
-                <ask:lineSketchStyleProps xmlns:ask="http://schemas.microsoft.com/office/drawing/2018/sketchyshapes" sd="782294884">
-                  <a:custGeom>
-                    <a:avLst/>
-                    <a:gdLst>
-                      <a:gd name="connsiteX0" fmla="*/ 0 w 1537409"/>
-                      <a:gd name="connsiteY0" fmla="*/ 0 h 369332"/>
-                      <a:gd name="connsiteX1" fmla="*/ 481721 w 1537409"/>
-                      <a:gd name="connsiteY1" fmla="*/ 0 h 369332"/>
-                      <a:gd name="connsiteX2" fmla="*/ 1009565 w 1537409"/>
-                      <a:gd name="connsiteY2" fmla="*/ 0 h 369332"/>
-                      <a:gd name="connsiteX3" fmla="*/ 1537409 w 1537409"/>
-                      <a:gd name="connsiteY3" fmla="*/ 0 h 369332"/>
-                      <a:gd name="connsiteX4" fmla="*/ 1537409 w 1537409"/>
-                      <a:gd name="connsiteY4" fmla="*/ 369332 h 369332"/>
-                      <a:gd name="connsiteX5" fmla="*/ 1009565 w 1537409"/>
-                      <a:gd name="connsiteY5" fmla="*/ 369332 h 369332"/>
-                      <a:gd name="connsiteX6" fmla="*/ 543218 w 1537409"/>
-                      <a:gd name="connsiteY6" fmla="*/ 369332 h 369332"/>
-                      <a:gd name="connsiteX7" fmla="*/ 0 w 1537409"/>
-                      <a:gd name="connsiteY7" fmla="*/ 369332 h 369332"/>
-                      <a:gd name="connsiteX8" fmla="*/ 0 w 1537409"/>
-                      <a:gd name="connsiteY8" fmla="*/ 0 h 369332"/>
-                    </a:gdLst>
-                    <a:ahLst/>
-                    <a:cxnLst>
-                      <a:cxn ang="0">
-                        <a:pos x="connsiteX0" y="connsiteY0"/>
-                      </a:cxn>
-                      <a:cxn ang="0">
-                        <a:pos x="connsiteX1" y="connsiteY1"/>
-                      </a:cxn>
-                      <a:cxn ang="0">
-                        <a:pos x="connsiteX2" y="connsiteY2"/>
-                      </a:cxn>
-                      <a:cxn ang="0">
-                        <a:pos x="connsiteX3" y="connsiteY3"/>
-                      </a:cxn>
-                      <a:cxn ang="0">
-                        <a:pos x="connsiteX4" y="connsiteY4"/>
-                      </a:cxn>
-                      <a:cxn ang="0">
-                        <a:pos x="connsiteX5" y="connsiteY5"/>
-                      </a:cxn>
-                      <a:cxn ang="0">
-                        <a:pos x="connsiteX6" y="connsiteY6"/>
-                      </a:cxn>
-                      <a:cxn ang="0">
-                        <a:pos x="connsiteX7" y="connsiteY7"/>
-                      </a:cxn>
-                      <a:cxn ang="0">
-                        <a:pos x="connsiteX8" y="connsiteY8"/>
-                      </a:cxn>
-                    </a:cxnLst>
-                    <a:rect l="l" t="t" r="r" b="b"/>
-                    <a:pathLst>
-                      <a:path w="1537409" h="369332" fill="none" extrusionOk="0">
-                        <a:moveTo>
-                          <a:pt x="0" y="0"/>
-                        </a:moveTo>
-                        <a:cubicBezTo>
-                          <a:pt x="155362" y="-56701"/>
-                          <a:pt x="363640" y="49336"/>
-                          <a:pt x="481721" y="0"/>
-                        </a:cubicBezTo>
-                        <a:cubicBezTo>
-                          <a:pt x="599802" y="-49336"/>
-                          <a:pt x="848544" y="37654"/>
-                          <a:pt x="1009565" y="0"/>
-                        </a:cubicBezTo>
-                        <a:cubicBezTo>
-                          <a:pt x="1170586" y="-37654"/>
-                          <a:pt x="1309178" y="17923"/>
-                          <a:pt x="1537409" y="0"/>
-                        </a:cubicBezTo>
-                        <a:cubicBezTo>
-                          <a:pt x="1570975" y="107938"/>
-                          <a:pt x="1499809" y="189506"/>
-                          <a:pt x="1537409" y="369332"/>
-                        </a:cubicBezTo>
-                        <a:cubicBezTo>
-                          <a:pt x="1424407" y="420502"/>
-                          <a:pt x="1200757" y="329514"/>
-                          <a:pt x="1009565" y="369332"/>
-                        </a:cubicBezTo>
-                        <a:cubicBezTo>
-                          <a:pt x="818373" y="409150"/>
-                          <a:pt x="762352" y="319542"/>
-                          <a:pt x="543218" y="369332"/>
-                        </a:cubicBezTo>
-                        <a:cubicBezTo>
-                          <a:pt x="324084" y="419122"/>
-                          <a:pt x="115590" y="343417"/>
-                          <a:pt x="0" y="369332"/>
-                        </a:cubicBezTo>
-                        <a:cubicBezTo>
-                          <a:pt x="-6441" y="199572"/>
-                          <a:pt x="18628" y="158460"/>
-                          <a:pt x="0" y="0"/>
-                        </a:cubicBezTo>
-                        <a:close/>
-                      </a:path>
-                      <a:path w="1537409" h="369332" stroke="0" extrusionOk="0">
-                        <a:moveTo>
-                          <a:pt x="0" y="0"/>
-                        </a:moveTo>
-                        <a:cubicBezTo>
-                          <a:pt x="171634" y="-34307"/>
-                          <a:pt x="373992" y="51161"/>
-                          <a:pt x="512470" y="0"/>
-                        </a:cubicBezTo>
-                        <a:cubicBezTo>
-                          <a:pt x="650948" y="-51161"/>
-                          <a:pt x="930414" y="47427"/>
-                          <a:pt x="1055688" y="0"/>
-                        </a:cubicBezTo>
-                        <a:cubicBezTo>
-                          <a:pt x="1180962" y="-47427"/>
-                          <a:pt x="1330773" y="33344"/>
-                          <a:pt x="1537409" y="0"/>
-                        </a:cubicBezTo>
-                        <a:cubicBezTo>
-                          <a:pt x="1566936" y="178475"/>
-                          <a:pt x="1519340" y="281449"/>
-                          <a:pt x="1537409" y="369332"/>
-                        </a:cubicBezTo>
-                        <a:cubicBezTo>
-                          <a:pt x="1431063" y="403747"/>
-                          <a:pt x="1210566" y="351189"/>
-                          <a:pt x="1071062" y="369332"/>
-                        </a:cubicBezTo>
-                        <a:cubicBezTo>
-                          <a:pt x="931558" y="387475"/>
-                          <a:pt x="667380" y="320078"/>
-                          <a:pt x="558592" y="369332"/>
-                        </a:cubicBezTo>
-                        <a:cubicBezTo>
-                          <a:pt x="449804" y="418586"/>
-                          <a:pt x="264858" y="351273"/>
-                          <a:pt x="0" y="369332"/>
-                        </a:cubicBezTo>
-                        <a:cubicBezTo>
-                          <a:pt x="-41856" y="295339"/>
-                          <a:pt x="13517" y="78560"/>
-                          <a:pt x="0" y="0"/>
-                        </a:cubicBezTo>
-                        <a:close/>
-                      </a:path>
-                    </a:pathLst>
-                  </a:custGeom>
-                  <ask:type>
-                    <ask:lineSketchNone/>
-                  </ask:type>
-                </ask:lineSketchStyleProps>
-              </a:ext>
-            </a:extLst>
-          </a:ln>
-          <a:effectLst/>
-        </p:spPr>
-        <p:style>
-          <a:lnRef idx="1">
-            <a:schemeClr val="accent2"/>
-          </a:lnRef>
-          <a:fillRef idx="2">
-            <a:schemeClr val="accent2"/>
-          </a:fillRef>
-          <a:effectRef idx="1">
-            <a:schemeClr val="accent2"/>
-          </a:effectRef>
-          <a:fontRef idx="minor">
-            <a:schemeClr val="dk1"/>
-          </a:fontRef>
-        </p:style>
-        <p:txBody>
-          <a:bodyPr wrap="square" rtlCol="0">
-            <a:spAutoFit/>
-          </a:bodyPr>
-          <a:lstStyle/>
-          <a:p>
-            <a:r>
-              <a:rPr lang="en-US" dirty="0">
-                <a:solidFill>
-                  <a:schemeClr val="tx1"/>
-                </a:solidFill>
-              </a:rPr>
-              <a:t>Progressive delivery and rollout</a:t>
-            </a:r>
-          </a:p>
-        </p:txBody>
-      </p:sp>
-      <p:sp>
-        <p:nvSpPr>
-          <p:cNvPr id="64" name="TextBox 63">
-            <a:extLst>
-              <a:ext uri="{FF2B5EF4-FFF2-40B4-BE49-F238E27FC236}">
-                <a16:creationId xmlns:a16="http://schemas.microsoft.com/office/drawing/2014/main" id="{9489B5DE-12E1-6547-A830-3240102949ED}"/>
-              </a:ext>
-            </a:extLst>
-          </p:cNvPr>
-          <p:cNvSpPr txBox="1"/>
-          <p:nvPr/>
-        </p:nvSpPr>
-        <p:spPr>
-          <a:xfrm>
-            <a:off x="6839666" y="5054614"/>
-            <a:ext cx="624595" cy="369332"/>
-          </a:xfrm>
-          <a:prstGeom prst="rect">
-            <a:avLst/>
-          </a:prstGeom>
-          <a:solidFill>
-            <a:schemeClr val="bg1"/>
-          </a:solidFill>
-          <a:ln w="25400">
-            <a:noFill/>
-            <a:prstDash val="dash"/>
-            <a:extLst>
-              <a:ext uri="{C807C97D-BFC1-408E-A445-0C87EB9F89A2}">
-                <ask:lineSketchStyleProps xmlns:ask="http://schemas.microsoft.com/office/drawing/2018/sketchyshapes" sd="782294884">
-                  <a:custGeom>
-                    <a:avLst/>
-                    <a:gdLst>
-                      <a:gd name="connsiteX0" fmla="*/ 0 w 2885918"/>
-                      <a:gd name="connsiteY0" fmla="*/ 0 h 369332"/>
-                      <a:gd name="connsiteX1" fmla="*/ 634902 w 2885918"/>
-                      <a:gd name="connsiteY1" fmla="*/ 0 h 369332"/>
-                      <a:gd name="connsiteX2" fmla="*/ 1154367 w 2885918"/>
-                      <a:gd name="connsiteY2" fmla="*/ 0 h 369332"/>
-                      <a:gd name="connsiteX3" fmla="*/ 1644973 w 2885918"/>
-                      <a:gd name="connsiteY3" fmla="*/ 0 h 369332"/>
-                      <a:gd name="connsiteX4" fmla="*/ 2164439 w 2885918"/>
-                      <a:gd name="connsiteY4" fmla="*/ 0 h 369332"/>
-                      <a:gd name="connsiteX5" fmla="*/ 2885918 w 2885918"/>
-                      <a:gd name="connsiteY5" fmla="*/ 0 h 369332"/>
-                      <a:gd name="connsiteX6" fmla="*/ 2885918 w 2885918"/>
-                      <a:gd name="connsiteY6" fmla="*/ 369332 h 369332"/>
-                      <a:gd name="connsiteX7" fmla="*/ 2366453 w 2885918"/>
-                      <a:gd name="connsiteY7" fmla="*/ 369332 h 369332"/>
-                      <a:gd name="connsiteX8" fmla="*/ 1789269 w 2885918"/>
-                      <a:gd name="connsiteY8" fmla="*/ 369332 h 369332"/>
-                      <a:gd name="connsiteX9" fmla="*/ 1298663 w 2885918"/>
-                      <a:gd name="connsiteY9" fmla="*/ 369332 h 369332"/>
-                      <a:gd name="connsiteX10" fmla="*/ 663761 w 2885918"/>
-                      <a:gd name="connsiteY10" fmla="*/ 369332 h 369332"/>
-                      <a:gd name="connsiteX11" fmla="*/ 0 w 2885918"/>
-                      <a:gd name="connsiteY11" fmla="*/ 369332 h 369332"/>
-                      <a:gd name="connsiteX12" fmla="*/ 0 w 2885918"/>
-                      <a:gd name="connsiteY12" fmla="*/ 0 h 369332"/>
-                    </a:gdLst>
-                    <a:ahLst/>
-                    <a:cxnLst>
-                      <a:cxn ang="0">
-                        <a:pos x="connsiteX0" y="connsiteY0"/>
-                      </a:cxn>
-                      <a:cxn ang="0">
-                        <a:pos x="connsiteX1" y="connsiteY1"/>
-                      </a:cxn>
-                      <a:cxn ang="0">
-                        <a:pos x="connsiteX2" y="connsiteY2"/>
-                      </a:cxn>
-                      <a:cxn ang="0">
-                        <a:pos x="connsiteX3" y="connsiteY3"/>
-                      </a:cxn>
-                      <a:cxn ang="0">
-                        <a:pos x="connsiteX4" y="connsiteY4"/>
-                      </a:cxn>
-                      <a:cxn ang="0">
-                        <a:pos x="connsiteX5" y="connsiteY5"/>
-                      </a:cxn>
-                      <a:cxn ang="0">
-                        <a:pos x="connsiteX6" y="connsiteY6"/>
-                      </a:cxn>
-                      <a:cxn ang="0">
-                        <a:pos x="connsiteX7" y="connsiteY7"/>
-                      </a:cxn>
-                      <a:cxn ang="0">
-                        <a:pos x="connsiteX8" y="connsiteY8"/>
-                      </a:cxn>
-                      <a:cxn ang="0">
-                        <a:pos x="connsiteX9" y="connsiteY9"/>
-                      </a:cxn>
-                      <a:cxn ang="0">
-                        <a:pos x="connsiteX10" y="connsiteY10"/>
-                      </a:cxn>
-                      <a:cxn ang="0">
-                        <a:pos x="connsiteX11" y="connsiteY11"/>
-                      </a:cxn>
-                      <a:cxn ang="0">
-                        <a:pos x="connsiteX12" y="connsiteY12"/>
-                      </a:cxn>
-                    </a:cxnLst>
-                    <a:rect l="l" t="t" r="r" b="b"/>
-                    <a:pathLst>
-                      <a:path w="2885918" h="369332" fill="none" extrusionOk="0">
-                        <a:moveTo>
-                          <a:pt x="0" y="0"/>
-                        </a:moveTo>
-                        <a:cubicBezTo>
-                          <a:pt x="171417" y="-31706"/>
-                          <a:pt x="337801" y="36178"/>
-                          <a:pt x="634902" y="0"/>
-                        </a:cubicBezTo>
-                        <a:cubicBezTo>
-                          <a:pt x="932003" y="-36178"/>
-                          <a:pt x="901217" y="56127"/>
-                          <a:pt x="1154367" y="0"/>
-                        </a:cubicBezTo>
-                        <a:cubicBezTo>
-                          <a:pt x="1407518" y="-56127"/>
-                          <a:pt x="1495560" y="36776"/>
-                          <a:pt x="1644973" y="0"/>
-                        </a:cubicBezTo>
-                        <a:cubicBezTo>
-                          <a:pt x="1794386" y="-36776"/>
-                          <a:pt x="1907384" y="60700"/>
-                          <a:pt x="2164439" y="0"/>
-                        </a:cubicBezTo>
-                        <a:cubicBezTo>
-                          <a:pt x="2421494" y="-60700"/>
-                          <a:pt x="2554115" y="49253"/>
-                          <a:pt x="2885918" y="0"/>
-                        </a:cubicBezTo>
-                        <a:cubicBezTo>
-                          <a:pt x="2911610" y="100073"/>
-                          <a:pt x="2846198" y="240427"/>
-                          <a:pt x="2885918" y="369332"/>
-                        </a:cubicBezTo>
-                        <a:cubicBezTo>
-                          <a:pt x="2776219" y="388164"/>
-                          <a:pt x="2504514" y="322358"/>
-                          <a:pt x="2366453" y="369332"/>
-                        </a:cubicBezTo>
-                        <a:cubicBezTo>
-                          <a:pt x="2228392" y="416306"/>
-                          <a:pt x="2048963" y="334415"/>
-                          <a:pt x="1789269" y="369332"/>
-                        </a:cubicBezTo>
-                        <a:cubicBezTo>
-                          <a:pt x="1529575" y="404249"/>
-                          <a:pt x="1504778" y="333064"/>
-                          <a:pt x="1298663" y="369332"/>
-                        </a:cubicBezTo>
-                        <a:cubicBezTo>
-                          <a:pt x="1092548" y="405600"/>
-                          <a:pt x="864702" y="299363"/>
-                          <a:pt x="663761" y="369332"/>
-                        </a:cubicBezTo>
-                        <a:cubicBezTo>
-                          <a:pt x="462820" y="439301"/>
-                          <a:pt x="163755" y="327827"/>
-                          <a:pt x="0" y="369332"/>
-                        </a:cubicBezTo>
-                        <a:cubicBezTo>
-                          <a:pt x="-41689" y="286678"/>
-                          <a:pt x="26989" y="130919"/>
-                          <a:pt x="0" y="0"/>
-                        </a:cubicBezTo>
-                        <a:close/>
-                      </a:path>
-                      <a:path w="2885918" h="369332" stroke="0" extrusionOk="0">
-                        <a:moveTo>
-                          <a:pt x="0" y="0"/>
-                        </a:moveTo>
-                        <a:cubicBezTo>
-                          <a:pt x="254133" y="-51873"/>
-                          <a:pt x="366624" y="60449"/>
-                          <a:pt x="577184" y="0"/>
-                        </a:cubicBezTo>
-                        <a:cubicBezTo>
-                          <a:pt x="787744" y="-60449"/>
-                          <a:pt x="1076126" y="71719"/>
-                          <a:pt x="1212086" y="0"/>
-                        </a:cubicBezTo>
-                        <a:cubicBezTo>
-                          <a:pt x="1348046" y="-71719"/>
-                          <a:pt x="1490303" y="23200"/>
-                          <a:pt x="1702692" y="0"/>
-                        </a:cubicBezTo>
-                        <a:cubicBezTo>
-                          <a:pt x="1915081" y="-23200"/>
-                          <a:pt x="2068321" y="51276"/>
-                          <a:pt x="2222157" y="0"/>
-                        </a:cubicBezTo>
-                        <a:cubicBezTo>
-                          <a:pt x="2375994" y="-51276"/>
-                          <a:pt x="2682258" y="70898"/>
-                          <a:pt x="2885918" y="0"/>
-                        </a:cubicBezTo>
-                        <a:cubicBezTo>
-                          <a:pt x="2886098" y="169803"/>
-                          <a:pt x="2860970" y="229594"/>
-                          <a:pt x="2885918" y="369332"/>
-                        </a:cubicBezTo>
-                        <a:cubicBezTo>
-                          <a:pt x="2609893" y="434375"/>
-                          <a:pt x="2554971" y="310903"/>
-                          <a:pt x="2308734" y="369332"/>
-                        </a:cubicBezTo>
-                        <a:cubicBezTo>
-                          <a:pt x="2062497" y="427761"/>
-                          <a:pt x="1880129" y="349109"/>
-                          <a:pt x="1760410" y="369332"/>
-                        </a:cubicBezTo>
-                        <a:cubicBezTo>
-                          <a:pt x="1640691" y="389555"/>
-                          <a:pt x="1471099" y="322289"/>
-                          <a:pt x="1183226" y="369332"/>
-                        </a:cubicBezTo>
-                        <a:cubicBezTo>
-                          <a:pt x="895353" y="416375"/>
-                          <a:pt x="781953" y="329885"/>
-                          <a:pt x="663761" y="369332"/>
-                        </a:cubicBezTo>
-                        <a:cubicBezTo>
-                          <a:pt x="545569" y="408779"/>
-                          <a:pt x="258769" y="349421"/>
-                          <a:pt x="0" y="369332"/>
-                        </a:cubicBezTo>
-                        <a:cubicBezTo>
-                          <a:pt x="-2547" y="200812"/>
-                          <a:pt x="29959" y="96418"/>
-                          <a:pt x="0" y="0"/>
-                        </a:cubicBezTo>
-                        <a:close/>
-                      </a:path>
-                    </a:pathLst>
-                  </a:custGeom>
-                  <ask:type>
-                    <ask:lineSketchNone/>
-                  </ask:type>
-                </ask:lineSketchStyleProps>
-              </a:ext>
-            </a:extLst>
-          </a:ln>
-          <a:effectLst/>
-        </p:spPr>
-        <p:style>
-          <a:lnRef idx="1">
-            <a:schemeClr val="accent2"/>
-          </a:lnRef>
-          <a:fillRef idx="2">
-            <a:schemeClr val="accent2"/>
-          </a:fillRef>
-          <a:effectRef idx="1">
-            <a:schemeClr val="accent2"/>
-          </a:effectRef>
-          <a:fontRef idx="minor">
-            <a:schemeClr val="dk1"/>
-          </a:fontRef>
-        </p:style>
-        <p:txBody>
-          <a:bodyPr wrap="none" rtlCol="0">
-            <a:spAutoFit/>
-          </a:bodyPr>
-          <a:lstStyle/>
-          <a:p>
-            <a:r>
-              <a:rPr lang="en-US" dirty="0">
-                <a:solidFill>
-                  <a:srgbClr val="C00000"/>
-                </a:solidFill>
-              </a:rPr>
-              <a:t>iter8</a:t>
-            </a:r>
-          </a:p>
-        </p:txBody>
-      </p:sp>
       <p:cxnSp>
         <p:nvCxnSpPr>
           <p:cNvPr id="19" name="Elbow Connector 18">
@@ -16996,7 +16467,7 @@
         <p:spPr>
           <a:xfrm rot="10800000">
             <a:off x="5768202" y="3847948"/>
-            <a:ext cx="926562" cy="699149"/>
+            <a:ext cx="926562" cy="512341"/>
           </a:xfrm>
           <a:prstGeom prst="bentConnector2">
             <a:avLst/>
@@ -17050,8 +16521,8 @@
         </p:nvCxnSpPr>
         <p:spPr>
           <a:xfrm rot="5400000">
-            <a:off x="7513826" y="3484582"/>
-            <a:ext cx="1157853" cy="967175"/>
+            <a:off x="7646558" y="3430506"/>
+            <a:ext cx="892389" cy="967175"/>
           </a:xfrm>
           <a:prstGeom prst="bentConnector2">
             <a:avLst/>
@@ -17195,7 +16666,7 @@
         </p:nvSpPr>
         <p:spPr>
           <a:xfrm>
-            <a:off x="6694764" y="4126963"/>
+            <a:off x="6694764" y="3940155"/>
             <a:ext cx="914400" cy="840266"/>
           </a:xfrm>
           <a:prstGeom prst="ellipse">
@@ -17206,16 +16677,17 @@
           </a:solidFill>
           <a:ln w="19050">
             <a:solidFill>
-              <a:schemeClr val="bg2">
+              <a:schemeClr val="accent1">
                 <a:lumMod val="75000"/>
               </a:schemeClr>
             </a:solidFill>
           </a:ln>
           <a:effectLst>
             <a:outerShdw blurRad="50800" dist="38100" dir="2700000" algn="tl" rotWithShape="0">
-              <a:prstClr val="black">
+              <a:schemeClr val="accent1">
+                <a:lumMod val="50000"/>
                 <a:alpha val="40000"/>
-              </a:prstClr>
+              </a:schemeClr>
             </a:outerShdw>
           </a:effectLst>
         </p:spPr>
@@ -17239,8 +16711,37 @@
           <a:bodyPr rtlCol="0" anchor="ctr"/>
           <a:lstStyle/>
           <a:p>
-            <a:pPr algn="ctr"/>
-            <a:endParaRPr lang="en-US"/>
+            <a:pPr marL="0" marR="0" lvl="0" indent="0" algn="ctr" defTabSz="914400" rtl="0" eaLnBrk="1" fontAlgn="auto" latinLnBrk="0" hangingPunct="1">
+              <a:lnSpc>
+                <a:spcPct val="100000"/>
+              </a:lnSpc>
+              <a:spcBef>
+                <a:spcPts val="0"/>
+              </a:spcBef>
+              <a:spcAft>
+                <a:spcPts val="0"/>
+              </a:spcAft>
+              <a:buClrTx/>
+              <a:buSzTx/>
+              <a:buFontTx/>
+              <a:buNone/>
+              <a:tabLst/>
+              <a:defRPr/>
+            </a:pPr>
+            <a:endParaRPr kumimoji="0" lang="en-US" sz="1800" b="0" i="0" u="none" strike="noStrike" kern="1200" cap="none" spc="0" normalizeH="0" baseline="0" noProof="0">
+              <a:ln>
+                <a:noFill/>
+              </a:ln>
+              <a:solidFill>
+                <a:prstClr val="white"/>
+              </a:solidFill>
+              <a:effectLst/>
+              <a:uLnTx/>
+              <a:uFillTx/>
+              <a:latin typeface="Calibri" panose="020F0502020204030204"/>
+              <a:ea typeface="+mn-ea"/>
+              <a:cs typeface="+mn-cs"/>
+            </a:endParaRPr>
           </a:p>
         </p:txBody>
       </p:sp>
@@ -17272,7 +16773,7 @@
         </p:blipFill>
         <p:spPr>
           <a:xfrm>
-            <a:off x="6819216" y="4214348"/>
+            <a:off x="6819216" y="4027540"/>
             <a:ext cx="665496" cy="665496"/>
           </a:xfrm>
           <a:prstGeom prst="rect">
@@ -17299,18 +16800,17 @@
           <p:cNvCxnSpPr>
             <a:cxnSpLocks/>
             <a:stCxn id="13" idx="3"/>
-            <a:endCxn id="50" idx="0"/>
           </p:cNvCxnSpPr>
           <p:nvPr/>
         </p:nvCxnSpPr>
         <p:spPr>
           <a:xfrm rot="16200000" flipH="1">
-            <a:off x="5855949" y="-500704"/>
-            <a:ext cx="1059541" cy="4375418"/>
+            <a:off x="5854199" y="-246821"/>
+            <a:ext cx="1056753" cy="4381705"/>
           </a:xfrm>
           <a:prstGeom prst="bentConnector3">
             <a:avLst>
-              <a:gd name="adj1" fmla="val -21575"/>
+              <a:gd name="adj1" fmla="val -21632"/>
             </a:avLst>
           </a:prstGeom>
           <a:ln w="25400">
@@ -17356,18 +16856,17 @@
           <p:cNvCxnSpPr>
             <a:cxnSpLocks/>
             <a:stCxn id="12" idx="3"/>
-            <a:endCxn id="50" idx="0"/>
           </p:cNvCxnSpPr>
           <p:nvPr/>
         </p:nvCxnSpPr>
         <p:spPr>
           <a:xfrm rot="16200000" flipH="1">
-            <a:off x="6640706" y="284053"/>
-            <a:ext cx="1059541" cy="2805904"/>
+            <a:off x="6638956" y="537936"/>
+            <a:ext cx="1056753" cy="2812191"/>
           </a:xfrm>
           <a:prstGeom prst="bentConnector3">
             <a:avLst>
-              <a:gd name="adj1" fmla="val -21575"/>
+              <a:gd name="adj1" fmla="val -21632"/>
             </a:avLst>
           </a:prstGeom>
           <a:ln w="25400">
@@ -17413,18 +16912,18 @@
           <p:cNvCxnSpPr>
             <a:cxnSpLocks/>
             <a:stCxn id="14" idx="3"/>
-            <a:endCxn id="50" idx="0"/>
+            <a:endCxn id="32" idx="0"/>
           </p:cNvCxnSpPr>
           <p:nvPr/>
         </p:nvCxnSpPr>
         <p:spPr>
           <a:xfrm rot="16200000" flipH="1">
-            <a:off x="7421366" y="1064714"/>
-            <a:ext cx="1059541" cy="1244583"/>
+            <a:off x="7524624" y="1213590"/>
+            <a:ext cx="854146" cy="1258277"/>
           </a:xfrm>
           <a:prstGeom prst="bentConnector3">
             <a:avLst>
-              <a:gd name="adj1" fmla="val -21575"/>
+              <a:gd name="adj1" fmla="val -26764"/>
             </a:avLst>
           </a:prstGeom>
           <a:ln w="25400">
@@ -17486,7 +16985,7 @@
         </p:blipFill>
         <p:spPr>
           <a:xfrm>
-            <a:off x="7383625" y="1131612"/>
+            <a:off x="6648457" y="1427748"/>
             <a:ext cx="570967" cy="570967"/>
           </a:xfrm>
           <a:prstGeom prst="rect">
@@ -17569,14 +17068,216 @@
           </a:bodyPr>
           <a:lstStyle/>
           <a:p>
-            <a:endParaRPr lang="en-US"/>
+            <a:pPr marL="0" marR="0" lvl="0" indent="0" algn="l" defTabSz="914400" rtl="0" eaLnBrk="1" fontAlgn="auto" latinLnBrk="0" hangingPunct="1">
+              <a:lnSpc>
+                <a:spcPct val="100000"/>
+              </a:lnSpc>
+              <a:spcBef>
+                <a:spcPts val="0"/>
+              </a:spcBef>
+              <a:spcAft>
+                <a:spcPts val="0"/>
+              </a:spcAft>
+              <a:buClrTx/>
+              <a:buSzTx/>
+              <a:buFontTx/>
+              <a:buNone/>
+              <a:tabLst/>
+              <a:defRPr/>
+            </a:pPr>
+            <a:endParaRPr kumimoji="0" lang="en-US" sz="1800" b="0" i="0" u="none" strike="noStrike" kern="1200" cap="none" spc="0" normalizeH="0" baseline="0" noProof="0">
+              <a:ln>
+                <a:noFill/>
+              </a:ln>
+              <a:solidFill>
+                <a:prstClr val="black"/>
+              </a:solidFill>
+              <a:effectLst/>
+              <a:uLnTx/>
+              <a:uFillTx/>
+              <a:latin typeface="Calibri" panose="020F0502020204030204"/>
+              <a:ea typeface="+mn-ea"/>
+              <a:cs typeface="+mn-cs"/>
+            </a:endParaRPr>
+          </a:p>
+        </p:txBody>
+      </p:sp>
+      <p:sp>
+        <p:nvSpPr>
+          <p:cNvPr id="6" name="Rounded Rectangle 5">
+            <a:extLst>
+              <a:ext uri="{FF2B5EF4-FFF2-40B4-BE49-F238E27FC236}">
+                <a16:creationId xmlns:a16="http://schemas.microsoft.com/office/drawing/2014/main" id="{C9FC81C6-BE87-0E4D-8CF9-6E4EB5688539}"/>
+              </a:ext>
+            </a:extLst>
+          </p:cNvPr>
+          <p:cNvSpPr/>
+          <p:nvPr/>
+        </p:nvSpPr>
+        <p:spPr>
+          <a:xfrm>
+            <a:off x="4122870" y="2156544"/>
+            <a:ext cx="3286702" cy="638672"/>
+          </a:xfrm>
+          <a:prstGeom prst="roundRect">
+            <a:avLst/>
+          </a:prstGeom>
+          <a:solidFill>
+            <a:schemeClr val="bg1"/>
+          </a:solidFill>
+        </p:spPr>
+        <p:style>
+          <a:lnRef idx="2">
+            <a:schemeClr val="accent1">
+              <a:shade val="50000"/>
+            </a:schemeClr>
+          </a:lnRef>
+          <a:fillRef idx="1">
+            <a:schemeClr val="accent1"/>
+          </a:fillRef>
+          <a:effectRef idx="0">
+            <a:schemeClr val="accent1"/>
+          </a:effectRef>
+          <a:fontRef idx="minor">
+            <a:schemeClr val="lt1"/>
+          </a:fontRef>
+        </p:style>
+        <p:txBody>
+          <a:bodyPr rtlCol="0" anchor="ctr"/>
+          <a:lstStyle/>
+          <a:p>
+            <a:pPr algn="ctr"/>
+            <a:r>
+              <a:rPr lang="en-US" dirty="0">
+                <a:solidFill>
+                  <a:schemeClr val="accent1">
+                    <a:lumMod val="50000"/>
+                  </a:schemeClr>
+                </a:solidFill>
+              </a:rPr>
+              <a:t>AI-powered validation, progressive delivery and rollout</a:t>
+            </a:r>
+          </a:p>
+        </p:txBody>
+      </p:sp>
+      <p:sp>
+        <p:nvSpPr>
+          <p:cNvPr id="32" name="Rounded Rectangle 31">
+            <a:extLst>
+              <a:ext uri="{FF2B5EF4-FFF2-40B4-BE49-F238E27FC236}">
+                <a16:creationId xmlns:a16="http://schemas.microsoft.com/office/drawing/2014/main" id="{9D9C5014-B702-3A41-B600-404AE9895C7C}"/>
+              </a:ext>
+            </a:extLst>
+          </p:cNvPr>
+          <p:cNvSpPr/>
+          <p:nvPr/>
+        </p:nvSpPr>
+        <p:spPr>
+          <a:xfrm>
+            <a:off x="7887662" y="2269801"/>
+            <a:ext cx="1386348" cy="412158"/>
+          </a:xfrm>
+          <a:prstGeom prst="roundRect">
+            <a:avLst/>
+          </a:prstGeom>
+          <a:solidFill>
+            <a:schemeClr val="bg1"/>
+          </a:solidFill>
+        </p:spPr>
+        <p:style>
+          <a:lnRef idx="2">
+            <a:schemeClr val="accent1">
+              <a:shade val="50000"/>
+            </a:schemeClr>
+          </a:lnRef>
+          <a:fillRef idx="1">
+            <a:schemeClr val="accent1"/>
+          </a:fillRef>
+          <a:effectRef idx="0">
+            <a:schemeClr val="accent1"/>
+          </a:effectRef>
+          <a:fontRef idx="minor">
+            <a:schemeClr val="lt1"/>
+          </a:fontRef>
+        </p:style>
+        <p:txBody>
+          <a:bodyPr rtlCol="0" anchor="ctr"/>
+          <a:lstStyle/>
+          <a:p>
+            <a:pPr algn="ctr"/>
+            <a:r>
+              <a:rPr lang="en-US" dirty="0">
+                <a:solidFill>
+                  <a:schemeClr val="accent1">
+                    <a:lumMod val="50000"/>
+                  </a:schemeClr>
+                </a:solidFill>
+              </a:rPr>
+              <a:t>Metrics</a:t>
+            </a:r>
+          </a:p>
+        </p:txBody>
+      </p:sp>
+      <p:sp>
+        <p:nvSpPr>
+          <p:cNvPr id="45" name="Rounded Rectangle 44">
+            <a:extLst>
+              <a:ext uri="{FF2B5EF4-FFF2-40B4-BE49-F238E27FC236}">
+                <a16:creationId xmlns:a16="http://schemas.microsoft.com/office/drawing/2014/main" id="{E78E87AF-38C8-8C40-A1D4-4E72C94048B6}"/>
+              </a:ext>
+            </a:extLst>
+          </p:cNvPr>
+          <p:cNvSpPr/>
+          <p:nvPr/>
+        </p:nvSpPr>
+        <p:spPr>
+          <a:xfrm>
+            <a:off x="6474158" y="4853357"/>
+            <a:ext cx="1386348" cy="412158"/>
+          </a:xfrm>
+          <a:prstGeom prst="roundRect">
+            <a:avLst/>
+          </a:prstGeom>
+          <a:solidFill>
+            <a:schemeClr val="bg1"/>
+          </a:solidFill>
+        </p:spPr>
+        <p:style>
+          <a:lnRef idx="2">
+            <a:schemeClr val="accent1">
+              <a:shade val="50000"/>
+            </a:schemeClr>
+          </a:lnRef>
+          <a:fillRef idx="1">
+            <a:schemeClr val="accent1"/>
+          </a:fillRef>
+          <a:effectRef idx="0">
+            <a:schemeClr val="accent1"/>
+          </a:effectRef>
+          <a:fontRef idx="minor">
+            <a:schemeClr val="lt1"/>
+          </a:fontRef>
+        </p:style>
+        <p:txBody>
+          <a:bodyPr rtlCol="0" anchor="ctr"/>
+          <a:lstStyle/>
+          <a:p>
+            <a:pPr algn="ctr"/>
+            <a:r>
+              <a:rPr lang="en-US" b="1" dirty="0">
+                <a:solidFill>
+                  <a:srgbClr val="C00000"/>
+                </a:solidFill>
+              </a:rPr>
+              <a:t>Iter8</a:t>
+            </a:r>
           </a:p>
         </p:txBody>
       </p:sp>
     </p:spTree>
     <p:extLst>
       <p:ext uri="{BB962C8B-B14F-4D97-AF65-F5344CB8AC3E}">
-        <p14:creationId xmlns:p14="http://schemas.microsoft.com/office/powerpoint/2010/main" val="533565767"/>
+        <p14:creationId xmlns:p14="http://schemas.microsoft.com/office/powerpoint/2010/main" val="3743011813"/>
       </p:ext>
     </p:extLst>
   </p:cSld>

--- a/mkdocs/src/assets/images/iter8++images.pptx
+++ b/mkdocs/src/assets/images/iter8++images.pptx
@@ -15681,7 +15681,7 @@
         </p:blipFill>
         <p:spPr>
           <a:xfrm>
-            <a:off x="3268440" y="3021711"/>
+            <a:off x="3709860" y="3021711"/>
             <a:ext cx="837897" cy="837897"/>
           </a:xfrm>
           <a:prstGeom prst="rect">
@@ -15713,7 +15713,7 @@
         </p:nvSpPr>
         <p:spPr>
           <a:xfrm>
-            <a:off x="4667857" y="3010051"/>
+            <a:off x="4920097" y="3010051"/>
             <a:ext cx="2200689" cy="837896"/>
           </a:xfrm>
           <a:prstGeom prst="roundRect">
@@ -15812,8 +15812,8 @@
         </p:nvCxnSpPr>
         <p:spPr>
           <a:xfrm flipV="1">
-            <a:off x="4106337" y="3428999"/>
-            <a:ext cx="561520" cy="11661"/>
+            <a:off x="4547757" y="3428999"/>
+            <a:ext cx="372340" cy="11661"/>
           </a:xfrm>
           <a:prstGeom prst="straightConnector1">
             <a:avLst/>
@@ -15863,7 +15863,7 @@
         </p:nvSpPr>
         <p:spPr>
           <a:xfrm>
-            <a:off x="5475754" y="1415655"/>
+            <a:off x="5738504" y="1415655"/>
             <a:ext cx="570967" cy="426142"/>
           </a:xfrm>
           <a:prstGeom prst="round2SameRect">
@@ -15964,7 +15964,7 @@
         </p:nvSpPr>
         <p:spPr>
           <a:xfrm>
-            <a:off x="3906240" y="1415655"/>
+            <a:off x="4369087" y="1409914"/>
             <a:ext cx="570967" cy="426142"/>
           </a:xfrm>
           <a:prstGeom prst="round2SameRect">
@@ -16065,7 +16065,7 @@
         </p:nvSpPr>
         <p:spPr>
           <a:xfrm>
-            <a:off x="7037075" y="1415655"/>
+            <a:off x="7088912" y="1415655"/>
             <a:ext cx="570967" cy="426142"/>
           </a:xfrm>
           <a:prstGeom prst="round2SameRect">
@@ -16170,8 +16170,8 @@
         </p:nvCxnSpPr>
         <p:spPr>
           <a:xfrm flipH="1" flipV="1">
-            <a:off x="4191724" y="1841797"/>
-            <a:ext cx="1576478" cy="1168254"/>
+            <a:off x="4654571" y="1836056"/>
+            <a:ext cx="1365871" cy="1173995"/>
           </a:xfrm>
           <a:prstGeom prst="straightConnector1">
             <a:avLst/>
@@ -16225,9 +16225,9 @@
           <p:nvPr/>
         </p:nvCxnSpPr>
         <p:spPr>
-          <a:xfrm flipH="1" flipV="1">
-            <a:off x="5761238" y="1841797"/>
-            <a:ext cx="6964" cy="1168254"/>
+          <a:xfrm flipV="1">
+            <a:off x="6020442" y="1841797"/>
+            <a:ext cx="3546" cy="1168254"/>
           </a:xfrm>
           <a:prstGeom prst="straightConnector1">
             <a:avLst/>
@@ -16282,8 +16282,8 @@
         </p:nvCxnSpPr>
         <p:spPr>
           <a:xfrm flipV="1">
-            <a:off x="5768202" y="1841797"/>
-            <a:ext cx="1554357" cy="1168254"/>
+            <a:off x="6020442" y="1841797"/>
+            <a:ext cx="1353954" cy="1168254"/>
           </a:xfrm>
           <a:prstGeom prst="straightConnector1">
             <a:avLst/>
@@ -16347,7 +16347,7 @@
         </p:blipFill>
         <p:spPr>
           <a:xfrm>
-            <a:off x="7394760" y="2707590"/>
+            <a:off x="7394760" y="2150557"/>
             <a:ext cx="899398" cy="760309"/>
           </a:xfrm>
           <a:prstGeom prst="rect">
@@ -16390,7 +16390,7 @@
         </p:blipFill>
         <p:spPr>
           <a:xfrm>
-            <a:off x="8126640" y="2707590"/>
+            <a:off x="8126640" y="2150557"/>
             <a:ext cx="899398" cy="760309"/>
           </a:xfrm>
           <a:prstGeom prst="rect">
@@ -16433,7 +16433,7 @@
         </p:blipFill>
         <p:spPr>
           <a:xfrm>
-            <a:off x="8843708" y="2707590"/>
+            <a:off x="8843708" y="2150557"/>
             <a:ext cx="899398" cy="760309"/>
           </a:xfrm>
           <a:prstGeom prst="rect">
@@ -16466,8 +16466,8 @@
         </p:nvCxnSpPr>
         <p:spPr>
           <a:xfrm rot="10800000">
-            <a:off x="5768202" y="3847948"/>
-            <a:ext cx="926562" cy="512341"/>
+            <a:off x="6020443" y="3847948"/>
+            <a:ext cx="1178813" cy="239075"/>
           </a:xfrm>
           <a:prstGeom prst="bentConnector2">
             <a:avLst/>
@@ -16514,15 +16514,15 @@
           </p:cNvPr>
           <p:cNvCxnSpPr>
             <a:cxnSpLocks/>
-            <a:stCxn id="26" idx="2"/>
+            <a:stCxn id="29" idx="2"/>
             <a:endCxn id="49" idx="6"/>
           </p:cNvCxnSpPr>
           <p:nvPr/>
         </p:nvCxnSpPr>
         <p:spPr>
           <a:xfrm rot="5400000">
-            <a:off x="7646558" y="3430506"/>
-            <a:ext cx="892389" cy="967175"/>
+            <a:off x="8094272" y="3605467"/>
+            <a:ext cx="500939" cy="462171"/>
           </a:xfrm>
           <a:prstGeom prst="bentConnector2">
             <a:avLst/>
@@ -16587,7 +16587,7 @@
         </p:blipFill>
         <p:spPr bwMode="auto">
           <a:xfrm flipH="1">
-            <a:off x="4760759" y="3159255"/>
+            <a:off x="5012999" y="3159255"/>
             <a:ext cx="544348" cy="536646"/>
           </a:xfrm>
           <a:prstGeom prst="rect">
@@ -16634,7 +16634,7 @@
         </p:blipFill>
         <p:spPr bwMode="auto">
           <a:xfrm>
-            <a:off x="6227605" y="3164610"/>
+            <a:off x="6479845" y="3164610"/>
             <a:ext cx="532063" cy="532063"/>
           </a:xfrm>
           <a:prstGeom prst="rect">
@@ -16666,7 +16666,7 @@
         </p:nvSpPr>
         <p:spPr>
           <a:xfrm>
-            <a:off x="6694764" y="3940155"/>
+            <a:off x="7199255" y="3666889"/>
             <a:ext cx="914400" cy="840266"/>
           </a:xfrm>
           <a:prstGeom prst="ellipse">
@@ -16773,7 +16773,7 @@
         </p:blipFill>
         <p:spPr>
           <a:xfrm>
-            <a:off x="6819216" y="4027540"/>
+            <a:off x="7323707" y="3754274"/>
             <a:ext cx="665496" cy="665496"/>
           </a:xfrm>
           <a:prstGeom prst="rect">
@@ -16800,17 +16800,18 @@
           <p:cNvCxnSpPr>
             <a:cxnSpLocks/>
             <a:stCxn id="13" idx="3"/>
+            <a:endCxn id="26" idx="0"/>
           </p:cNvCxnSpPr>
           <p:nvPr/>
         </p:nvCxnSpPr>
         <p:spPr>
           <a:xfrm rot="16200000" flipH="1">
-            <a:off x="5854199" y="-246821"/>
-            <a:ext cx="1056753" cy="4381705"/>
+            <a:off x="6245133" y="-180649"/>
+            <a:ext cx="740643" cy="3921768"/>
           </a:xfrm>
           <a:prstGeom prst="bentConnector3">
             <a:avLst>
-              <a:gd name="adj1" fmla="val -21632"/>
+              <a:gd name="adj1" fmla="val -30865"/>
             </a:avLst>
           </a:prstGeom>
           <a:ln w="25400">
@@ -16844,119 +16845,6 @@
           </a:fontRef>
         </p:style>
       </p:cxnSp>
-      <p:cxnSp>
-        <p:nvCxnSpPr>
-          <p:cNvPr id="67" name="Elbow Connector 66">
-            <a:extLst>
-              <a:ext uri="{FF2B5EF4-FFF2-40B4-BE49-F238E27FC236}">
-                <a16:creationId xmlns:a16="http://schemas.microsoft.com/office/drawing/2014/main" id="{DDDB8E4C-582C-FE4E-8B10-DD7BE0BC9090}"/>
-              </a:ext>
-            </a:extLst>
-          </p:cNvPr>
-          <p:cNvCxnSpPr>
-            <a:cxnSpLocks/>
-            <a:stCxn id="12" idx="3"/>
-          </p:cNvCxnSpPr>
-          <p:nvPr/>
-        </p:nvCxnSpPr>
-        <p:spPr>
-          <a:xfrm rot="16200000" flipH="1">
-            <a:off x="6638956" y="537936"/>
-            <a:ext cx="1056753" cy="2812191"/>
-          </a:xfrm>
-          <a:prstGeom prst="bentConnector3">
-            <a:avLst>
-              <a:gd name="adj1" fmla="val -21632"/>
-            </a:avLst>
-          </a:prstGeom>
-          <a:ln w="25400">
-            <a:solidFill>
-              <a:schemeClr val="bg2">
-                <a:lumMod val="75000"/>
-              </a:schemeClr>
-            </a:solidFill>
-            <a:tailEnd type="triangle"/>
-          </a:ln>
-          <a:effectLst>
-            <a:outerShdw blurRad="50800" dist="38100" dir="2700000" algn="tl" rotWithShape="0">
-              <a:prstClr val="black">
-                <a:alpha val="40000"/>
-              </a:prstClr>
-            </a:outerShdw>
-          </a:effectLst>
-        </p:spPr>
-        <p:style>
-          <a:lnRef idx="1">
-            <a:schemeClr val="accent1"/>
-          </a:lnRef>
-          <a:fillRef idx="0">
-            <a:schemeClr val="accent1"/>
-          </a:fillRef>
-          <a:effectRef idx="0">
-            <a:schemeClr val="accent1"/>
-          </a:effectRef>
-          <a:fontRef idx="minor">
-            <a:schemeClr val="tx1"/>
-          </a:fontRef>
-        </p:style>
-      </p:cxnSp>
-      <p:cxnSp>
-        <p:nvCxnSpPr>
-          <p:cNvPr id="73" name="Elbow Connector 72">
-            <a:extLst>
-              <a:ext uri="{FF2B5EF4-FFF2-40B4-BE49-F238E27FC236}">
-                <a16:creationId xmlns:a16="http://schemas.microsoft.com/office/drawing/2014/main" id="{E619FFBA-9AE5-3843-ADCC-700059704CA2}"/>
-              </a:ext>
-            </a:extLst>
-          </p:cNvPr>
-          <p:cNvCxnSpPr>
-            <a:cxnSpLocks/>
-            <a:stCxn id="14" idx="3"/>
-            <a:endCxn id="32" idx="0"/>
-          </p:cNvCxnSpPr>
-          <p:nvPr/>
-        </p:nvCxnSpPr>
-        <p:spPr>
-          <a:xfrm rot="16200000" flipH="1">
-            <a:off x="7524624" y="1213590"/>
-            <a:ext cx="854146" cy="1258277"/>
-          </a:xfrm>
-          <a:prstGeom prst="bentConnector3">
-            <a:avLst>
-              <a:gd name="adj1" fmla="val -26764"/>
-            </a:avLst>
-          </a:prstGeom>
-          <a:ln w="25400">
-            <a:solidFill>
-              <a:schemeClr val="bg2">
-                <a:lumMod val="75000"/>
-              </a:schemeClr>
-            </a:solidFill>
-            <a:tailEnd type="triangle"/>
-          </a:ln>
-          <a:effectLst>
-            <a:outerShdw blurRad="50800" dist="38100" dir="2700000" algn="tl" rotWithShape="0">
-              <a:prstClr val="black">
-                <a:alpha val="40000"/>
-              </a:prstClr>
-            </a:outerShdw>
-          </a:effectLst>
-        </p:spPr>
-        <p:style>
-          <a:lnRef idx="1">
-            <a:schemeClr val="accent1"/>
-          </a:lnRef>
-          <a:fillRef idx="0">
-            <a:schemeClr val="accent1"/>
-          </a:fillRef>
-          <a:effectRef idx="0">
-            <a:schemeClr val="accent1"/>
-          </a:effectRef>
-          <a:fontRef idx="minor">
-            <a:schemeClr val="tx1"/>
-          </a:fontRef>
-        </p:style>
-      </p:cxnSp>
       <p:pic>
         <p:nvPicPr>
           <p:cNvPr id="28" name="Graphic 27" descr="Ribbon">
@@ -16985,7 +16873,7 @@
         </p:blipFill>
         <p:spPr>
           <a:xfrm>
-            <a:off x="6648457" y="1427748"/>
+            <a:off x="6700294" y="1427748"/>
             <a:ext cx="570967" cy="570967"/>
           </a:xfrm>
           <a:prstGeom prst="rect">
@@ -17022,7 +16910,7 @@
         </p:blipFill>
         <p:spPr bwMode="auto">
           <a:xfrm>
-            <a:off x="5471012" y="3151636"/>
+            <a:off x="5723252" y="3151636"/>
             <a:ext cx="658305" cy="532063"/>
           </a:xfrm>
           <a:prstGeom prst="rect">
@@ -17116,8 +17004,8 @@
         </p:nvSpPr>
         <p:spPr>
           <a:xfrm>
-            <a:off x="4122870" y="2156544"/>
-            <a:ext cx="3286702" cy="638672"/>
+            <a:off x="4975003" y="2104774"/>
+            <a:ext cx="2075158" cy="638672"/>
           </a:xfrm>
           <a:prstGeom prst="roundRect">
             <a:avLst/>
@@ -17155,17 +17043,17 @@
                   </a:schemeClr>
                 </a:solidFill>
               </a:rPr>
-              <a:t>AI-powered validation, progressive delivery and rollout</a:t>
+              <a:t>Release strategies powered by AIOps</a:t>
             </a:r>
           </a:p>
         </p:txBody>
       </p:sp>
       <p:sp>
         <p:nvSpPr>
-          <p:cNvPr id="32" name="Rounded Rectangle 31">
-            <a:extLst>
-              <a:ext uri="{FF2B5EF4-FFF2-40B4-BE49-F238E27FC236}">
-                <a16:creationId xmlns:a16="http://schemas.microsoft.com/office/drawing/2014/main" id="{9D9C5014-B702-3A41-B600-404AE9895C7C}"/>
+          <p:cNvPr id="45" name="Rounded Rectangle 44">
+            <a:extLst>
+              <a:ext uri="{FF2B5EF4-FFF2-40B4-BE49-F238E27FC236}">
+                <a16:creationId xmlns:a16="http://schemas.microsoft.com/office/drawing/2014/main" id="{E78E87AF-38C8-8C40-A1D4-4E72C94048B6}"/>
               </a:ext>
             </a:extLst>
           </p:cNvPr>
@@ -17174,8 +17062,64 @@
         </p:nvSpPr>
         <p:spPr>
           <a:xfrm>
-            <a:off x="7887662" y="2269801"/>
+            <a:off x="6978649" y="4580091"/>
             <a:ext cx="1386348" cy="412158"/>
+          </a:xfrm>
+          <a:prstGeom prst="roundRect">
+            <a:avLst/>
+          </a:prstGeom>
+          <a:solidFill>
+            <a:schemeClr val="bg1"/>
+          </a:solidFill>
+        </p:spPr>
+        <p:style>
+          <a:lnRef idx="2">
+            <a:schemeClr val="accent1">
+              <a:shade val="50000"/>
+            </a:schemeClr>
+          </a:lnRef>
+          <a:fillRef idx="1">
+            <a:schemeClr val="accent1"/>
+          </a:fillRef>
+          <a:effectRef idx="0">
+            <a:schemeClr val="accent1"/>
+          </a:effectRef>
+          <a:fontRef idx="minor">
+            <a:schemeClr val="lt1"/>
+          </a:fontRef>
+        </p:style>
+        <p:txBody>
+          <a:bodyPr rtlCol="0" anchor="ctr"/>
+          <a:lstStyle/>
+          <a:p>
+            <a:pPr algn="ctr"/>
+            <a:r>
+              <a:rPr lang="en-US" b="1" dirty="0">
+                <a:solidFill>
+                  <a:srgbClr val="C00000"/>
+                </a:solidFill>
+              </a:rPr>
+              <a:t>Iter8</a:t>
+            </a:r>
+          </a:p>
+        </p:txBody>
+      </p:sp>
+      <p:sp>
+        <p:nvSpPr>
+          <p:cNvPr id="29" name="Rounded Rectangle 28">
+            <a:extLst>
+              <a:ext uri="{FF2B5EF4-FFF2-40B4-BE49-F238E27FC236}">
+                <a16:creationId xmlns:a16="http://schemas.microsoft.com/office/drawing/2014/main" id="{4CEBC92F-09C0-E548-81F1-4D5CE7CA1A48}"/>
+              </a:ext>
+            </a:extLst>
+          </p:cNvPr>
+          <p:cNvSpPr/>
+          <p:nvPr/>
+        </p:nvSpPr>
+        <p:spPr>
+          <a:xfrm>
+            <a:off x="7860506" y="2920587"/>
+            <a:ext cx="1430639" cy="665496"/>
           </a:xfrm>
           <a:prstGeom prst="roundRect">
             <a:avLst/>
@@ -17213,67 +17157,119 @@
                   </a:schemeClr>
                 </a:solidFill>
               </a:rPr>
-              <a:t>Metrics</a:t>
+              <a:t>Any metrics database</a:t>
             </a:r>
           </a:p>
         </p:txBody>
       </p:sp>
-      <p:sp>
-        <p:nvSpPr>
-          <p:cNvPr id="45" name="Rounded Rectangle 44">
-            <a:extLst>
-              <a:ext uri="{FF2B5EF4-FFF2-40B4-BE49-F238E27FC236}">
-                <a16:creationId xmlns:a16="http://schemas.microsoft.com/office/drawing/2014/main" id="{E78E87AF-38C8-8C40-A1D4-4E72C94048B6}"/>
-              </a:ext>
-            </a:extLst>
-          </p:cNvPr>
-          <p:cNvSpPr/>
-          <p:nvPr/>
-        </p:nvSpPr>
-        <p:spPr>
-          <a:xfrm>
-            <a:off x="6474158" y="4853357"/>
-            <a:ext cx="1386348" cy="412158"/>
-          </a:xfrm>
-          <a:prstGeom prst="roundRect">
-            <a:avLst/>
-          </a:prstGeom>
-          <a:solidFill>
-            <a:schemeClr val="bg1"/>
-          </a:solidFill>
+      <p:cxnSp>
+        <p:nvCxnSpPr>
+          <p:cNvPr id="42" name="Straight Arrow Connector 41">
+            <a:extLst>
+              <a:ext uri="{FF2B5EF4-FFF2-40B4-BE49-F238E27FC236}">
+                <a16:creationId xmlns:a16="http://schemas.microsoft.com/office/drawing/2014/main" id="{C41C87ED-ECFF-0C42-9A41-DDF9D2233A1C}"/>
+              </a:ext>
+            </a:extLst>
+          </p:cNvPr>
+          <p:cNvCxnSpPr>
+            <a:cxnSpLocks/>
+            <a:stCxn id="12" idx="3"/>
+          </p:cNvCxnSpPr>
+          <p:nvPr/>
+        </p:nvCxnSpPr>
+        <p:spPr>
+          <a:xfrm flipV="1">
+            <a:off x="6023988" y="1198179"/>
+            <a:ext cx="0" cy="217476"/>
+          </a:xfrm>
+          <a:prstGeom prst="straightConnector1">
+            <a:avLst/>
+          </a:prstGeom>
+          <a:ln w="25400">
+            <a:solidFill>
+              <a:schemeClr val="bg2">
+                <a:lumMod val="75000"/>
+              </a:schemeClr>
+            </a:solidFill>
+            <a:tailEnd type="none" w="lg" len="lg"/>
+          </a:ln>
+          <a:effectLst>
+            <a:outerShdw blurRad="50800" dist="38100" dir="2700000" algn="tl" rotWithShape="0">
+              <a:prstClr val="black">
+                <a:alpha val="40000"/>
+              </a:prstClr>
+            </a:outerShdw>
+          </a:effectLst>
         </p:spPr>
         <p:style>
-          <a:lnRef idx="2">
-            <a:schemeClr val="accent1">
-              <a:shade val="50000"/>
-            </a:schemeClr>
+          <a:lnRef idx="1">
+            <a:schemeClr val="accent1"/>
           </a:lnRef>
-          <a:fillRef idx="1">
+          <a:fillRef idx="0">
             <a:schemeClr val="accent1"/>
           </a:fillRef>
           <a:effectRef idx="0">
             <a:schemeClr val="accent1"/>
           </a:effectRef>
           <a:fontRef idx="minor">
-            <a:schemeClr val="lt1"/>
+            <a:schemeClr val="tx1"/>
           </a:fontRef>
         </p:style>
-        <p:txBody>
-          <a:bodyPr rtlCol="0" anchor="ctr"/>
-          <a:lstStyle/>
-          <a:p>
-            <a:pPr algn="ctr"/>
-            <a:r>
-              <a:rPr lang="en-US" b="1" dirty="0">
-                <a:solidFill>
-                  <a:srgbClr val="C00000"/>
-                </a:solidFill>
-              </a:rPr>
-              <a:t>Iter8</a:t>
-            </a:r>
-          </a:p>
-        </p:txBody>
-      </p:sp>
+      </p:cxnSp>
+      <p:cxnSp>
+        <p:nvCxnSpPr>
+          <p:cNvPr id="46" name="Straight Arrow Connector 45">
+            <a:extLst>
+              <a:ext uri="{FF2B5EF4-FFF2-40B4-BE49-F238E27FC236}">
+                <a16:creationId xmlns:a16="http://schemas.microsoft.com/office/drawing/2014/main" id="{2A0FCA99-01CB-8C40-98AF-0411635A8ADC}"/>
+              </a:ext>
+            </a:extLst>
+          </p:cNvPr>
+          <p:cNvCxnSpPr>
+            <a:cxnSpLocks/>
+            <a:stCxn id="14" idx="3"/>
+          </p:cNvCxnSpPr>
+          <p:nvPr/>
+        </p:nvCxnSpPr>
+        <p:spPr>
+          <a:xfrm flipV="1">
+            <a:off x="7374396" y="1198179"/>
+            <a:ext cx="0" cy="217476"/>
+          </a:xfrm>
+          <a:prstGeom prst="straightConnector1">
+            <a:avLst/>
+          </a:prstGeom>
+          <a:ln w="25400">
+            <a:solidFill>
+              <a:schemeClr val="bg2">
+                <a:lumMod val="75000"/>
+              </a:schemeClr>
+            </a:solidFill>
+            <a:tailEnd type="none" w="lg" len="lg"/>
+          </a:ln>
+          <a:effectLst>
+            <a:outerShdw blurRad="50800" dist="38100" dir="2700000" algn="tl" rotWithShape="0">
+              <a:prstClr val="black">
+                <a:alpha val="40000"/>
+              </a:prstClr>
+            </a:outerShdw>
+          </a:effectLst>
+        </p:spPr>
+        <p:style>
+          <a:lnRef idx="1">
+            <a:schemeClr val="accent1"/>
+          </a:lnRef>
+          <a:fillRef idx="0">
+            <a:schemeClr val="accent1"/>
+          </a:fillRef>
+          <a:effectRef idx="0">
+            <a:schemeClr val="accent1"/>
+          </a:effectRef>
+          <a:fontRef idx="minor">
+            <a:schemeClr val="tx1"/>
+          </a:fontRef>
+        </p:style>
+      </p:cxnSp>
     </p:spTree>
     <p:extLst>
       <p:ext uri="{BB962C8B-B14F-4D97-AF65-F5344CB8AC3E}">

--- a/mkdocs/src/assets/images/iter8++images.pptx
+++ b/mkdocs/src/assets/images/iter8++images.pptx
@@ -219,7 +219,7 @@
           <a:p>
             <a:fld id="{38B78CBE-37FA-D241-BB4C-CAC5D3B25F49}" type="datetimeFigureOut">
               <a:rPr lang="en-US" smtClean="0"/>
-              <a:t>3/13/21</a:t>
+              <a:t>3/14/21</a:t>
             </a:fld>
             <a:endParaRPr lang="en-US"/>
           </a:p>
@@ -801,7 +801,7 @@
           <a:p>
             <a:fld id="{79212C04-F6AE-AE48-B29D-E5DED656B647}" type="datetimeFigureOut">
               <a:rPr lang="en-US" smtClean="0"/>
-              <a:t>3/13/21</a:t>
+              <a:t>3/14/21</a:t>
             </a:fld>
             <a:endParaRPr lang="en-US"/>
           </a:p>
@@ -999,7 +999,7 @@
           <a:p>
             <a:fld id="{79212C04-F6AE-AE48-B29D-E5DED656B647}" type="datetimeFigureOut">
               <a:rPr lang="en-US" smtClean="0"/>
-              <a:t>3/13/21</a:t>
+              <a:t>3/14/21</a:t>
             </a:fld>
             <a:endParaRPr lang="en-US"/>
           </a:p>
@@ -1207,7 +1207,7 @@
           <a:p>
             <a:fld id="{79212C04-F6AE-AE48-B29D-E5DED656B647}" type="datetimeFigureOut">
               <a:rPr lang="en-US" smtClean="0"/>
-              <a:t>3/13/21</a:t>
+              <a:t>3/14/21</a:t>
             </a:fld>
             <a:endParaRPr lang="en-US"/>
           </a:p>
@@ -1405,7 +1405,7 @@
           <a:p>
             <a:fld id="{79212C04-F6AE-AE48-B29D-E5DED656B647}" type="datetimeFigureOut">
               <a:rPr lang="en-US" smtClean="0"/>
-              <a:t>3/13/21</a:t>
+              <a:t>3/14/21</a:t>
             </a:fld>
             <a:endParaRPr lang="en-US"/>
           </a:p>
@@ -1680,7 +1680,7 @@
           <a:p>
             <a:fld id="{79212C04-F6AE-AE48-B29D-E5DED656B647}" type="datetimeFigureOut">
               <a:rPr lang="en-US" smtClean="0"/>
-              <a:t>3/13/21</a:t>
+              <a:t>3/14/21</a:t>
             </a:fld>
             <a:endParaRPr lang="en-US"/>
           </a:p>
@@ -1945,7 +1945,7 @@
           <a:p>
             <a:fld id="{79212C04-F6AE-AE48-B29D-E5DED656B647}" type="datetimeFigureOut">
               <a:rPr lang="en-US" smtClean="0"/>
-              <a:t>3/13/21</a:t>
+              <a:t>3/14/21</a:t>
             </a:fld>
             <a:endParaRPr lang="en-US"/>
           </a:p>
@@ -2357,7 +2357,7 @@
           <a:p>
             <a:fld id="{79212C04-F6AE-AE48-B29D-E5DED656B647}" type="datetimeFigureOut">
               <a:rPr lang="en-US" smtClean="0"/>
-              <a:t>3/13/21</a:t>
+              <a:t>3/14/21</a:t>
             </a:fld>
             <a:endParaRPr lang="en-US"/>
           </a:p>
@@ -2498,7 +2498,7 @@
           <a:p>
             <a:fld id="{79212C04-F6AE-AE48-B29D-E5DED656B647}" type="datetimeFigureOut">
               <a:rPr lang="en-US" smtClean="0"/>
-              <a:t>3/13/21</a:t>
+              <a:t>3/14/21</a:t>
             </a:fld>
             <a:endParaRPr lang="en-US"/>
           </a:p>
@@ -2611,7 +2611,7 @@
           <a:p>
             <a:fld id="{79212C04-F6AE-AE48-B29D-E5DED656B647}" type="datetimeFigureOut">
               <a:rPr lang="en-US" smtClean="0"/>
-              <a:t>3/13/21</a:t>
+              <a:t>3/14/21</a:t>
             </a:fld>
             <a:endParaRPr lang="en-US"/>
           </a:p>
@@ -2922,7 +2922,7 @@
           <a:p>
             <a:fld id="{79212C04-F6AE-AE48-B29D-E5DED656B647}" type="datetimeFigureOut">
               <a:rPr lang="en-US" smtClean="0"/>
-              <a:t>3/13/21</a:t>
+              <a:t>3/14/21</a:t>
             </a:fld>
             <a:endParaRPr lang="en-US"/>
           </a:p>
@@ -3210,7 +3210,7 @@
           <a:p>
             <a:fld id="{79212C04-F6AE-AE48-B29D-E5DED656B647}" type="datetimeFigureOut">
               <a:rPr lang="en-US" smtClean="0"/>
-              <a:t>3/13/21</a:t>
+              <a:t>3/14/21</a:t>
             </a:fld>
             <a:endParaRPr lang="en-US"/>
           </a:p>
@@ -3451,7 +3451,7 @@
           <a:p>
             <a:fld id="{79212C04-F6AE-AE48-B29D-E5DED656B647}" type="datetimeFigureOut">
               <a:rPr lang="en-US" smtClean="0"/>
-              <a:t>3/13/21</a:t>
+              <a:t>3/14/21</a:t>
             </a:fld>
             <a:endParaRPr lang="en-US"/>
           </a:p>
@@ -15653,6 +15653,64 @@
           <a:chExt cx="0" cy="0"/>
         </a:xfrm>
       </p:grpSpPr>
+      <p:sp>
+        <p:nvSpPr>
+          <p:cNvPr id="29" name="Rounded Rectangle 28">
+            <a:extLst>
+              <a:ext uri="{FF2B5EF4-FFF2-40B4-BE49-F238E27FC236}">
+                <a16:creationId xmlns:a16="http://schemas.microsoft.com/office/drawing/2014/main" id="{4CEBC92F-09C0-E548-81F1-4D5CE7CA1A48}"/>
+              </a:ext>
+            </a:extLst>
+          </p:cNvPr>
+          <p:cNvSpPr/>
+          <p:nvPr/>
+        </p:nvSpPr>
+        <p:spPr>
+          <a:xfrm>
+            <a:off x="7782454" y="2162007"/>
+            <a:ext cx="1634812" cy="1410071"/>
+          </a:xfrm>
+          <a:prstGeom prst="roundRect">
+            <a:avLst/>
+          </a:prstGeom>
+          <a:solidFill>
+            <a:schemeClr val="bg1"/>
+          </a:solidFill>
+        </p:spPr>
+        <p:style>
+          <a:lnRef idx="2">
+            <a:schemeClr val="accent1">
+              <a:shade val="50000"/>
+            </a:schemeClr>
+          </a:lnRef>
+          <a:fillRef idx="1">
+            <a:schemeClr val="accent1"/>
+          </a:fillRef>
+          <a:effectRef idx="0">
+            <a:schemeClr val="accent1"/>
+          </a:effectRef>
+          <a:fontRef idx="minor">
+            <a:schemeClr val="lt1"/>
+          </a:fontRef>
+        </p:style>
+        <p:txBody>
+          <a:bodyPr rtlCol="0" anchor="b"/>
+          <a:lstStyle/>
+          <a:p>
+            <a:pPr algn="ctr"/>
+            <a:r>
+              <a:rPr lang="en-US" dirty="0">
+                <a:solidFill>
+                  <a:schemeClr val="accent1">
+                    <a:lumMod val="50000"/>
+                  </a:schemeClr>
+                </a:solidFill>
+              </a:rPr>
+              <a:t>Metrics from any REST API</a:t>
+            </a:r>
+          </a:p>
+        </p:txBody>
+      </p:sp>
       <p:pic>
         <p:nvPicPr>
           <p:cNvPr id="2" name="Picture 1" descr="A picture containing food&#10;&#10;Description automatically generated">
@@ -16319,135 +16377,113 @@
           </a:fontRef>
         </p:style>
       </p:cxnSp>
-      <p:pic>
-        <p:nvPicPr>
-          <p:cNvPr id="25" name="Graphic 24" descr="Database with solid fill">
-            <a:extLst>
-              <a:ext uri="{FF2B5EF4-FFF2-40B4-BE49-F238E27FC236}">
-                <a16:creationId xmlns:a16="http://schemas.microsoft.com/office/drawing/2014/main" id="{8766C252-DD24-414C-9A48-CDE42FD9725B}"/>
-              </a:ext>
-            </a:extLst>
-          </p:cNvPr>
-          <p:cNvPicPr>
-            <a:picLocks noChangeAspect="1"/>
-          </p:cNvPicPr>
-          <p:nvPr/>
-        </p:nvPicPr>
-        <p:blipFill>
-          <a:blip r:embed="rId4">
-            <a:extLst>
-              <a:ext uri="{96DAC541-7B7A-43D3-8B79-37D633B846F1}">
-                <asvg:svgBlip xmlns:asvg="http://schemas.microsoft.com/office/drawing/2016/SVG/main" r:embed="rId5"/>
-              </a:ext>
-            </a:extLst>
-          </a:blip>
-          <a:stretch>
-            <a:fillRect/>
-          </a:stretch>
-        </p:blipFill>
-        <p:spPr>
-          <a:xfrm>
-            <a:off x="7394760" y="2150557"/>
-            <a:ext cx="899398" cy="760309"/>
-          </a:xfrm>
-          <a:prstGeom prst="rect">
-            <a:avLst/>
-          </a:prstGeom>
-          <a:effectLst>
-            <a:outerShdw blurRad="50800" dist="38100" dir="2700000" algn="tl" rotWithShape="0">
-              <a:prstClr val="black">
-                <a:alpha val="40000"/>
-              </a:prstClr>
-            </a:outerShdw>
-          </a:effectLst>
-        </p:spPr>
-      </p:pic>
-      <p:pic>
-        <p:nvPicPr>
-          <p:cNvPr id="26" name="Graphic 25" descr="Database with solid fill">
-            <a:extLst>
-              <a:ext uri="{FF2B5EF4-FFF2-40B4-BE49-F238E27FC236}">
-                <a16:creationId xmlns:a16="http://schemas.microsoft.com/office/drawing/2014/main" id="{E6A94A0A-CAB8-9B46-9E3D-3248680FD288}"/>
-              </a:ext>
-            </a:extLst>
-          </p:cNvPr>
-          <p:cNvPicPr>
-            <a:picLocks noChangeAspect="1"/>
-          </p:cNvPicPr>
-          <p:nvPr/>
-        </p:nvPicPr>
-        <p:blipFill>
-          <a:blip r:embed="rId4">
-            <a:extLst>
-              <a:ext uri="{96DAC541-7B7A-43D3-8B79-37D633B846F1}">
-                <asvg:svgBlip xmlns:asvg="http://schemas.microsoft.com/office/drawing/2016/SVG/main" r:embed="rId5"/>
-              </a:ext>
-            </a:extLst>
-          </a:blip>
-          <a:stretch>
-            <a:fillRect/>
-          </a:stretch>
-        </p:blipFill>
-        <p:spPr>
-          <a:xfrm>
-            <a:off x="8126640" y="2150557"/>
-            <a:ext cx="899398" cy="760309"/>
-          </a:xfrm>
-          <a:prstGeom prst="rect">
-            <a:avLst/>
-          </a:prstGeom>
-          <a:effectLst>
-            <a:outerShdw blurRad="50800" dist="38100" dir="2700000" algn="tl" rotWithShape="0">
-              <a:prstClr val="black">
-                <a:alpha val="40000"/>
-              </a:prstClr>
-            </a:outerShdw>
-          </a:effectLst>
-        </p:spPr>
-      </p:pic>
-      <p:pic>
-        <p:nvPicPr>
-          <p:cNvPr id="27" name="Graphic 26" descr="Database with solid fill">
-            <a:extLst>
-              <a:ext uri="{FF2B5EF4-FFF2-40B4-BE49-F238E27FC236}">
-                <a16:creationId xmlns:a16="http://schemas.microsoft.com/office/drawing/2014/main" id="{5447C2F5-9D03-5A4E-B35F-854EADE2644A}"/>
-              </a:ext>
-            </a:extLst>
-          </p:cNvPr>
-          <p:cNvPicPr>
-            <a:picLocks noChangeAspect="1"/>
-          </p:cNvPicPr>
-          <p:nvPr/>
-        </p:nvPicPr>
-        <p:blipFill>
-          <a:blip r:embed="rId4">
-            <a:extLst>
-              <a:ext uri="{96DAC541-7B7A-43D3-8B79-37D633B846F1}">
-                <asvg:svgBlip xmlns:asvg="http://schemas.microsoft.com/office/drawing/2016/SVG/main" r:embed="rId5"/>
-              </a:ext>
-            </a:extLst>
-          </a:blip>
-          <a:stretch>
-            <a:fillRect/>
-          </a:stretch>
-        </p:blipFill>
-        <p:spPr>
-          <a:xfrm>
-            <a:off x="8843708" y="2150557"/>
-            <a:ext cx="899398" cy="760309"/>
-          </a:xfrm>
-          <a:prstGeom prst="rect">
-            <a:avLst/>
-          </a:prstGeom>
-          <a:effectLst>
-            <a:outerShdw blurRad="50800" dist="38100" dir="2700000" algn="tl" rotWithShape="0">
-              <a:prstClr val="black">
-                <a:alpha val="40000"/>
-              </a:prstClr>
-            </a:outerShdw>
-          </a:effectLst>
-        </p:spPr>
-      </p:pic>
+      <p:grpSp>
+        <p:nvGrpSpPr>
+          <p:cNvPr id="36" name="Group 35">
+            <a:extLst>
+              <a:ext uri="{FF2B5EF4-FFF2-40B4-BE49-F238E27FC236}">
+                <a16:creationId xmlns:a16="http://schemas.microsoft.com/office/drawing/2014/main" id="{B49091E7-E4BC-9C43-B5A8-2CE70B24EABA}"/>
+              </a:ext>
+            </a:extLst>
+          </p:cNvPr>
+          <p:cNvGrpSpPr/>
+          <p:nvPr/>
+        </p:nvGrpSpPr>
+        <p:grpSpPr>
+          <a:xfrm>
+            <a:off x="7869537" y="2185079"/>
+            <a:ext cx="1460643" cy="760310"/>
+            <a:chOff x="9635284" y="818023"/>
+            <a:chExt cx="1460643" cy="760310"/>
+          </a:xfrm>
+        </p:grpSpPr>
+        <p:pic>
+          <p:nvPicPr>
+            <p:cNvPr id="25" name="Graphic 24" descr="Database with solid fill">
+              <a:extLst>
+                <a:ext uri="{FF2B5EF4-FFF2-40B4-BE49-F238E27FC236}">
+                  <a16:creationId xmlns:a16="http://schemas.microsoft.com/office/drawing/2014/main" id="{8766C252-DD24-414C-9A48-CDE42FD9725B}"/>
+                </a:ext>
+              </a:extLst>
+            </p:cNvPr>
+            <p:cNvPicPr>
+              <a:picLocks noChangeAspect="1"/>
+            </p:cNvPicPr>
+            <p:nvPr/>
+          </p:nvPicPr>
+          <p:blipFill>
+            <a:blip r:embed="rId4">
+              <a:extLst>
+                <a:ext uri="{96DAC541-7B7A-43D3-8B79-37D633B846F1}">
+                  <asvg:svgBlip xmlns:asvg="http://schemas.microsoft.com/office/drawing/2016/SVG/main" r:embed="rId5"/>
+                </a:ext>
+              </a:extLst>
+            </a:blip>
+            <a:stretch>
+              <a:fillRect/>
+            </a:stretch>
+          </p:blipFill>
+          <p:spPr>
+            <a:xfrm>
+              <a:off x="9635284" y="818023"/>
+              <a:ext cx="899398" cy="760309"/>
+            </a:xfrm>
+            <a:prstGeom prst="rect">
+              <a:avLst/>
+            </a:prstGeom>
+            <a:effectLst>
+              <a:outerShdw blurRad="50800" dist="38100" dir="2700000" algn="tl" rotWithShape="0">
+                <a:prstClr val="black">
+                  <a:alpha val="40000"/>
+                </a:prstClr>
+              </a:outerShdw>
+            </a:effectLst>
+          </p:spPr>
+        </p:pic>
+        <p:pic>
+          <p:nvPicPr>
+            <p:cNvPr id="26" name="Graphic 25" descr="Database with solid fill">
+              <a:extLst>
+                <a:ext uri="{FF2B5EF4-FFF2-40B4-BE49-F238E27FC236}">
+                  <a16:creationId xmlns:a16="http://schemas.microsoft.com/office/drawing/2014/main" id="{E6A94A0A-CAB8-9B46-9E3D-3248680FD288}"/>
+                </a:ext>
+              </a:extLst>
+            </p:cNvPr>
+            <p:cNvPicPr>
+              <a:picLocks noChangeAspect="1"/>
+            </p:cNvPicPr>
+            <p:nvPr/>
+          </p:nvPicPr>
+          <p:blipFill>
+            <a:blip r:embed="rId4">
+              <a:extLst>
+                <a:ext uri="{96DAC541-7B7A-43D3-8B79-37D633B846F1}">
+                  <asvg:svgBlip xmlns:asvg="http://schemas.microsoft.com/office/drawing/2016/SVG/main" r:embed="rId5"/>
+                </a:ext>
+              </a:extLst>
+            </a:blip>
+            <a:stretch>
+              <a:fillRect/>
+            </a:stretch>
+          </p:blipFill>
+          <p:spPr>
+            <a:xfrm>
+              <a:off x="10196529" y="818024"/>
+              <a:ext cx="899398" cy="760309"/>
+            </a:xfrm>
+            <a:prstGeom prst="rect">
+              <a:avLst/>
+            </a:prstGeom>
+            <a:effectLst>
+              <a:outerShdw blurRad="50800" dist="38100" dir="2700000" algn="tl" rotWithShape="0">
+                <a:prstClr val="black">
+                  <a:alpha val="40000"/>
+                </a:prstClr>
+              </a:outerShdw>
+            </a:effectLst>
+          </p:spPr>
+        </p:pic>
+      </p:grpSp>
       <p:cxnSp>
         <p:nvCxnSpPr>
           <p:cNvPr id="19" name="Elbow Connector 18">
@@ -16467,7 +16503,7 @@
         <p:spPr>
           <a:xfrm rot="10800000">
             <a:off x="6020443" y="3847948"/>
-            <a:ext cx="1178813" cy="239075"/>
+            <a:ext cx="1136773" cy="239075"/>
           </a:xfrm>
           <a:prstGeom prst="bentConnector2">
             <a:avLst/>
@@ -16521,8 +16557,8 @@
         </p:nvCxnSpPr>
         <p:spPr>
           <a:xfrm rot="5400000">
-            <a:off x="8094272" y="3605467"/>
-            <a:ext cx="500939" cy="462171"/>
+            <a:off x="8078266" y="3565428"/>
+            <a:ext cx="514944" cy="528245"/>
           </a:xfrm>
           <a:prstGeom prst="bentConnector2">
             <a:avLst/>
@@ -16666,7 +16702,7 @@
         </p:nvSpPr>
         <p:spPr>
           <a:xfrm>
-            <a:off x="7199255" y="3666889"/>
+            <a:off x="7157215" y="3666889"/>
             <a:ext cx="914400" cy="840266"/>
           </a:xfrm>
           <a:prstGeom prst="ellipse">
@@ -16800,18 +16836,18 @@
           <p:cNvCxnSpPr>
             <a:cxnSpLocks/>
             <a:stCxn id="13" idx="3"/>
-            <a:endCxn id="26" idx="0"/>
+            <a:endCxn id="29" idx="0"/>
           </p:cNvCxnSpPr>
           <p:nvPr/>
         </p:nvCxnSpPr>
         <p:spPr>
           <a:xfrm rot="16200000" flipH="1">
-            <a:off x="6245133" y="-180649"/>
-            <a:ext cx="740643" cy="3921768"/>
+            <a:off x="6251168" y="-186684"/>
+            <a:ext cx="752093" cy="3945289"/>
           </a:xfrm>
           <a:prstGeom prst="bentConnector3">
             <a:avLst>
-              <a:gd name="adj1" fmla="val -30865"/>
+              <a:gd name="adj1" fmla="val -30395"/>
             </a:avLst>
           </a:prstGeom>
           <a:ln w="25400">
@@ -17004,8 +17040,8 @@
         </p:nvSpPr>
         <p:spPr>
           <a:xfrm>
-            <a:off x="4975003" y="2104774"/>
-            <a:ext cx="2075158" cy="638672"/>
+            <a:off x="4654569" y="2104774"/>
+            <a:ext cx="2716281" cy="638672"/>
           </a:xfrm>
           <a:prstGeom prst="roundRect">
             <a:avLst/>
@@ -17043,7 +17079,7 @@
                   </a:schemeClr>
                 </a:solidFill>
               </a:rPr>
-              <a:t>Release strategies powered by AIOps</a:t>
+              <a:t>Releases and experiments powered by AIOps</a:t>
             </a:r>
           </a:p>
         </p:txBody>
@@ -17100,64 +17136,6 @@
                 </a:solidFill>
               </a:rPr>
               <a:t>Iter8</a:t>
-            </a:r>
-          </a:p>
-        </p:txBody>
-      </p:sp>
-      <p:sp>
-        <p:nvSpPr>
-          <p:cNvPr id="29" name="Rounded Rectangle 28">
-            <a:extLst>
-              <a:ext uri="{FF2B5EF4-FFF2-40B4-BE49-F238E27FC236}">
-                <a16:creationId xmlns:a16="http://schemas.microsoft.com/office/drawing/2014/main" id="{4CEBC92F-09C0-E548-81F1-4D5CE7CA1A48}"/>
-              </a:ext>
-            </a:extLst>
-          </p:cNvPr>
-          <p:cNvSpPr/>
-          <p:nvPr/>
-        </p:nvSpPr>
-        <p:spPr>
-          <a:xfrm>
-            <a:off x="7860506" y="2920587"/>
-            <a:ext cx="1430639" cy="665496"/>
-          </a:xfrm>
-          <a:prstGeom prst="roundRect">
-            <a:avLst/>
-          </a:prstGeom>
-          <a:solidFill>
-            <a:schemeClr val="bg1"/>
-          </a:solidFill>
-        </p:spPr>
-        <p:style>
-          <a:lnRef idx="2">
-            <a:schemeClr val="accent1">
-              <a:shade val="50000"/>
-            </a:schemeClr>
-          </a:lnRef>
-          <a:fillRef idx="1">
-            <a:schemeClr val="accent1"/>
-          </a:fillRef>
-          <a:effectRef idx="0">
-            <a:schemeClr val="accent1"/>
-          </a:effectRef>
-          <a:fontRef idx="minor">
-            <a:schemeClr val="lt1"/>
-          </a:fontRef>
-        </p:style>
-        <p:txBody>
-          <a:bodyPr rtlCol="0" anchor="ctr"/>
-          <a:lstStyle/>
-          <a:p>
-            <a:pPr algn="ctr"/>
-            <a:r>
-              <a:rPr lang="en-US" dirty="0">
-                <a:solidFill>
-                  <a:schemeClr val="accent1">
-                    <a:lumMod val="50000"/>
-                  </a:schemeClr>
-                </a:solidFill>
-              </a:rPr>
-              <a:t>Any metrics database</a:t>
             </a:r>
           </a:p>
         </p:txBody>

--- a/mkdocs/src/assets/images/iter8++images.pptx
+++ b/mkdocs/src/assets/images/iter8++images.pptx
@@ -15667,8 +15667,8 @@
         </p:nvSpPr>
         <p:spPr>
           <a:xfrm>
-            <a:off x="7782454" y="2162007"/>
-            <a:ext cx="1634812" cy="1410071"/>
+            <a:off x="7502334" y="2765239"/>
+            <a:ext cx="1893913" cy="557185"/>
           </a:xfrm>
           <a:prstGeom prst="roundRect">
             <a:avLst/>
@@ -15676,6 +15676,9 @@
           <a:solidFill>
             <a:schemeClr val="bg1"/>
           </a:solidFill>
+          <a:ln>
+            <a:noFill/>
+          </a:ln>
         </p:spPr>
         <p:style>
           <a:lnRef idx="2">
@@ -15694,7 +15697,7 @@
           </a:fontRef>
         </p:style>
         <p:txBody>
-          <a:bodyPr rtlCol="0" anchor="b"/>
+          <a:bodyPr rtlCol="0" anchor="ctr"/>
           <a:lstStyle/>
           <a:p>
             <a:pPr algn="ctr"/>
@@ -16377,113 +16380,92 @@
           </a:fontRef>
         </p:style>
       </p:cxnSp>
-      <p:grpSp>
-        <p:nvGrpSpPr>
-          <p:cNvPr id="36" name="Group 35">
-            <a:extLst>
-              <a:ext uri="{FF2B5EF4-FFF2-40B4-BE49-F238E27FC236}">
-                <a16:creationId xmlns:a16="http://schemas.microsoft.com/office/drawing/2014/main" id="{B49091E7-E4BC-9C43-B5A8-2CE70B24EABA}"/>
-              </a:ext>
-            </a:extLst>
-          </p:cNvPr>
-          <p:cNvGrpSpPr/>
-          <p:nvPr/>
-        </p:nvGrpSpPr>
-        <p:grpSpPr>
-          <a:xfrm>
-            <a:off x="7869537" y="2185079"/>
-            <a:ext cx="1460643" cy="760310"/>
-            <a:chOff x="9635284" y="818023"/>
-            <a:chExt cx="1460643" cy="760310"/>
-          </a:xfrm>
-        </p:grpSpPr>
-        <p:pic>
-          <p:nvPicPr>
-            <p:cNvPr id="25" name="Graphic 24" descr="Database with solid fill">
-              <a:extLst>
-                <a:ext uri="{FF2B5EF4-FFF2-40B4-BE49-F238E27FC236}">
-                  <a16:creationId xmlns:a16="http://schemas.microsoft.com/office/drawing/2014/main" id="{8766C252-DD24-414C-9A48-CDE42FD9725B}"/>
-                </a:ext>
-              </a:extLst>
-            </p:cNvPr>
-            <p:cNvPicPr>
-              <a:picLocks noChangeAspect="1"/>
-            </p:cNvPicPr>
-            <p:nvPr/>
-          </p:nvPicPr>
-          <p:blipFill>
-            <a:blip r:embed="rId4">
-              <a:extLst>
-                <a:ext uri="{96DAC541-7B7A-43D3-8B79-37D633B846F1}">
-                  <asvg:svgBlip xmlns:asvg="http://schemas.microsoft.com/office/drawing/2016/SVG/main" r:embed="rId5"/>
-                </a:ext>
-              </a:extLst>
-            </a:blip>
-            <a:stretch>
-              <a:fillRect/>
-            </a:stretch>
-          </p:blipFill>
-          <p:spPr>
-            <a:xfrm>
-              <a:off x="9635284" y="818023"/>
-              <a:ext cx="899398" cy="760309"/>
-            </a:xfrm>
-            <a:prstGeom prst="rect">
-              <a:avLst/>
-            </a:prstGeom>
-            <a:effectLst>
-              <a:outerShdw blurRad="50800" dist="38100" dir="2700000" algn="tl" rotWithShape="0">
-                <a:prstClr val="black">
-                  <a:alpha val="40000"/>
-                </a:prstClr>
-              </a:outerShdw>
-            </a:effectLst>
-          </p:spPr>
-        </p:pic>
-        <p:pic>
-          <p:nvPicPr>
-            <p:cNvPr id="26" name="Graphic 25" descr="Database with solid fill">
-              <a:extLst>
-                <a:ext uri="{FF2B5EF4-FFF2-40B4-BE49-F238E27FC236}">
-                  <a16:creationId xmlns:a16="http://schemas.microsoft.com/office/drawing/2014/main" id="{E6A94A0A-CAB8-9B46-9E3D-3248680FD288}"/>
-                </a:ext>
-              </a:extLst>
-            </p:cNvPr>
-            <p:cNvPicPr>
-              <a:picLocks noChangeAspect="1"/>
-            </p:cNvPicPr>
-            <p:nvPr/>
-          </p:nvPicPr>
-          <p:blipFill>
-            <a:blip r:embed="rId4">
-              <a:extLst>
-                <a:ext uri="{96DAC541-7B7A-43D3-8B79-37D633B846F1}">
-                  <asvg:svgBlip xmlns:asvg="http://schemas.microsoft.com/office/drawing/2016/SVG/main" r:embed="rId5"/>
-                </a:ext>
-              </a:extLst>
-            </a:blip>
-            <a:stretch>
-              <a:fillRect/>
-            </a:stretch>
-          </p:blipFill>
-          <p:spPr>
-            <a:xfrm>
-              <a:off x="10196529" y="818024"/>
-              <a:ext cx="899398" cy="760309"/>
-            </a:xfrm>
-            <a:prstGeom prst="rect">
-              <a:avLst/>
-            </a:prstGeom>
-            <a:effectLst>
-              <a:outerShdw blurRad="50800" dist="38100" dir="2700000" algn="tl" rotWithShape="0">
-                <a:prstClr val="black">
-                  <a:alpha val="40000"/>
-                </a:prstClr>
-              </a:outerShdw>
-            </a:effectLst>
-          </p:spPr>
-        </p:pic>
-      </p:grpSp>
+      <p:pic>
+        <p:nvPicPr>
+          <p:cNvPr id="25" name="Graphic 24" descr="Database with solid fill">
+            <a:extLst>
+              <a:ext uri="{FF2B5EF4-FFF2-40B4-BE49-F238E27FC236}">
+                <a16:creationId xmlns:a16="http://schemas.microsoft.com/office/drawing/2014/main" id="{8766C252-DD24-414C-9A48-CDE42FD9725B}"/>
+              </a:ext>
+            </a:extLst>
+          </p:cNvPr>
+          <p:cNvPicPr>
+            <a:picLocks noChangeAspect="1"/>
+          </p:cNvPicPr>
+          <p:nvPr/>
+        </p:nvPicPr>
+        <p:blipFill>
+          <a:blip r:embed="rId4">
+            <a:extLst>
+              <a:ext uri="{96DAC541-7B7A-43D3-8B79-37D633B846F1}">
+                <asvg:svgBlip xmlns:asvg="http://schemas.microsoft.com/office/drawing/2016/SVG/main" r:embed="rId5"/>
+              </a:ext>
+            </a:extLst>
+          </a:blip>
+          <a:stretch>
+            <a:fillRect/>
+          </a:stretch>
+        </p:blipFill>
+        <p:spPr>
+          <a:xfrm>
+            <a:off x="7550462" y="2091292"/>
+            <a:ext cx="743836" cy="644497"/>
+          </a:xfrm>
+          <a:prstGeom prst="rect">
+            <a:avLst/>
+          </a:prstGeom>
+          <a:effectLst>
+            <a:outerShdw blurRad="50800" dist="38100" dir="2700000" algn="tl" rotWithShape="0">
+              <a:prstClr val="black">
+                <a:alpha val="40000"/>
+              </a:prstClr>
+            </a:outerShdw>
+          </a:effectLst>
+        </p:spPr>
+      </p:pic>
+      <p:pic>
+        <p:nvPicPr>
+          <p:cNvPr id="26" name="Graphic 25" descr="Database with solid fill">
+            <a:extLst>
+              <a:ext uri="{FF2B5EF4-FFF2-40B4-BE49-F238E27FC236}">
+                <a16:creationId xmlns:a16="http://schemas.microsoft.com/office/drawing/2014/main" id="{E6A94A0A-CAB8-9B46-9E3D-3248680FD288}"/>
+              </a:ext>
+            </a:extLst>
+          </p:cNvPr>
+          <p:cNvPicPr>
+            <a:picLocks noChangeAspect="1"/>
+          </p:cNvPicPr>
+          <p:nvPr/>
+        </p:nvPicPr>
+        <p:blipFill>
+          <a:blip r:embed="rId4">
+            <a:extLst>
+              <a:ext uri="{96DAC541-7B7A-43D3-8B79-37D633B846F1}">
+                <asvg:svgBlip xmlns:asvg="http://schemas.microsoft.com/office/drawing/2016/SVG/main" r:embed="rId5"/>
+              </a:ext>
+            </a:extLst>
+          </a:blip>
+          <a:stretch>
+            <a:fillRect/>
+          </a:stretch>
+        </p:blipFill>
+        <p:spPr>
+          <a:xfrm>
+            <a:off x="8036942" y="2091293"/>
+            <a:ext cx="743836" cy="644497"/>
+          </a:xfrm>
+          <a:prstGeom prst="rect">
+            <a:avLst/>
+          </a:prstGeom>
+          <a:effectLst>
+            <a:outerShdw blurRad="50800" dist="38100" dir="2700000" algn="tl" rotWithShape="0">
+              <a:prstClr val="black">
+                <a:alpha val="40000"/>
+              </a:prstClr>
+            </a:outerShdw>
+          </a:effectLst>
+        </p:spPr>
+      </p:pic>
       <p:cxnSp>
         <p:nvCxnSpPr>
           <p:cNvPr id="19" name="Elbow Connector 18">
@@ -16557,8 +16539,8 @@
         </p:nvCxnSpPr>
         <p:spPr>
           <a:xfrm rot="5400000">
-            <a:off x="8078266" y="3565428"/>
-            <a:ext cx="514944" cy="528245"/>
+            <a:off x="7878154" y="3515885"/>
+            <a:ext cx="764598" cy="377676"/>
           </a:xfrm>
           <a:prstGeom prst="bentConnector2">
             <a:avLst/>
@@ -16809,7 +16791,7 @@
         </p:blipFill>
         <p:spPr>
           <a:xfrm>
-            <a:off x="7323707" y="3754274"/>
+            <a:off x="7281667" y="3754274"/>
             <a:ext cx="665496" cy="665496"/>
           </a:xfrm>
           <a:prstGeom prst="rect">
@@ -16836,18 +16818,18 @@
           <p:cNvCxnSpPr>
             <a:cxnSpLocks/>
             <a:stCxn id="13" idx="3"/>
-            <a:endCxn id="29" idx="0"/>
+            <a:endCxn id="26" idx="0"/>
           </p:cNvCxnSpPr>
           <p:nvPr/>
         </p:nvCxnSpPr>
         <p:spPr>
           <a:xfrm rot="16200000" flipH="1">
-            <a:off x="6251168" y="-186684"/>
-            <a:ext cx="752093" cy="3945289"/>
+            <a:off x="6191025" y="-126541"/>
+            <a:ext cx="681379" cy="3754289"/>
           </a:xfrm>
           <a:prstGeom prst="bentConnector3">
             <a:avLst>
-              <a:gd name="adj1" fmla="val -30395"/>
+              <a:gd name="adj1" fmla="val -33550"/>
             </a:avLst>
           </a:prstGeom>
           <a:ln w="25400">
@@ -17049,6 +17031,9 @@
           <a:solidFill>
             <a:schemeClr val="bg1"/>
           </a:solidFill>
+          <a:ln>
+            <a:noFill/>
+          </a:ln>
         </p:spPr>
         <p:style>
           <a:lnRef idx="2">
@@ -17098,7 +17083,7 @@
         </p:nvSpPr>
         <p:spPr>
           <a:xfrm>
-            <a:off x="6978649" y="4580091"/>
+            <a:off x="6921241" y="4587166"/>
             <a:ext cx="1386348" cy="412158"/>
           </a:xfrm>
           <a:prstGeom prst="roundRect">
@@ -17107,6 +17092,9 @@
           <a:solidFill>
             <a:schemeClr val="bg1"/>
           </a:solidFill>
+          <a:ln>
+            <a:noFill/>
+          </a:ln>
         </p:spPr>
         <p:style>
           <a:lnRef idx="2">
@@ -17130,13 +17118,18 @@
           <a:p>
             <a:pPr algn="ctr"/>
             <a:r>
-              <a:rPr lang="en-US" b="1" dirty="0">
+              <a:rPr lang="en-US" sz="2400" b="1" dirty="0">
                 <a:solidFill>
                   <a:srgbClr val="C00000"/>
                 </a:solidFill>
               </a:rPr>
               <a:t>Iter8</a:t>
             </a:r>
+            <a:endParaRPr lang="en-US" b="1" dirty="0">
+              <a:solidFill>
+                <a:srgbClr val="C00000"/>
+              </a:solidFill>
+            </a:endParaRPr>
           </a:p>
         </p:txBody>
       </p:sp>
@@ -17248,6 +17241,49 @@
           </a:fontRef>
         </p:style>
       </p:cxnSp>
+      <p:pic>
+        <p:nvPicPr>
+          <p:cNvPr id="53" name="Graphic 52" descr="Database with solid fill">
+            <a:extLst>
+              <a:ext uri="{FF2B5EF4-FFF2-40B4-BE49-F238E27FC236}">
+                <a16:creationId xmlns:a16="http://schemas.microsoft.com/office/drawing/2014/main" id="{299871DC-F4AF-9D48-A179-FE74AD578986}"/>
+              </a:ext>
+            </a:extLst>
+          </p:cNvPr>
+          <p:cNvPicPr>
+            <a:picLocks noChangeAspect="1"/>
+          </p:cNvPicPr>
+          <p:nvPr/>
+        </p:nvPicPr>
+        <p:blipFill>
+          <a:blip r:embed="rId4">
+            <a:extLst>
+              <a:ext uri="{96DAC541-7B7A-43D3-8B79-37D633B846F1}">
+                <asvg:svgBlip xmlns:asvg="http://schemas.microsoft.com/office/drawing/2016/SVG/main" r:embed="rId5"/>
+              </a:ext>
+            </a:extLst>
+          </a:blip>
+          <a:stretch>
+            <a:fillRect/>
+          </a:stretch>
+        </p:blipFill>
+        <p:spPr>
+          <a:xfrm>
+            <a:off x="8536797" y="2094859"/>
+            <a:ext cx="743836" cy="644497"/>
+          </a:xfrm>
+          <a:prstGeom prst="rect">
+            <a:avLst/>
+          </a:prstGeom>
+          <a:effectLst>
+            <a:outerShdw blurRad="50800" dist="38100" dir="2700000" algn="tl" rotWithShape="0">
+              <a:prstClr val="black">
+                <a:alpha val="40000"/>
+              </a:prstClr>
+            </a:outerShdw>
+          </a:effectLst>
+        </p:spPr>
+      </p:pic>
     </p:spTree>
     <p:extLst>
       <p:ext uri="{BB962C8B-B14F-4D97-AF65-F5344CB8AC3E}">

--- a/mkdocs/src/assets/images/iter8++images.pptx
+++ b/mkdocs/src/assets/images/iter8++images.pptx
@@ -219,7 +219,7 @@
           <a:p>
             <a:fld id="{38B78CBE-37FA-D241-BB4C-CAC5D3B25F49}" type="datetimeFigureOut">
               <a:rPr lang="en-US" smtClean="0"/>
-              <a:t>3/13/21</a:t>
+              <a:t>3/14/21</a:t>
             </a:fld>
             <a:endParaRPr lang="en-US"/>
           </a:p>
@@ -801,7 +801,7 @@
           <a:p>
             <a:fld id="{79212C04-F6AE-AE48-B29D-E5DED656B647}" type="datetimeFigureOut">
               <a:rPr lang="en-US" smtClean="0"/>
-              <a:t>3/13/21</a:t>
+              <a:t>3/14/21</a:t>
             </a:fld>
             <a:endParaRPr lang="en-US"/>
           </a:p>
@@ -999,7 +999,7 @@
           <a:p>
             <a:fld id="{79212C04-F6AE-AE48-B29D-E5DED656B647}" type="datetimeFigureOut">
               <a:rPr lang="en-US" smtClean="0"/>
-              <a:t>3/13/21</a:t>
+              <a:t>3/14/21</a:t>
             </a:fld>
             <a:endParaRPr lang="en-US"/>
           </a:p>
@@ -1207,7 +1207,7 @@
           <a:p>
             <a:fld id="{79212C04-F6AE-AE48-B29D-E5DED656B647}" type="datetimeFigureOut">
               <a:rPr lang="en-US" smtClean="0"/>
-              <a:t>3/13/21</a:t>
+              <a:t>3/14/21</a:t>
             </a:fld>
             <a:endParaRPr lang="en-US"/>
           </a:p>
@@ -1405,7 +1405,7 @@
           <a:p>
             <a:fld id="{79212C04-F6AE-AE48-B29D-E5DED656B647}" type="datetimeFigureOut">
               <a:rPr lang="en-US" smtClean="0"/>
-              <a:t>3/13/21</a:t>
+              <a:t>3/14/21</a:t>
             </a:fld>
             <a:endParaRPr lang="en-US"/>
           </a:p>
@@ -1680,7 +1680,7 @@
           <a:p>
             <a:fld id="{79212C04-F6AE-AE48-B29D-E5DED656B647}" type="datetimeFigureOut">
               <a:rPr lang="en-US" smtClean="0"/>
-              <a:t>3/13/21</a:t>
+              <a:t>3/14/21</a:t>
             </a:fld>
             <a:endParaRPr lang="en-US"/>
           </a:p>
@@ -1945,7 +1945,7 @@
           <a:p>
             <a:fld id="{79212C04-F6AE-AE48-B29D-E5DED656B647}" type="datetimeFigureOut">
               <a:rPr lang="en-US" smtClean="0"/>
-              <a:t>3/13/21</a:t>
+              <a:t>3/14/21</a:t>
             </a:fld>
             <a:endParaRPr lang="en-US"/>
           </a:p>
@@ -2357,7 +2357,7 @@
           <a:p>
             <a:fld id="{79212C04-F6AE-AE48-B29D-E5DED656B647}" type="datetimeFigureOut">
               <a:rPr lang="en-US" smtClean="0"/>
-              <a:t>3/13/21</a:t>
+              <a:t>3/14/21</a:t>
             </a:fld>
             <a:endParaRPr lang="en-US"/>
           </a:p>
@@ -2498,7 +2498,7 @@
           <a:p>
             <a:fld id="{79212C04-F6AE-AE48-B29D-E5DED656B647}" type="datetimeFigureOut">
               <a:rPr lang="en-US" smtClean="0"/>
-              <a:t>3/13/21</a:t>
+              <a:t>3/14/21</a:t>
             </a:fld>
             <a:endParaRPr lang="en-US"/>
           </a:p>
@@ -2611,7 +2611,7 @@
           <a:p>
             <a:fld id="{79212C04-F6AE-AE48-B29D-E5DED656B647}" type="datetimeFigureOut">
               <a:rPr lang="en-US" smtClean="0"/>
-              <a:t>3/13/21</a:t>
+              <a:t>3/14/21</a:t>
             </a:fld>
             <a:endParaRPr lang="en-US"/>
           </a:p>
@@ -2922,7 +2922,7 @@
           <a:p>
             <a:fld id="{79212C04-F6AE-AE48-B29D-E5DED656B647}" type="datetimeFigureOut">
               <a:rPr lang="en-US" smtClean="0"/>
-              <a:t>3/13/21</a:t>
+              <a:t>3/14/21</a:t>
             </a:fld>
             <a:endParaRPr lang="en-US"/>
           </a:p>
@@ -3210,7 +3210,7 @@
           <a:p>
             <a:fld id="{79212C04-F6AE-AE48-B29D-E5DED656B647}" type="datetimeFigureOut">
               <a:rPr lang="en-US" smtClean="0"/>
-              <a:t>3/13/21</a:t>
+              <a:t>3/14/21</a:t>
             </a:fld>
             <a:endParaRPr lang="en-US"/>
           </a:p>
@@ -3451,7 +3451,7 @@
           <a:p>
             <a:fld id="{79212C04-F6AE-AE48-B29D-E5DED656B647}" type="datetimeFigureOut">
               <a:rPr lang="en-US" smtClean="0"/>
-              <a:t>3/13/21</a:t>
+              <a:t>3/14/21</a:t>
             </a:fld>
             <a:endParaRPr lang="en-US"/>
           </a:p>
@@ -15653,6 +15653,67 @@
           <a:chExt cx="0" cy="0"/>
         </a:xfrm>
       </p:grpSpPr>
+      <p:sp>
+        <p:nvSpPr>
+          <p:cNvPr id="29" name="Rounded Rectangle 28">
+            <a:extLst>
+              <a:ext uri="{FF2B5EF4-FFF2-40B4-BE49-F238E27FC236}">
+                <a16:creationId xmlns:a16="http://schemas.microsoft.com/office/drawing/2014/main" id="{4CEBC92F-09C0-E548-81F1-4D5CE7CA1A48}"/>
+              </a:ext>
+            </a:extLst>
+          </p:cNvPr>
+          <p:cNvSpPr/>
+          <p:nvPr/>
+        </p:nvSpPr>
+        <p:spPr>
+          <a:xfrm>
+            <a:off x="7502334" y="2765239"/>
+            <a:ext cx="1893913" cy="557185"/>
+          </a:xfrm>
+          <a:prstGeom prst="roundRect">
+            <a:avLst/>
+          </a:prstGeom>
+          <a:solidFill>
+            <a:schemeClr val="bg1"/>
+          </a:solidFill>
+          <a:ln>
+            <a:noFill/>
+          </a:ln>
+        </p:spPr>
+        <p:style>
+          <a:lnRef idx="2">
+            <a:schemeClr val="accent1">
+              <a:shade val="50000"/>
+            </a:schemeClr>
+          </a:lnRef>
+          <a:fillRef idx="1">
+            <a:schemeClr val="accent1"/>
+          </a:fillRef>
+          <a:effectRef idx="0">
+            <a:schemeClr val="accent1"/>
+          </a:effectRef>
+          <a:fontRef idx="minor">
+            <a:schemeClr val="lt1"/>
+          </a:fontRef>
+        </p:style>
+        <p:txBody>
+          <a:bodyPr rtlCol="0" anchor="ctr"/>
+          <a:lstStyle/>
+          <a:p>
+            <a:pPr algn="ctr"/>
+            <a:r>
+              <a:rPr lang="en-US" dirty="0">
+                <a:solidFill>
+                  <a:schemeClr val="accent1">
+                    <a:lumMod val="50000"/>
+                  </a:schemeClr>
+                </a:solidFill>
+              </a:rPr>
+              <a:t>Metrics from any REST API</a:t>
+            </a:r>
+          </a:p>
+        </p:txBody>
+      </p:sp>
       <p:pic>
         <p:nvPicPr>
           <p:cNvPr id="2" name="Picture 1" descr="A picture containing food&#10;&#10;Description automatically generated">
@@ -16347,8 +16408,8 @@
         </p:blipFill>
         <p:spPr>
           <a:xfrm>
-            <a:off x="7394760" y="2150557"/>
-            <a:ext cx="899398" cy="760309"/>
+            <a:off x="7550462" y="2091292"/>
+            <a:ext cx="743836" cy="644497"/>
           </a:xfrm>
           <a:prstGeom prst="rect">
             <a:avLst/>
@@ -16390,8 +16451,8 @@
         </p:blipFill>
         <p:spPr>
           <a:xfrm>
-            <a:off x="8126640" y="2150557"/>
-            <a:ext cx="899398" cy="760309"/>
+            <a:off x="8036942" y="2091293"/>
+            <a:ext cx="743836" cy="644497"/>
           </a:xfrm>
           <a:prstGeom prst="rect">
             <a:avLst/>
@@ -16405,49 +16466,6 @@
           </a:effectLst>
         </p:spPr>
       </p:pic>
-      <p:pic>
-        <p:nvPicPr>
-          <p:cNvPr id="27" name="Graphic 26" descr="Database with solid fill">
-            <a:extLst>
-              <a:ext uri="{FF2B5EF4-FFF2-40B4-BE49-F238E27FC236}">
-                <a16:creationId xmlns:a16="http://schemas.microsoft.com/office/drawing/2014/main" id="{5447C2F5-9D03-5A4E-B35F-854EADE2644A}"/>
-              </a:ext>
-            </a:extLst>
-          </p:cNvPr>
-          <p:cNvPicPr>
-            <a:picLocks noChangeAspect="1"/>
-          </p:cNvPicPr>
-          <p:nvPr/>
-        </p:nvPicPr>
-        <p:blipFill>
-          <a:blip r:embed="rId4">
-            <a:extLst>
-              <a:ext uri="{96DAC541-7B7A-43D3-8B79-37D633B846F1}">
-                <asvg:svgBlip xmlns:asvg="http://schemas.microsoft.com/office/drawing/2016/SVG/main" r:embed="rId5"/>
-              </a:ext>
-            </a:extLst>
-          </a:blip>
-          <a:stretch>
-            <a:fillRect/>
-          </a:stretch>
-        </p:blipFill>
-        <p:spPr>
-          <a:xfrm>
-            <a:off x="8843708" y="2150557"/>
-            <a:ext cx="899398" cy="760309"/>
-          </a:xfrm>
-          <a:prstGeom prst="rect">
-            <a:avLst/>
-          </a:prstGeom>
-          <a:effectLst>
-            <a:outerShdw blurRad="50800" dist="38100" dir="2700000" algn="tl" rotWithShape="0">
-              <a:prstClr val="black">
-                <a:alpha val="40000"/>
-              </a:prstClr>
-            </a:outerShdw>
-          </a:effectLst>
-        </p:spPr>
-      </p:pic>
       <p:cxnSp>
         <p:nvCxnSpPr>
           <p:cNvPr id="19" name="Elbow Connector 18">
@@ -16467,7 +16485,7 @@
         <p:spPr>
           <a:xfrm rot="10800000">
             <a:off x="6020443" y="3847948"/>
-            <a:ext cx="1178813" cy="239075"/>
+            <a:ext cx="1136773" cy="239075"/>
           </a:xfrm>
           <a:prstGeom prst="bentConnector2">
             <a:avLst/>
@@ -16521,8 +16539,8 @@
         </p:nvCxnSpPr>
         <p:spPr>
           <a:xfrm rot="5400000">
-            <a:off x="8094272" y="3605467"/>
-            <a:ext cx="500939" cy="462171"/>
+            <a:off x="7878154" y="3515885"/>
+            <a:ext cx="764598" cy="377676"/>
           </a:xfrm>
           <a:prstGeom prst="bentConnector2">
             <a:avLst/>
@@ -16666,7 +16684,7 @@
         </p:nvSpPr>
         <p:spPr>
           <a:xfrm>
-            <a:off x="7199255" y="3666889"/>
+            <a:off x="7157215" y="3666889"/>
             <a:ext cx="914400" cy="840266"/>
           </a:xfrm>
           <a:prstGeom prst="ellipse">
@@ -16773,7 +16791,7 @@
         </p:blipFill>
         <p:spPr>
           <a:xfrm>
-            <a:off x="7323707" y="3754274"/>
+            <a:off x="7281667" y="3754274"/>
             <a:ext cx="665496" cy="665496"/>
           </a:xfrm>
           <a:prstGeom prst="rect">
@@ -16806,12 +16824,12 @@
         </p:nvCxnSpPr>
         <p:spPr>
           <a:xfrm rot="16200000" flipH="1">
-            <a:off x="6245133" y="-180649"/>
-            <a:ext cx="740643" cy="3921768"/>
+            <a:off x="6191025" y="-126541"/>
+            <a:ext cx="681379" cy="3754289"/>
           </a:xfrm>
           <a:prstGeom prst="bentConnector3">
             <a:avLst>
-              <a:gd name="adj1" fmla="val -30865"/>
+              <a:gd name="adj1" fmla="val -33550"/>
             </a:avLst>
           </a:prstGeom>
           <a:ln w="25400">
@@ -17004,8 +17022,8 @@
         </p:nvSpPr>
         <p:spPr>
           <a:xfrm>
-            <a:off x="4975003" y="2104774"/>
-            <a:ext cx="2075158" cy="638672"/>
+            <a:off x="4654569" y="2104774"/>
+            <a:ext cx="2716281" cy="638672"/>
           </a:xfrm>
           <a:prstGeom prst="roundRect">
             <a:avLst/>
@@ -17013,6 +17031,9 @@
           <a:solidFill>
             <a:schemeClr val="bg1"/>
           </a:solidFill>
+          <a:ln>
+            <a:noFill/>
+          </a:ln>
         </p:spPr>
         <p:style>
           <a:lnRef idx="2">
@@ -17043,7 +17064,7 @@
                   </a:schemeClr>
                 </a:solidFill>
               </a:rPr>
-              <a:t>Release strategies powered by AIOps</a:t>
+              <a:t>Releases and experiments powered by AIOps</a:t>
             </a:r>
           </a:p>
         </p:txBody>
@@ -17062,7 +17083,7 @@
         </p:nvSpPr>
         <p:spPr>
           <a:xfrm>
-            <a:off x="6978649" y="4580091"/>
+            <a:off x="6921241" y="4587166"/>
             <a:ext cx="1386348" cy="412158"/>
           </a:xfrm>
           <a:prstGeom prst="roundRect">
@@ -17071,6 +17092,9 @@
           <a:solidFill>
             <a:schemeClr val="bg1"/>
           </a:solidFill>
+          <a:ln>
+            <a:noFill/>
+          </a:ln>
         </p:spPr>
         <p:style>
           <a:lnRef idx="2">
@@ -17094,71 +17118,18 @@
           <a:p>
             <a:pPr algn="ctr"/>
             <a:r>
-              <a:rPr lang="en-US" b="1" dirty="0">
+              <a:rPr lang="en-US" sz="2400" b="1" dirty="0">
                 <a:solidFill>
                   <a:srgbClr val="C00000"/>
                 </a:solidFill>
               </a:rPr>
               <a:t>Iter8</a:t>
             </a:r>
-          </a:p>
-        </p:txBody>
-      </p:sp>
-      <p:sp>
-        <p:nvSpPr>
-          <p:cNvPr id="29" name="Rounded Rectangle 28">
-            <a:extLst>
-              <a:ext uri="{FF2B5EF4-FFF2-40B4-BE49-F238E27FC236}">
-                <a16:creationId xmlns:a16="http://schemas.microsoft.com/office/drawing/2014/main" id="{4CEBC92F-09C0-E548-81F1-4D5CE7CA1A48}"/>
-              </a:ext>
-            </a:extLst>
-          </p:cNvPr>
-          <p:cNvSpPr/>
-          <p:nvPr/>
-        </p:nvSpPr>
-        <p:spPr>
-          <a:xfrm>
-            <a:off x="7860506" y="2920587"/>
-            <a:ext cx="1430639" cy="665496"/>
-          </a:xfrm>
-          <a:prstGeom prst="roundRect">
-            <a:avLst/>
-          </a:prstGeom>
-          <a:solidFill>
-            <a:schemeClr val="bg1"/>
-          </a:solidFill>
-        </p:spPr>
-        <p:style>
-          <a:lnRef idx="2">
-            <a:schemeClr val="accent1">
-              <a:shade val="50000"/>
-            </a:schemeClr>
-          </a:lnRef>
-          <a:fillRef idx="1">
-            <a:schemeClr val="accent1"/>
-          </a:fillRef>
-          <a:effectRef idx="0">
-            <a:schemeClr val="accent1"/>
-          </a:effectRef>
-          <a:fontRef idx="minor">
-            <a:schemeClr val="lt1"/>
-          </a:fontRef>
-        </p:style>
-        <p:txBody>
-          <a:bodyPr rtlCol="0" anchor="ctr"/>
-          <a:lstStyle/>
-          <a:p>
-            <a:pPr algn="ctr"/>
-            <a:r>
-              <a:rPr lang="en-US" dirty="0">
-                <a:solidFill>
-                  <a:schemeClr val="accent1">
-                    <a:lumMod val="50000"/>
-                  </a:schemeClr>
-                </a:solidFill>
-              </a:rPr>
-              <a:t>Any metrics database</a:t>
-            </a:r>
+            <a:endParaRPr lang="en-US" b="1" dirty="0">
+              <a:solidFill>
+                <a:srgbClr val="C00000"/>
+              </a:solidFill>
+            </a:endParaRPr>
           </a:p>
         </p:txBody>
       </p:sp>
@@ -17270,6 +17241,49 @@
           </a:fontRef>
         </p:style>
       </p:cxnSp>
+      <p:pic>
+        <p:nvPicPr>
+          <p:cNvPr id="53" name="Graphic 52" descr="Database with solid fill">
+            <a:extLst>
+              <a:ext uri="{FF2B5EF4-FFF2-40B4-BE49-F238E27FC236}">
+                <a16:creationId xmlns:a16="http://schemas.microsoft.com/office/drawing/2014/main" id="{299871DC-F4AF-9D48-A179-FE74AD578986}"/>
+              </a:ext>
+            </a:extLst>
+          </p:cNvPr>
+          <p:cNvPicPr>
+            <a:picLocks noChangeAspect="1"/>
+          </p:cNvPicPr>
+          <p:nvPr/>
+        </p:nvPicPr>
+        <p:blipFill>
+          <a:blip r:embed="rId4">
+            <a:extLst>
+              <a:ext uri="{96DAC541-7B7A-43D3-8B79-37D633B846F1}">
+                <asvg:svgBlip xmlns:asvg="http://schemas.microsoft.com/office/drawing/2016/SVG/main" r:embed="rId5"/>
+              </a:ext>
+            </a:extLst>
+          </a:blip>
+          <a:stretch>
+            <a:fillRect/>
+          </a:stretch>
+        </p:blipFill>
+        <p:spPr>
+          <a:xfrm>
+            <a:off x="8536797" y="2094859"/>
+            <a:ext cx="743836" cy="644497"/>
+          </a:xfrm>
+          <a:prstGeom prst="rect">
+            <a:avLst/>
+          </a:prstGeom>
+          <a:effectLst>
+            <a:outerShdw blurRad="50800" dist="38100" dir="2700000" algn="tl" rotWithShape="0">
+              <a:prstClr val="black">
+                <a:alpha val="40000"/>
+              </a:prstClr>
+            </a:outerShdw>
+          </a:effectLst>
+        </p:spPr>
+      </p:pic>
     </p:spTree>
     <p:extLst>
       <p:ext uri="{BB962C8B-B14F-4D97-AF65-F5344CB8AC3E}">

--- a/mkdocs/src/assets/images/iter8++images.pptx
+++ b/mkdocs/src/assets/images/iter8++images.pptx
@@ -219,7 +219,7 @@
           <a:p>
             <a:fld id="{38B78CBE-37FA-D241-BB4C-CAC5D3B25F49}" type="datetimeFigureOut">
               <a:rPr lang="en-US" smtClean="0"/>
-              <a:t>3/14/21</a:t>
+              <a:t>3/15/21</a:t>
             </a:fld>
             <a:endParaRPr lang="en-US"/>
           </a:p>
@@ -801,7 +801,7 @@
           <a:p>
             <a:fld id="{79212C04-F6AE-AE48-B29D-E5DED656B647}" type="datetimeFigureOut">
               <a:rPr lang="en-US" smtClean="0"/>
-              <a:t>3/14/21</a:t>
+              <a:t>3/15/21</a:t>
             </a:fld>
             <a:endParaRPr lang="en-US"/>
           </a:p>
@@ -999,7 +999,7 @@
           <a:p>
             <a:fld id="{79212C04-F6AE-AE48-B29D-E5DED656B647}" type="datetimeFigureOut">
               <a:rPr lang="en-US" smtClean="0"/>
-              <a:t>3/14/21</a:t>
+              <a:t>3/15/21</a:t>
             </a:fld>
             <a:endParaRPr lang="en-US"/>
           </a:p>
@@ -1207,7 +1207,7 @@
           <a:p>
             <a:fld id="{79212C04-F6AE-AE48-B29D-E5DED656B647}" type="datetimeFigureOut">
               <a:rPr lang="en-US" smtClean="0"/>
-              <a:t>3/14/21</a:t>
+              <a:t>3/15/21</a:t>
             </a:fld>
             <a:endParaRPr lang="en-US"/>
           </a:p>
@@ -1405,7 +1405,7 @@
           <a:p>
             <a:fld id="{79212C04-F6AE-AE48-B29D-E5DED656B647}" type="datetimeFigureOut">
               <a:rPr lang="en-US" smtClean="0"/>
-              <a:t>3/14/21</a:t>
+              <a:t>3/15/21</a:t>
             </a:fld>
             <a:endParaRPr lang="en-US"/>
           </a:p>
@@ -1680,7 +1680,7 @@
           <a:p>
             <a:fld id="{79212C04-F6AE-AE48-B29D-E5DED656B647}" type="datetimeFigureOut">
               <a:rPr lang="en-US" smtClean="0"/>
-              <a:t>3/14/21</a:t>
+              <a:t>3/15/21</a:t>
             </a:fld>
             <a:endParaRPr lang="en-US"/>
           </a:p>
@@ -1945,7 +1945,7 @@
           <a:p>
             <a:fld id="{79212C04-F6AE-AE48-B29D-E5DED656B647}" type="datetimeFigureOut">
               <a:rPr lang="en-US" smtClean="0"/>
-              <a:t>3/14/21</a:t>
+              <a:t>3/15/21</a:t>
             </a:fld>
             <a:endParaRPr lang="en-US"/>
           </a:p>
@@ -2357,7 +2357,7 @@
           <a:p>
             <a:fld id="{79212C04-F6AE-AE48-B29D-E5DED656B647}" type="datetimeFigureOut">
               <a:rPr lang="en-US" smtClean="0"/>
-              <a:t>3/14/21</a:t>
+              <a:t>3/15/21</a:t>
             </a:fld>
             <a:endParaRPr lang="en-US"/>
           </a:p>
@@ -2498,7 +2498,7 @@
           <a:p>
             <a:fld id="{79212C04-F6AE-AE48-B29D-E5DED656B647}" type="datetimeFigureOut">
               <a:rPr lang="en-US" smtClean="0"/>
-              <a:t>3/14/21</a:t>
+              <a:t>3/15/21</a:t>
             </a:fld>
             <a:endParaRPr lang="en-US"/>
           </a:p>
@@ -2611,7 +2611,7 @@
           <a:p>
             <a:fld id="{79212C04-F6AE-AE48-B29D-E5DED656B647}" type="datetimeFigureOut">
               <a:rPr lang="en-US" smtClean="0"/>
-              <a:t>3/14/21</a:t>
+              <a:t>3/15/21</a:t>
             </a:fld>
             <a:endParaRPr lang="en-US"/>
           </a:p>
@@ -2922,7 +2922,7 @@
           <a:p>
             <a:fld id="{79212C04-F6AE-AE48-B29D-E5DED656B647}" type="datetimeFigureOut">
               <a:rPr lang="en-US" smtClean="0"/>
-              <a:t>3/14/21</a:t>
+              <a:t>3/15/21</a:t>
             </a:fld>
             <a:endParaRPr lang="en-US"/>
           </a:p>
@@ -3210,7 +3210,7 @@
           <a:p>
             <a:fld id="{79212C04-F6AE-AE48-B29D-E5DED656B647}" type="datetimeFigureOut">
               <a:rPr lang="en-US" smtClean="0"/>
-              <a:t>3/14/21</a:t>
+              <a:t>3/15/21</a:t>
             </a:fld>
             <a:endParaRPr lang="en-US"/>
           </a:p>
@@ -3451,7 +3451,7 @@
           <a:p>
             <a:fld id="{79212C04-F6AE-AE48-B29D-E5DED656B647}" type="datetimeFigureOut">
               <a:rPr lang="en-US" smtClean="0"/>
-              <a:t>3/14/21</a:t>
+              <a:t>3/15/21</a:t>
             </a:fld>
             <a:endParaRPr lang="en-US"/>
           </a:p>
@@ -17064,7 +17064,7 @@
                   </a:schemeClr>
                 </a:solidFill>
               </a:rPr>
-              <a:t>Releases and experiments powered by AIOps</a:t>
+              <a:t>Releases and experiments powered by AI</a:t>
             </a:r>
           </a:p>
         </p:txBody>

--- a/mkdocs/src/assets/images/iter8++images.pptx
+++ b/mkdocs/src/assets/images/iter8++images.pptx
@@ -5,7 +5,7 @@
     <p:sldMasterId id="2147483648" r:id="rId1"/>
   </p:sldMasterIdLst>
   <p:notesMasterIdLst>
-    <p:notesMasterId r:id="rId25"/>
+    <p:notesMasterId r:id="rId26"/>
   </p:notesMasterIdLst>
   <p:sldIdLst>
     <p:sldId id="263" r:id="rId2"/>
@@ -31,6 +31,7 @@
     <p:sldId id="312" r:id="rId22"/>
     <p:sldId id="313" r:id="rId23"/>
     <p:sldId id="314" r:id="rId24"/>
+    <p:sldId id="317" r:id="rId25"/>
   </p:sldIdLst>
   <p:sldSz cx="12192000" cy="6858000"/>
   <p:notesSz cx="6858000" cy="9144000"/>
@@ -219,7 +220,7 @@
           <a:p>
             <a:fld id="{38B78CBE-37FA-D241-BB4C-CAC5D3B25F49}" type="datetimeFigureOut">
               <a:rPr lang="en-US" smtClean="0"/>
-              <a:t>3/15/21</a:t>
+              <a:t>3/16/21</a:t>
             </a:fld>
             <a:endParaRPr lang="en-US"/>
           </a:p>
@@ -801,7 +802,7 @@
           <a:p>
             <a:fld id="{79212C04-F6AE-AE48-B29D-E5DED656B647}" type="datetimeFigureOut">
               <a:rPr lang="en-US" smtClean="0"/>
-              <a:t>3/15/21</a:t>
+              <a:t>3/16/21</a:t>
             </a:fld>
             <a:endParaRPr lang="en-US"/>
           </a:p>
@@ -999,7 +1000,7 @@
           <a:p>
             <a:fld id="{79212C04-F6AE-AE48-B29D-E5DED656B647}" type="datetimeFigureOut">
               <a:rPr lang="en-US" smtClean="0"/>
-              <a:t>3/15/21</a:t>
+              <a:t>3/16/21</a:t>
             </a:fld>
             <a:endParaRPr lang="en-US"/>
           </a:p>
@@ -1207,7 +1208,7 @@
           <a:p>
             <a:fld id="{79212C04-F6AE-AE48-B29D-E5DED656B647}" type="datetimeFigureOut">
               <a:rPr lang="en-US" smtClean="0"/>
-              <a:t>3/15/21</a:t>
+              <a:t>3/16/21</a:t>
             </a:fld>
             <a:endParaRPr lang="en-US"/>
           </a:p>
@@ -1405,7 +1406,7 @@
           <a:p>
             <a:fld id="{79212C04-F6AE-AE48-B29D-E5DED656B647}" type="datetimeFigureOut">
               <a:rPr lang="en-US" smtClean="0"/>
-              <a:t>3/15/21</a:t>
+              <a:t>3/16/21</a:t>
             </a:fld>
             <a:endParaRPr lang="en-US"/>
           </a:p>
@@ -1680,7 +1681,7 @@
           <a:p>
             <a:fld id="{79212C04-F6AE-AE48-B29D-E5DED656B647}" type="datetimeFigureOut">
               <a:rPr lang="en-US" smtClean="0"/>
-              <a:t>3/15/21</a:t>
+              <a:t>3/16/21</a:t>
             </a:fld>
             <a:endParaRPr lang="en-US"/>
           </a:p>
@@ -1945,7 +1946,7 @@
           <a:p>
             <a:fld id="{79212C04-F6AE-AE48-B29D-E5DED656B647}" type="datetimeFigureOut">
               <a:rPr lang="en-US" smtClean="0"/>
-              <a:t>3/15/21</a:t>
+              <a:t>3/16/21</a:t>
             </a:fld>
             <a:endParaRPr lang="en-US"/>
           </a:p>
@@ -2357,7 +2358,7 @@
           <a:p>
             <a:fld id="{79212C04-F6AE-AE48-B29D-E5DED656B647}" type="datetimeFigureOut">
               <a:rPr lang="en-US" smtClean="0"/>
-              <a:t>3/15/21</a:t>
+              <a:t>3/16/21</a:t>
             </a:fld>
             <a:endParaRPr lang="en-US"/>
           </a:p>
@@ -2498,7 +2499,7 @@
           <a:p>
             <a:fld id="{79212C04-F6AE-AE48-B29D-E5DED656B647}" type="datetimeFigureOut">
               <a:rPr lang="en-US" smtClean="0"/>
-              <a:t>3/15/21</a:t>
+              <a:t>3/16/21</a:t>
             </a:fld>
             <a:endParaRPr lang="en-US"/>
           </a:p>
@@ -2611,7 +2612,7 @@
           <a:p>
             <a:fld id="{79212C04-F6AE-AE48-B29D-E5DED656B647}" type="datetimeFigureOut">
               <a:rPr lang="en-US" smtClean="0"/>
-              <a:t>3/15/21</a:t>
+              <a:t>3/16/21</a:t>
             </a:fld>
             <a:endParaRPr lang="en-US"/>
           </a:p>
@@ -2922,7 +2923,7 @@
           <a:p>
             <a:fld id="{79212C04-F6AE-AE48-B29D-E5DED656B647}" type="datetimeFigureOut">
               <a:rPr lang="en-US" smtClean="0"/>
-              <a:t>3/15/21</a:t>
+              <a:t>3/16/21</a:t>
             </a:fld>
             <a:endParaRPr lang="en-US"/>
           </a:p>
@@ -3210,7 +3211,7 @@
           <a:p>
             <a:fld id="{79212C04-F6AE-AE48-B29D-E5DED656B647}" type="datetimeFigureOut">
               <a:rPr lang="en-US" smtClean="0"/>
-              <a:t>3/15/21</a:t>
+              <a:t>3/16/21</a:t>
             </a:fld>
             <a:endParaRPr lang="en-US"/>
           </a:p>
@@ -3451,7 +3452,7 @@
           <a:p>
             <a:fld id="{79212C04-F6AE-AE48-B29D-E5DED656B647}" type="datetimeFigureOut">
               <a:rPr lang="en-US" smtClean="0"/>
-              <a:t>3/15/21</a:t>
+              <a:t>3/16/21</a:t>
             </a:fld>
             <a:endParaRPr lang="en-US"/>
           </a:p>
@@ -41792,6 +41793,1128 @@
     <p:extLst>
       <p:ext uri="{BB962C8B-B14F-4D97-AF65-F5344CB8AC3E}">
         <p14:creationId xmlns:p14="http://schemas.microsoft.com/office/powerpoint/2010/main" val="5495572"/>
+      </p:ext>
+    </p:extLst>
+  </p:cSld>
+  <p:clrMapOvr>
+    <a:masterClrMapping/>
+  </p:clrMapOvr>
+</p:sld>
+</file>
+
+<file path=ppt/slides/slide24.xml><?xml version="1.0" encoding="utf-8"?>
+<p:sld xmlns:a="http://schemas.openxmlformats.org/drawingml/2006/main" xmlns:r="http://schemas.openxmlformats.org/officeDocument/2006/relationships" xmlns:p="http://schemas.openxmlformats.org/presentationml/2006/main">
+  <p:cSld>
+    <p:spTree>
+      <p:nvGrpSpPr>
+        <p:cNvPr id="1" name=""/>
+        <p:cNvGrpSpPr/>
+        <p:nvPr/>
+      </p:nvGrpSpPr>
+      <p:grpSpPr>
+        <a:xfrm>
+          <a:off x="0" y="0"/>
+          <a:ext cx="0" cy="0"/>
+          <a:chOff x="0" y="0"/>
+          <a:chExt cx="0" cy="0"/>
+        </a:xfrm>
+      </p:grpSpPr>
+      <p:sp>
+        <p:nvSpPr>
+          <p:cNvPr id="7" name="Snip Diagonal Corner Rectangle 6">
+            <a:extLst>
+              <a:ext uri="{FF2B5EF4-FFF2-40B4-BE49-F238E27FC236}">
+                <a16:creationId xmlns:a16="http://schemas.microsoft.com/office/drawing/2014/main" id="{E76592CF-E582-DC46-9595-A76FC026830C}"/>
+              </a:ext>
+            </a:extLst>
+          </p:cNvPr>
+          <p:cNvSpPr/>
+          <p:nvPr/>
+        </p:nvSpPr>
+        <p:spPr>
+          <a:xfrm>
+            <a:off x="3415868" y="1208683"/>
+            <a:ext cx="4204130" cy="2186152"/>
+          </a:xfrm>
+          <a:prstGeom prst="snip2DiagRect">
+            <a:avLst/>
+          </a:prstGeom>
+          <a:solidFill>
+            <a:srgbClr val="FF007E">
+              <a:alpha val="9804"/>
+            </a:srgbClr>
+          </a:solidFill>
+          <a:ln>
+            <a:solidFill>
+              <a:srgbClr val="7030A0"/>
+            </a:solidFill>
+          </a:ln>
+        </p:spPr>
+        <p:style>
+          <a:lnRef idx="2">
+            <a:schemeClr val="accent1">
+              <a:shade val="50000"/>
+            </a:schemeClr>
+          </a:lnRef>
+          <a:fillRef idx="1">
+            <a:schemeClr val="accent1"/>
+          </a:fillRef>
+          <a:effectRef idx="0">
+            <a:schemeClr val="accent1"/>
+          </a:effectRef>
+          <a:fontRef idx="minor">
+            <a:schemeClr val="lt1"/>
+          </a:fontRef>
+        </p:style>
+        <p:txBody>
+          <a:bodyPr rtlCol="0" anchor="ctr"/>
+          <a:lstStyle/>
+          <a:p>
+            <a:pPr algn="ctr"/>
+            <a:endParaRPr lang="en-US"/>
+          </a:p>
+        </p:txBody>
+      </p:sp>
+      <p:sp>
+        <p:nvSpPr>
+          <p:cNvPr id="21" name="Rectangle 20">
+            <a:extLst>
+              <a:ext uri="{FF2B5EF4-FFF2-40B4-BE49-F238E27FC236}">
+                <a16:creationId xmlns:a16="http://schemas.microsoft.com/office/drawing/2014/main" id="{DDFDDBD1-5390-2845-8DDE-E555B0F72F36}"/>
+              </a:ext>
+            </a:extLst>
+          </p:cNvPr>
+          <p:cNvSpPr/>
+          <p:nvPr/>
+        </p:nvSpPr>
+        <p:spPr>
+          <a:xfrm>
+            <a:off x="934482" y="426708"/>
+            <a:ext cx="1416424" cy="717177"/>
+          </a:xfrm>
+          <a:prstGeom prst="rect">
+            <a:avLst/>
+          </a:prstGeom>
+          <a:solidFill>
+            <a:schemeClr val="bg1"/>
+          </a:solidFill>
+          <a:ln>
+            <a:solidFill>
+              <a:srgbClr val="7030A0"/>
+            </a:solidFill>
+          </a:ln>
+        </p:spPr>
+        <p:style>
+          <a:lnRef idx="2">
+            <a:schemeClr val="accent1">
+              <a:shade val="50000"/>
+            </a:schemeClr>
+          </a:lnRef>
+          <a:fillRef idx="1">
+            <a:schemeClr val="accent1"/>
+          </a:fillRef>
+          <a:effectRef idx="0">
+            <a:schemeClr val="accent1"/>
+          </a:effectRef>
+          <a:fontRef idx="minor">
+            <a:schemeClr val="lt1"/>
+          </a:fontRef>
+        </p:style>
+        <p:txBody>
+          <a:bodyPr rtlCol="0" anchor="ctr"/>
+          <a:lstStyle/>
+          <a:p>
+            <a:pPr algn="ctr"/>
+            <a:r>
+              <a:rPr lang="en-US" sz="1600" dirty="0">
+                <a:solidFill>
+                  <a:schemeClr val="tx1"/>
+                </a:solidFill>
+              </a:rPr>
+              <a:t>Launch experiment</a:t>
+            </a:r>
+          </a:p>
+        </p:txBody>
+      </p:sp>
+      <p:cxnSp>
+        <p:nvCxnSpPr>
+          <p:cNvPr id="25" name="Straight Arrow Connector 24">
+            <a:extLst>
+              <a:ext uri="{FF2B5EF4-FFF2-40B4-BE49-F238E27FC236}">
+                <a16:creationId xmlns:a16="http://schemas.microsoft.com/office/drawing/2014/main" id="{7FA04FC1-FEAB-EC41-B1FF-3FEA26BA4B44}"/>
+              </a:ext>
+            </a:extLst>
+          </p:cNvPr>
+          <p:cNvCxnSpPr>
+            <a:cxnSpLocks/>
+            <a:stCxn id="106" idx="0"/>
+            <a:endCxn id="21" idx="2"/>
+          </p:cNvCxnSpPr>
+          <p:nvPr/>
+        </p:nvCxnSpPr>
+        <p:spPr>
+          <a:xfrm flipH="1" flipV="1">
+            <a:off x="1642694" y="1143885"/>
+            <a:ext cx="5239" cy="464611"/>
+          </a:xfrm>
+          <a:prstGeom prst="straightConnector1">
+            <a:avLst/>
+          </a:prstGeom>
+          <a:ln w="25400">
+            <a:solidFill>
+              <a:srgbClr val="7030A0"/>
+            </a:solidFill>
+            <a:tailEnd type="triangle"/>
+          </a:ln>
+        </p:spPr>
+        <p:style>
+          <a:lnRef idx="1">
+            <a:schemeClr val="accent1"/>
+          </a:lnRef>
+          <a:fillRef idx="0">
+            <a:schemeClr val="accent1"/>
+          </a:fillRef>
+          <a:effectRef idx="0">
+            <a:schemeClr val="accent1"/>
+          </a:effectRef>
+          <a:fontRef idx="minor">
+            <a:schemeClr val="tx1"/>
+          </a:fontRef>
+        </p:style>
+      </p:cxnSp>
+      <p:sp>
+        <p:nvSpPr>
+          <p:cNvPr id="26" name="Rectangle 25">
+            <a:extLst>
+              <a:ext uri="{FF2B5EF4-FFF2-40B4-BE49-F238E27FC236}">
+                <a16:creationId xmlns:a16="http://schemas.microsoft.com/office/drawing/2014/main" id="{17D763E7-7291-7447-BB0A-6AD1A57AC8CF}"/>
+              </a:ext>
+            </a:extLst>
+          </p:cNvPr>
+          <p:cNvSpPr/>
+          <p:nvPr/>
+        </p:nvSpPr>
+        <p:spPr>
+          <a:xfrm>
+            <a:off x="3529043" y="1928228"/>
+            <a:ext cx="1904504" cy="717177"/>
+          </a:xfrm>
+          <a:prstGeom prst="rect">
+            <a:avLst/>
+          </a:prstGeom>
+          <a:solidFill>
+            <a:srgbClr val="FF007E">
+              <a:alpha val="9804"/>
+            </a:srgbClr>
+          </a:solidFill>
+          <a:ln>
+            <a:solidFill>
+              <a:srgbClr val="7030A0"/>
+            </a:solidFill>
+          </a:ln>
+        </p:spPr>
+        <p:style>
+          <a:lnRef idx="2">
+            <a:schemeClr val="accent1">
+              <a:shade val="50000"/>
+            </a:schemeClr>
+          </a:lnRef>
+          <a:fillRef idx="1">
+            <a:schemeClr val="accent1"/>
+          </a:fillRef>
+          <a:effectRef idx="0">
+            <a:schemeClr val="accent1"/>
+          </a:effectRef>
+          <a:fontRef idx="minor">
+            <a:schemeClr val="lt1"/>
+          </a:fontRef>
+        </p:style>
+        <p:txBody>
+          <a:bodyPr rtlCol="0" anchor="ctr"/>
+          <a:lstStyle/>
+          <a:p>
+            <a:pPr algn="ctr"/>
+            <a:r>
+              <a:rPr lang="en-US" sz="1600" dirty="0">
+                <a:solidFill>
+                  <a:schemeClr val="tx1"/>
+                </a:solidFill>
+              </a:rPr>
+              <a:t>Split traffic optimally between versions</a:t>
+            </a:r>
+          </a:p>
+        </p:txBody>
+      </p:sp>
+      <p:sp>
+        <p:nvSpPr>
+          <p:cNvPr id="27" name="Rectangle 26">
+            <a:extLst>
+              <a:ext uri="{FF2B5EF4-FFF2-40B4-BE49-F238E27FC236}">
+                <a16:creationId xmlns:a16="http://schemas.microsoft.com/office/drawing/2014/main" id="{9B8A37C7-8908-CA46-B03A-2A9DAD8F71AC}"/>
+              </a:ext>
+            </a:extLst>
+          </p:cNvPr>
+          <p:cNvSpPr/>
+          <p:nvPr/>
+        </p:nvSpPr>
+        <p:spPr>
+          <a:xfrm>
+            <a:off x="5798917" y="1316152"/>
+            <a:ext cx="1416424" cy="717177"/>
+          </a:xfrm>
+          <a:prstGeom prst="rect">
+            <a:avLst/>
+          </a:prstGeom>
+          <a:solidFill>
+            <a:srgbClr val="FF007E">
+              <a:alpha val="9804"/>
+            </a:srgbClr>
+          </a:solidFill>
+          <a:ln>
+            <a:solidFill>
+              <a:srgbClr val="7030A0"/>
+            </a:solidFill>
+          </a:ln>
+        </p:spPr>
+        <p:style>
+          <a:lnRef idx="2">
+            <a:schemeClr val="accent1">
+              <a:shade val="50000"/>
+            </a:schemeClr>
+          </a:lnRef>
+          <a:fillRef idx="1">
+            <a:schemeClr val="accent1"/>
+          </a:fillRef>
+          <a:effectRef idx="0">
+            <a:schemeClr val="accent1"/>
+          </a:effectRef>
+          <a:fontRef idx="minor">
+            <a:schemeClr val="lt1"/>
+          </a:fontRef>
+        </p:style>
+        <p:txBody>
+          <a:bodyPr rtlCol="0" anchor="ctr"/>
+          <a:lstStyle/>
+          <a:p>
+            <a:pPr algn="ctr"/>
+            <a:r>
+              <a:rPr lang="en-US" sz="1600" dirty="0">
+                <a:solidFill>
+                  <a:schemeClr val="tx1"/>
+                </a:solidFill>
+              </a:rPr>
+              <a:t>Query metrics from REST APIs</a:t>
+            </a:r>
+          </a:p>
+        </p:txBody>
+      </p:sp>
+      <p:sp>
+        <p:nvSpPr>
+          <p:cNvPr id="28" name="Rectangle 27">
+            <a:extLst>
+              <a:ext uri="{FF2B5EF4-FFF2-40B4-BE49-F238E27FC236}">
+                <a16:creationId xmlns:a16="http://schemas.microsoft.com/office/drawing/2014/main" id="{302D07CF-F2DC-134F-9790-CA5B3C1305A6}"/>
+              </a:ext>
+            </a:extLst>
+          </p:cNvPr>
+          <p:cNvSpPr/>
+          <p:nvPr/>
+        </p:nvSpPr>
+        <p:spPr>
+          <a:xfrm>
+            <a:off x="5525928" y="2551221"/>
+            <a:ext cx="1962402" cy="717177"/>
+          </a:xfrm>
+          <a:prstGeom prst="rect">
+            <a:avLst/>
+          </a:prstGeom>
+          <a:solidFill>
+            <a:srgbClr val="FF007E">
+              <a:alpha val="9804"/>
+            </a:srgbClr>
+          </a:solidFill>
+          <a:ln>
+            <a:solidFill>
+              <a:srgbClr val="7030A0"/>
+            </a:solidFill>
+          </a:ln>
+        </p:spPr>
+        <p:style>
+          <a:lnRef idx="2">
+            <a:schemeClr val="accent1">
+              <a:shade val="50000"/>
+            </a:schemeClr>
+          </a:lnRef>
+          <a:fillRef idx="1">
+            <a:schemeClr val="accent1"/>
+          </a:fillRef>
+          <a:effectRef idx="0">
+            <a:schemeClr val="accent1"/>
+          </a:effectRef>
+          <a:fontRef idx="minor">
+            <a:schemeClr val="lt1"/>
+          </a:fontRef>
+        </p:style>
+        <p:txBody>
+          <a:bodyPr rtlCol="0" anchor="ctr"/>
+          <a:lstStyle/>
+          <a:p>
+            <a:pPr algn="ctr"/>
+            <a:r>
+              <a:rPr lang="en-US" sz="1600" dirty="0">
+                <a:solidFill>
+                  <a:schemeClr val="tx1"/>
+                </a:solidFill>
+              </a:rPr>
+              <a:t>Assess versions using statistically robust algorithms</a:t>
+            </a:r>
+          </a:p>
+        </p:txBody>
+      </p:sp>
+      <p:cxnSp>
+        <p:nvCxnSpPr>
+          <p:cNvPr id="30" name="Straight Arrow Connector 29">
+            <a:extLst>
+              <a:ext uri="{FF2B5EF4-FFF2-40B4-BE49-F238E27FC236}">
+                <a16:creationId xmlns:a16="http://schemas.microsoft.com/office/drawing/2014/main" id="{04142743-4CDC-3B4A-B06D-29E6BD5C9AA3}"/>
+              </a:ext>
+            </a:extLst>
+          </p:cNvPr>
+          <p:cNvCxnSpPr>
+            <a:cxnSpLocks/>
+            <a:stCxn id="26" idx="0"/>
+            <a:endCxn id="27" idx="1"/>
+          </p:cNvCxnSpPr>
+          <p:nvPr/>
+        </p:nvCxnSpPr>
+        <p:spPr>
+          <a:xfrm flipV="1">
+            <a:off x="4481295" y="1674741"/>
+            <a:ext cx="1317622" cy="253487"/>
+          </a:xfrm>
+          <a:prstGeom prst="straightConnector1">
+            <a:avLst/>
+          </a:prstGeom>
+          <a:ln w="25400">
+            <a:solidFill>
+              <a:srgbClr val="7030A0"/>
+            </a:solidFill>
+            <a:tailEnd type="triangle"/>
+          </a:ln>
+        </p:spPr>
+        <p:style>
+          <a:lnRef idx="1">
+            <a:schemeClr val="accent1"/>
+          </a:lnRef>
+          <a:fillRef idx="0">
+            <a:schemeClr val="accent1"/>
+          </a:fillRef>
+          <a:effectRef idx="0">
+            <a:schemeClr val="accent1"/>
+          </a:effectRef>
+          <a:fontRef idx="minor">
+            <a:schemeClr val="tx1"/>
+          </a:fontRef>
+        </p:style>
+      </p:cxnSp>
+      <p:cxnSp>
+        <p:nvCxnSpPr>
+          <p:cNvPr id="33" name="Straight Arrow Connector 32">
+            <a:extLst>
+              <a:ext uri="{FF2B5EF4-FFF2-40B4-BE49-F238E27FC236}">
+                <a16:creationId xmlns:a16="http://schemas.microsoft.com/office/drawing/2014/main" id="{81F292DB-64D0-EF4C-865D-A84AF05CC620}"/>
+              </a:ext>
+            </a:extLst>
+          </p:cNvPr>
+          <p:cNvCxnSpPr>
+            <a:cxnSpLocks/>
+            <a:stCxn id="27" idx="2"/>
+            <a:endCxn id="28" idx="0"/>
+          </p:cNvCxnSpPr>
+          <p:nvPr/>
+        </p:nvCxnSpPr>
+        <p:spPr>
+          <a:xfrm>
+            <a:off x="6507129" y="2033329"/>
+            <a:ext cx="0" cy="517892"/>
+          </a:xfrm>
+          <a:prstGeom prst="straightConnector1">
+            <a:avLst/>
+          </a:prstGeom>
+          <a:ln w="25400">
+            <a:solidFill>
+              <a:srgbClr val="7030A0"/>
+            </a:solidFill>
+            <a:tailEnd type="triangle"/>
+          </a:ln>
+        </p:spPr>
+        <p:style>
+          <a:lnRef idx="1">
+            <a:schemeClr val="accent1"/>
+          </a:lnRef>
+          <a:fillRef idx="0">
+            <a:schemeClr val="accent1"/>
+          </a:fillRef>
+          <a:effectRef idx="0">
+            <a:schemeClr val="accent1"/>
+          </a:effectRef>
+          <a:fontRef idx="minor">
+            <a:schemeClr val="tx1"/>
+          </a:fontRef>
+        </p:style>
+      </p:cxnSp>
+      <p:cxnSp>
+        <p:nvCxnSpPr>
+          <p:cNvPr id="37" name="Straight Arrow Connector 36">
+            <a:extLst>
+              <a:ext uri="{FF2B5EF4-FFF2-40B4-BE49-F238E27FC236}">
+                <a16:creationId xmlns:a16="http://schemas.microsoft.com/office/drawing/2014/main" id="{17EE05E4-726E-E44B-8E60-384C03BA0AF4}"/>
+              </a:ext>
+            </a:extLst>
+          </p:cNvPr>
+          <p:cNvCxnSpPr>
+            <a:cxnSpLocks/>
+            <a:stCxn id="28" idx="1"/>
+            <a:endCxn id="26" idx="2"/>
+          </p:cNvCxnSpPr>
+          <p:nvPr/>
+        </p:nvCxnSpPr>
+        <p:spPr>
+          <a:xfrm flipH="1" flipV="1">
+            <a:off x="4481295" y="2645405"/>
+            <a:ext cx="1044633" cy="264405"/>
+          </a:xfrm>
+          <a:prstGeom prst="straightConnector1">
+            <a:avLst/>
+          </a:prstGeom>
+          <a:ln w="25400">
+            <a:solidFill>
+              <a:srgbClr val="7030A0"/>
+            </a:solidFill>
+            <a:tailEnd type="triangle"/>
+          </a:ln>
+        </p:spPr>
+        <p:style>
+          <a:lnRef idx="1">
+            <a:schemeClr val="accent1"/>
+          </a:lnRef>
+          <a:fillRef idx="0">
+            <a:schemeClr val="accent1"/>
+          </a:fillRef>
+          <a:effectRef idx="0">
+            <a:schemeClr val="accent1"/>
+          </a:effectRef>
+          <a:fontRef idx="minor">
+            <a:schemeClr val="tx1"/>
+          </a:fontRef>
+        </p:style>
+      </p:cxnSp>
+      <p:sp>
+        <p:nvSpPr>
+          <p:cNvPr id="41" name="Rectangle 40">
+            <a:extLst>
+              <a:ext uri="{FF2B5EF4-FFF2-40B4-BE49-F238E27FC236}">
+                <a16:creationId xmlns:a16="http://schemas.microsoft.com/office/drawing/2014/main" id="{79E4B688-7B2C-E04A-A333-679A75E0E701}"/>
+              </a:ext>
+            </a:extLst>
+          </p:cNvPr>
+          <p:cNvSpPr/>
+          <p:nvPr/>
+        </p:nvSpPr>
+        <p:spPr>
+          <a:xfrm>
+            <a:off x="6649315" y="3470058"/>
+            <a:ext cx="1962383" cy="717177"/>
+          </a:xfrm>
+          <a:prstGeom prst="rect">
+            <a:avLst/>
+          </a:prstGeom>
+          <a:solidFill>
+            <a:srgbClr val="FF007E">
+              <a:alpha val="9804"/>
+            </a:srgbClr>
+          </a:solidFill>
+          <a:ln>
+            <a:solidFill>
+              <a:srgbClr val="7030A0"/>
+            </a:solidFill>
+          </a:ln>
+        </p:spPr>
+        <p:style>
+          <a:lnRef idx="2">
+            <a:schemeClr val="accent1">
+              <a:shade val="50000"/>
+            </a:schemeClr>
+          </a:lnRef>
+          <a:fillRef idx="1">
+            <a:schemeClr val="accent1"/>
+          </a:fillRef>
+          <a:effectRef idx="0">
+            <a:schemeClr val="accent1"/>
+          </a:effectRef>
+          <a:fontRef idx="minor">
+            <a:schemeClr val="lt1"/>
+          </a:fontRef>
+        </p:style>
+        <p:txBody>
+          <a:bodyPr rtlCol="0" anchor="ctr"/>
+          <a:lstStyle/>
+          <a:p>
+            <a:pPr algn="ctr"/>
+            <a:r>
+              <a:rPr lang="en-US" sz="1600" dirty="0">
+                <a:solidFill>
+                  <a:schemeClr val="tx1"/>
+                </a:solidFill>
+              </a:rPr>
+              <a:t>Promote winning version. Cleanup.</a:t>
+            </a:r>
+          </a:p>
+        </p:txBody>
+      </p:sp>
+      <p:cxnSp>
+        <p:nvCxnSpPr>
+          <p:cNvPr id="45" name="Straight Arrow Connector 44">
+            <a:extLst>
+              <a:ext uri="{FF2B5EF4-FFF2-40B4-BE49-F238E27FC236}">
+                <a16:creationId xmlns:a16="http://schemas.microsoft.com/office/drawing/2014/main" id="{584DADCD-7073-ED44-B117-BB4EAD6142C9}"/>
+              </a:ext>
+            </a:extLst>
+          </p:cNvPr>
+          <p:cNvCxnSpPr>
+            <a:cxnSpLocks/>
+            <a:stCxn id="21" idx="3"/>
+            <a:endCxn id="89" idx="1"/>
+          </p:cNvCxnSpPr>
+          <p:nvPr/>
+        </p:nvCxnSpPr>
+        <p:spPr>
+          <a:xfrm flipV="1">
+            <a:off x="2350906" y="779007"/>
+            <a:ext cx="236060" cy="6290"/>
+          </a:xfrm>
+          <a:prstGeom prst="straightConnector1">
+            <a:avLst/>
+          </a:prstGeom>
+          <a:ln w="25400">
+            <a:solidFill>
+              <a:srgbClr val="7030A0"/>
+            </a:solidFill>
+            <a:tailEnd type="triangle"/>
+          </a:ln>
+        </p:spPr>
+        <p:style>
+          <a:lnRef idx="1">
+            <a:schemeClr val="accent1"/>
+          </a:lnRef>
+          <a:fillRef idx="0">
+            <a:schemeClr val="accent1"/>
+          </a:fillRef>
+          <a:effectRef idx="0">
+            <a:schemeClr val="accent1"/>
+          </a:effectRef>
+          <a:fontRef idx="minor">
+            <a:schemeClr val="tx1"/>
+          </a:fontRef>
+        </p:style>
+      </p:cxnSp>
+      <p:sp>
+        <p:nvSpPr>
+          <p:cNvPr id="58" name="Rectangle 57">
+            <a:extLst>
+              <a:ext uri="{FF2B5EF4-FFF2-40B4-BE49-F238E27FC236}">
+                <a16:creationId xmlns:a16="http://schemas.microsoft.com/office/drawing/2014/main" id="{872AD859-78B4-4249-9AC1-584B324F6BD3}"/>
+              </a:ext>
+            </a:extLst>
+          </p:cNvPr>
+          <p:cNvSpPr/>
+          <p:nvPr/>
+        </p:nvSpPr>
+        <p:spPr>
+          <a:xfrm>
+            <a:off x="4082772" y="4237215"/>
+            <a:ext cx="3926111" cy="541816"/>
+          </a:xfrm>
+          <a:prstGeom prst="rect">
+            <a:avLst/>
+          </a:prstGeom>
+          <a:solidFill>
+            <a:schemeClr val="bg1"/>
+          </a:solidFill>
+          <a:ln>
+            <a:noFill/>
+          </a:ln>
+        </p:spPr>
+        <p:style>
+          <a:lnRef idx="2">
+            <a:schemeClr val="accent1">
+              <a:shade val="50000"/>
+            </a:schemeClr>
+          </a:lnRef>
+          <a:fillRef idx="1">
+            <a:schemeClr val="accent1"/>
+          </a:fillRef>
+          <a:effectRef idx="0">
+            <a:schemeClr val="accent1"/>
+          </a:effectRef>
+          <a:fontRef idx="minor">
+            <a:schemeClr val="lt1"/>
+          </a:fontRef>
+        </p:style>
+        <p:txBody>
+          <a:bodyPr rtlCol="0" anchor="ctr"/>
+          <a:lstStyle/>
+          <a:p>
+            <a:pPr algn="ctr"/>
+            <a:r>
+              <a:rPr lang="en-US" sz="1600" dirty="0">
+                <a:solidFill>
+                  <a:schemeClr val="tx1"/>
+                </a:solidFill>
+              </a:rPr>
+              <a:t>Process automated by an Iter8 experiment</a:t>
+            </a:r>
+          </a:p>
+        </p:txBody>
+      </p:sp>
+      <p:pic>
+        <p:nvPicPr>
+          <p:cNvPr id="59" name="Picture 4" descr="iter8-tools · GitHub">
+            <a:extLst>
+              <a:ext uri="{FF2B5EF4-FFF2-40B4-BE49-F238E27FC236}">
+                <a16:creationId xmlns:a16="http://schemas.microsoft.com/office/drawing/2014/main" id="{3B3CC7DB-F1FB-2240-9575-513689AD4C96}"/>
+              </a:ext>
+            </a:extLst>
+          </p:cNvPr>
+          <p:cNvPicPr>
+            <a:picLocks noChangeAspect="1" noChangeArrowheads="1"/>
+          </p:cNvPicPr>
+          <p:nvPr/>
+        </p:nvPicPr>
+        <p:blipFill>
+          <a:blip r:embed="rId2">
+            <a:extLst>
+              <a:ext uri="{28A0092B-C50C-407E-A947-70E740481C1C}">
+                <a14:useLocalDpi xmlns:a14="http://schemas.microsoft.com/office/drawing/2010/main" val="0"/>
+              </a:ext>
+            </a:extLst>
+          </a:blip>
+          <a:srcRect/>
+          <a:stretch>
+            <a:fillRect/>
+          </a:stretch>
+        </p:blipFill>
+        <p:spPr bwMode="auto">
+          <a:xfrm>
+            <a:off x="3567653" y="4324895"/>
+            <a:ext cx="366455" cy="366455"/>
+          </a:xfrm>
+          <a:prstGeom prst="rect">
+            <a:avLst/>
+          </a:prstGeom>
+          <a:solidFill>
+            <a:schemeClr val="bg1"/>
+          </a:solidFill>
+        </p:spPr>
+      </p:pic>
+      <p:cxnSp>
+        <p:nvCxnSpPr>
+          <p:cNvPr id="65" name="Straight Connector 64">
+            <a:extLst>
+              <a:ext uri="{FF2B5EF4-FFF2-40B4-BE49-F238E27FC236}">
+                <a16:creationId xmlns:a16="http://schemas.microsoft.com/office/drawing/2014/main" id="{CE60B3AE-B59D-C54B-BAE1-503D558C6C5C}"/>
+              </a:ext>
+            </a:extLst>
+          </p:cNvPr>
+          <p:cNvCxnSpPr>
+            <a:cxnSpLocks/>
+          </p:cNvCxnSpPr>
+          <p:nvPr/>
+        </p:nvCxnSpPr>
+        <p:spPr>
+          <a:xfrm>
+            <a:off x="2459428" y="420418"/>
+            <a:ext cx="0" cy="4087705"/>
+          </a:xfrm>
+          <a:prstGeom prst="line">
+            <a:avLst/>
+          </a:prstGeom>
+          <a:ln w="12700">
+            <a:solidFill>
+              <a:srgbClr val="7030A0"/>
+            </a:solidFill>
+            <a:prstDash val="dash"/>
+          </a:ln>
+        </p:spPr>
+        <p:style>
+          <a:lnRef idx="1">
+            <a:schemeClr val="accent1"/>
+          </a:lnRef>
+          <a:fillRef idx="0">
+            <a:schemeClr val="accent1"/>
+          </a:fillRef>
+          <a:effectRef idx="0">
+            <a:schemeClr val="accent1"/>
+          </a:effectRef>
+          <a:fontRef idx="minor">
+            <a:schemeClr val="tx1"/>
+          </a:fontRef>
+        </p:style>
+      </p:cxnSp>
+      <p:cxnSp>
+        <p:nvCxnSpPr>
+          <p:cNvPr id="66" name="Straight Connector 65">
+            <a:extLst>
+              <a:ext uri="{FF2B5EF4-FFF2-40B4-BE49-F238E27FC236}">
+                <a16:creationId xmlns:a16="http://schemas.microsoft.com/office/drawing/2014/main" id="{7E443D9B-F23D-1247-8B63-4F409E903258}"/>
+              </a:ext>
+            </a:extLst>
+          </p:cNvPr>
+          <p:cNvCxnSpPr>
+            <a:cxnSpLocks/>
+          </p:cNvCxnSpPr>
+          <p:nvPr/>
+        </p:nvCxnSpPr>
+        <p:spPr>
+          <a:xfrm>
+            <a:off x="8760362" y="508099"/>
+            <a:ext cx="0" cy="4000024"/>
+          </a:xfrm>
+          <a:prstGeom prst="line">
+            <a:avLst/>
+          </a:prstGeom>
+          <a:ln w="12700">
+            <a:solidFill>
+              <a:srgbClr val="7030A0"/>
+            </a:solidFill>
+            <a:prstDash val="dash"/>
+          </a:ln>
+        </p:spPr>
+        <p:style>
+          <a:lnRef idx="1">
+            <a:schemeClr val="accent1"/>
+          </a:lnRef>
+          <a:fillRef idx="0">
+            <a:schemeClr val="accent1"/>
+          </a:fillRef>
+          <a:effectRef idx="0">
+            <a:schemeClr val="accent1"/>
+          </a:effectRef>
+          <a:fontRef idx="minor">
+            <a:schemeClr val="tx1"/>
+          </a:fontRef>
+        </p:style>
+      </p:cxnSp>
+      <p:cxnSp>
+        <p:nvCxnSpPr>
+          <p:cNvPr id="67" name="Straight Connector 66">
+            <a:extLst>
+              <a:ext uri="{FF2B5EF4-FFF2-40B4-BE49-F238E27FC236}">
+                <a16:creationId xmlns:a16="http://schemas.microsoft.com/office/drawing/2014/main" id="{7EE38516-599F-E84C-AF01-DA8A3D5633DE}"/>
+              </a:ext>
+            </a:extLst>
+          </p:cNvPr>
+          <p:cNvCxnSpPr>
+            <a:cxnSpLocks/>
+          </p:cNvCxnSpPr>
+          <p:nvPr/>
+        </p:nvCxnSpPr>
+        <p:spPr>
+          <a:xfrm>
+            <a:off x="2635890" y="4508123"/>
+            <a:ext cx="779978" cy="0"/>
+          </a:xfrm>
+          <a:prstGeom prst="line">
+            <a:avLst/>
+          </a:prstGeom>
+          <a:ln w="12700">
+            <a:solidFill>
+              <a:srgbClr val="7030A0"/>
+            </a:solidFill>
+            <a:prstDash val="dash"/>
+            <a:headEnd type="stealth" w="lg" len="lg"/>
+          </a:ln>
+        </p:spPr>
+        <p:style>
+          <a:lnRef idx="1">
+            <a:schemeClr val="accent1"/>
+          </a:lnRef>
+          <a:fillRef idx="0">
+            <a:schemeClr val="accent1"/>
+          </a:fillRef>
+          <a:effectRef idx="0">
+            <a:schemeClr val="accent1"/>
+          </a:effectRef>
+          <a:fontRef idx="minor">
+            <a:schemeClr val="tx1"/>
+          </a:fontRef>
+        </p:style>
+      </p:cxnSp>
+      <p:cxnSp>
+        <p:nvCxnSpPr>
+          <p:cNvPr id="70" name="Straight Connector 69">
+            <a:extLst>
+              <a:ext uri="{FF2B5EF4-FFF2-40B4-BE49-F238E27FC236}">
+                <a16:creationId xmlns:a16="http://schemas.microsoft.com/office/drawing/2014/main" id="{8EFC94BF-2795-A14C-BEA5-E5340633FD04}"/>
+              </a:ext>
+            </a:extLst>
+          </p:cNvPr>
+          <p:cNvCxnSpPr>
+            <a:cxnSpLocks/>
+            <a:endCxn id="58" idx="3"/>
+          </p:cNvCxnSpPr>
+          <p:nvPr/>
+        </p:nvCxnSpPr>
+        <p:spPr>
+          <a:xfrm flipH="1">
+            <a:off x="8008883" y="4508123"/>
+            <a:ext cx="613326" cy="0"/>
+          </a:xfrm>
+          <a:prstGeom prst="line">
+            <a:avLst/>
+          </a:prstGeom>
+          <a:ln w="12700">
+            <a:solidFill>
+              <a:srgbClr val="7030A0"/>
+            </a:solidFill>
+            <a:prstDash val="dash"/>
+            <a:headEnd type="stealth" w="lg" len="lg"/>
+          </a:ln>
+        </p:spPr>
+        <p:style>
+          <a:lnRef idx="1">
+            <a:schemeClr val="accent1"/>
+          </a:lnRef>
+          <a:fillRef idx="0">
+            <a:schemeClr val="accent1"/>
+          </a:fillRef>
+          <a:effectRef idx="0">
+            <a:schemeClr val="accent1"/>
+          </a:effectRef>
+          <a:fontRef idx="minor">
+            <a:schemeClr val="tx1"/>
+          </a:fontRef>
+        </p:style>
+      </p:cxnSp>
+      <p:sp>
+        <p:nvSpPr>
+          <p:cNvPr id="89" name="Rectangle 88">
+            <a:extLst>
+              <a:ext uri="{FF2B5EF4-FFF2-40B4-BE49-F238E27FC236}">
+                <a16:creationId xmlns:a16="http://schemas.microsoft.com/office/drawing/2014/main" id="{B8977B54-E556-994E-9699-EEBEA9261B07}"/>
+              </a:ext>
+            </a:extLst>
+          </p:cNvPr>
+          <p:cNvSpPr/>
+          <p:nvPr/>
+        </p:nvSpPr>
+        <p:spPr>
+          <a:xfrm>
+            <a:off x="2586966" y="420418"/>
+            <a:ext cx="1578772" cy="717177"/>
+          </a:xfrm>
+          <a:prstGeom prst="rect">
+            <a:avLst/>
+          </a:prstGeom>
+          <a:solidFill>
+            <a:srgbClr val="FF007E">
+              <a:alpha val="9804"/>
+            </a:srgbClr>
+          </a:solidFill>
+          <a:ln>
+            <a:solidFill>
+              <a:srgbClr val="7030A0"/>
+            </a:solidFill>
+          </a:ln>
+        </p:spPr>
+        <p:style>
+          <a:lnRef idx="2">
+            <a:schemeClr val="accent1">
+              <a:shade val="50000"/>
+            </a:schemeClr>
+          </a:lnRef>
+          <a:fillRef idx="1">
+            <a:schemeClr val="accent1"/>
+          </a:fillRef>
+          <a:effectRef idx="0">
+            <a:schemeClr val="accent1"/>
+          </a:effectRef>
+          <a:fontRef idx="minor">
+            <a:schemeClr val="lt1"/>
+          </a:fontRef>
+        </p:style>
+        <p:txBody>
+          <a:bodyPr rtlCol="0" anchor="ctr"/>
+          <a:lstStyle/>
+          <a:p>
+            <a:pPr algn="ctr"/>
+            <a:r>
+              <a:rPr lang="en-US" sz="1600" dirty="0">
+                <a:solidFill>
+                  <a:schemeClr val="tx1"/>
+                </a:solidFill>
+              </a:rPr>
+              <a:t>Initialize</a:t>
+            </a:r>
+          </a:p>
+        </p:txBody>
+      </p:sp>
+      <p:sp>
+        <p:nvSpPr>
+          <p:cNvPr id="106" name="Rectangle 105">
+            <a:extLst>
+              <a:ext uri="{FF2B5EF4-FFF2-40B4-BE49-F238E27FC236}">
+                <a16:creationId xmlns:a16="http://schemas.microsoft.com/office/drawing/2014/main" id="{00C9E952-592A-FE4E-ACCF-76B16E431C7A}"/>
+              </a:ext>
+            </a:extLst>
+          </p:cNvPr>
+          <p:cNvSpPr/>
+          <p:nvPr/>
+        </p:nvSpPr>
+        <p:spPr>
+          <a:xfrm>
+            <a:off x="939721" y="1608496"/>
+            <a:ext cx="1416424" cy="717177"/>
+          </a:xfrm>
+          <a:prstGeom prst="rect">
+            <a:avLst/>
+          </a:prstGeom>
+          <a:solidFill>
+            <a:schemeClr val="bg1"/>
+          </a:solidFill>
+          <a:ln>
+            <a:solidFill>
+              <a:srgbClr val="7030A0"/>
+            </a:solidFill>
+          </a:ln>
+        </p:spPr>
+        <p:style>
+          <a:lnRef idx="2">
+            <a:schemeClr val="accent1">
+              <a:shade val="50000"/>
+            </a:schemeClr>
+          </a:lnRef>
+          <a:fillRef idx="1">
+            <a:schemeClr val="accent1"/>
+          </a:fillRef>
+          <a:effectRef idx="0">
+            <a:schemeClr val="accent1"/>
+          </a:effectRef>
+          <a:fontRef idx="minor">
+            <a:schemeClr val="lt1"/>
+          </a:fontRef>
+        </p:style>
+        <p:txBody>
+          <a:bodyPr rtlCol="0" anchor="ctr"/>
+          <a:lstStyle/>
+          <a:p>
+            <a:pPr algn="ctr"/>
+            <a:r>
+              <a:rPr lang="en-US" sz="1600" dirty="0">
+                <a:solidFill>
+                  <a:schemeClr val="tx1"/>
+                </a:solidFill>
+              </a:rPr>
+              <a:t>Deploy app versions</a:t>
+            </a:r>
+          </a:p>
+        </p:txBody>
+      </p:sp>
+      <p:cxnSp>
+        <p:nvCxnSpPr>
+          <p:cNvPr id="119" name="Elbow Connector 118">
+            <a:extLst>
+              <a:ext uri="{FF2B5EF4-FFF2-40B4-BE49-F238E27FC236}">
+                <a16:creationId xmlns:a16="http://schemas.microsoft.com/office/drawing/2014/main" id="{68C075FE-1A05-A74F-9935-37AF77B0739E}"/>
+              </a:ext>
+            </a:extLst>
+          </p:cNvPr>
+          <p:cNvCxnSpPr>
+            <a:stCxn id="89" idx="3"/>
+            <a:endCxn id="7" idx="3"/>
+          </p:cNvCxnSpPr>
+          <p:nvPr/>
+        </p:nvCxnSpPr>
+        <p:spPr>
+          <a:xfrm>
+            <a:off x="4165738" y="779007"/>
+            <a:ext cx="1352195" cy="429676"/>
+          </a:xfrm>
+          <a:prstGeom prst="bentConnector2">
+            <a:avLst/>
+          </a:prstGeom>
+          <a:ln w="25400">
+            <a:solidFill>
+              <a:srgbClr val="7030A0"/>
+            </a:solidFill>
+            <a:tailEnd type="stealth" w="lg" len="lg"/>
+          </a:ln>
+        </p:spPr>
+        <p:style>
+          <a:lnRef idx="1">
+            <a:schemeClr val="accent1"/>
+          </a:lnRef>
+          <a:fillRef idx="0">
+            <a:schemeClr val="accent1"/>
+          </a:fillRef>
+          <a:effectRef idx="0">
+            <a:schemeClr val="accent1"/>
+          </a:effectRef>
+          <a:fontRef idx="minor">
+            <a:schemeClr val="tx1"/>
+          </a:fontRef>
+        </p:style>
+      </p:cxnSp>
+      <p:cxnSp>
+        <p:nvCxnSpPr>
+          <p:cNvPr id="121" name="Elbow Connector 120">
+            <a:extLst>
+              <a:ext uri="{FF2B5EF4-FFF2-40B4-BE49-F238E27FC236}">
+                <a16:creationId xmlns:a16="http://schemas.microsoft.com/office/drawing/2014/main" id="{AF1C2771-F6BF-FF46-9BB5-2EEB46087D1C}"/>
+              </a:ext>
+            </a:extLst>
+          </p:cNvPr>
+          <p:cNvCxnSpPr>
+            <a:cxnSpLocks/>
+            <a:stCxn id="7" idx="1"/>
+            <a:endCxn id="41" idx="1"/>
+          </p:cNvCxnSpPr>
+          <p:nvPr/>
+        </p:nvCxnSpPr>
+        <p:spPr>
+          <a:xfrm rot="16200000" flipH="1">
+            <a:off x="5866718" y="3046050"/>
+            <a:ext cx="433812" cy="1131382"/>
+          </a:xfrm>
+          <a:prstGeom prst="bentConnector2">
+            <a:avLst/>
+          </a:prstGeom>
+          <a:ln w="25400">
+            <a:solidFill>
+              <a:srgbClr val="7030A0"/>
+            </a:solidFill>
+            <a:tailEnd type="stealth" w="lg" len="lg"/>
+          </a:ln>
+        </p:spPr>
+        <p:style>
+          <a:lnRef idx="1">
+            <a:schemeClr val="accent1"/>
+          </a:lnRef>
+          <a:fillRef idx="0">
+            <a:schemeClr val="accent1"/>
+          </a:fillRef>
+          <a:effectRef idx="0">
+            <a:schemeClr val="accent1"/>
+          </a:effectRef>
+          <a:fontRef idx="minor">
+            <a:schemeClr val="tx1"/>
+          </a:fontRef>
+        </p:style>
+      </p:cxnSp>
+    </p:spTree>
+    <p:extLst>
+      <p:ext uri="{BB962C8B-B14F-4D97-AF65-F5344CB8AC3E}">
+        <p14:creationId xmlns:p14="http://schemas.microsoft.com/office/powerpoint/2010/main" val="1263024173"/>
       </p:ext>
     </p:extLst>
   </p:cSld>

--- a/mkdocs/src/assets/images/iter8++images.pptx
+++ b/mkdocs/src/assets/images/iter8++images.pptx
@@ -220,7 +220,7 @@
           <a:p>
             <a:fld id="{38B78CBE-37FA-D241-BB4C-CAC5D3B25F49}" type="datetimeFigureOut">
               <a:rPr lang="en-US" smtClean="0"/>
-              <a:t>3/16/21</a:t>
+              <a:t>3/17/21</a:t>
             </a:fld>
             <a:endParaRPr lang="en-US"/>
           </a:p>
@@ -802,7 +802,7 @@
           <a:p>
             <a:fld id="{79212C04-F6AE-AE48-B29D-E5DED656B647}" type="datetimeFigureOut">
               <a:rPr lang="en-US" smtClean="0"/>
-              <a:t>3/16/21</a:t>
+              <a:t>3/17/21</a:t>
             </a:fld>
             <a:endParaRPr lang="en-US"/>
           </a:p>
@@ -1000,7 +1000,7 @@
           <a:p>
             <a:fld id="{79212C04-F6AE-AE48-B29D-E5DED656B647}" type="datetimeFigureOut">
               <a:rPr lang="en-US" smtClean="0"/>
-              <a:t>3/16/21</a:t>
+              <a:t>3/17/21</a:t>
             </a:fld>
             <a:endParaRPr lang="en-US"/>
           </a:p>
@@ -1208,7 +1208,7 @@
           <a:p>
             <a:fld id="{79212C04-F6AE-AE48-B29D-E5DED656B647}" type="datetimeFigureOut">
               <a:rPr lang="en-US" smtClean="0"/>
-              <a:t>3/16/21</a:t>
+              <a:t>3/17/21</a:t>
             </a:fld>
             <a:endParaRPr lang="en-US"/>
           </a:p>
@@ -1406,7 +1406,7 @@
           <a:p>
             <a:fld id="{79212C04-F6AE-AE48-B29D-E5DED656B647}" type="datetimeFigureOut">
               <a:rPr lang="en-US" smtClean="0"/>
-              <a:t>3/16/21</a:t>
+              <a:t>3/17/21</a:t>
             </a:fld>
             <a:endParaRPr lang="en-US"/>
           </a:p>
@@ -1681,7 +1681,7 @@
           <a:p>
             <a:fld id="{79212C04-F6AE-AE48-B29D-E5DED656B647}" type="datetimeFigureOut">
               <a:rPr lang="en-US" smtClean="0"/>
-              <a:t>3/16/21</a:t>
+              <a:t>3/17/21</a:t>
             </a:fld>
             <a:endParaRPr lang="en-US"/>
           </a:p>
@@ -1946,7 +1946,7 @@
           <a:p>
             <a:fld id="{79212C04-F6AE-AE48-B29D-E5DED656B647}" type="datetimeFigureOut">
               <a:rPr lang="en-US" smtClean="0"/>
-              <a:t>3/16/21</a:t>
+              <a:t>3/17/21</a:t>
             </a:fld>
             <a:endParaRPr lang="en-US"/>
           </a:p>
@@ -2358,7 +2358,7 @@
           <a:p>
             <a:fld id="{79212C04-F6AE-AE48-B29D-E5DED656B647}" type="datetimeFigureOut">
               <a:rPr lang="en-US" smtClean="0"/>
-              <a:t>3/16/21</a:t>
+              <a:t>3/17/21</a:t>
             </a:fld>
             <a:endParaRPr lang="en-US"/>
           </a:p>
@@ -2499,7 +2499,7 @@
           <a:p>
             <a:fld id="{79212C04-F6AE-AE48-B29D-E5DED656B647}" type="datetimeFigureOut">
               <a:rPr lang="en-US" smtClean="0"/>
-              <a:t>3/16/21</a:t>
+              <a:t>3/17/21</a:t>
             </a:fld>
             <a:endParaRPr lang="en-US"/>
           </a:p>
@@ -2612,7 +2612,7 @@
           <a:p>
             <a:fld id="{79212C04-F6AE-AE48-B29D-E5DED656B647}" type="datetimeFigureOut">
               <a:rPr lang="en-US" smtClean="0"/>
-              <a:t>3/16/21</a:t>
+              <a:t>3/17/21</a:t>
             </a:fld>
             <a:endParaRPr lang="en-US"/>
           </a:p>
@@ -2923,7 +2923,7 @@
           <a:p>
             <a:fld id="{79212C04-F6AE-AE48-B29D-E5DED656B647}" type="datetimeFigureOut">
               <a:rPr lang="en-US" smtClean="0"/>
-              <a:t>3/16/21</a:t>
+              <a:t>3/17/21</a:t>
             </a:fld>
             <a:endParaRPr lang="en-US"/>
           </a:p>
@@ -3211,7 +3211,7 @@
           <a:p>
             <a:fld id="{79212C04-F6AE-AE48-B29D-E5DED656B647}" type="datetimeFigureOut">
               <a:rPr lang="en-US" smtClean="0"/>
-              <a:t>3/16/21</a:t>
+              <a:t>3/17/21</a:t>
             </a:fld>
             <a:endParaRPr lang="en-US"/>
           </a:p>
@@ -3452,7 +3452,7 @@
           <a:p>
             <a:fld id="{79212C04-F6AE-AE48-B29D-E5DED656B647}" type="datetimeFigureOut">
               <a:rPr lang="en-US" smtClean="0"/>
-              <a:t>3/16/21</a:t>
+              <a:t>3/17/21</a:t>
             </a:fld>
             <a:endParaRPr lang="en-US"/>
           </a:p>
@@ -42173,52 +42173,6 @@
       </p:sp>
       <p:cxnSp>
         <p:nvCxnSpPr>
-          <p:cNvPr id="30" name="Straight Arrow Connector 29">
-            <a:extLst>
-              <a:ext uri="{FF2B5EF4-FFF2-40B4-BE49-F238E27FC236}">
-                <a16:creationId xmlns:a16="http://schemas.microsoft.com/office/drawing/2014/main" id="{04142743-4CDC-3B4A-B06D-29E6BD5C9AA3}"/>
-              </a:ext>
-            </a:extLst>
-          </p:cNvPr>
-          <p:cNvCxnSpPr>
-            <a:cxnSpLocks/>
-            <a:stCxn id="26" idx="0"/>
-            <a:endCxn id="27" idx="1"/>
-          </p:cNvCxnSpPr>
-          <p:nvPr/>
-        </p:nvCxnSpPr>
-        <p:spPr>
-          <a:xfrm flipV="1">
-            <a:off x="4481295" y="1674741"/>
-            <a:ext cx="1317622" cy="253487"/>
-          </a:xfrm>
-          <a:prstGeom prst="straightConnector1">
-            <a:avLst/>
-          </a:prstGeom>
-          <a:ln w="25400">
-            <a:solidFill>
-              <a:srgbClr val="7030A0"/>
-            </a:solidFill>
-            <a:tailEnd type="triangle"/>
-          </a:ln>
-        </p:spPr>
-        <p:style>
-          <a:lnRef idx="1">
-            <a:schemeClr val="accent1"/>
-          </a:lnRef>
-          <a:fillRef idx="0">
-            <a:schemeClr val="accent1"/>
-          </a:fillRef>
-          <a:effectRef idx="0">
-            <a:schemeClr val="accent1"/>
-          </a:effectRef>
-          <a:fontRef idx="minor">
-            <a:schemeClr val="tx1"/>
-          </a:fontRef>
-        </p:style>
-      </p:cxnSp>
-      <p:cxnSp>
-        <p:nvCxnSpPr>
           <p:cNvPr id="33" name="Straight Arrow Connector 32">
             <a:extLst>
               <a:ext uri="{FF2B5EF4-FFF2-40B4-BE49-F238E27FC236}">
@@ -42237,52 +42191,6 @@
           <a:xfrm>
             <a:off x="6507129" y="2033329"/>
             <a:ext cx="0" cy="517892"/>
-          </a:xfrm>
-          <a:prstGeom prst="straightConnector1">
-            <a:avLst/>
-          </a:prstGeom>
-          <a:ln w="25400">
-            <a:solidFill>
-              <a:srgbClr val="7030A0"/>
-            </a:solidFill>
-            <a:tailEnd type="triangle"/>
-          </a:ln>
-        </p:spPr>
-        <p:style>
-          <a:lnRef idx="1">
-            <a:schemeClr val="accent1"/>
-          </a:lnRef>
-          <a:fillRef idx="0">
-            <a:schemeClr val="accent1"/>
-          </a:fillRef>
-          <a:effectRef idx="0">
-            <a:schemeClr val="accent1"/>
-          </a:effectRef>
-          <a:fontRef idx="minor">
-            <a:schemeClr val="tx1"/>
-          </a:fontRef>
-        </p:style>
-      </p:cxnSp>
-      <p:cxnSp>
-        <p:nvCxnSpPr>
-          <p:cNvPr id="37" name="Straight Arrow Connector 36">
-            <a:extLst>
-              <a:ext uri="{FF2B5EF4-FFF2-40B4-BE49-F238E27FC236}">
-                <a16:creationId xmlns:a16="http://schemas.microsoft.com/office/drawing/2014/main" id="{17EE05E4-726E-E44B-8E60-384C03BA0AF4}"/>
-              </a:ext>
-            </a:extLst>
-          </p:cNvPr>
-          <p:cNvCxnSpPr>
-            <a:cxnSpLocks/>
-            <a:stCxn id="28" idx="1"/>
-            <a:endCxn id="26" idx="2"/>
-          </p:cNvCxnSpPr>
-          <p:nvPr/>
-        </p:nvCxnSpPr>
-        <p:spPr>
-          <a:xfrm flipH="1" flipV="1">
-            <a:off x="4481295" y="2645405"/>
-            <a:ext cx="1044633" cy="264405"/>
           </a:xfrm>
           <a:prstGeom prst="straightConnector1">
             <a:avLst/>
@@ -42885,6 +42793,98 @@
           <a:xfrm rot="16200000" flipH="1">
             <a:off x="5866718" y="3046050"/>
             <a:ext cx="433812" cy="1131382"/>
+          </a:xfrm>
+          <a:prstGeom prst="bentConnector2">
+            <a:avLst/>
+          </a:prstGeom>
+          <a:ln w="25400">
+            <a:solidFill>
+              <a:srgbClr val="7030A0"/>
+            </a:solidFill>
+            <a:tailEnd type="stealth" w="lg" len="lg"/>
+          </a:ln>
+        </p:spPr>
+        <p:style>
+          <a:lnRef idx="1">
+            <a:schemeClr val="accent1"/>
+          </a:lnRef>
+          <a:fillRef idx="0">
+            <a:schemeClr val="accent1"/>
+          </a:fillRef>
+          <a:effectRef idx="0">
+            <a:schemeClr val="accent1"/>
+          </a:effectRef>
+          <a:fontRef idx="minor">
+            <a:schemeClr val="tx1"/>
+          </a:fontRef>
+        </p:style>
+      </p:cxnSp>
+      <p:cxnSp>
+        <p:nvCxnSpPr>
+          <p:cNvPr id="3" name="Elbow Connector 2">
+            <a:extLst>
+              <a:ext uri="{FF2B5EF4-FFF2-40B4-BE49-F238E27FC236}">
+                <a16:creationId xmlns:a16="http://schemas.microsoft.com/office/drawing/2014/main" id="{55D910AA-1959-1F4C-A43E-13575E0D53EF}"/>
+              </a:ext>
+            </a:extLst>
+          </p:cNvPr>
+          <p:cNvCxnSpPr>
+            <a:endCxn id="27" idx="1"/>
+          </p:cNvCxnSpPr>
+          <p:nvPr/>
+        </p:nvCxnSpPr>
+        <p:spPr>
+          <a:xfrm flipV="1">
+            <a:off x="4481295" y="1674741"/>
+            <a:ext cx="1317622" cy="253487"/>
+          </a:xfrm>
+          <a:prstGeom prst="bentConnector3">
+            <a:avLst>
+              <a:gd name="adj1" fmla="val -254"/>
+            </a:avLst>
+          </a:prstGeom>
+          <a:ln w="25400">
+            <a:solidFill>
+              <a:srgbClr val="7030A0"/>
+            </a:solidFill>
+            <a:tailEnd type="stealth" w="lg" len="lg"/>
+          </a:ln>
+        </p:spPr>
+        <p:style>
+          <a:lnRef idx="1">
+            <a:schemeClr val="accent1"/>
+          </a:lnRef>
+          <a:fillRef idx="0">
+            <a:schemeClr val="accent1"/>
+          </a:fillRef>
+          <a:effectRef idx="0">
+            <a:schemeClr val="accent1"/>
+          </a:effectRef>
+          <a:fontRef idx="minor">
+            <a:schemeClr val="tx1"/>
+          </a:fontRef>
+        </p:style>
+      </p:cxnSp>
+      <p:cxnSp>
+        <p:nvCxnSpPr>
+          <p:cNvPr id="29" name="Elbow Connector 28">
+            <a:extLst>
+              <a:ext uri="{FF2B5EF4-FFF2-40B4-BE49-F238E27FC236}">
+                <a16:creationId xmlns:a16="http://schemas.microsoft.com/office/drawing/2014/main" id="{01744BBB-CC9C-5A46-926E-ED149D548DDE}"/>
+              </a:ext>
+            </a:extLst>
+          </p:cNvPr>
+          <p:cNvCxnSpPr>
+            <a:cxnSpLocks/>
+            <a:stCxn id="28" idx="1"/>
+            <a:endCxn id="26" idx="2"/>
+          </p:cNvCxnSpPr>
+          <p:nvPr/>
+        </p:nvCxnSpPr>
+        <p:spPr>
+          <a:xfrm rot="10800000">
+            <a:off x="4481296" y="2645406"/>
+            <a:ext cx="1044633" cy="264405"/>
           </a:xfrm>
           <a:prstGeom prst="bentConnector2">
             <a:avLst/>
